--- a/Presentation/qe2.pptx
+++ b/Presentation/qe2.pptx
@@ -5,36 +5,37 @@
     <p:sldMasterId id="2147483648" r:id="rId1"/>
   </p:sldMasterIdLst>
   <p:notesMasterIdLst>
-    <p:notesMasterId r:id="rId26"/>
+    <p:notesMasterId r:id="rId27"/>
   </p:notesMasterIdLst>
   <p:handoutMasterIdLst>
-    <p:handoutMasterId r:id="rId27"/>
+    <p:handoutMasterId r:id="rId28"/>
   </p:handoutMasterIdLst>
   <p:sldIdLst>
     <p:sldId id="268" r:id="rId2"/>
     <p:sldId id="276" r:id="rId3"/>
     <p:sldId id="277" r:id="rId4"/>
     <p:sldId id="278" r:id="rId5"/>
-    <p:sldId id="273" r:id="rId6"/>
-    <p:sldId id="280" r:id="rId7"/>
-    <p:sldId id="281" r:id="rId8"/>
-    <p:sldId id="282" r:id="rId9"/>
-    <p:sldId id="283" r:id="rId10"/>
-    <p:sldId id="284" r:id="rId11"/>
-    <p:sldId id="285" r:id="rId12"/>
-    <p:sldId id="286" r:id="rId13"/>
-    <p:sldId id="287" r:id="rId14"/>
-    <p:sldId id="288" r:id="rId15"/>
-    <p:sldId id="289" r:id="rId16"/>
-    <p:sldId id="290" r:id="rId17"/>
-    <p:sldId id="292" r:id="rId18"/>
-    <p:sldId id="293" r:id="rId19"/>
-    <p:sldId id="294" r:id="rId20"/>
-    <p:sldId id="295" r:id="rId21"/>
-    <p:sldId id="296" r:id="rId22"/>
-    <p:sldId id="297" r:id="rId23"/>
-    <p:sldId id="279" r:id="rId24"/>
-    <p:sldId id="291" r:id="rId25"/>
+    <p:sldId id="280" r:id="rId6"/>
+    <p:sldId id="281" r:id="rId7"/>
+    <p:sldId id="298" r:id="rId8"/>
+    <p:sldId id="299" r:id="rId9"/>
+    <p:sldId id="282" r:id="rId10"/>
+    <p:sldId id="283" r:id="rId11"/>
+    <p:sldId id="284" r:id="rId12"/>
+    <p:sldId id="285" r:id="rId13"/>
+    <p:sldId id="286" r:id="rId14"/>
+    <p:sldId id="287" r:id="rId15"/>
+    <p:sldId id="288" r:id="rId16"/>
+    <p:sldId id="289" r:id="rId17"/>
+    <p:sldId id="290" r:id="rId18"/>
+    <p:sldId id="292" r:id="rId19"/>
+    <p:sldId id="293" r:id="rId20"/>
+    <p:sldId id="294" r:id="rId21"/>
+    <p:sldId id="295" r:id="rId22"/>
+    <p:sldId id="296" r:id="rId23"/>
+    <p:sldId id="297" r:id="rId24"/>
+    <p:sldId id="279" r:id="rId25"/>
+    <p:sldId id="291" r:id="rId26"/>
   </p:sldIdLst>
   <p:sldSz cx="12192000" cy="6858000"/>
   <p:notesSz cx="6858000" cy="9144000"/>
@@ -242,7 +243,7 @@
           <a:p>
             <a:fld id="{C44B0E00-9206-3A4E-AD6C-96DEFB21C943}" type="datetimeFigureOut">
               <a:rPr lang="en-US" smtClean="0"/>
-              <a:t>5/2/2018</a:t>
+              <a:t>5/12/2018</a:t>
             </a:fld>
             <a:endParaRPr lang="en-US"/>
           </a:p>
@@ -407,7 +408,7 @@
           <a:p>
             <a:fld id="{138FCD27-4B6F-264E-84EB-01FB92F2B3E8}" type="datetimeFigureOut">
               <a:rPr lang="en-US" smtClean="0"/>
-              <a:t>5/2/2018</a:t>
+              <a:t>5/12/2018</a:t>
             </a:fld>
             <a:endParaRPr lang="en-US"/>
           </a:p>
@@ -1075,91 +1076,7 @@
           <a:p>
             <a:fld id="{457AE360-FF46-004C-BFD2-6B36BE4CBC0A}" type="slidenum">
               <a:rPr lang="en-US" smtClean="0"/>
-              <a:t>5</a:t>
-            </a:fld>
-            <a:endParaRPr lang="en-US"/>
-          </a:p>
-        </p:txBody>
-      </p:sp>
-    </p:spTree>
-    <p:extLst>
-      <p:ext uri="{BB962C8B-B14F-4D97-AF65-F5344CB8AC3E}">
-        <p14:creationId xmlns:p14="http://schemas.microsoft.com/office/powerpoint/2010/main" val="1522306389"/>
-      </p:ext>
-    </p:extLst>
-  </p:cSld>
-  <p:clrMapOvr>
-    <a:masterClrMapping/>
-  </p:clrMapOvr>
-</p:notes>
-</file>
-
-<file path=ppt/notesSlides/notesSlide6.xml><?xml version="1.0" encoding="utf-8"?>
-<p:notes xmlns:a="http://schemas.openxmlformats.org/drawingml/2006/main" xmlns:r="http://schemas.openxmlformats.org/officeDocument/2006/relationships" xmlns:p="http://schemas.openxmlformats.org/presentationml/2006/main">
-  <p:cSld>
-    <p:spTree>
-      <p:nvGrpSpPr>
-        <p:cNvPr id="1" name=""/>
-        <p:cNvGrpSpPr/>
-        <p:nvPr/>
-      </p:nvGrpSpPr>
-      <p:grpSpPr>
-        <a:xfrm>
-          <a:off x="0" y="0"/>
-          <a:ext cx="0" cy="0"/>
-          <a:chOff x="0" y="0"/>
-          <a:chExt cx="0" cy="0"/>
-        </a:xfrm>
-      </p:grpSpPr>
-      <p:sp>
-        <p:nvSpPr>
-          <p:cNvPr id="2" name="Slide Image Placeholder 1"/>
-          <p:cNvSpPr>
-            <a:spLocks noGrp="1" noRot="1" noChangeAspect="1"/>
-          </p:cNvSpPr>
-          <p:nvPr>
-            <p:ph type="sldImg"/>
-          </p:nvPr>
-        </p:nvSpPr>
-        <p:spPr/>
-      </p:sp>
-      <p:sp>
-        <p:nvSpPr>
-          <p:cNvPr id="3" name="Notes Placeholder 2"/>
-          <p:cNvSpPr>
-            <a:spLocks noGrp="1"/>
-          </p:cNvSpPr>
-          <p:nvPr>
-            <p:ph type="body" idx="1"/>
-          </p:nvPr>
-        </p:nvSpPr>
-        <p:spPr/>
-        <p:txBody>
-          <a:bodyPr/>
-          <a:lstStyle/>
-          <a:p>
-            <a:endParaRPr lang="en-US" dirty="0"/>
-          </a:p>
-        </p:txBody>
-      </p:sp>
-      <p:sp>
-        <p:nvSpPr>
-          <p:cNvPr id="4" name="Slide Number Placeholder 3"/>
-          <p:cNvSpPr>
-            <a:spLocks noGrp="1"/>
-          </p:cNvSpPr>
-          <p:nvPr>
-            <p:ph type="sldNum" sz="quarter" idx="10"/>
-          </p:nvPr>
-        </p:nvSpPr>
-        <p:spPr/>
-        <p:txBody>
-          <a:bodyPr/>
-          <a:lstStyle/>
-          <a:p>
-            <a:fld id="{457AE360-FF46-004C-BFD2-6B36BE4CBC0A}" type="slidenum">
-              <a:rPr lang="en-US" smtClean="0"/>
-              <a:t>9</a:t>
+              <a:t>10</a:t>
             </a:fld>
             <a:endParaRPr lang="en-US"/>
           </a:p>
@@ -5193,7 +5110,7 @@
           <a:p>
             <a:r>
               <a:rPr lang="en-US" dirty="0"/>
-              <a:t>MAY 3, 2018</a:t>
+              <a:t>MAY 14, 2018</a:t>
             </a:r>
           </a:p>
         </p:txBody>
@@ -5236,6 +5153,183 @@
           <p:cNvPr id="2" name="Slide Number Placeholder 1">
             <a:extLst>
               <a:ext uri="{FF2B5EF4-FFF2-40B4-BE49-F238E27FC236}">
+                <a16:creationId xmlns:a16="http://schemas.microsoft.com/office/drawing/2014/main" id="{1485AEAE-3F35-4A27-8834-F4236B8F1DCB}"/>
+              </a:ext>
+            </a:extLst>
+          </p:cNvPr>
+          <p:cNvSpPr>
+            <a:spLocks noGrp="1"/>
+          </p:cNvSpPr>
+          <p:nvPr>
+            <p:ph type="sldNum" sz="quarter" idx="10"/>
+          </p:nvPr>
+        </p:nvSpPr>
+        <p:spPr/>
+        <p:txBody>
+          <a:bodyPr/>
+          <a:lstStyle/>
+          <a:p>
+            <a:fld id="{F343A32A-436A-8143-8894-653E98457856}" type="slidenum">
+              <a:rPr lang="en-US" smtClean="0"/>
+              <a:pPr/>
+              <a:t>10</a:t>
+            </a:fld>
+            <a:endParaRPr lang="en-US" dirty="0"/>
+          </a:p>
+        </p:txBody>
+      </p:sp>
+      <p:sp>
+        <p:nvSpPr>
+          <p:cNvPr id="3" name="Title 2">
+            <a:extLst>
+              <a:ext uri="{FF2B5EF4-FFF2-40B4-BE49-F238E27FC236}">
+                <a16:creationId xmlns:a16="http://schemas.microsoft.com/office/drawing/2014/main" id="{9DA3D63A-0851-4C4A-9F51-DA796946AB8F}"/>
+              </a:ext>
+            </a:extLst>
+          </p:cNvPr>
+          <p:cNvSpPr>
+            <a:spLocks noGrp="1"/>
+          </p:cNvSpPr>
+          <p:nvPr>
+            <p:ph type="title"/>
+          </p:nvPr>
+        </p:nvSpPr>
+        <p:spPr/>
+        <p:txBody>
+          <a:bodyPr/>
+          <a:lstStyle/>
+          <a:p>
+            <a:r>
+              <a:rPr lang="en-US" dirty="0"/>
+              <a:t>Attacks</a:t>
+            </a:r>
+          </a:p>
+        </p:txBody>
+      </p:sp>
+      <p:sp>
+        <p:nvSpPr>
+          <p:cNvPr id="4" name="Text Placeholder 3">
+            <a:extLst>
+              <a:ext uri="{FF2B5EF4-FFF2-40B4-BE49-F238E27FC236}">
+                <a16:creationId xmlns:a16="http://schemas.microsoft.com/office/drawing/2014/main" id="{C37195A3-D9E8-45BE-A567-33FA61EF0E4C}"/>
+              </a:ext>
+            </a:extLst>
+          </p:cNvPr>
+          <p:cNvSpPr>
+            <a:spLocks noGrp="1"/>
+          </p:cNvSpPr>
+          <p:nvPr>
+            <p:ph type="body" sz="quarter" idx="20"/>
+          </p:nvPr>
+        </p:nvSpPr>
+        <p:spPr/>
+        <p:txBody>
+          <a:bodyPr/>
+          <a:lstStyle/>
+          <a:p>
+            <a:pPr marL="571500" indent="-571500">
+              <a:buFont typeface="Arial" panose="020B0604020202020204" pitchFamily="34" charset="0"/>
+              <a:buChar char="•"/>
+            </a:pPr>
+            <a:endParaRPr lang="en-US" sz="2800" dirty="0"/>
+          </a:p>
+        </p:txBody>
+      </p:sp>
+      <p:sp>
+        <p:nvSpPr>
+          <p:cNvPr id="5" name="Content Placeholder 4">
+            <a:extLst>
+              <a:ext uri="{FF2B5EF4-FFF2-40B4-BE49-F238E27FC236}">
+                <a16:creationId xmlns:a16="http://schemas.microsoft.com/office/drawing/2014/main" id="{73CECFD6-E8A3-451F-B069-BC50FA956731}"/>
+              </a:ext>
+            </a:extLst>
+          </p:cNvPr>
+          <p:cNvSpPr>
+            <a:spLocks noGrp="1"/>
+          </p:cNvSpPr>
+          <p:nvPr>
+            <p:ph sz="quarter" idx="19"/>
+          </p:nvPr>
+        </p:nvSpPr>
+        <p:spPr/>
+        <p:txBody>
+          <a:bodyPr/>
+          <a:lstStyle/>
+          <a:p>
+            <a:r>
+              <a:rPr lang="en-US" dirty="0" err="1"/>
+              <a:t>Prime+Probe</a:t>
+            </a:r>
+            <a:endParaRPr lang="en-US" dirty="0"/>
+          </a:p>
+        </p:txBody>
+      </p:sp>
+      <p:sp>
+        <p:nvSpPr>
+          <p:cNvPr id="6" name="Text Placeholder 5">
+            <a:extLst>
+              <a:ext uri="{FF2B5EF4-FFF2-40B4-BE49-F238E27FC236}">
+                <a16:creationId xmlns:a16="http://schemas.microsoft.com/office/drawing/2014/main" id="{093D709D-819E-4D72-894F-DC85A5D3342D}"/>
+              </a:ext>
+            </a:extLst>
+          </p:cNvPr>
+          <p:cNvSpPr>
+            <a:spLocks noGrp="1"/>
+          </p:cNvSpPr>
+          <p:nvPr>
+            <p:ph type="body" sz="quarter" idx="22"/>
+          </p:nvPr>
+        </p:nvSpPr>
+        <p:spPr/>
+        <p:txBody>
+          <a:bodyPr/>
+          <a:lstStyle/>
+          <a:p>
+            <a:r>
+              <a:rPr lang="en-US" dirty="0"/>
+              <a:t>Department of Electrical Engineering and Computer Science</a:t>
+            </a:r>
+          </a:p>
+        </p:txBody>
+      </p:sp>
+    </p:spTree>
+    <p:extLst>
+      <p:ext uri="{BB962C8B-B14F-4D97-AF65-F5344CB8AC3E}">
+        <p14:creationId xmlns:p14="http://schemas.microsoft.com/office/powerpoint/2010/main" val="767163170"/>
+      </p:ext>
+    </p:extLst>
+  </p:cSld>
+  <p:clrMapOvr>
+    <a:masterClrMapping/>
+  </p:clrMapOvr>
+  <p:transition>
+    <p:fade/>
+  </p:transition>
+</p:sld>
+</file>
+
+<file path=ppt/slides/slide11.xml><?xml version="1.0" encoding="utf-8"?>
+<p:sld xmlns:a="http://schemas.openxmlformats.org/drawingml/2006/main" xmlns:r="http://schemas.openxmlformats.org/officeDocument/2006/relationships" xmlns:p="http://schemas.openxmlformats.org/presentationml/2006/main">
+  <p:cSld>
+    <p:spTree>
+      <p:nvGrpSpPr>
+        <p:cNvPr id="1" name=""/>
+        <p:cNvGrpSpPr/>
+        <p:nvPr/>
+      </p:nvGrpSpPr>
+      <p:grpSpPr>
+        <a:xfrm>
+          <a:off x="0" y="0"/>
+          <a:ext cx="0" cy="0"/>
+          <a:chOff x="0" y="0"/>
+          <a:chExt cx="0" cy="0"/>
+        </a:xfrm>
+      </p:grpSpPr>
+      <p:sp>
+        <p:nvSpPr>
+          <p:cNvPr id="2" name="Slide Number Placeholder 1">
+            <a:extLst>
+              <a:ext uri="{FF2B5EF4-FFF2-40B4-BE49-F238E27FC236}">
                 <a16:creationId xmlns:a16="http://schemas.microsoft.com/office/drawing/2014/main" id="{89EDED9A-FBD5-4207-8726-B13CA620FDCF}"/>
               </a:ext>
             </a:extLst>
@@ -5255,7 +5349,7 @@
             <a:fld id="{F343A32A-436A-8143-8894-653E98457856}" type="slidenum">
               <a:rPr lang="en-US" smtClean="0"/>
               <a:pPr/>
-              <a:t>10</a:t>
+              <a:t>11</a:t>
             </a:fld>
             <a:endParaRPr lang="en-US" dirty="0"/>
           </a:p>
@@ -5828,303 +5922,6 @@
 </p:sld>
 </file>
 
-<file path=ppt/slides/slide11.xml><?xml version="1.0" encoding="utf-8"?>
-<p:sld xmlns:a="http://schemas.openxmlformats.org/drawingml/2006/main" xmlns:r="http://schemas.openxmlformats.org/officeDocument/2006/relationships" xmlns:p="http://schemas.openxmlformats.org/presentationml/2006/main">
-  <p:cSld>
-    <p:spTree>
-      <p:nvGrpSpPr>
-        <p:cNvPr id="1" name=""/>
-        <p:cNvGrpSpPr/>
-        <p:nvPr/>
-      </p:nvGrpSpPr>
-      <p:grpSpPr>
-        <a:xfrm>
-          <a:off x="0" y="0"/>
-          <a:ext cx="0" cy="0"/>
-          <a:chOff x="0" y="0"/>
-          <a:chExt cx="0" cy="0"/>
-        </a:xfrm>
-      </p:grpSpPr>
-      <p:sp>
-        <p:nvSpPr>
-          <p:cNvPr id="2" name="Slide Number Placeholder 1">
-            <a:extLst>
-              <a:ext uri="{FF2B5EF4-FFF2-40B4-BE49-F238E27FC236}">
-                <a16:creationId xmlns:a16="http://schemas.microsoft.com/office/drawing/2014/main" id="{A3A466E4-604C-409B-8CA7-89BF5D479229}"/>
-              </a:ext>
-            </a:extLst>
-          </p:cNvPr>
-          <p:cNvSpPr>
-            <a:spLocks noGrp="1"/>
-          </p:cNvSpPr>
-          <p:nvPr>
-            <p:ph type="sldNum" sz="quarter" idx="10"/>
-          </p:nvPr>
-        </p:nvSpPr>
-        <p:spPr/>
-        <p:txBody>
-          <a:bodyPr/>
-          <a:lstStyle/>
-          <a:p>
-            <a:fld id="{F343A32A-436A-8143-8894-653E98457856}" type="slidenum">
-              <a:rPr lang="en-US" smtClean="0"/>
-              <a:pPr/>
-              <a:t>11</a:t>
-            </a:fld>
-            <a:endParaRPr lang="en-US" dirty="0"/>
-          </a:p>
-        </p:txBody>
-      </p:sp>
-      <p:sp>
-        <p:nvSpPr>
-          <p:cNvPr id="3" name="Title 2">
-            <a:extLst>
-              <a:ext uri="{FF2B5EF4-FFF2-40B4-BE49-F238E27FC236}">
-                <a16:creationId xmlns:a16="http://schemas.microsoft.com/office/drawing/2014/main" id="{D022FBDF-8583-41B1-BD01-17B70DE4193E}"/>
-              </a:ext>
-            </a:extLst>
-          </p:cNvPr>
-          <p:cNvSpPr>
-            <a:spLocks noGrp="1"/>
-          </p:cNvSpPr>
-          <p:nvPr>
-            <p:ph type="title"/>
-          </p:nvPr>
-        </p:nvSpPr>
-        <p:spPr/>
-        <p:txBody>
-          <a:bodyPr/>
-          <a:lstStyle/>
-          <a:p>
-            <a:r>
-              <a:rPr lang="en-US" dirty="0"/>
-              <a:t>Attacks</a:t>
-            </a:r>
-          </a:p>
-        </p:txBody>
-      </p:sp>
-      <p:sp>
-        <p:nvSpPr>
-          <p:cNvPr id="4" name="Text Placeholder 3">
-            <a:extLst>
-              <a:ext uri="{FF2B5EF4-FFF2-40B4-BE49-F238E27FC236}">
-                <a16:creationId xmlns:a16="http://schemas.microsoft.com/office/drawing/2014/main" id="{C579AF0C-A2A6-4AB0-9802-50B6A4FA6B1F}"/>
-              </a:ext>
-            </a:extLst>
-          </p:cNvPr>
-          <p:cNvSpPr>
-            <a:spLocks noGrp="1"/>
-          </p:cNvSpPr>
-          <p:nvPr>
-            <p:ph type="body" sz="quarter" idx="20"/>
-          </p:nvPr>
-        </p:nvSpPr>
-        <p:spPr>
-          <a:xfrm>
-            <a:off x="1066802" y="1782829"/>
-            <a:ext cx="10667998" cy="3646487"/>
-          </a:xfrm>
-        </p:spPr>
-        <p:txBody>
-          <a:bodyPr/>
-          <a:lstStyle/>
-          <a:p>
-            <a:pPr marL="571500" indent="-571500">
-              <a:buFont typeface="Arial" panose="020B0604020202020204" pitchFamily="34" charset="0"/>
-              <a:buChar char="•"/>
-            </a:pPr>
-            <a:r>
-              <a:rPr lang="en-US" sz="3200" dirty="0">
-                <a:latin typeface="Sherman Sans Book"/>
-              </a:rPr>
-              <a:t>Introduced by Van </a:t>
-            </a:r>
-            <a:r>
-              <a:rPr lang="en-US" sz="3200" dirty="0" err="1">
-                <a:latin typeface="Sherman Sans Book"/>
-              </a:rPr>
-              <a:t>Bulck</a:t>
-            </a:r>
-            <a:r>
-              <a:rPr lang="en-US" sz="3200" dirty="0">
-                <a:latin typeface="Sherman Sans Book"/>
-              </a:rPr>
-              <a:t> et al.</a:t>
-            </a:r>
-          </a:p>
-          <a:p>
-            <a:pPr marL="571500" indent="-571500">
-              <a:buFont typeface="Arial" panose="020B0604020202020204" pitchFamily="34" charset="0"/>
-              <a:buChar char="•"/>
-            </a:pPr>
-            <a:r>
-              <a:rPr lang="en-US" sz="3200" dirty="0">
-                <a:latin typeface="Sherman Sans Book"/>
-              </a:rPr>
-              <a:t>Basic page-fault attack:</a:t>
-            </a:r>
-          </a:p>
-          <a:p>
-            <a:pPr marL="1028700" lvl="1" indent="-571500">
-              <a:buFont typeface="Arial" panose="020B0604020202020204" pitchFamily="34" charset="0"/>
-              <a:buChar char="•"/>
-            </a:pPr>
-            <a:r>
-              <a:rPr lang="en-US" sz="2800" dirty="0">
-                <a:solidFill>
-                  <a:srgbClr val="3E3D3C"/>
-                </a:solidFill>
-                <a:latin typeface="Sherman Sans Book"/>
-              </a:rPr>
-              <a:t>OS controls page tables</a:t>
-            </a:r>
-          </a:p>
-          <a:p>
-            <a:pPr marL="1028700" lvl="1" indent="-571500">
-              <a:buFont typeface="Arial" panose="020B0604020202020204" pitchFamily="34" charset="0"/>
-              <a:buChar char="•"/>
-            </a:pPr>
-            <a:r>
-              <a:rPr lang="en-US" sz="2800" dirty="0">
-                <a:solidFill>
-                  <a:srgbClr val="3E3D3C"/>
-                </a:solidFill>
-                <a:latin typeface="Sherman Sans Book"/>
-              </a:rPr>
-              <a:t>Sets trap by making pages inaccessible</a:t>
-            </a:r>
-          </a:p>
-          <a:p>
-            <a:pPr marL="1028700" lvl="1" indent="-571500">
-              <a:buFont typeface="Arial" panose="020B0604020202020204" pitchFamily="34" charset="0"/>
-              <a:buChar char="•"/>
-            </a:pPr>
-            <a:r>
-              <a:rPr lang="en-US" sz="2800" dirty="0">
-                <a:solidFill>
-                  <a:srgbClr val="3E3D3C"/>
-                </a:solidFill>
-                <a:latin typeface="Sherman Sans Book"/>
-              </a:rPr>
-              <a:t>Observe page-fault patterns</a:t>
-            </a:r>
-          </a:p>
-          <a:p>
-            <a:pPr marL="1028700" lvl="1" indent="-571500">
-              <a:buFont typeface="Arial" panose="020B0604020202020204" pitchFamily="34" charset="0"/>
-              <a:buChar char="•"/>
-            </a:pPr>
-            <a:r>
-              <a:rPr lang="en-US" sz="2800" dirty="0">
-                <a:solidFill>
-                  <a:srgbClr val="3E3D3C"/>
-                </a:solidFill>
-                <a:latin typeface="Sherman Sans Book"/>
-              </a:rPr>
-              <a:t>Or simply monitor certain pages and cause page-faults</a:t>
-            </a:r>
-          </a:p>
-          <a:p>
-            <a:pPr marL="571500" indent="-571500">
-              <a:buFont typeface="Arial" panose="020B0604020202020204" pitchFamily="34" charset="0"/>
-              <a:buChar char="•"/>
-            </a:pPr>
-            <a:r>
-              <a:rPr lang="en-US" sz="3200" dirty="0">
-                <a:latin typeface="Sherman Sans Book"/>
-              </a:rPr>
-              <a:t>Page table entry flags</a:t>
-            </a:r>
-          </a:p>
-          <a:p>
-            <a:pPr marL="1028700" lvl="1" indent="-571500">
-              <a:buFont typeface="Arial" panose="020B0604020202020204" pitchFamily="34" charset="0"/>
-              <a:buChar char="•"/>
-            </a:pPr>
-            <a:r>
-              <a:rPr lang="en-US" sz="2800" dirty="0">
-                <a:solidFill>
-                  <a:srgbClr val="3E3D3C"/>
-                </a:solidFill>
-                <a:latin typeface="Sherman Sans Book"/>
-              </a:rPr>
-              <a:t>Accessed and dirty flags</a:t>
-            </a:r>
-          </a:p>
-        </p:txBody>
-      </p:sp>
-      <p:sp>
-        <p:nvSpPr>
-          <p:cNvPr id="5" name="Content Placeholder 4">
-            <a:extLst>
-              <a:ext uri="{FF2B5EF4-FFF2-40B4-BE49-F238E27FC236}">
-                <a16:creationId xmlns:a16="http://schemas.microsoft.com/office/drawing/2014/main" id="{C731D260-B812-45D4-8F79-B64F285BE519}"/>
-              </a:ext>
-            </a:extLst>
-          </p:cNvPr>
-          <p:cNvSpPr>
-            <a:spLocks noGrp="1"/>
-          </p:cNvSpPr>
-          <p:nvPr>
-            <p:ph sz="quarter" idx="19"/>
-          </p:nvPr>
-        </p:nvSpPr>
-        <p:spPr/>
-        <p:txBody>
-          <a:bodyPr/>
-          <a:lstStyle/>
-          <a:p>
-            <a:r>
-              <a:rPr lang="en-US" dirty="0"/>
-              <a:t>Stealthy page table based attacks</a:t>
-            </a:r>
-          </a:p>
-        </p:txBody>
-      </p:sp>
-      <p:sp>
-        <p:nvSpPr>
-          <p:cNvPr id="6" name="Text Placeholder 5">
-            <a:extLst>
-              <a:ext uri="{FF2B5EF4-FFF2-40B4-BE49-F238E27FC236}">
-                <a16:creationId xmlns:a16="http://schemas.microsoft.com/office/drawing/2014/main" id="{FD1FB2DF-A2E5-46D8-A7B2-CA2F9A9D4082}"/>
-              </a:ext>
-            </a:extLst>
-          </p:cNvPr>
-          <p:cNvSpPr>
-            <a:spLocks noGrp="1"/>
-          </p:cNvSpPr>
-          <p:nvPr>
-            <p:ph type="body" sz="quarter" idx="22"/>
-          </p:nvPr>
-        </p:nvSpPr>
-        <p:spPr/>
-        <p:txBody>
-          <a:bodyPr/>
-          <a:lstStyle/>
-          <a:p>
-            <a:r>
-              <a:rPr lang="en-US" dirty="0"/>
-              <a:t>Department of Electrical Engineering and Computer Science</a:t>
-            </a:r>
-          </a:p>
-        </p:txBody>
-      </p:sp>
-    </p:spTree>
-    <p:extLst>
-      <p:ext uri="{BB962C8B-B14F-4D97-AF65-F5344CB8AC3E}">
-        <p14:creationId xmlns:p14="http://schemas.microsoft.com/office/powerpoint/2010/main" val="755460847"/>
-      </p:ext>
-    </p:extLst>
-  </p:cSld>
-  <p:clrMapOvr>
-    <a:masterClrMapping/>
-  </p:clrMapOvr>
-  <p:transition>
-    <p:fade/>
-  </p:transition>
-</p:sld>
-</file>
-
 <file path=ppt/slides/slide12.xml><?xml version="1.0" encoding="utf-8"?>
 <p:sld xmlns:a="http://schemas.openxmlformats.org/drawingml/2006/main" xmlns:r="http://schemas.openxmlformats.org/officeDocument/2006/relationships" xmlns:p="http://schemas.openxmlformats.org/presentationml/2006/main">
   <p:cSld>
@@ -6147,7 +5944,7 @@
           <p:cNvPr id="2" name="Slide Number Placeholder 1">
             <a:extLst>
               <a:ext uri="{FF2B5EF4-FFF2-40B4-BE49-F238E27FC236}">
-                <a16:creationId xmlns:a16="http://schemas.microsoft.com/office/drawing/2014/main" id="{0D45FF53-5984-4CC9-A693-2FC0694E78EF}"/>
+                <a16:creationId xmlns:a16="http://schemas.microsoft.com/office/drawing/2014/main" id="{A3A466E4-604C-409B-8CA7-89BF5D479229}"/>
               </a:ext>
             </a:extLst>
           </p:cNvPr>
@@ -6177,7 +5974,7 @@
           <p:cNvPr id="3" name="Title 2">
             <a:extLst>
               <a:ext uri="{FF2B5EF4-FFF2-40B4-BE49-F238E27FC236}">
-                <a16:creationId xmlns:a16="http://schemas.microsoft.com/office/drawing/2014/main" id="{4BB9920C-F8A9-4961-83E2-EEC24CD222DC}"/>
+                <a16:creationId xmlns:a16="http://schemas.microsoft.com/office/drawing/2014/main" id="{D022FBDF-8583-41B1-BD01-17B70DE4193E}"/>
               </a:ext>
             </a:extLst>
           </p:cNvPr>
@@ -6205,7 +6002,7 @@
           <p:cNvPr id="4" name="Text Placeholder 3">
             <a:extLst>
               <a:ext uri="{FF2B5EF4-FFF2-40B4-BE49-F238E27FC236}">
-                <a16:creationId xmlns:a16="http://schemas.microsoft.com/office/drawing/2014/main" id="{2C6A7D5A-AF45-4CC2-A5BE-791E51DECA13}"/>
+                <a16:creationId xmlns:a16="http://schemas.microsoft.com/office/drawing/2014/main" id="{C579AF0C-A2A6-4AB0-9802-50B6A4FA6B1F}"/>
               </a:ext>
             </a:extLst>
           </p:cNvPr>
@@ -6218,8 +6015,8 @@
         </p:nvSpPr>
         <p:spPr>
           <a:xfrm>
-            <a:off x="1066802" y="1503723"/>
-            <a:ext cx="10667998" cy="4460503"/>
+            <a:off x="1066802" y="1782829"/>
+            <a:ext cx="10667998" cy="3646487"/>
           </a:xfrm>
         </p:spPr>
         <p:txBody>
@@ -6227,215 +6024,125 @@
           <a:lstStyle/>
           <a:p>
             <a:pPr marL="571500" indent="-571500">
-              <a:lnSpc>
-                <a:spcPct val="100000"/>
-              </a:lnSpc>
-              <a:spcBef>
-                <a:spcPts val="600"/>
-              </a:spcBef>
               <a:buFont typeface="Arial" panose="020B0604020202020204" pitchFamily="34" charset="0"/>
               <a:buChar char="•"/>
             </a:pPr>
             <a:r>
-              <a:rPr lang="en-US" sz="2800" dirty="0">
+              <a:rPr lang="en-US" sz="3200" dirty="0">
                 <a:latin typeface="Sherman Sans Book"/>
               </a:rPr>
-              <a:t>Introduced by Wang et al.</a:t>
+              <a:t>Introduced by Van </a:t>
+            </a:r>
+            <a:r>
+              <a:rPr lang="en-US" sz="3200" dirty="0" err="1">
+                <a:latin typeface="Sherman Sans Book"/>
+              </a:rPr>
+              <a:t>Bulck</a:t>
+            </a:r>
+            <a:r>
+              <a:rPr lang="en-US" sz="3200" dirty="0">
+                <a:latin typeface="Sherman Sans Book"/>
+              </a:rPr>
+              <a:t> et al.</a:t>
             </a:r>
           </a:p>
           <a:p>
             <a:pPr marL="571500" indent="-571500">
-              <a:lnSpc>
-                <a:spcPct val="100000"/>
-              </a:lnSpc>
-              <a:spcBef>
-                <a:spcPts val="600"/>
-              </a:spcBef>
               <a:buFont typeface="Arial" panose="020B0604020202020204" pitchFamily="34" charset="0"/>
               <a:buChar char="•"/>
             </a:pPr>
             <a:r>
-              <a:rPr lang="en-US" sz="2800" dirty="0">
+              <a:rPr lang="en-US" sz="3200" dirty="0">
                 <a:latin typeface="Sherman Sans Book"/>
               </a:rPr>
-              <a:t>Accessed flags monitoring</a:t>
+              <a:t>Basic page-fault attack:</a:t>
             </a:r>
           </a:p>
           <a:p>
             <a:pPr marL="1028700" lvl="1" indent="-571500">
-              <a:lnSpc>
-                <a:spcPct val="100000"/>
-              </a:lnSpc>
-              <a:spcBef>
-                <a:spcPts val="600"/>
-              </a:spcBef>
               <a:buFont typeface="Arial" panose="020B0604020202020204" pitchFamily="34" charset="0"/>
               <a:buChar char="•"/>
             </a:pPr>
             <a:r>
-              <a:rPr lang="en-US" dirty="0">
+              <a:rPr lang="en-US" sz="2800" dirty="0">
                 <a:solidFill>
                   <a:srgbClr val="3E3D3C"/>
                 </a:solidFill>
                 <a:latin typeface="Sherman Sans Book"/>
               </a:rPr>
-              <a:t>Flags in TLB are not updated</a:t>
+              <a:t>OS controls page tables</a:t>
             </a:r>
           </a:p>
           <a:p>
             <a:pPr marL="1028700" lvl="1" indent="-571500">
-              <a:lnSpc>
-                <a:spcPct val="100000"/>
-              </a:lnSpc>
-              <a:spcBef>
-                <a:spcPts val="600"/>
-              </a:spcBef>
               <a:buFont typeface="Arial" panose="020B0604020202020204" pitchFamily="34" charset="0"/>
               <a:buChar char="•"/>
             </a:pPr>
             <a:r>
-              <a:rPr lang="en-US" dirty="0">
+              <a:rPr lang="en-US" sz="2800" dirty="0">
                 <a:solidFill>
                   <a:srgbClr val="3E3D3C"/>
                 </a:solidFill>
                 <a:latin typeface="Sherman Sans Book"/>
               </a:rPr>
-              <a:t>Flush the TLB (by IPI)</a:t>
-            </a:r>
-          </a:p>
-          <a:p>
-            <a:pPr marL="571500" indent="-571500">
-              <a:lnSpc>
-                <a:spcPct val="100000"/>
-              </a:lnSpc>
-              <a:spcBef>
-                <a:spcPts val="600"/>
-              </a:spcBef>
+              <a:t>Sets trap by making pages inaccessible</a:t>
+            </a:r>
+          </a:p>
+          <a:p>
+            <a:pPr marL="1028700" lvl="1" indent="-571500">
               <a:buFont typeface="Arial" panose="020B0604020202020204" pitchFamily="34" charset="0"/>
               <a:buChar char="•"/>
             </a:pPr>
             <a:r>
               <a:rPr lang="en-US" sz="2800" dirty="0">
-                <a:latin typeface="Sherman Sans Book"/>
-              </a:rPr>
-              <a:t>Timing enhancement</a:t>
-            </a:r>
-          </a:p>
-          <a:p>
-            <a:pPr marL="1028700" lvl="1" indent="-571500">
-              <a:lnSpc>
-                <a:spcPct val="100000"/>
-              </a:lnSpc>
-              <a:spcBef>
-                <a:spcPts val="600"/>
-              </a:spcBef>
-              <a:buFont typeface="Arial" panose="020B0604020202020204" pitchFamily="34" charset="0"/>
-              <a:buChar char="•"/>
-            </a:pPr>
-            <a:r>
-              <a:rPr lang="en-US" dirty="0">
                 <a:solidFill>
                   <a:srgbClr val="3E3D3C"/>
                 </a:solidFill>
                 <a:latin typeface="Sherman Sans Book"/>
               </a:rPr>
-              <a:t>Only one interrupt ⇨ better performance</a:t>
+              <a:t>Observe page-fault patterns</a:t>
             </a:r>
           </a:p>
           <a:p>
             <a:pPr marL="1028700" lvl="1" indent="-571500">
-              <a:lnSpc>
-                <a:spcPct val="100000"/>
-              </a:lnSpc>
-              <a:spcBef>
-                <a:spcPts val="600"/>
-              </a:spcBef>
               <a:buFont typeface="Arial" panose="020B0604020202020204" pitchFamily="34" charset="0"/>
               <a:buChar char="•"/>
             </a:pPr>
             <a:r>
-              <a:rPr lang="en-US" dirty="0">
+              <a:rPr lang="en-US" sz="2800" dirty="0">
                 <a:solidFill>
                   <a:srgbClr val="3E3D3C"/>
                 </a:solidFill>
                 <a:latin typeface="Sherman Sans Book"/>
               </a:rPr>
-              <a:t>Measure the time between two repeatedly accessed entries</a:t>
+              <a:t>Or simply monitor certain pages and cause page-faults</a:t>
             </a:r>
           </a:p>
           <a:p>
             <a:pPr marL="571500" indent="-571500">
-              <a:lnSpc>
-                <a:spcPct val="100000"/>
-              </a:lnSpc>
-              <a:spcBef>
-                <a:spcPts val="600"/>
-              </a:spcBef>
               <a:buFont typeface="Arial" panose="020B0604020202020204" pitchFamily="34" charset="0"/>
               <a:buChar char="•"/>
             </a:pPr>
             <a:r>
-              <a:rPr lang="en-US" sz="2800" dirty="0">
+              <a:rPr lang="en-US" sz="3200" dirty="0">
                 <a:latin typeface="Sherman Sans Book"/>
               </a:rPr>
-              <a:t>TLB flushing through hyperthreading</a:t>
+              <a:t>Page table entry flags</a:t>
             </a:r>
           </a:p>
           <a:p>
             <a:pPr marL="1028700" lvl="1" indent="-571500">
-              <a:lnSpc>
-                <a:spcPct val="100000"/>
-              </a:lnSpc>
-              <a:spcBef>
-                <a:spcPts val="600"/>
-              </a:spcBef>
               <a:buFont typeface="Arial" panose="020B0604020202020204" pitchFamily="34" charset="0"/>
               <a:buChar char="•"/>
             </a:pPr>
             <a:r>
-              <a:rPr lang="en-US" dirty="0">
+              <a:rPr lang="en-US" sz="2800" dirty="0">
                 <a:solidFill>
                   <a:srgbClr val="3E3D3C"/>
                 </a:solidFill>
                 <a:latin typeface="Sherman Sans Book"/>
               </a:rPr>
-              <a:t>TLB is shared between </a:t>
-            </a:r>
-            <a:r>
-              <a:rPr lang="en-US" dirty="0" err="1">
-                <a:solidFill>
-                  <a:srgbClr val="3E3D3C"/>
-                </a:solidFill>
-                <a:latin typeface="Sherman Sans Book"/>
-              </a:rPr>
-              <a:t>hyperthreads</a:t>
-            </a:r>
-            <a:endParaRPr lang="en-US" dirty="0">
-              <a:solidFill>
-                <a:srgbClr val="3E3D3C"/>
-              </a:solidFill>
-              <a:latin typeface="Sherman Sans Book"/>
-            </a:endParaRPr>
-          </a:p>
-          <a:p>
-            <a:pPr marL="1028700" lvl="1" indent="-571500">
-              <a:lnSpc>
-                <a:spcPct val="100000"/>
-              </a:lnSpc>
-              <a:spcBef>
-                <a:spcPts val="600"/>
-              </a:spcBef>
-              <a:buFont typeface="Arial" panose="020B0604020202020204" pitchFamily="34" charset="0"/>
-              <a:buChar char="•"/>
-            </a:pPr>
-            <a:r>
-              <a:rPr lang="en-US" dirty="0">
-                <a:solidFill>
-                  <a:srgbClr val="3E3D3C"/>
-                </a:solidFill>
-                <a:latin typeface="Sherman Sans Book"/>
-              </a:rPr>
-              <a:t>Invalidate TLB entries without IPI</a:t>
+              <a:t>Accessed and dirty flags</a:t>
             </a:r>
           </a:p>
         </p:txBody>
@@ -6445,7 +6152,7 @@
           <p:cNvPr id="5" name="Content Placeholder 4">
             <a:extLst>
               <a:ext uri="{FF2B5EF4-FFF2-40B4-BE49-F238E27FC236}">
-                <a16:creationId xmlns:a16="http://schemas.microsoft.com/office/drawing/2014/main" id="{75E64025-B3F6-4DA3-8F40-4A0F5219C181}"/>
+                <a16:creationId xmlns:a16="http://schemas.microsoft.com/office/drawing/2014/main" id="{C731D260-B812-45D4-8F79-B64F285BE519}"/>
               </a:ext>
             </a:extLst>
           </p:cNvPr>
@@ -6463,7 +6170,7 @@
           <a:p>
             <a:r>
               <a:rPr lang="en-US" dirty="0"/>
-              <a:t>Sneaky page monitoring attacks</a:t>
+              <a:t>Stealthy page table based attacks</a:t>
             </a:r>
           </a:p>
         </p:txBody>
@@ -6473,7 +6180,7 @@
           <p:cNvPr id="6" name="Text Placeholder 5">
             <a:extLst>
               <a:ext uri="{FF2B5EF4-FFF2-40B4-BE49-F238E27FC236}">
-                <a16:creationId xmlns:a16="http://schemas.microsoft.com/office/drawing/2014/main" id="{83A0AA64-D434-4FB2-9910-8F19A8F45242}"/>
+                <a16:creationId xmlns:a16="http://schemas.microsoft.com/office/drawing/2014/main" id="{FD1FB2DF-A2E5-46D8-A7B2-CA2F9A9D4082}"/>
               </a:ext>
             </a:extLst>
           </p:cNvPr>
@@ -6499,7 +6206,7 @@
     </p:spTree>
     <p:extLst>
       <p:ext uri="{BB962C8B-B14F-4D97-AF65-F5344CB8AC3E}">
-        <p14:creationId xmlns:p14="http://schemas.microsoft.com/office/powerpoint/2010/main" val="1721384895"/>
+        <p14:creationId xmlns:p14="http://schemas.microsoft.com/office/powerpoint/2010/main" val="755460847"/>
       </p:ext>
     </p:extLst>
   </p:cSld>
@@ -6534,7 +6241,7 @@
           <p:cNvPr id="2" name="Slide Number Placeholder 1">
             <a:extLst>
               <a:ext uri="{FF2B5EF4-FFF2-40B4-BE49-F238E27FC236}">
-                <a16:creationId xmlns:a16="http://schemas.microsoft.com/office/drawing/2014/main" id="{5462C8DA-BE57-4822-B21C-42FCCF647CBD}"/>
+                <a16:creationId xmlns:a16="http://schemas.microsoft.com/office/drawing/2014/main" id="{0D45FF53-5984-4CC9-A693-2FC0694E78EF}"/>
               </a:ext>
             </a:extLst>
           </p:cNvPr>
@@ -6564,7 +6271,7 @@
           <p:cNvPr id="3" name="Title 2">
             <a:extLst>
               <a:ext uri="{FF2B5EF4-FFF2-40B4-BE49-F238E27FC236}">
-                <a16:creationId xmlns:a16="http://schemas.microsoft.com/office/drawing/2014/main" id="{B6A01144-1892-44C7-9BCA-21CCA7D4BBCE}"/>
+                <a16:creationId xmlns:a16="http://schemas.microsoft.com/office/drawing/2014/main" id="{4BB9920C-F8A9-4961-83E2-EEC24CD222DC}"/>
               </a:ext>
             </a:extLst>
           </p:cNvPr>
@@ -6575,12 +6282,7 @@
             <p:ph type="title"/>
           </p:nvPr>
         </p:nvSpPr>
-        <p:spPr>
-          <a:xfrm>
-            <a:off x="762580" y="253938"/>
-            <a:ext cx="10668000" cy="632988"/>
-          </a:xfrm>
-        </p:spPr>
+        <p:spPr/>
         <p:txBody>
           <a:bodyPr/>
           <a:lstStyle/>
@@ -6597,7 +6299,7 @@
           <p:cNvPr id="4" name="Text Placeholder 3">
             <a:extLst>
               <a:ext uri="{FF2B5EF4-FFF2-40B4-BE49-F238E27FC236}">
-                <a16:creationId xmlns:a16="http://schemas.microsoft.com/office/drawing/2014/main" id="{E19C8FEA-B73C-4278-AE9C-31650DA836EC}"/>
+                <a16:creationId xmlns:a16="http://schemas.microsoft.com/office/drawing/2014/main" id="{2C6A7D5A-AF45-4CC2-A5BE-791E51DECA13}"/>
               </a:ext>
             </a:extLst>
           </p:cNvPr>
@@ -6608,27 +6310,58 @@
             <p:ph type="body" sz="quarter" idx="20"/>
           </p:nvPr>
         </p:nvSpPr>
-        <p:spPr/>
+        <p:spPr>
+          <a:xfrm>
+            <a:off x="1066802" y="1503723"/>
+            <a:ext cx="10667998" cy="4460503"/>
+          </a:xfrm>
+        </p:spPr>
         <p:txBody>
           <a:bodyPr/>
           <a:lstStyle/>
           <a:p>
             <a:pPr marL="571500" indent="-571500">
+              <a:lnSpc>
+                <a:spcPct val="100000"/>
+              </a:lnSpc>
               <a:spcBef>
-                <a:spcPts val="1200"/>
+                <a:spcPts val="600"/>
               </a:spcBef>
               <a:buFont typeface="Arial" panose="020B0604020202020204" pitchFamily="34" charset="0"/>
               <a:buChar char="•"/>
             </a:pPr>
             <a:r>
-              <a:rPr lang="en-US" sz="2800" dirty="0"/>
-              <a:t>Disable caching</a:t>
+              <a:rPr lang="en-US" sz="2800" dirty="0">
+                <a:latin typeface="Sherman Sans Book"/>
+              </a:rPr>
+              <a:t>Introduced by Wang et al.</a:t>
+            </a:r>
+          </a:p>
+          <a:p>
+            <a:pPr marL="571500" indent="-571500">
+              <a:lnSpc>
+                <a:spcPct val="100000"/>
+              </a:lnSpc>
+              <a:spcBef>
+                <a:spcPts val="600"/>
+              </a:spcBef>
+              <a:buFont typeface="Arial" panose="020B0604020202020204" pitchFamily="34" charset="0"/>
+              <a:buChar char="•"/>
+            </a:pPr>
+            <a:r>
+              <a:rPr lang="en-US" sz="2800" dirty="0">
+                <a:latin typeface="Sherman Sans Book"/>
+              </a:rPr>
+              <a:t>Accessed flags monitoring</a:t>
             </a:r>
           </a:p>
           <a:p>
             <a:pPr marL="1028700" lvl="1" indent="-571500">
+              <a:lnSpc>
+                <a:spcPct val="100000"/>
+              </a:lnSpc>
               <a:spcBef>
-                <a:spcPts val="1200"/>
+                <a:spcPts val="600"/>
               </a:spcBef>
               <a:buFont typeface="Arial" panose="020B0604020202020204" pitchFamily="34" charset="0"/>
               <a:buChar char="•"/>
@@ -6640,67 +6373,163 @@
                 </a:solidFill>
                 <a:latin typeface="Sherman Sans Book"/>
               </a:rPr>
-              <a:t>Prevent cache based side channel attacks</a:t>
-            </a:r>
-          </a:p>
-          <a:p>
-            <a:pPr marL="571500" indent="-571500">
+              <a:t>Flags in TLB are not updated</a:t>
+            </a:r>
+          </a:p>
+          <a:p>
+            <a:pPr marL="1028700" lvl="1" indent="-571500">
+              <a:lnSpc>
+                <a:spcPct val="100000"/>
+              </a:lnSpc>
               <a:spcBef>
-                <a:spcPts val="1200"/>
+                <a:spcPts val="600"/>
               </a:spcBef>
               <a:buFont typeface="Arial" panose="020B0604020202020204" pitchFamily="34" charset="0"/>
               <a:buChar char="•"/>
             </a:pPr>
             <a:r>
-              <a:rPr lang="en-US" sz="2800" dirty="0"/>
-              <a:t>Attacker allocates two memory lines inside one bank</a:t>
+              <a:rPr lang="en-US" dirty="0">
+                <a:solidFill>
+                  <a:srgbClr val="3E3D3C"/>
+                </a:solidFill>
+                <a:latin typeface="Sherman Sans Book"/>
+              </a:rPr>
+              <a:t>Flush the TLB (by IPI)</a:t>
             </a:r>
           </a:p>
           <a:p>
             <a:pPr marL="571500" indent="-571500">
+              <a:lnSpc>
+                <a:spcPct val="100000"/>
+              </a:lnSpc>
               <a:spcBef>
-                <a:spcPts val="1200"/>
+                <a:spcPts val="600"/>
               </a:spcBef>
               <a:buFont typeface="Arial" panose="020B0604020202020204" pitchFamily="34" charset="0"/>
               <a:buChar char="•"/>
             </a:pPr>
             <a:r>
-              <a:rPr lang="en-US" sz="2800" dirty="0"/>
-              <a:t>Regularly access one of the memory lines</a:t>
-            </a:r>
-          </a:p>
-          <a:p>
-            <a:pPr marL="571500" indent="-571500">
+              <a:rPr lang="en-US" sz="2800" dirty="0">
+                <a:latin typeface="Sherman Sans Book"/>
+              </a:rPr>
+              <a:t>Timing enhancement</a:t>
+            </a:r>
+          </a:p>
+          <a:p>
+            <a:pPr marL="1028700" lvl="1" indent="-571500">
+              <a:lnSpc>
+                <a:spcPct val="100000"/>
+              </a:lnSpc>
               <a:spcBef>
-                <a:spcPts val="1200"/>
+                <a:spcPts val="600"/>
               </a:spcBef>
               <a:buFont typeface="Arial" panose="020B0604020202020204" pitchFamily="34" charset="0"/>
               <a:buChar char="•"/>
             </a:pPr>
             <a:r>
-              <a:rPr lang="en-US" sz="2800" dirty="0"/>
-              <a:t>Victim accesses the other memory line ⇨ conflict ⇨ attacker’s next fetch will take more time</a:t>
-            </a:r>
-          </a:p>
-          <a:p>
-            <a:pPr marL="571500" indent="-571500">
+              <a:rPr lang="en-US" dirty="0">
+                <a:solidFill>
+                  <a:srgbClr val="3E3D3C"/>
+                </a:solidFill>
+                <a:latin typeface="Sherman Sans Book"/>
+              </a:rPr>
+              <a:t>Only one interrupt ⇨ better performance</a:t>
+            </a:r>
+          </a:p>
+          <a:p>
+            <a:pPr marL="1028700" lvl="1" indent="-571500">
+              <a:lnSpc>
+                <a:spcPct val="100000"/>
+              </a:lnSpc>
               <a:spcBef>
-                <a:spcPts val="1200"/>
+                <a:spcPts val="600"/>
               </a:spcBef>
               <a:buFont typeface="Arial" panose="020B0604020202020204" pitchFamily="34" charset="0"/>
               <a:buChar char="•"/>
             </a:pPr>
             <a:r>
-              <a:rPr lang="en-US" sz="2800" dirty="0"/>
-              <a:t>Cache-DRAM attack: </a:t>
-            </a:r>
-            <a:r>
-              <a:rPr lang="en-US" sz="2800" dirty="0" err="1"/>
-              <a:t>Prime+Probe</a:t>
-            </a:r>
-            <a:r>
-              <a:rPr lang="en-US" sz="2800" dirty="0"/>
-              <a:t> and DRAMA</a:t>
+              <a:rPr lang="en-US" dirty="0">
+                <a:solidFill>
+                  <a:srgbClr val="3E3D3C"/>
+                </a:solidFill>
+                <a:latin typeface="Sherman Sans Book"/>
+              </a:rPr>
+              <a:t>Measure the time between two repeatedly accessed entries</a:t>
+            </a:r>
+          </a:p>
+          <a:p>
+            <a:pPr marL="571500" indent="-571500">
+              <a:lnSpc>
+                <a:spcPct val="100000"/>
+              </a:lnSpc>
+              <a:spcBef>
+                <a:spcPts val="600"/>
+              </a:spcBef>
+              <a:buFont typeface="Arial" panose="020B0604020202020204" pitchFamily="34" charset="0"/>
+              <a:buChar char="•"/>
+            </a:pPr>
+            <a:r>
+              <a:rPr lang="en-US" sz="2800" dirty="0">
+                <a:latin typeface="Sherman Sans Book"/>
+              </a:rPr>
+              <a:t>TLB flushing through hyperthreading</a:t>
+            </a:r>
+          </a:p>
+          <a:p>
+            <a:pPr marL="1028700" lvl="1" indent="-571500">
+              <a:lnSpc>
+                <a:spcPct val="100000"/>
+              </a:lnSpc>
+              <a:spcBef>
+                <a:spcPts val="600"/>
+              </a:spcBef>
+              <a:buFont typeface="Arial" panose="020B0604020202020204" pitchFamily="34" charset="0"/>
+              <a:buChar char="•"/>
+            </a:pPr>
+            <a:r>
+              <a:rPr lang="en-US" dirty="0">
+                <a:solidFill>
+                  <a:srgbClr val="3E3D3C"/>
+                </a:solidFill>
+                <a:latin typeface="Sherman Sans Book"/>
+              </a:rPr>
+              <a:t>TLB is shared between </a:t>
+            </a:r>
+            <a:r>
+              <a:rPr lang="en-US" dirty="0" err="1">
+                <a:solidFill>
+                  <a:srgbClr val="3E3D3C"/>
+                </a:solidFill>
+                <a:latin typeface="Sherman Sans Book"/>
+              </a:rPr>
+              <a:t>hyperthreads</a:t>
+            </a:r>
+            <a:endParaRPr lang="en-US" dirty="0">
+              <a:solidFill>
+                <a:srgbClr val="3E3D3C"/>
+              </a:solidFill>
+              <a:latin typeface="Sherman Sans Book"/>
+            </a:endParaRPr>
+          </a:p>
+          <a:p>
+            <a:pPr marL="1028700" lvl="1" indent="-571500">
+              <a:lnSpc>
+                <a:spcPct val="100000"/>
+              </a:lnSpc>
+              <a:spcBef>
+                <a:spcPts val="600"/>
+              </a:spcBef>
+              <a:buFont typeface="Arial" panose="020B0604020202020204" pitchFamily="34" charset="0"/>
+              <a:buChar char="•"/>
+            </a:pPr>
+            <a:r>
+              <a:rPr lang="en-US" dirty="0">
+                <a:solidFill>
+                  <a:srgbClr val="3E3D3C"/>
+                </a:solidFill>
+                <a:latin typeface="Sherman Sans Book"/>
+              </a:rPr>
+              <a:t>Invalidate TLB entries without IPI</a:t>
             </a:r>
           </a:p>
         </p:txBody>
@@ -6710,7 +6539,7 @@
           <p:cNvPr id="5" name="Content Placeholder 4">
             <a:extLst>
               <a:ext uri="{FF2B5EF4-FFF2-40B4-BE49-F238E27FC236}">
-                <a16:creationId xmlns:a16="http://schemas.microsoft.com/office/drawing/2014/main" id="{918626B2-A394-4150-8696-13BE03EAB37A}"/>
+                <a16:creationId xmlns:a16="http://schemas.microsoft.com/office/drawing/2014/main" id="{75E64025-B3F6-4DA3-8F40-4A0F5219C181}"/>
               </a:ext>
             </a:extLst>
           </p:cNvPr>
@@ -6721,19 +6550,14 @@
             <p:ph sz="quarter" idx="19"/>
           </p:nvPr>
         </p:nvSpPr>
-        <p:spPr>
-          <a:xfrm>
-            <a:off x="1066800" y="1013503"/>
-            <a:ext cx="9965633" cy="368300"/>
-          </a:xfrm>
-        </p:spPr>
+        <p:spPr/>
         <p:txBody>
           <a:bodyPr/>
           <a:lstStyle/>
           <a:p>
             <a:r>
               <a:rPr lang="en-US" dirty="0"/>
-              <a:t>DRAMA</a:t>
+              <a:t>Sneaky page monitoring attacks</a:t>
             </a:r>
           </a:p>
         </p:txBody>
@@ -6743,7 +6567,7 @@
           <p:cNvPr id="6" name="Text Placeholder 5">
             <a:extLst>
               <a:ext uri="{FF2B5EF4-FFF2-40B4-BE49-F238E27FC236}">
-                <a16:creationId xmlns:a16="http://schemas.microsoft.com/office/drawing/2014/main" id="{644BFE6A-9737-4D02-A3A7-D112CF9D35A8}"/>
+                <a16:creationId xmlns:a16="http://schemas.microsoft.com/office/drawing/2014/main" id="{83A0AA64-D434-4FB2-9910-8F19A8F45242}"/>
               </a:ext>
             </a:extLst>
           </p:cNvPr>
@@ -6769,7 +6593,7 @@
     </p:spTree>
     <p:extLst>
       <p:ext uri="{BB962C8B-B14F-4D97-AF65-F5344CB8AC3E}">
-        <p14:creationId xmlns:p14="http://schemas.microsoft.com/office/powerpoint/2010/main" val="798563737"/>
+        <p14:creationId xmlns:p14="http://schemas.microsoft.com/office/powerpoint/2010/main" val="1721384895"/>
       </p:ext>
     </p:extLst>
   </p:cSld>
@@ -6804,7 +6628,7 @@
           <p:cNvPr id="2" name="Slide Number Placeholder 1">
             <a:extLst>
               <a:ext uri="{FF2B5EF4-FFF2-40B4-BE49-F238E27FC236}">
-                <a16:creationId xmlns:a16="http://schemas.microsoft.com/office/drawing/2014/main" id="{07ADB817-9432-4A46-8D70-8EFBBE722FCA}"/>
+                <a16:creationId xmlns:a16="http://schemas.microsoft.com/office/drawing/2014/main" id="{5462C8DA-BE57-4822-B21C-42FCCF647CBD}"/>
               </a:ext>
             </a:extLst>
           </p:cNvPr>
@@ -6834,7 +6658,7 @@
           <p:cNvPr id="3" name="Title 2">
             <a:extLst>
               <a:ext uri="{FF2B5EF4-FFF2-40B4-BE49-F238E27FC236}">
-                <a16:creationId xmlns:a16="http://schemas.microsoft.com/office/drawing/2014/main" id="{7E34CEEF-7BDE-4B77-94E8-E8E0C6852818}"/>
+                <a16:creationId xmlns:a16="http://schemas.microsoft.com/office/drawing/2014/main" id="{B6A01144-1892-44C7-9BCA-21CCA7D4BBCE}"/>
               </a:ext>
             </a:extLst>
           </p:cNvPr>
@@ -6845,7 +6669,12 @@
             <p:ph type="title"/>
           </p:nvPr>
         </p:nvSpPr>
-        <p:spPr/>
+        <p:spPr>
+          <a:xfrm>
+            <a:off x="762580" y="253938"/>
+            <a:ext cx="10668000" cy="632988"/>
+          </a:xfrm>
+        </p:spPr>
         <p:txBody>
           <a:bodyPr/>
           <a:lstStyle/>
@@ -6862,7 +6691,7 @@
           <p:cNvPr id="4" name="Text Placeholder 3">
             <a:extLst>
               <a:ext uri="{FF2B5EF4-FFF2-40B4-BE49-F238E27FC236}">
-                <a16:creationId xmlns:a16="http://schemas.microsoft.com/office/drawing/2014/main" id="{1D0C1789-22B8-4723-A40A-D3840AE82B18}"/>
+                <a16:creationId xmlns:a16="http://schemas.microsoft.com/office/drawing/2014/main" id="{E19C8FEA-B73C-4278-AE9C-31650DA836EC}"/>
               </a:ext>
             </a:extLst>
           </p:cNvPr>
@@ -6879,45 +6708,93 @@
           <a:lstStyle/>
           <a:p>
             <a:pPr marL="571500" indent="-571500">
-              <a:lnSpc>
-                <a:spcPct val="200000"/>
-              </a:lnSpc>
+              <a:spcBef>
+                <a:spcPts val="1200"/>
+              </a:spcBef>
               <a:buFont typeface="Arial" panose="020B0604020202020204" pitchFamily="34" charset="0"/>
               <a:buChar char="•"/>
             </a:pPr>
             <a:r>
-              <a:rPr lang="en-US" sz="3200" i="1" dirty="0" err="1"/>
-              <a:t>clflush</a:t>
-            </a:r>
-            <a:r>
-              <a:rPr lang="en-US" sz="3200" dirty="0"/>
-              <a:t> instruction: flush a cache line, if empty ⇨ abort</a:t>
-            </a:r>
-          </a:p>
-          <a:p>
-            <a:pPr marL="571500" indent="-571500">
-              <a:lnSpc>
-                <a:spcPct val="200000"/>
-              </a:lnSpc>
+              <a:rPr lang="en-US" sz="2800" dirty="0"/>
+              <a:t>Disable caching</a:t>
+            </a:r>
+          </a:p>
+          <a:p>
+            <a:pPr marL="1028700" lvl="1" indent="-571500">
+              <a:spcBef>
+                <a:spcPts val="1200"/>
+              </a:spcBef>
               <a:buFont typeface="Arial" panose="020B0604020202020204" pitchFamily="34" charset="0"/>
               <a:buChar char="•"/>
             </a:pPr>
             <a:r>
-              <a:rPr lang="en-US" sz="3200" dirty="0"/>
-              <a:t>Abort takes less time than flush</a:t>
+              <a:rPr lang="en-US" dirty="0">
+                <a:solidFill>
+                  <a:srgbClr val="3E3D3C"/>
+                </a:solidFill>
+                <a:latin typeface="Sherman Sans Book"/>
+              </a:rPr>
+              <a:t>Prevent cache based side channel attacks</a:t>
             </a:r>
           </a:p>
           <a:p>
             <a:pPr marL="571500" indent="-571500">
-              <a:lnSpc>
-                <a:spcPct val="200000"/>
-              </a:lnSpc>
+              <a:spcBef>
+                <a:spcPts val="1200"/>
+              </a:spcBef>
               <a:buFont typeface="Arial" panose="020B0604020202020204" pitchFamily="34" charset="0"/>
               <a:buChar char="•"/>
             </a:pPr>
             <a:r>
-              <a:rPr lang="en-US" sz="3200" dirty="0"/>
-              <a:t>Use the delay ⇨ which memory address is accessed</a:t>
+              <a:rPr lang="en-US" sz="2800" dirty="0"/>
+              <a:t>Attacker allocates two memory lines inside one bank</a:t>
+            </a:r>
+          </a:p>
+          <a:p>
+            <a:pPr marL="571500" indent="-571500">
+              <a:spcBef>
+                <a:spcPts val="1200"/>
+              </a:spcBef>
+              <a:buFont typeface="Arial" panose="020B0604020202020204" pitchFamily="34" charset="0"/>
+              <a:buChar char="•"/>
+            </a:pPr>
+            <a:r>
+              <a:rPr lang="en-US" sz="2800" dirty="0"/>
+              <a:t>Regularly access one of the memory lines</a:t>
+            </a:r>
+          </a:p>
+          <a:p>
+            <a:pPr marL="571500" indent="-571500">
+              <a:spcBef>
+                <a:spcPts val="1200"/>
+              </a:spcBef>
+              <a:buFont typeface="Arial" panose="020B0604020202020204" pitchFamily="34" charset="0"/>
+              <a:buChar char="•"/>
+            </a:pPr>
+            <a:r>
+              <a:rPr lang="en-US" sz="2800" dirty="0"/>
+              <a:t>Victim accesses the other memory line ⇨ conflict ⇨ attacker’s next fetch will take more time</a:t>
+            </a:r>
+          </a:p>
+          <a:p>
+            <a:pPr marL="571500" indent="-571500">
+              <a:spcBef>
+                <a:spcPts val="1200"/>
+              </a:spcBef>
+              <a:buFont typeface="Arial" panose="020B0604020202020204" pitchFamily="34" charset="0"/>
+              <a:buChar char="•"/>
+            </a:pPr>
+            <a:r>
+              <a:rPr lang="en-US" sz="2800" dirty="0"/>
+              <a:t>Cache-DRAM attack: </a:t>
+            </a:r>
+            <a:r>
+              <a:rPr lang="en-US" sz="2800" dirty="0" err="1"/>
+              <a:t>Prime+Probe</a:t>
+            </a:r>
+            <a:r>
+              <a:rPr lang="en-US" sz="2800" dirty="0"/>
+              <a:t> and DRAMA</a:t>
             </a:r>
           </a:p>
         </p:txBody>
@@ -6927,7 +6804,7 @@
           <p:cNvPr id="5" name="Content Placeholder 4">
             <a:extLst>
               <a:ext uri="{FF2B5EF4-FFF2-40B4-BE49-F238E27FC236}">
-                <a16:creationId xmlns:a16="http://schemas.microsoft.com/office/drawing/2014/main" id="{EADDF039-FB2D-4609-91A8-EC7A4BEAF185}"/>
+                <a16:creationId xmlns:a16="http://schemas.microsoft.com/office/drawing/2014/main" id="{918626B2-A394-4150-8696-13BE03EAB37A}"/>
               </a:ext>
             </a:extLst>
           </p:cNvPr>
@@ -6938,16 +6815,20 @@
             <p:ph sz="quarter" idx="19"/>
           </p:nvPr>
         </p:nvSpPr>
-        <p:spPr/>
-        <p:txBody>
-          <a:bodyPr/>
-          <a:lstStyle/>
-          <a:p>
-            <a:r>
-              <a:rPr lang="en-US" dirty="0" err="1"/>
-              <a:t>Flush+Flush</a:t>
-            </a:r>
-            <a:endParaRPr lang="en-US" dirty="0"/>
+        <p:spPr>
+          <a:xfrm>
+            <a:off x="1066800" y="1013503"/>
+            <a:ext cx="9965633" cy="368300"/>
+          </a:xfrm>
+        </p:spPr>
+        <p:txBody>
+          <a:bodyPr/>
+          <a:lstStyle/>
+          <a:p>
+            <a:r>
+              <a:rPr lang="en-US" dirty="0"/>
+              <a:t>DRAMA</a:t>
+            </a:r>
           </a:p>
         </p:txBody>
       </p:sp>
@@ -6956,7 +6837,7 @@
           <p:cNvPr id="6" name="Text Placeholder 5">
             <a:extLst>
               <a:ext uri="{FF2B5EF4-FFF2-40B4-BE49-F238E27FC236}">
-                <a16:creationId xmlns:a16="http://schemas.microsoft.com/office/drawing/2014/main" id="{534945E0-7DB3-4A27-9B40-FE777AD10027}"/>
+                <a16:creationId xmlns:a16="http://schemas.microsoft.com/office/drawing/2014/main" id="{644BFE6A-9737-4D02-A3A7-D112CF9D35A8}"/>
               </a:ext>
             </a:extLst>
           </p:cNvPr>
@@ -6982,7 +6863,7 @@
     </p:spTree>
     <p:extLst>
       <p:ext uri="{BB962C8B-B14F-4D97-AF65-F5344CB8AC3E}">
-        <p14:creationId xmlns:p14="http://schemas.microsoft.com/office/powerpoint/2010/main" val="1471917261"/>
+        <p14:creationId xmlns:p14="http://schemas.microsoft.com/office/powerpoint/2010/main" val="798563737"/>
       </p:ext>
     </p:extLst>
   </p:cSld>
@@ -7017,7 +6898,7 @@
           <p:cNvPr id="2" name="Slide Number Placeholder 1">
             <a:extLst>
               <a:ext uri="{FF2B5EF4-FFF2-40B4-BE49-F238E27FC236}">
-                <a16:creationId xmlns:a16="http://schemas.microsoft.com/office/drawing/2014/main" id="{2324937E-45C2-48B0-8F66-716BFFE00B36}"/>
+                <a16:creationId xmlns:a16="http://schemas.microsoft.com/office/drawing/2014/main" id="{07ADB817-9432-4A46-8D70-8EFBBE722FCA}"/>
               </a:ext>
             </a:extLst>
           </p:cNvPr>
@@ -7047,7 +6928,7 @@
           <p:cNvPr id="3" name="Title 2">
             <a:extLst>
               <a:ext uri="{FF2B5EF4-FFF2-40B4-BE49-F238E27FC236}">
-                <a16:creationId xmlns:a16="http://schemas.microsoft.com/office/drawing/2014/main" id="{A7672423-4DE3-4440-9F68-047203D5E472}"/>
+                <a16:creationId xmlns:a16="http://schemas.microsoft.com/office/drawing/2014/main" id="{7E34CEEF-7BDE-4B77-94E8-E8E0C6852818}"/>
               </a:ext>
             </a:extLst>
           </p:cNvPr>
@@ -7065,7 +6946,7 @@
           <a:p>
             <a:r>
               <a:rPr lang="en-US" dirty="0"/>
-              <a:t>Defenses</a:t>
+              <a:t>Attacks</a:t>
             </a:r>
           </a:p>
         </p:txBody>
@@ -7075,7 +6956,7 @@
           <p:cNvPr id="4" name="Text Placeholder 3">
             <a:extLst>
               <a:ext uri="{FF2B5EF4-FFF2-40B4-BE49-F238E27FC236}">
-                <a16:creationId xmlns:a16="http://schemas.microsoft.com/office/drawing/2014/main" id="{A59625C3-EBFE-4E1D-9824-33ADC7E8333E}"/>
+                <a16:creationId xmlns:a16="http://schemas.microsoft.com/office/drawing/2014/main" id="{1D0C1789-22B8-4723-A40A-D3840AE82B18}"/>
               </a:ext>
             </a:extLst>
           </p:cNvPr>
@@ -7086,228 +6967,90 @@
             <p:ph type="body" sz="quarter" idx="20"/>
           </p:nvPr>
         </p:nvSpPr>
-        <p:spPr>
-          <a:xfrm>
-            <a:off x="1066802" y="1605756"/>
-            <a:ext cx="10667998" cy="3646487"/>
-          </a:xfrm>
-        </p:spPr>
+        <p:spPr/>
         <p:txBody>
           <a:bodyPr/>
           <a:lstStyle/>
           <a:p>
             <a:pPr marL="571500" indent="-571500">
               <a:lnSpc>
-                <a:spcPct val="100000"/>
+                <a:spcPct val="200000"/>
               </a:lnSpc>
-              <a:spcBef>
-                <a:spcPts val="1200"/>
-              </a:spcBef>
               <a:buFont typeface="Arial" panose="020B0604020202020204" pitchFamily="34" charset="0"/>
               <a:buChar char="•"/>
             </a:pPr>
             <a:r>
+              <a:rPr lang="en-US" sz="3200" i="1" dirty="0" err="1"/>
+              <a:t>clflush</a:t>
+            </a:r>
+            <a:r>
               <a:rPr lang="en-US" sz="3200" dirty="0"/>
-              <a:t>Déjà vu</a:t>
-            </a:r>
-          </a:p>
-          <a:p>
-            <a:pPr marL="1028700" lvl="1" indent="-571500">
+              <a:t> instruction: flush a cache line, if empty ⇨ abort</a:t>
+            </a:r>
+          </a:p>
+          <a:p>
+            <a:pPr marL="571500" indent="-571500">
               <a:lnSpc>
-                <a:spcPct val="100000"/>
+                <a:spcPct val="200000"/>
               </a:lnSpc>
-              <a:spcBef>
-                <a:spcPts val="1200"/>
-              </a:spcBef>
               <a:buFont typeface="Arial" panose="020B0604020202020204" pitchFamily="34" charset="0"/>
               <a:buChar char="•"/>
             </a:pPr>
             <a:r>
-              <a:rPr lang="en-US" dirty="0">
-                <a:solidFill>
-                  <a:srgbClr val="3E3D3C"/>
-                </a:solidFill>
-                <a:latin typeface="Sherman Sans Book"/>
-              </a:rPr>
-              <a:t>Embed a clock inside enclave</a:t>
-            </a:r>
-          </a:p>
-          <a:p>
-            <a:pPr marL="1028700" lvl="1" indent="-571500">
+              <a:rPr lang="en-US" sz="3200" dirty="0"/>
+              <a:t>Abort takes less time than flush</a:t>
+            </a:r>
+          </a:p>
+          <a:p>
+            <a:pPr marL="571500" indent="-571500">
               <a:lnSpc>
-                <a:spcPct val="100000"/>
+                <a:spcPct val="200000"/>
               </a:lnSpc>
-              <a:spcBef>
-                <a:spcPts val="1200"/>
-              </a:spcBef>
               <a:buFont typeface="Arial" panose="020B0604020202020204" pitchFamily="34" charset="0"/>
               <a:buChar char="•"/>
             </a:pPr>
             <a:r>
-              <a:rPr lang="en-US" dirty="0">
-                <a:solidFill>
-                  <a:srgbClr val="3E3D3C"/>
-                </a:solidFill>
-                <a:latin typeface="Sherman Sans Book"/>
-              </a:rPr>
-              <a:t>Protect the clock inside TSX transaction</a:t>
-            </a:r>
-          </a:p>
-          <a:p>
-            <a:pPr marL="1028700" lvl="1" indent="-571500">
-              <a:lnSpc>
-                <a:spcPct val="100000"/>
-              </a:lnSpc>
-              <a:spcBef>
-                <a:spcPts val="1200"/>
-              </a:spcBef>
-              <a:buFont typeface="Arial" panose="020B0604020202020204" pitchFamily="34" charset="0"/>
-              <a:buChar char="•"/>
-            </a:pPr>
-            <a:r>
-              <a:rPr lang="en-US" dirty="0">
-                <a:solidFill>
-                  <a:srgbClr val="3E3D3C"/>
-                </a:solidFill>
-                <a:latin typeface="Sherman Sans Book"/>
-              </a:rPr>
-              <a:t>Record regular execution time</a:t>
-            </a:r>
-          </a:p>
-          <a:p>
-            <a:pPr marL="1028700" lvl="1" indent="-571500">
-              <a:lnSpc>
-                <a:spcPct val="100000"/>
-              </a:lnSpc>
-              <a:spcBef>
-                <a:spcPts val="1200"/>
-              </a:spcBef>
-              <a:buFont typeface="Arial" panose="020B0604020202020204" pitchFamily="34" charset="0"/>
-              <a:buChar char="•"/>
-            </a:pPr>
-            <a:r>
-              <a:rPr lang="en-US" dirty="0">
-                <a:solidFill>
-                  <a:srgbClr val="3E3D3C"/>
-                </a:solidFill>
-                <a:latin typeface="Sherman Sans Book"/>
-              </a:rPr>
-              <a:t>Time runs out ⇨ </a:t>
-            </a:r>
-            <a:r>
-              <a:rPr lang="en-US">
-                <a:solidFill>
-                  <a:srgbClr val="3E3D3C"/>
-                </a:solidFill>
-                <a:latin typeface="Sherman Sans Book"/>
-              </a:rPr>
-              <a:t>AEX instability ⇨ </a:t>
-            </a:r>
-            <a:r>
-              <a:rPr lang="en-US" dirty="0">
-                <a:solidFill>
-                  <a:srgbClr val="3E3D3C"/>
-                </a:solidFill>
-                <a:latin typeface="Sherman Sans Book"/>
-              </a:rPr>
-              <a:t>attack detected</a:t>
-            </a:r>
-          </a:p>
-          <a:p>
-            <a:pPr marL="571500" indent="-571500">
-              <a:lnSpc>
-                <a:spcPct val="100000"/>
-              </a:lnSpc>
-              <a:spcBef>
-                <a:spcPts val="1200"/>
-              </a:spcBef>
-              <a:buFont typeface="Arial" panose="020B0604020202020204" pitchFamily="34" charset="0"/>
-              <a:buChar char="•"/>
-            </a:pPr>
-            <a:r>
               <a:rPr lang="en-US" sz="3200" dirty="0"/>
-              <a:t>Shinde et al.</a:t>
-            </a:r>
-          </a:p>
-          <a:p>
-            <a:pPr marL="1028700" lvl="1" indent="-571500">
-              <a:lnSpc>
-                <a:spcPct val="100000"/>
-              </a:lnSpc>
-              <a:spcBef>
-                <a:spcPts val="1200"/>
-              </a:spcBef>
-              <a:buFont typeface="Arial" panose="020B0604020202020204" pitchFamily="34" charset="0"/>
-              <a:buChar char="•"/>
-            </a:pPr>
-            <a:r>
-              <a:rPr lang="en-US" dirty="0">
-                <a:solidFill>
-                  <a:srgbClr val="3E3D3C"/>
-                </a:solidFill>
-                <a:latin typeface="Sherman Sans Book"/>
-              </a:rPr>
-              <a:t>Deterministic page access profile</a:t>
-            </a:r>
-          </a:p>
-          <a:p>
-            <a:pPr marL="1028700" lvl="1" indent="-571500">
-              <a:lnSpc>
-                <a:spcPct val="100000"/>
-              </a:lnSpc>
-              <a:spcBef>
-                <a:spcPts val="1200"/>
-              </a:spcBef>
-              <a:buFont typeface="Arial" panose="020B0604020202020204" pitchFamily="34" charset="0"/>
-              <a:buChar char="•"/>
-            </a:pPr>
-            <a:r>
-              <a:rPr lang="en-US" dirty="0">
-                <a:solidFill>
-                  <a:srgbClr val="3E3D3C"/>
-                </a:solidFill>
-                <a:latin typeface="Sherman Sans Book"/>
-              </a:rPr>
-              <a:t>Fake accesses</a:t>
-            </a:r>
-          </a:p>
-        </p:txBody>
-      </p:sp>
-      <p:pic>
-        <p:nvPicPr>
-          <p:cNvPr id="8" name="Content Placeholder 7">
+              <a:t>Use the delay ⇨ which memory address is accessed</a:t>
+            </a:r>
+          </a:p>
+        </p:txBody>
+      </p:sp>
+      <p:sp>
+        <p:nvSpPr>
+          <p:cNvPr id="5" name="Content Placeholder 4">
             <a:extLst>
               <a:ext uri="{FF2B5EF4-FFF2-40B4-BE49-F238E27FC236}">
-                <a16:creationId xmlns:a16="http://schemas.microsoft.com/office/drawing/2014/main" id="{4AC581C0-5690-4D56-A9DC-2D660FBECC57}"/>
+                <a16:creationId xmlns:a16="http://schemas.microsoft.com/office/drawing/2014/main" id="{EADDF039-FB2D-4609-91A8-EC7A4BEAF185}"/>
               </a:ext>
             </a:extLst>
           </p:cNvPr>
-          <p:cNvPicPr>
-            <a:picLocks noGrp="1" noChangeAspect="1"/>
-          </p:cNvPicPr>
+          <p:cNvSpPr>
+            <a:spLocks noGrp="1"/>
+          </p:cNvSpPr>
           <p:nvPr>
             <p:ph sz="quarter" idx="19"/>
           </p:nvPr>
-        </p:nvPicPr>
-        <p:blipFill>
-          <a:blip r:embed="rId2"/>
-          <a:stretch>
-            <a:fillRect/>
-          </a:stretch>
-        </p:blipFill>
-        <p:spPr>
-          <a:xfrm>
-            <a:off x="7229624" y="1493996"/>
-            <a:ext cx="4424311" cy="2280531"/>
-          </a:xfrm>
-        </p:spPr>
-      </p:pic>
+        </p:nvSpPr>
+        <p:spPr/>
+        <p:txBody>
+          <a:bodyPr/>
+          <a:lstStyle/>
+          <a:p>
+            <a:r>
+              <a:rPr lang="en-US" dirty="0" err="1"/>
+              <a:t>Flush+Flush</a:t>
+            </a:r>
+            <a:endParaRPr lang="en-US" dirty="0"/>
+          </a:p>
+        </p:txBody>
+      </p:sp>
       <p:sp>
         <p:nvSpPr>
           <p:cNvPr id="6" name="Text Placeholder 5">
             <a:extLst>
               <a:ext uri="{FF2B5EF4-FFF2-40B4-BE49-F238E27FC236}">
-                <a16:creationId xmlns:a16="http://schemas.microsoft.com/office/drawing/2014/main" id="{E627760D-257C-4DB0-B36D-10A3CC08075A}"/>
+                <a16:creationId xmlns:a16="http://schemas.microsoft.com/office/drawing/2014/main" id="{534945E0-7DB3-4A27-9B40-FE777AD10027}"/>
               </a:ext>
             </a:extLst>
           </p:cNvPr>
@@ -7333,7 +7076,7 @@
     </p:spTree>
     <p:extLst>
       <p:ext uri="{BB962C8B-B14F-4D97-AF65-F5344CB8AC3E}">
-        <p14:creationId xmlns:p14="http://schemas.microsoft.com/office/powerpoint/2010/main" val="1026533762"/>
+        <p14:creationId xmlns:p14="http://schemas.microsoft.com/office/powerpoint/2010/main" val="1471917261"/>
       </p:ext>
     </p:extLst>
   </p:cSld>
@@ -7368,7 +7111,7 @@
           <p:cNvPr id="2" name="Slide Number Placeholder 1">
             <a:extLst>
               <a:ext uri="{FF2B5EF4-FFF2-40B4-BE49-F238E27FC236}">
-                <a16:creationId xmlns:a16="http://schemas.microsoft.com/office/drawing/2014/main" id="{B9C8362F-5220-4EF2-B58C-9814516AE587}"/>
+                <a16:creationId xmlns:a16="http://schemas.microsoft.com/office/drawing/2014/main" id="{2324937E-45C2-48B0-8F66-716BFFE00B36}"/>
               </a:ext>
             </a:extLst>
           </p:cNvPr>
@@ -7398,7 +7141,7 @@
           <p:cNvPr id="3" name="Title 2">
             <a:extLst>
               <a:ext uri="{FF2B5EF4-FFF2-40B4-BE49-F238E27FC236}">
-                <a16:creationId xmlns:a16="http://schemas.microsoft.com/office/drawing/2014/main" id="{D9CD2F4B-D365-4F71-8455-BF2171AF1D7F}"/>
+                <a16:creationId xmlns:a16="http://schemas.microsoft.com/office/drawing/2014/main" id="{A7672423-4DE3-4440-9F68-047203D5E472}"/>
               </a:ext>
             </a:extLst>
           </p:cNvPr>
@@ -7426,7 +7169,7 @@
           <p:cNvPr id="4" name="Text Placeholder 3">
             <a:extLst>
               <a:ext uri="{FF2B5EF4-FFF2-40B4-BE49-F238E27FC236}">
-                <a16:creationId xmlns:a16="http://schemas.microsoft.com/office/drawing/2014/main" id="{3017E704-B28A-4725-A4A0-EAE3135EBAF0}"/>
+                <a16:creationId xmlns:a16="http://schemas.microsoft.com/office/drawing/2014/main" id="{A59625C3-EBFE-4E1D-9824-33ADC7E8333E}"/>
               </a:ext>
             </a:extLst>
           </p:cNvPr>
@@ -7439,7 +7182,7 @@
         </p:nvSpPr>
         <p:spPr>
           <a:xfrm>
-            <a:off x="1066800" y="1016476"/>
+            <a:off x="1066802" y="1605756"/>
             <a:ext cx="10667998" cy="3646487"/>
           </a:xfrm>
         </p:spPr>
@@ -7448,18 +7191,28 @@
           <a:lstStyle/>
           <a:p>
             <a:pPr marL="571500" indent="-571500">
+              <a:lnSpc>
+                <a:spcPct val="100000"/>
+              </a:lnSpc>
+              <a:spcBef>
+                <a:spcPts val="1200"/>
+              </a:spcBef>
               <a:buFont typeface="Arial" panose="020B0604020202020204" pitchFamily="34" charset="0"/>
               <a:buChar char="•"/>
             </a:pPr>
             <a:r>
-              <a:rPr lang="en-US" sz="3200" dirty="0">
-                <a:latin typeface="Sherman Sans Book"/>
-              </a:rPr>
-              <a:t>T-SGX</a:t>
+              <a:rPr lang="en-US" sz="3200" dirty="0"/>
+              <a:t>Déjà vu</a:t>
             </a:r>
           </a:p>
           <a:p>
             <a:pPr marL="1028700" lvl="1" indent="-571500">
+              <a:lnSpc>
+                <a:spcPct val="100000"/>
+              </a:lnSpc>
+              <a:spcBef>
+                <a:spcPts val="1200"/>
+              </a:spcBef>
               <a:buFont typeface="Arial" panose="020B0604020202020204" pitchFamily="34" charset="0"/>
               <a:buChar char="•"/>
             </a:pPr>
@@ -7470,11 +7223,17 @@
                 </a:solidFill>
                 <a:latin typeface="Sherman Sans Book"/>
               </a:rPr>
-              <a:t>CPU does not deliver page-fault to the OS</a:t>
+              <a:t>Embed a clock inside enclave</a:t>
             </a:r>
           </a:p>
           <a:p>
             <a:pPr marL="1028700" lvl="1" indent="-571500">
+              <a:lnSpc>
+                <a:spcPct val="100000"/>
+              </a:lnSpc>
+              <a:spcBef>
+                <a:spcPts val="1200"/>
+              </a:spcBef>
               <a:buFont typeface="Arial" panose="020B0604020202020204" pitchFamily="34" charset="0"/>
               <a:buChar char="•"/>
             </a:pPr>
@@ -7485,11 +7244,17 @@
                 </a:solidFill>
                 <a:latin typeface="Sherman Sans Book"/>
               </a:rPr>
-              <a:t>Abort transaction and run the fallback code</a:t>
+              <a:t>Protect the clock inside TSX transaction</a:t>
             </a:r>
           </a:p>
           <a:p>
             <a:pPr marL="1028700" lvl="1" indent="-571500">
+              <a:lnSpc>
+                <a:spcPct val="100000"/>
+              </a:lnSpc>
+              <a:spcBef>
+                <a:spcPts val="1200"/>
+              </a:spcBef>
               <a:buFont typeface="Arial" panose="020B0604020202020204" pitchFamily="34" charset="0"/>
               <a:buChar char="•"/>
             </a:pPr>
@@ -7500,11 +7265,17 @@
                 </a:solidFill>
                 <a:latin typeface="Sherman Sans Book"/>
               </a:rPr>
-              <a:t>Lots of aborts</a:t>
+              <a:t>Record regular execution time</a:t>
             </a:r>
           </a:p>
           <a:p>
             <a:pPr marL="1028700" lvl="1" indent="-571500">
+              <a:lnSpc>
+                <a:spcPct val="100000"/>
+              </a:lnSpc>
+              <a:spcBef>
+                <a:spcPts val="1200"/>
+              </a:spcBef>
               <a:buFont typeface="Arial" panose="020B0604020202020204" pitchFamily="34" charset="0"/>
               <a:buChar char="•"/>
             </a:pPr>
@@ -7515,26 +7286,17 @@
                 </a:solidFill>
                 <a:latin typeface="Sherman Sans Book"/>
               </a:rPr>
-              <a:t>Break into execution blocks</a:t>
-            </a:r>
-          </a:p>
-          <a:p>
-            <a:pPr marL="571500" indent="-571500">
-              <a:buFont typeface="Arial" panose="020B0604020202020204" pitchFamily="34" charset="0"/>
-              <a:buChar char="•"/>
-            </a:pPr>
-            <a:r>
-              <a:rPr lang="en-US" sz="3200" dirty="0">
+              <a:t>Time runs out ⇨ </a:t>
+            </a:r>
+            <a:r>
+              <a:rPr lang="en-US">
+                <a:solidFill>
+                  <a:srgbClr val="3E3D3C"/>
+                </a:solidFill>
                 <a:latin typeface="Sherman Sans Book"/>
               </a:rPr>
-              <a:t>Cloak</a:t>
-            </a:r>
-          </a:p>
-          <a:p>
-            <a:pPr marL="1028700" lvl="1" indent="-571500">
-              <a:buFont typeface="Arial" panose="020B0604020202020204" pitchFamily="34" charset="0"/>
-              <a:buChar char="•"/>
-            </a:pPr>
+              <a:t>AEX instability ⇨ </a:t>
+            </a:r>
             <a:r>
               <a:rPr lang="en-US" dirty="0">
                 <a:solidFill>
@@ -7542,11 +7304,33 @@
                 </a:solidFill>
                 <a:latin typeface="Sherman Sans Book"/>
               </a:rPr>
-              <a:t>Pin data in cache: Not supported by hardware</a:t>
+              <a:t>attack detected</a:t>
+            </a:r>
+          </a:p>
+          <a:p>
+            <a:pPr marL="571500" indent="-571500">
+              <a:lnSpc>
+                <a:spcPct val="100000"/>
+              </a:lnSpc>
+              <a:spcBef>
+                <a:spcPts val="1200"/>
+              </a:spcBef>
+              <a:buFont typeface="Arial" panose="020B0604020202020204" pitchFamily="34" charset="0"/>
+              <a:buChar char="•"/>
+            </a:pPr>
+            <a:r>
+              <a:rPr lang="en-US" sz="3200" dirty="0"/>
+              <a:t>Shinde et al.</a:t>
             </a:r>
           </a:p>
           <a:p>
             <a:pPr marL="1028700" lvl="1" indent="-571500">
+              <a:lnSpc>
+                <a:spcPct val="100000"/>
+              </a:lnSpc>
+              <a:spcBef>
+                <a:spcPts val="1200"/>
+              </a:spcBef>
               <a:buFont typeface="Arial" panose="020B0604020202020204" pitchFamily="34" charset="0"/>
               <a:buChar char="•"/>
             </a:pPr>
@@ -7557,23 +7341,17 @@
                 </a:solidFill>
                 <a:latin typeface="Sherman Sans Book"/>
               </a:rPr>
-              <a:t>Preload code/data in transaction and run the algorithm</a:t>
-            </a:r>
-          </a:p>
-          <a:p>
-            <a:pPr marL="571500" indent="-571500">
-              <a:buFont typeface="Arial" panose="020B0604020202020204" pitchFamily="34" charset="0"/>
-              <a:buChar char="•"/>
-            </a:pPr>
-            <a:r>
-              <a:rPr lang="en-US" sz="3200" dirty="0">
-                <a:latin typeface="Sherman Sans Book"/>
-              </a:rPr>
-              <a:t>SGX-Shield</a:t>
+              <a:t>Deterministic page access profile</a:t>
             </a:r>
           </a:p>
           <a:p>
             <a:pPr marL="1028700" lvl="1" indent="-571500">
+              <a:lnSpc>
+                <a:spcPct val="100000"/>
+              </a:lnSpc>
+              <a:spcBef>
+                <a:spcPts val="1200"/>
+              </a:spcBef>
               <a:buFont typeface="Arial" panose="020B0604020202020204" pitchFamily="34" charset="0"/>
               <a:buChar char="•"/>
             </a:pPr>
@@ -7584,47 +7362,46 @@
                 </a:solidFill>
                 <a:latin typeface="Sherman Sans Book"/>
               </a:rPr>
-              <a:t>Address space layout randomization (ASLR)</a:t>
-            </a:r>
-          </a:p>
-          <a:p>
-            <a:pPr marL="1485900" lvl="2" indent="-571500">
-              <a:buFont typeface="Arial" panose="020B0604020202020204" pitchFamily="34" charset="0"/>
-              <a:buChar char="•"/>
-            </a:pPr>
-            <a:r>
-              <a:rPr lang="en-US" dirty="0">
-                <a:solidFill>
-                  <a:srgbClr val="3E3D3C"/>
-                </a:solidFill>
-                <a:latin typeface="Sherman Sans Book"/>
-              </a:rPr>
-              <a:t>Secure in enclave loading</a:t>
-            </a:r>
-          </a:p>
-          <a:p>
-            <a:pPr marL="1485900" lvl="2" indent="-571500">
-              <a:buFont typeface="Arial" panose="020B0604020202020204" pitchFamily="34" charset="0"/>
-              <a:buChar char="•"/>
-            </a:pPr>
-            <a:r>
-              <a:rPr lang="en-US" dirty="0">
-                <a:solidFill>
-                  <a:srgbClr val="3E3D3C"/>
-                </a:solidFill>
-                <a:latin typeface="Sherman Sans Book"/>
-              </a:rPr>
-              <a:t>Limited memory ⇨  small randomization entropy ⇨ brute force attacks</a:t>
-            </a:r>
-          </a:p>
-        </p:txBody>
-      </p:sp>
+              <a:t>Fake accesses</a:t>
+            </a:r>
+          </a:p>
+        </p:txBody>
+      </p:sp>
+      <p:pic>
+        <p:nvPicPr>
+          <p:cNvPr id="8" name="Content Placeholder 7">
+            <a:extLst>
+              <a:ext uri="{FF2B5EF4-FFF2-40B4-BE49-F238E27FC236}">
+                <a16:creationId xmlns:a16="http://schemas.microsoft.com/office/drawing/2014/main" id="{4AC581C0-5690-4D56-A9DC-2D660FBECC57}"/>
+              </a:ext>
+            </a:extLst>
+          </p:cNvPr>
+          <p:cNvPicPr>
+            <a:picLocks noGrp="1" noChangeAspect="1"/>
+          </p:cNvPicPr>
+          <p:nvPr>
+            <p:ph sz="quarter" idx="19"/>
+          </p:nvPr>
+        </p:nvPicPr>
+        <p:blipFill>
+          <a:blip r:embed="rId2"/>
+          <a:stretch>
+            <a:fillRect/>
+          </a:stretch>
+        </p:blipFill>
+        <p:spPr>
+          <a:xfrm>
+            <a:off x="7229624" y="1493996"/>
+            <a:ext cx="4424311" cy="2280531"/>
+          </a:xfrm>
+        </p:spPr>
+      </p:pic>
       <p:sp>
         <p:nvSpPr>
           <p:cNvPr id="6" name="Text Placeholder 5">
             <a:extLst>
               <a:ext uri="{FF2B5EF4-FFF2-40B4-BE49-F238E27FC236}">
-                <a16:creationId xmlns:a16="http://schemas.microsoft.com/office/drawing/2014/main" id="{7A1291FE-9D57-4687-9ED1-BE6E6EBD26FD}"/>
+                <a16:creationId xmlns:a16="http://schemas.microsoft.com/office/drawing/2014/main" id="{E627760D-257C-4DB0-B36D-10A3CC08075A}"/>
               </a:ext>
             </a:extLst>
           </p:cNvPr>
@@ -7650,7 +7427,7 @@
     </p:spTree>
     <p:extLst>
       <p:ext uri="{BB962C8B-B14F-4D97-AF65-F5344CB8AC3E}">
-        <p14:creationId xmlns:p14="http://schemas.microsoft.com/office/powerpoint/2010/main" val="2232340013"/>
+        <p14:creationId xmlns:p14="http://schemas.microsoft.com/office/powerpoint/2010/main" val="1026533762"/>
       </p:ext>
     </p:extLst>
   </p:cSld>
@@ -7685,7 +7462,7 @@
           <p:cNvPr id="2" name="Slide Number Placeholder 1">
             <a:extLst>
               <a:ext uri="{FF2B5EF4-FFF2-40B4-BE49-F238E27FC236}">
-                <a16:creationId xmlns:a16="http://schemas.microsoft.com/office/drawing/2014/main" id="{EAACBEF5-E585-4015-B8AF-F7E0B72C4AA1}"/>
+                <a16:creationId xmlns:a16="http://schemas.microsoft.com/office/drawing/2014/main" id="{B9C8362F-5220-4EF2-B58C-9814516AE587}"/>
               </a:ext>
             </a:extLst>
           </p:cNvPr>
@@ -7715,7 +7492,7 @@
           <p:cNvPr id="3" name="Title 2">
             <a:extLst>
               <a:ext uri="{FF2B5EF4-FFF2-40B4-BE49-F238E27FC236}">
-                <a16:creationId xmlns:a16="http://schemas.microsoft.com/office/drawing/2014/main" id="{8821F182-BA36-447E-A00F-E60523AE3859}"/>
+                <a16:creationId xmlns:a16="http://schemas.microsoft.com/office/drawing/2014/main" id="{D9CD2F4B-D365-4F71-8455-BF2171AF1D7F}"/>
               </a:ext>
             </a:extLst>
           </p:cNvPr>
@@ -7733,7 +7510,7 @@
           <a:p>
             <a:r>
               <a:rPr lang="en-US" dirty="0"/>
-              <a:t>Analysis</a:t>
+              <a:t>Defenses</a:t>
             </a:r>
           </a:p>
         </p:txBody>
@@ -7743,7 +7520,7 @@
           <p:cNvPr id="4" name="Text Placeholder 3">
             <a:extLst>
               <a:ext uri="{FF2B5EF4-FFF2-40B4-BE49-F238E27FC236}">
-                <a16:creationId xmlns:a16="http://schemas.microsoft.com/office/drawing/2014/main" id="{E430051C-F1FE-4C68-877B-E2D25AFF5465}"/>
+                <a16:creationId xmlns:a16="http://schemas.microsoft.com/office/drawing/2014/main" id="{3017E704-B28A-4725-A4A0-EAE3135EBAF0}"/>
               </a:ext>
             </a:extLst>
           </p:cNvPr>
@@ -7756,7 +7533,7 @@
         </p:nvSpPr>
         <p:spPr>
           <a:xfrm>
-            <a:off x="1066802" y="1338200"/>
+            <a:off x="1066800" y="1016476"/>
             <a:ext cx="10667998" cy="3646487"/>
           </a:xfrm>
         </p:spPr>
@@ -7765,9 +7542,6 @@
           <a:lstStyle/>
           <a:p>
             <a:pPr marL="571500" indent="-571500">
-              <a:spcBef>
-                <a:spcPts val="1200"/>
-              </a:spcBef>
               <a:buFont typeface="Arial" panose="020B0604020202020204" pitchFamily="34" charset="0"/>
               <a:buChar char="•"/>
             </a:pPr>
@@ -7775,14 +7549,11 @@
               <a:rPr lang="en-US" sz="3200" dirty="0">
                 <a:latin typeface="Sherman Sans Book"/>
               </a:rPr>
-              <a:t>Cloak</a:t>
+              <a:t>T-SGX</a:t>
             </a:r>
           </a:p>
           <a:p>
             <a:pPr marL="1028700" lvl="1" indent="-571500">
-              <a:spcBef>
-                <a:spcPts val="1200"/>
-              </a:spcBef>
               <a:buFont typeface="Arial" panose="020B0604020202020204" pitchFamily="34" charset="0"/>
               <a:buChar char="•"/>
             </a:pPr>
@@ -7793,14 +7564,11 @@
                 </a:solidFill>
                 <a:latin typeface="Sherman Sans Book"/>
               </a:rPr>
-              <a:t>Makes cache-pinning possible to some extent</a:t>
+              <a:t>CPU does not deliver page-fault to the OS</a:t>
             </a:r>
           </a:p>
           <a:p>
             <a:pPr marL="1028700" lvl="1" indent="-571500">
-              <a:spcBef>
-                <a:spcPts val="1200"/>
-              </a:spcBef>
               <a:buFont typeface="Arial" panose="020B0604020202020204" pitchFamily="34" charset="0"/>
               <a:buChar char="•"/>
             </a:pPr>
@@ -7811,14 +7579,11 @@
                 </a:solidFill>
                 <a:latin typeface="Sherman Sans Book"/>
               </a:rPr>
-              <a:t>Execution time can leak</a:t>
+              <a:t>Abort transaction and run the fallback code</a:t>
             </a:r>
           </a:p>
           <a:p>
             <a:pPr marL="1028700" lvl="1" indent="-571500">
-              <a:spcBef>
-                <a:spcPts val="1200"/>
-              </a:spcBef>
               <a:buFont typeface="Arial" panose="020B0604020202020204" pitchFamily="34" charset="0"/>
               <a:buChar char="•"/>
             </a:pPr>
@@ -7829,14 +7594,11 @@
                 </a:solidFill>
                 <a:latin typeface="Sherman Sans Book"/>
               </a:rPr>
-              <a:t>Aborts do not cancel concurrent memory accesses</a:t>
+              <a:t>Lots of aborts</a:t>
             </a:r>
           </a:p>
           <a:p>
             <a:pPr marL="1028700" lvl="1" indent="-571500">
-              <a:spcBef>
-                <a:spcPts val="1200"/>
-              </a:spcBef>
               <a:buFont typeface="Arial" panose="020B0604020202020204" pitchFamily="34" charset="0"/>
               <a:buChar char="•"/>
             </a:pPr>
@@ -7847,14 +7609,11 @@
                 </a:solidFill>
                 <a:latin typeface="Sherman Sans Book"/>
               </a:rPr>
-              <a:t>Execution behavior and branch prediction uncertainties</a:t>
+              <a:t>Break into execution blocks</a:t>
             </a:r>
           </a:p>
           <a:p>
             <a:pPr marL="571500" indent="-571500">
-              <a:spcBef>
-                <a:spcPts val="1200"/>
-              </a:spcBef>
               <a:buFont typeface="Arial" panose="020B0604020202020204" pitchFamily="34" charset="0"/>
               <a:buChar char="•"/>
             </a:pPr>
@@ -7862,14 +7621,11 @@
               <a:rPr lang="en-US" sz="3200" dirty="0">
                 <a:latin typeface="Sherman Sans Book"/>
               </a:rPr>
-              <a:t>T-SGX</a:t>
+              <a:t>Cloak</a:t>
             </a:r>
           </a:p>
           <a:p>
             <a:pPr marL="1028700" lvl="1" indent="-571500">
-              <a:spcBef>
-                <a:spcPts val="1200"/>
-              </a:spcBef>
               <a:buFont typeface="Arial" panose="020B0604020202020204" pitchFamily="34" charset="0"/>
               <a:buChar char="•"/>
             </a:pPr>
@@ -7880,7 +7636,79 @@
                 </a:solidFill>
                 <a:latin typeface="Sherman Sans Book"/>
               </a:rPr>
-              <a:t>Attacks based on monitoring flags are possible</a:t>
+              <a:t>Pin data in cache: Not supported by hardware</a:t>
+            </a:r>
+          </a:p>
+          <a:p>
+            <a:pPr marL="1028700" lvl="1" indent="-571500">
+              <a:buFont typeface="Arial" panose="020B0604020202020204" pitchFamily="34" charset="0"/>
+              <a:buChar char="•"/>
+            </a:pPr>
+            <a:r>
+              <a:rPr lang="en-US" dirty="0">
+                <a:solidFill>
+                  <a:srgbClr val="3E3D3C"/>
+                </a:solidFill>
+                <a:latin typeface="Sherman Sans Book"/>
+              </a:rPr>
+              <a:t>Preload code/data in transaction and run the algorithm</a:t>
+            </a:r>
+          </a:p>
+          <a:p>
+            <a:pPr marL="571500" indent="-571500">
+              <a:buFont typeface="Arial" panose="020B0604020202020204" pitchFamily="34" charset="0"/>
+              <a:buChar char="•"/>
+            </a:pPr>
+            <a:r>
+              <a:rPr lang="en-US" sz="3200" dirty="0">
+                <a:latin typeface="Sherman Sans Book"/>
+              </a:rPr>
+              <a:t>SGX-Shield</a:t>
+            </a:r>
+          </a:p>
+          <a:p>
+            <a:pPr marL="1028700" lvl="1" indent="-571500">
+              <a:buFont typeface="Arial" panose="020B0604020202020204" pitchFamily="34" charset="0"/>
+              <a:buChar char="•"/>
+            </a:pPr>
+            <a:r>
+              <a:rPr lang="en-US" dirty="0">
+                <a:solidFill>
+                  <a:srgbClr val="3E3D3C"/>
+                </a:solidFill>
+                <a:latin typeface="Sherman Sans Book"/>
+              </a:rPr>
+              <a:t>Address space layout randomization (ASLR)</a:t>
+            </a:r>
+          </a:p>
+          <a:p>
+            <a:pPr marL="1485900" lvl="2" indent="-571500">
+              <a:buFont typeface="Arial" panose="020B0604020202020204" pitchFamily="34" charset="0"/>
+              <a:buChar char="•"/>
+            </a:pPr>
+            <a:r>
+              <a:rPr lang="en-US" dirty="0">
+                <a:solidFill>
+                  <a:srgbClr val="3E3D3C"/>
+                </a:solidFill>
+                <a:latin typeface="Sherman Sans Book"/>
+              </a:rPr>
+              <a:t>Secure in enclave loading</a:t>
+            </a:r>
+          </a:p>
+          <a:p>
+            <a:pPr marL="1485900" lvl="2" indent="-571500">
+              <a:buFont typeface="Arial" panose="020B0604020202020204" pitchFamily="34" charset="0"/>
+              <a:buChar char="•"/>
+            </a:pPr>
+            <a:r>
+              <a:rPr lang="en-US" dirty="0">
+                <a:solidFill>
+                  <a:srgbClr val="3E3D3C"/>
+                </a:solidFill>
+                <a:latin typeface="Sherman Sans Book"/>
+              </a:rPr>
+              <a:t>Limited memory ⇨  small randomization entropy ⇨ brute force attacks</a:t>
             </a:r>
           </a:p>
         </p:txBody>
@@ -7890,7 +7718,7 @@
           <p:cNvPr id="6" name="Text Placeholder 5">
             <a:extLst>
               <a:ext uri="{FF2B5EF4-FFF2-40B4-BE49-F238E27FC236}">
-                <a16:creationId xmlns:a16="http://schemas.microsoft.com/office/drawing/2014/main" id="{CAA30D22-1D0E-4B89-973C-A8EEBB0A62D1}"/>
+                <a16:creationId xmlns:a16="http://schemas.microsoft.com/office/drawing/2014/main" id="{7A1291FE-9D57-4687-9ED1-BE6E6EBD26FD}"/>
               </a:ext>
             </a:extLst>
           </p:cNvPr>
@@ -7916,7 +7744,7 @@
     </p:spTree>
     <p:extLst>
       <p:ext uri="{BB962C8B-B14F-4D97-AF65-F5344CB8AC3E}">
-        <p14:creationId xmlns:p14="http://schemas.microsoft.com/office/powerpoint/2010/main" val="3713532451"/>
+        <p14:creationId xmlns:p14="http://schemas.microsoft.com/office/powerpoint/2010/main" val="2232340013"/>
       </p:ext>
     </p:extLst>
   </p:cSld>
@@ -7951,7 +7779,7 @@
           <p:cNvPr id="2" name="Slide Number Placeholder 1">
             <a:extLst>
               <a:ext uri="{FF2B5EF4-FFF2-40B4-BE49-F238E27FC236}">
-                <a16:creationId xmlns:a16="http://schemas.microsoft.com/office/drawing/2014/main" id="{569642A4-3B0A-4A63-842A-16A925FF3A85}"/>
+                <a16:creationId xmlns:a16="http://schemas.microsoft.com/office/drawing/2014/main" id="{EAACBEF5-E585-4015-B8AF-F7E0B72C4AA1}"/>
               </a:ext>
             </a:extLst>
           </p:cNvPr>
@@ -7981,7 +7809,7 @@
           <p:cNvPr id="3" name="Title 2">
             <a:extLst>
               <a:ext uri="{FF2B5EF4-FFF2-40B4-BE49-F238E27FC236}">
-                <a16:creationId xmlns:a16="http://schemas.microsoft.com/office/drawing/2014/main" id="{533A8BE8-4514-451E-9FD7-EEC710EF21BD}"/>
+                <a16:creationId xmlns:a16="http://schemas.microsoft.com/office/drawing/2014/main" id="{8821F182-BA36-447E-A00F-E60523AE3859}"/>
               </a:ext>
             </a:extLst>
           </p:cNvPr>
@@ -8009,7 +7837,7 @@
           <p:cNvPr id="4" name="Text Placeholder 3">
             <a:extLst>
               <a:ext uri="{FF2B5EF4-FFF2-40B4-BE49-F238E27FC236}">
-                <a16:creationId xmlns:a16="http://schemas.microsoft.com/office/drawing/2014/main" id="{A7EA056E-357F-4B48-B6C6-3C50903512D3}"/>
+                <a16:creationId xmlns:a16="http://schemas.microsoft.com/office/drawing/2014/main" id="{E430051C-F1FE-4C68-877B-E2D25AFF5465}"/>
               </a:ext>
             </a:extLst>
           </p:cNvPr>
@@ -8022,7 +7850,7 @@
         </p:nvSpPr>
         <p:spPr>
           <a:xfrm>
-            <a:off x="1066800" y="1287400"/>
+            <a:off x="1066802" y="1338200"/>
             <a:ext cx="10667998" cy="3646487"/>
           </a:xfrm>
         </p:spPr>
@@ -8031,9 +7859,6 @@
           <a:lstStyle/>
           <a:p>
             <a:pPr marL="571500" indent="-571500">
-              <a:lnSpc>
-                <a:spcPct val="150000"/>
-              </a:lnSpc>
               <a:spcBef>
                 <a:spcPts val="1200"/>
               </a:spcBef>
@@ -8041,17 +7866,14 @@
               <a:buChar char="•"/>
             </a:pPr>
             <a:r>
-              <a:rPr lang="en-US" sz="3600" dirty="0">
+              <a:rPr lang="en-US" sz="3200" dirty="0">
                 <a:latin typeface="Sherman Sans Book"/>
               </a:rPr>
-              <a:t>Déjà vu</a:t>
+              <a:t>Cloak</a:t>
             </a:r>
           </a:p>
           <a:p>
             <a:pPr marL="1028700" lvl="1" indent="-571500">
-              <a:lnSpc>
-                <a:spcPct val="150000"/>
-              </a:lnSpc>
               <a:spcBef>
                 <a:spcPts val="1200"/>
               </a:spcBef>
@@ -8065,14 +7887,11 @@
                 </a:solidFill>
                 <a:latin typeface="Sherman Sans Book"/>
               </a:rPr>
-              <a:t>Sneaky page monitoring attacks still effective</a:t>
+              <a:t>Makes cache-pinning possible to some extent</a:t>
             </a:r>
           </a:p>
           <a:p>
             <a:pPr marL="1028700" lvl="1" indent="-571500">
-              <a:lnSpc>
-                <a:spcPct val="150000"/>
-              </a:lnSpc>
               <a:spcBef>
                 <a:spcPts val="1200"/>
               </a:spcBef>
@@ -8086,32 +7905,11 @@
                 </a:solidFill>
                 <a:latin typeface="Sherman Sans Book"/>
               </a:rPr>
-              <a:t>Only works on AEX based attacks</a:t>
-            </a:r>
-          </a:p>
-          <a:p>
-            <a:pPr marL="571500" indent="-571500">
-              <a:lnSpc>
-                <a:spcPct val="150000"/>
-              </a:lnSpc>
-              <a:spcBef>
-                <a:spcPts val="1200"/>
-              </a:spcBef>
-              <a:buFont typeface="Arial" panose="020B0604020202020204" pitchFamily="34" charset="0"/>
-              <a:buChar char="•"/>
-            </a:pPr>
-            <a:r>
-              <a:rPr lang="en-US" sz="3600" dirty="0">
-                <a:latin typeface="Sherman Sans Book"/>
-              </a:rPr>
-              <a:t>Bottom line</a:t>
+              <a:t>Execution time can leak</a:t>
             </a:r>
           </a:p>
           <a:p>
             <a:pPr marL="1028700" lvl="1" indent="-571500">
-              <a:lnSpc>
-                <a:spcPct val="150000"/>
-              </a:lnSpc>
               <a:spcBef>
                 <a:spcPts val="1200"/>
               </a:spcBef>
@@ -8125,7 +7923,58 @@
                 </a:solidFill>
                 <a:latin typeface="Sherman Sans Book"/>
               </a:rPr>
-              <a:t>Transaction based defenses usually come with high overload and low utilization</a:t>
+              <a:t>Aborts do not cancel concurrent memory accesses</a:t>
+            </a:r>
+          </a:p>
+          <a:p>
+            <a:pPr marL="1028700" lvl="1" indent="-571500">
+              <a:spcBef>
+                <a:spcPts val="1200"/>
+              </a:spcBef>
+              <a:buFont typeface="Arial" panose="020B0604020202020204" pitchFamily="34" charset="0"/>
+              <a:buChar char="•"/>
+            </a:pPr>
+            <a:r>
+              <a:rPr lang="en-US" dirty="0">
+                <a:solidFill>
+                  <a:srgbClr val="3E3D3C"/>
+                </a:solidFill>
+                <a:latin typeface="Sherman Sans Book"/>
+              </a:rPr>
+              <a:t>Execution behavior and branch prediction uncertainties</a:t>
+            </a:r>
+          </a:p>
+          <a:p>
+            <a:pPr marL="571500" indent="-571500">
+              <a:spcBef>
+                <a:spcPts val="1200"/>
+              </a:spcBef>
+              <a:buFont typeface="Arial" panose="020B0604020202020204" pitchFamily="34" charset="0"/>
+              <a:buChar char="•"/>
+            </a:pPr>
+            <a:r>
+              <a:rPr lang="en-US" sz="3200" dirty="0">
+                <a:latin typeface="Sherman Sans Book"/>
+              </a:rPr>
+              <a:t>T-SGX</a:t>
+            </a:r>
+          </a:p>
+          <a:p>
+            <a:pPr marL="1028700" lvl="1" indent="-571500">
+              <a:spcBef>
+                <a:spcPts val="1200"/>
+              </a:spcBef>
+              <a:buFont typeface="Arial" panose="020B0604020202020204" pitchFamily="34" charset="0"/>
+              <a:buChar char="•"/>
+            </a:pPr>
+            <a:r>
+              <a:rPr lang="en-US" dirty="0">
+                <a:solidFill>
+                  <a:srgbClr val="3E3D3C"/>
+                </a:solidFill>
+                <a:latin typeface="Sherman Sans Book"/>
+              </a:rPr>
+              <a:t>Attacks based on monitoring flags are possible</a:t>
             </a:r>
           </a:p>
         </p:txBody>
@@ -8135,7 +7984,7 @@
           <p:cNvPr id="6" name="Text Placeholder 5">
             <a:extLst>
               <a:ext uri="{FF2B5EF4-FFF2-40B4-BE49-F238E27FC236}">
-                <a16:creationId xmlns:a16="http://schemas.microsoft.com/office/drawing/2014/main" id="{A6A973BA-65EE-405C-92E4-52EE77D3F73E}"/>
+                <a16:creationId xmlns:a16="http://schemas.microsoft.com/office/drawing/2014/main" id="{CAA30D22-1D0E-4B89-973C-A8EEBB0A62D1}"/>
               </a:ext>
             </a:extLst>
           </p:cNvPr>
@@ -8161,7 +8010,7 @@
     </p:spTree>
     <p:extLst>
       <p:ext uri="{BB962C8B-B14F-4D97-AF65-F5344CB8AC3E}">
-        <p14:creationId xmlns:p14="http://schemas.microsoft.com/office/powerpoint/2010/main" val="1811417319"/>
+        <p14:creationId xmlns:p14="http://schemas.microsoft.com/office/powerpoint/2010/main" val="3713532451"/>
       </p:ext>
     </p:extLst>
   </p:cSld>
@@ -8196,7 +8045,7 @@
           <p:cNvPr id="2" name="Slide Number Placeholder 1">
             <a:extLst>
               <a:ext uri="{FF2B5EF4-FFF2-40B4-BE49-F238E27FC236}">
-                <a16:creationId xmlns:a16="http://schemas.microsoft.com/office/drawing/2014/main" id="{C33349BC-DBC7-4A09-A78E-42B1D8A741F4}"/>
+                <a16:creationId xmlns:a16="http://schemas.microsoft.com/office/drawing/2014/main" id="{569642A4-3B0A-4A63-842A-16A925FF3A85}"/>
               </a:ext>
             </a:extLst>
           </p:cNvPr>
@@ -8226,7 +8075,7 @@
           <p:cNvPr id="3" name="Title 2">
             <a:extLst>
               <a:ext uri="{FF2B5EF4-FFF2-40B4-BE49-F238E27FC236}">
-                <a16:creationId xmlns:a16="http://schemas.microsoft.com/office/drawing/2014/main" id="{FF796C11-BC43-4C18-9F54-79F3BD5690A1}"/>
+                <a16:creationId xmlns:a16="http://schemas.microsoft.com/office/drawing/2014/main" id="{533A8BE8-4514-451E-9FD7-EEC710EF21BD}"/>
               </a:ext>
             </a:extLst>
           </p:cNvPr>
@@ -8254,7 +8103,7 @@
           <p:cNvPr id="4" name="Text Placeholder 3">
             <a:extLst>
               <a:ext uri="{FF2B5EF4-FFF2-40B4-BE49-F238E27FC236}">
-                <a16:creationId xmlns:a16="http://schemas.microsoft.com/office/drawing/2014/main" id="{488A68C6-3992-45DC-94A3-3DB6E85F6D16}"/>
+                <a16:creationId xmlns:a16="http://schemas.microsoft.com/office/drawing/2014/main" id="{A7EA056E-357F-4B48-B6C6-3C50903512D3}"/>
               </a:ext>
             </a:extLst>
           </p:cNvPr>
@@ -8267,7 +8116,7 @@
         </p:nvSpPr>
         <p:spPr>
           <a:xfrm>
-            <a:off x="1066802" y="1246760"/>
+            <a:off x="1066800" y="1287400"/>
             <a:ext cx="10667998" cy="3646487"/>
           </a:xfrm>
         </p:spPr>
@@ -8279,14 +8128,17 @@
               <a:lnSpc>
                 <a:spcPct val="150000"/>
               </a:lnSpc>
+              <a:spcBef>
+                <a:spcPts val="1200"/>
+              </a:spcBef>
               <a:buFont typeface="Arial" panose="020B0604020202020204" pitchFamily="34" charset="0"/>
               <a:buChar char="•"/>
             </a:pPr>
             <a:r>
-              <a:rPr lang="en-US" sz="3200" dirty="0">
+              <a:rPr lang="en-US" sz="3600" dirty="0">
                 <a:latin typeface="Sherman Sans Book"/>
               </a:rPr>
-              <a:t>SGX-Shield</a:t>
+              <a:t>Déjà vu</a:t>
             </a:r>
           </a:p>
           <a:p>
@@ -8294,6 +8146,9 @@
               <a:lnSpc>
                 <a:spcPct val="150000"/>
               </a:lnSpc>
+              <a:spcBef>
+                <a:spcPts val="1200"/>
+              </a:spcBef>
               <a:buFont typeface="Arial" panose="020B0604020202020204" pitchFamily="34" charset="0"/>
               <a:buChar char="•"/>
             </a:pPr>
@@ -8304,22 +8159,7 @@
                 </a:solidFill>
                 <a:latin typeface="Sherman Sans Book"/>
               </a:rPr>
-              <a:t>No live randomization ⇨ observe and monitor random patterns</a:t>
-            </a:r>
-          </a:p>
-          <a:p>
-            <a:pPr marL="571500" indent="-571500">
-              <a:lnSpc>
-                <a:spcPct val="150000"/>
-              </a:lnSpc>
-              <a:buFont typeface="Arial" panose="020B0604020202020204" pitchFamily="34" charset="0"/>
-              <a:buChar char="•"/>
-            </a:pPr>
-            <a:r>
-              <a:rPr lang="en-US" sz="3200" dirty="0">
-                <a:latin typeface="Sherman Sans Book"/>
-              </a:rPr>
-              <a:t>Shinde et al.</a:t>
+              <a:t>Sneaky page monitoring attacks still effective</a:t>
             </a:r>
           </a:p>
           <a:p>
@@ -8327,6 +8167,9 @@
               <a:lnSpc>
                 <a:spcPct val="150000"/>
               </a:lnSpc>
+              <a:spcBef>
+                <a:spcPts val="1200"/>
+              </a:spcBef>
               <a:buFont typeface="Arial" panose="020B0604020202020204" pitchFamily="34" charset="0"/>
               <a:buChar char="•"/>
             </a:pPr>
@@ -8337,7 +8180,46 @@
                 </a:solidFill>
                 <a:latin typeface="Sherman Sans Book"/>
               </a:rPr>
-              <a:t>Cache and TLB based attacks possible</a:t>
+              <a:t>Only works on AEX based attacks</a:t>
+            </a:r>
+          </a:p>
+          <a:p>
+            <a:pPr marL="571500" indent="-571500">
+              <a:lnSpc>
+                <a:spcPct val="150000"/>
+              </a:lnSpc>
+              <a:spcBef>
+                <a:spcPts val="1200"/>
+              </a:spcBef>
+              <a:buFont typeface="Arial" panose="020B0604020202020204" pitchFamily="34" charset="0"/>
+              <a:buChar char="•"/>
+            </a:pPr>
+            <a:r>
+              <a:rPr lang="en-US" sz="3600" dirty="0">
+                <a:latin typeface="Sherman Sans Book"/>
+              </a:rPr>
+              <a:t>Bottom line</a:t>
+            </a:r>
+          </a:p>
+          <a:p>
+            <a:pPr marL="1028700" lvl="1" indent="-571500">
+              <a:lnSpc>
+                <a:spcPct val="150000"/>
+              </a:lnSpc>
+              <a:spcBef>
+                <a:spcPts val="1200"/>
+              </a:spcBef>
+              <a:buFont typeface="Arial" panose="020B0604020202020204" pitchFamily="34" charset="0"/>
+              <a:buChar char="•"/>
+            </a:pPr>
+            <a:r>
+              <a:rPr lang="en-US" dirty="0">
+                <a:solidFill>
+                  <a:srgbClr val="3E3D3C"/>
+                </a:solidFill>
+                <a:latin typeface="Sherman Sans Book"/>
+              </a:rPr>
+              <a:t>Transaction based defenses usually come with high overload and low utilization</a:t>
             </a:r>
           </a:p>
         </p:txBody>
@@ -8347,7 +8229,7 @@
           <p:cNvPr id="6" name="Text Placeholder 5">
             <a:extLst>
               <a:ext uri="{FF2B5EF4-FFF2-40B4-BE49-F238E27FC236}">
-                <a16:creationId xmlns:a16="http://schemas.microsoft.com/office/drawing/2014/main" id="{F2B04F09-9DE7-4B50-831A-17E37A1AD2A3}"/>
+                <a16:creationId xmlns:a16="http://schemas.microsoft.com/office/drawing/2014/main" id="{A6A973BA-65EE-405C-92E4-52EE77D3F73E}"/>
               </a:ext>
             </a:extLst>
           </p:cNvPr>
@@ -8373,7 +8255,7 @@
     </p:spTree>
     <p:extLst>
       <p:ext uri="{BB962C8B-B14F-4D97-AF65-F5344CB8AC3E}">
-        <p14:creationId xmlns:p14="http://schemas.microsoft.com/office/powerpoint/2010/main" val="1204389075"/>
+        <p14:creationId xmlns:p14="http://schemas.microsoft.com/office/powerpoint/2010/main" val="1811417319"/>
       </p:ext>
     </p:extLst>
   </p:cSld>
@@ -8603,7 +8485,7 @@
           <p:cNvPr id="2" name="Slide Number Placeholder 1">
             <a:extLst>
               <a:ext uri="{FF2B5EF4-FFF2-40B4-BE49-F238E27FC236}">
-                <a16:creationId xmlns:a16="http://schemas.microsoft.com/office/drawing/2014/main" id="{7A683518-C5E2-4A2E-8FC1-DAC46A817973}"/>
+                <a16:creationId xmlns:a16="http://schemas.microsoft.com/office/drawing/2014/main" id="{C33349BC-DBC7-4A09-A78E-42B1D8A741F4}"/>
               </a:ext>
             </a:extLst>
           </p:cNvPr>
@@ -8633,7 +8515,7 @@
           <p:cNvPr id="3" name="Title 2">
             <a:extLst>
               <a:ext uri="{FF2B5EF4-FFF2-40B4-BE49-F238E27FC236}">
-                <a16:creationId xmlns:a16="http://schemas.microsoft.com/office/drawing/2014/main" id="{3535D6AE-64F9-461A-B8B5-2494B7DEAC23}"/>
+                <a16:creationId xmlns:a16="http://schemas.microsoft.com/office/drawing/2014/main" id="{FF796C11-BC43-4C18-9F54-79F3BD5690A1}"/>
               </a:ext>
             </a:extLst>
           </p:cNvPr>
@@ -8661,7 +8543,7 @@
           <p:cNvPr id="4" name="Text Placeholder 3">
             <a:extLst>
               <a:ext uri="{FF2B5EF4-FFF2-40B4-BE49-F238E27FC236}">
-                <a16:creationId xmlns:a16="http://schemas.microsoft.com/office/drawing/2014/main" id="{32514131-C405-4471-8695-766C7CF90BC8}"/>
+                <a16:creationId xmlns:a16="http://schemas.microsoft.com/office/drawing/2014/main" id="{488A68C6-3992-45DC-94A3-3DB6E85F6D16}"/>
               </a:ext>
             </a:extLst>
           </p:cNvPr>
@@ -8672,15 +8554,20 @@
             <p:ph type="body" sz="quarter" idx="20"/>
           </p:nvPr>
         </p:nvSpPr>
-        <p:spPr/>
+        <p:spPr>
+          <a:xfrm>
+            <a:off x="1066802" y="1246760"/>
+            <a:ext cx="10667998" cy="3646487"/>
+          </a:xfrm>
+        </p:spPr>
         <p:txBody>
           <a:bodyPr/>
           <a:lstStyle/>
           <a:p>
             <a:pPr marL="571500" indent="-571500">
-              <a:spcBef>
-                <a:spcPts val="1200"/>
-              </a:spcBef>
+              <a:lnSpc>
+                <a:spcPct val="150000"/>
+              </a:lnSpc>
               <a:buFont typeface="Arial" panose="020B0604020202020204" pitchFamily="34" charset="0"/>
               <a:buChar char="•"/>
             </a:pPr>
@@ -8688,14 +8575,14 @@
               <a:rPr lang="en-US" sz="3200" dirty="0">
                 <a:latin typeface="Sherman Sans Book"/>
               </a:rPr>
-              <a:t>Other methods</a:t>
+              <a:t>SGX-Shield</a:t>
             </a:r>
           </a:p>
           <a:p>
             <a:pPr marL="1028700" lvl="1" indent="-571500">
-              <a:spcBef>
-                <a:spcPts val="1200"/>
-              </a:spcBef>
+              <a:lnSpc>
+                <a:spcPct val="150000"/>
+              </a:lnSpc>
               <a:buFont typeface="Arial" panose="020B0604020202020204" pitchFamily="34" charset="0"/>
               <a:buChar char="•"/>
             </a:pPr>
@@ -8706,14 +8593,29 @@
                 </a:solidFill>
                 <a:latin typeface="Sherman Sans Book"/>
               </a:rPr>
-              <a:t>Attack detection methods ⇨ Unreliable</a:t>
+              <a:t>No live randomization ⇨ observe and monitor random patterns</a:t>
+            </a:r>
+          </a:p>
+          <a:p>
+            <a:pPr marL="571500" indent="-571500">
+              <a:lnSpc>
+                <a:spcPct val="150000"/>
+              </a:lnSpc>
+              <a:buFont typeface="Arial" panose="020B0604020202020204" pitchFamily="34" charset="0"/>
+              <a:buChar char="•"/>
+            </a:pPr>
+            <a:r>
+              <a:rPr lang="en-US" sz="3200" dirty="0">
+                <a:latin typeface="Sherman Sans Book"/>
+              </a:rPr>
+              <a:t>Shinde et al.</a:t>
             </a:r>
           </a:p>
           <a:p>
             <a:pPr marL="1028700" lvl="1" indent="-571500">
-              <a:spcBef>
-                <a:spcPts val="1200"/>
-              </a:spcBef>
+              <a:lnSpc>
+                <a:spcPct val="150000"/>
+              </a:lnSpc>
               <a:buFont typeface="Arial" panose="020B0604020202020204" pitchFamily="34" charset="0"/>
               <a:buChar char="•"/>
             </a:pPr>
@@ -8724,92 +8626,17 @@
                 </a:solidFill>
                 <a:latin typeface="Sherman Sans Book"/>
               </a:rPr>
-              <a:t>Shuffling memory ⇨ expensive</a:t>
-            </a:r>
-          </a:p>
-          <a:p>
-            <a:pPr marL="1028700" lvl="1" indent="-571500">
-              <a:spcBef>
-                <a:spcPts val="1200"/>
-              </a:spcBef>
-              <a:buFont typeface="Arial" panose="020B0604020202020204" pitchFamily="34" charset="0"/>
-              <a:buChar char="•"/>
-            </a:pPr>
-            <a:r>
-              <a:rPr lang="en-US" dirty="0">
-                <a:solidFill>
-                  <a:srgbClr val="3E3D3C"/>
-                </a:solidFill>
-                <a:latin typeface="Sherman Sans Book"/>
-              </a:rPr>
-              <a:t>ORAM (make addresses input-independent) ⇨ expensive</a:t>
-            </a:r>
-          </a:p>
-          <a:p>
-            <a:pPr marL="571500" indent="-571500">
-              <a:spcBef>
-                <a:spcPts val="1200"/>
-              </a:spcBef>
-              <a:buFont typeface="Arial" panose="020B0604020202020204" pitchFamily="34" charset="0"/>
-              <a:buChar char="•"/>
-            </a:pPr>
-            <a:r>
-              <a:rPr lang="en-US" sz="3600" dirty="0">
-                <a:latin typeface="Sherman Sans Book"/>
-              </a:rPr>
-              <a:t>The perfect solution?</a:t>
-            </a:r>
-          </a:p>
-          <a:p>
-            <a:pPr marL="1028700" lvl="1" indent="-571500">
-              <a:spcBef>
-                <a:spcPts val="1200"/>
-              </a:spcBef>
-              <a:buFont typeface="Arial" panose="020B0604020202020204" pitchFamily="34" charset="0"/>
-              <a:buChar char="•"/>
-            </a:pPr>
-            <a:r>
-              <a:rPr lang="en-US" dirty="0">
-                <a:solidFill>
-                  <a:srgbClr val="3E3D3C"/>
-                </a:solidFill>
-                <a:latin typeface="Sherman Sans Book"/>
-              </a:rPr>
-              <a:t>Remove all branches and conditional code</a:t>
-            </a:r>
-          </a:p>
-          <a:p>
-            <a:pPr marL="1028700" lvl="1" indent="-571500">
-              <a:spcBef>
-                <a:spcPts val="1200"/>
-              </a:spcBef>
-              <a:buFont typeface="Arial" panose="020B0604020202020204" pitchFamily="34" charset="0"/>
-              <a:buChar char="•"/>
-            </a:pPr>
-            <a:r>
-              <a:rPr lang="en-US" dirty="0">
-                <a:solidFill>
-                  <a:srgbClr val="3E3D3C"/>
-                </a:solidFill>
-                <a:latin typeface="Sherman Sans Book"/>
-              </a:rPr>
-              <a:t>Pin data/code to cache and TLB</a:t>
-            </a:r>
-            <a:endParaRPr lang="fa-IR" dirty="0">
-              <a:solidFill>
-                <a:srgbClr val="3E3D3C"/>
-              </a:solidFill>
-              <a:latin typeface="Sherman Sans Book"/>
-            </a:endParaRPr>
-          </a:p>
-        </p:txBody>
-      </p:sp>
-      <p:sp>
-        <p:nvSpPr>
-          <p:cNvPr id="5" name="Content Placeholder 4">
+              <a:t>Cache and TLB based attacks possible</a:t>
+            </a:r>
+          </a:p>
+        </p:txBody>
+      </p:sp>
+      <p:sp>
+        <p:nvSpPr>
+          <p:cNvPr id="6" name="Text Placeholder 5">
             <a:extLst>
               <a:ext uri="{FF2B5EF4-FFF2-40B4-BE49-F238E27FC236}">
-                <a16:creationId xmlns:a16="http://schemas.microsoft.com/office/drawing/2014/main" id="{71C91CAD-8638-4CAF-9556-3353851F61F6}"/>
+                <a16:creationId xmlns:a16="http://schemas.microsoft.com/office/drawing/2014/main" id="{F2B04F09-9DE7-4B50-831A-17E37A1AD2A3}"/>
               </a:ext>
             </a:extLst>
           </p:cNvPr>
@@ -8817,31 +8644,6 @@
             <a:spLocks noGrp="1"/>
           </p:cNvSpPr>
           <p:nvPr>
-            <p:ph sz="quarter" idx="19"/>
-          </p:nvPr>
-        </p:nvSpPr>
-        <p:spPr/>
-        <p:txBody>
-          <a:bodyPr/>
-          <a:lstStyle/>
-          <a:p>
-            <a:endParaRPr lang="en-US"/>
-          </a:p>
-        </p:txBody>
-      </p:sp>
-      <p:sp>
-        <p:nvSpPr>
-          <p:cNvPr id="6" name="Text Placeholder 5">
-            <a:extLst>
-              <a:ext uri="{FF2B5EF4-FFF2-40B4-BE49-F238E27FC236}">
-                <a16:creationId xmlns:a16="http://schemas.microsoft.com/office/drawing/2014/main" id="{01D0EF89-8F47-49C5-9A7A-9C37F1A30A15}"/>
-              </a:ext>
-            </a:extLst>
-          </p:cNvPr>
-          <p:cNvSpPr>
-            <a:spLocks noGrp="1"/>
-          </p:cNvSpPr>
-          <p:nvPr>
             <p:ph type="body" sz="quarter" idx="22"/>
           </p:nvPr>
         </p:nvSpPr>
@@ -8860,7 +8662,7 @@
     </p:spTree>
     <p:extLst>
       <p:ext uri="{BB962C8B-B14F-4D97-AF65-F5344CB8AC3E}">
-        <p14:creationId xmlns:p14="http://schemas.microsoft.com/office/powerpoint/2010/main" val="892053230"/>
+        <p14:creationId xmlns:p14="http://schemas.microsoft.com/office/powerpoint/2010/main" val="1204389075"/>
       </p:ext>
     </p:extLst>
   </p:cSld>
@@ -8895,7 +8697,7 @@
           <p:cNvPr id="2" name="Slide Number Placeholder 1">
             <a:extLst>
               <a:ext uri="{FF2B5EF4-FFF2-40B4-BE49-F238E27FC236}">
-                <a16:creationId xmlns:a16="http://schemas.microsoft.com/office/drawing/2014/main" id="{D1DD070F-0015-4FC4-ABE6-36F10B06D147}"/>
+                <a16:creationId xmlns:a16="http://schemas.microsoft.com/office/drawing/2014/main" id="{7A683518-C5E2-4A2E-8FC1-DAC46A817973}"/>
               </a:ext>
             </a:extLst>
           </p:cNvPr>
@@ -8925,7 +8727,7 @@
           <p:cNvPr id="3" name="Title 2">
             <a:extLst>
               <a:ext uri="{FF2B5EF4-FFF2-40B4-BE49-F238E27FC236}">
-                <a16:creationId xmlns:a16="http://schemas.microsoft.com/office/drawing/2014/main" id="{79ECE240-F72B-4CA7-A764-B34B2AC096A8}"/>
+                <a16:creationId xmlns:a16="http://schemas.microsoft.com/office/drawing/2014/main" id="{3535D6AE-64F9-461A-B8B5-2494B7DEAC23}"/>
               </a:ext>
             </a:extLst>
           </p:cNvPr>
@@ -8943,7 +8745,7 @@
           <a:p>
             <a:r>
               <a:rPr lang="en-US" dirty="0"/>
-              <a:t>Conclusion</a:t>
+              <a:t>Analysis</a:t>
             </a:r>
           </a:p>
         </p:txBody>
@@ -8953,7 +8755,7 @@
           <p:cNvPr id="4" name="Text Placeholder 3">
             <a:extLst>
               <a:ext uri="{FF2B5EF4-FFF2-40B4-BE49-F238E27FC236}">
-                <a16:creationId xmlns:a16="http://schemas.microsoft.com/office/drawing/2014/main" id="{6DCF062F-5B83-4E3C-8983-5BDD671A696D}"/>
+                <a16:creationId xmlns:a16="http://schemas.microsoft.com/office/drawing/2014/main" id="{32514131-C405-4471-8695-766C7CF90BC8}"/>
               </a:ext>
             </a:extLst>
           </p:cNvPr>
@@ -8964,76 +8766,160 @@
             <p:ph type="body" sz="quarter" idx="20"/>
           </p:nvPr>
         </p:nvSpPr>
-        <p:spPr>
-          <a:xfrm>
-            <a:off x="1066800" y="1605756"/>
-            <a:ext cx="10667998" cy="3646487"/>
-          </a:xfrm>
-        </p:spPr>
+        <p:spPr/>
         <p:txBody>
           <a:bodyPr/>
           <a:lstStyle/>
           <a:p>
             <a:pPr marL="571500" indent="-571500">
-              <a:lnSpc>
-                <a:spcPct val="150000"/>
-              </a:lnSpc>
+              <a:spcBef>
+                <a:spcPts val="1200"/>
+              </a:spcBef>
               <a:buFont typeface="Arial" panose="020B0604020202020204" pitchFamily="34" charset="0"/>
               <a:buChar char="•"/>
             </a:pPr>
             <a:r>
-              <a:rPr lang="en-US" sz="3200" dirty="0"/>
-              <a:t>We studied multiple attacks and defenses</a:t>
-            </a:r>
-          </a:p>
-          <a:p>
-            <a:pPr marL="571500" indent="-571500">
-              <a:lnSpc>
-                <a:spcPct val="150000"/>
-              </a:lnSpc>
+              <a:rPr lang="en-US" sz="3200" dirty="0">
+                <a:latin typeface="Sherman Sans Book"/>
+              </a:rPr>
+              <a:t>Other methods</a:t>
+            </a:r>
+          </a:p>
+          <a:p>
+            <a:pPr marL="1028700" lvl="1" indent="-571500">
+              <a:spcBef>
+                <a:spcPts val="1200"/>
+              </a:spcBef>
               <a:buFont typeface="Arial" panose="020B0604020202020204" pitchFamily="34" charset="0"/>
               <a:buChar char="•"/>
             </a:pPr>
             <a:r>
-              <a:rPr lang="en-US" sz="3200" dirty="0"/>
-              <a:t>Still no robust defense</a:t>
-            </a:r>
-          </a:p>
-          <a:p>
-            <a:pPr marL="571500" indent="-571500">
-              <a:lnSpc>
-                <a:spcPct val="150000"/>
-              </a:lnSpc>
+              <a:rPr lang="en-US" dirty="0">
+                <a:solidFill>
+                  <a:srgbClr val="3E3D3C"/>
+                </a:solidFill>
+                <a:latin typeface="Sherman Sans Book"/>
+              </a:rPr>
+              <a:t>Attack detection methods ⇨ Unreliable</a:t>
+            </a:r>
+          </a:p>
+          <a:p>
+            <a:pPr marL="1028700" lvl="1" indent="-571500">
+              <a:spcBef>
+                <a:spcPts val="1200"/>
+              </a:spcBef>
               <a:buFont typeface="Arial" panose="020B0604020202020204" pitchFamily="34" charset="0"/>
               <a:buChar char="•"/>
             </a:pPr>
             <a:r>
-              <a:rPr lang="en-US" sz="3200" dirty="0"/>
-              <a:t>Attack are emerging</a:t>
-            </a:r>
-          </a:p>
-          <a:p>
-            <a:pPr marL="571500" indent="-571500">
-              <a:lnSpc>
-                <a:spcPct val="150000"/>
-              </a:lnSpc>
+              <a:rPr lang="en-US" dirty="0">
+                <a:solidFill>
+                  <a:srgbClr val="3E3D3C"/>
+                </a:solidFill>
+                <a:latin typeface="Sherman Sans Book"/>
+              </a:rPr>
+              <a:t>Shuffling memory ⇨ expensive</a:t>
+            </a:r>
+          </a:p>
+          <a:p>
+            <a:pPr marL="1028700" lvl="1" indent="-571500">
+              <a:spcBef>
+                <a:spcPts val="1200"/>
+              </a:spcBef>
               <a:buFont typeface="Arial" panose="020B0604020202020204" pitchFamily="34" charset="0"/>
               <a:buChar char="•"/>
             </a:pPr>
             <a:r>
-              <a:rPr lang="en-US" sz="3200" dirty="0"/>
-              <a:t>Open to research</a:t>
+              <a:rPr lang="en-US" dirty="0">
+                <a:solidFill>
+                  <a:srgbClr val="3E3D3C"/>
+                </a:solidFill>
+                <a:latin typeface="Sherman Sans Book"/>
+              </a:rPr>
+              <a:t>ORAM (make addresses input-independent) ⇨ expensive</a:t>
             </a:r>
           </a:p>
           <a:p>
             <a:pPr marL="571500" indent="-571500">
-              <a:lnSpc>
-                <a:spcPct val="150000"/>
-              </a:lnSpc>
+              <a:spcBef>
+                <a:spcPts val="1200"/>
+              </a:spcBef>
               <a:buFont typeface="Arial" panose="020B0604020202020204" pitchFamily="34" charset="0"/>
               <a:buChar char="•"/>
             </a:pPr>
-            <a:endParaRPr lang="en-US" sz="3200" dirty="0"/>
+            <a:r>
+              <a:rPr lang="en-US" sz="3600" dirty="0">
+                <a:latin typeface="Sherman Sans Book"/>
+              </a:rPr>
+              <a:t>The perfect solution?</a:t>
+            </a:r>
+          </a:p>
+          <a:p>
+            <a:pPr marL="1028700" lvl="1" indent="-571500">
+              <a:spcBef>
+                <a:spcPts val="1200"/>
+              </a:spcBef>
+              <a:buFont typeface="Arial" panose="020B0604020202020204" pitchFamily="34" charset="0"/>
+              <a:buChar char="•"/>
+            </a:pPr>
+            <a:r>
+              <a:rPr lang="en-US" dirty="0">
+                <a:solidFill>
+                  <a:srgbClr val="3E3D3C"/>
+                </a:solidFill>
+                <a:latin typeface="Sherman Sans Book"/>
+              </a:rPr>
+              <a:t>Remove all branches and conditional code</a:t>
+            </a:r>
+          </a:p>
+          <a:p>
+            <a:pPr marL="1028700" lvl="1" indent="-571500">
+              <a:spcBef>
+                <a:spcPts val="1200"/>
+              </a:spcBef>
+              <a:buFont typeface="Arial" panose="020B0604020202020204" pitchFamily="34" charset="0"/>
+              <a:buChar char="•"/>
+            </a:pPr>
+            <a:r>
+              <a:rPr lang="en-US" dirty="0">
+                <a:solidFill>
+                  <a:srgbClr val="3E3D3C"/>
+                </a:solidFill>
+                <a:latin typeface="Sherman Sans Book"/>
+              </a:rPr>
+              <a:t>Pin data/code to cache and TLB</a:t>
+            </a:r>
+            <a:endParaRPr lang="fa-IR" dirty="0">
+              <a:solidFill>
+                <a:srgbClr val="3E3D3C"/>
+              </a:solidFill>
+              <a:latin typeface="Sherman Sans Book"/>
+            </a:endParaRPr>
+          </a:p>
+        </p:txBody>
+      </p:sp>
+      <p:sp>
+        <p:nvSpPr>
+          <p:cNvPr id="5" name="Content Placeholder 4">
+            <a:extLst>
+              <a:ext uri="{FF2B5EF4-FFF2-40B4-BE49-F238E27FC236}">
+                <a16:creationId xmlns:a16="http://schemas.microsoft.com/office/drawing/2014/main" id="{71C91CAD-8638-4CAF-9556-3353851F61F6}"/>
+              </a:ext>
+            </a:extLst>
+          </p:cNvPr>
+          <p:cNvSpPr>
+            <a:spLocks noGrp="1"/>
+          </p:cNvSpPr>
+          <p:nvPr>
+            <p:ph sz="quarter" idx="19"/>
+          </p:nvPr>
+        </p:nvSpPr>
+        <p:spPr/>
+        <p:txBody>
+          <a:bodyPr/>
+          <a:lstStyle/>
+          <a:p>
+            <a:endParaRPr lang="en-US"/>
           </a:p>
         </p:txBody>
       </p:sp>
@@ -9042,7 +8928,7 @@
           <p:cNvPr id="6" name="Text Placeholder 5">
             <a:extLst>
               <a:ext uri="{FF2B5EF4-FFF2-40B4-BE49-F238E27FC236}">
-                <a16:creationId xmlns:a16="http://schemas.microsoft.com/office/drawing/2014/main" id="{2A83185D-A317-450B-8CBF-B58853DBB113}"/>
+                <a16:creationId xmlns:a16="http://schemas.microsoft.com/office/drawing/2014/main" id="{01D0EF89-8F47-49C5-9A7A-9C37F1A30A15}"/>
               </a:ext>
             </a:extLst>
           </p:cNvPr>
@@ -9068,7 +8954,7 @@
     </p:spTree>
     <p:extLst>
       <p:ext uri="{BB962C8B-B14F-4D97-AF65-F5344CB8AC3E}">
-        <p14:creationId xmlns:p14="http://schemas.microsoft.com/office/powerpoint/2010/main" val="1440044419"/>
+        <p14:creationId xmlns:p14="http://schemas.microsoft.com/office/powerpoint/2010/main" val="892053230"/>
       </p:ext>
     </p:extLst>
   </p:cSld>
@@ -9103,7 +8989,7 @@
           <p:cNvPr id="2" name="Slide Number Placeholder 1">
             <a:extLst>
               <a:ext uri="{FF2B5EF4-FFF2-40B4-BE49-F238E27FC236}">
-                <a16:creationId xmlns:a16="http://schemas.microsoft.com/office/drawing/2014/main" id="{728F9554-2836-461D-9001-19B6225563C6}"/>
+                <a16:creationId xmlns:a16="http://schemas.microsoft.com/office/drawing/2014/main" id="{D1DD070F-0015-4FC4-ABE6-36F10B06D147}"/>
               </a:ext>
             </a:extLst>
           </p:cNvPr>
@@ -9133,7 +9019,7 @@
           <p:cNvPr id="3" name="Title 2">
             <a:extLst>
               <a:ext uri="{FF2B5EF4-FFF2-40B4-BE49-F238E27FC236}">
-                <a16:creationId xmlns:a16="http://schemas.microsoft.com/office/drawing/2014/main" id="{77D0E184-2738-4E67-AE04-13DC769470C1}"/>
+                <a16:creationId xmlns:a16="http://schemas.microsoft.com/office/drawing/2014/main" id="{79ECE240-F72B-4CA7-A764-B34B2AC096A8}"/>
               </a:ext>
             </a:extLst>
           </p:cNvPr>
@@ -9151,7 +9037,7 @@
           <a:p>
             <a:r>
               <a:rPr lang="en-US" dirty="0"/>
-              <a:t>References</a:t>
+              <a:t>Conclusion</a:t>
             </a:r>
           </a:p>
         </p:txBody>
@@ -9161,7 +9047,7 @@
           <p:cNvPr id="4" name="Text Placeholder 3">
             <a:extLst>
               <a:ext uri="{FF2B5EF4-FFF2-40B4-BE49-F238E27FC236}">
-                <a16:creationId xmlns:a16="http://schemas.microsoft.com/office/drawing/2014/main" id="{0D7AD22C-7A69-453C-849F-E9EB6615AB67}"/>
+                <a16:creationId xmlns:a16="http://schemas.microsoft.com/office/drawing/2014/main" id="{6DCF062F-5B83-4E3C-8983-5BDD671A696D}"/>
               </a:ext>
             </a:extLst>
           </p:cNvPr>
@@ -9174,7 +9060,7 @@
         </p:nvSpPr>
         <p:spPr>
           <a:xfrm>
-            <a:off x="1066802" y="944966"/>
+            <a:off x="1066800" y="1605756"/>
             <a:ext cx="10667998" cy="3646487"/>
           </a:xfrm>
         </p:spPr>
@@ -9182,760 +9068,66 @@
           <a:bodyPr/>
           <a:lstStyle/>
           <a:p>
-            <a:r>
-              <a:rPr lang="en-US" sz="1100" dirty="0"/>
-              <a:t>[1] Ferdinand </a:t>
-            </a:r>
-            <a:r>
-              <a:rPr lang="en-US" sz="1100" dirty="0" err="1"/>
-              <a:t>Brasser</a:t>
-            </a:r>
-            <a:r>
-              <a:rPr lang="en-US" sz="1100" dirty="0"/>
-              <a:t>, </a:t>
-            </a:r>
-            <a:r>
-              <a:rPr lang="en-US" sz="1100" dirty="0" err="1"/>
-              <a:t>Srdjan</a:t>
-            </a:r>
-            <a:r>
-              <a:rPr lang="en-US" sz="1100" dirty="0"/>
-              <a:t> </a:t>
-            </a:r>
-            <a:r>
-              <a:rPr lang="en-US" sz="1100" dirty="0" err="1"/>
-              <a:t>Capkun</a:t>
-            </a:r>
-            <a:r>
-              <a:rPr lang="en-US" sz="1100" dirty="0"/>
-              <a:t>, Alexandra </a:t>
-            </a:r>
-            <a:r>
-              <a:rPr lang="en-US" sz="1100" dirty="0" err="1"/>
-              <a:t>Dmitrienko</a:t>
-            </a:r>
-            <a:r>
-              <a:rPr lang="en-US" sz="1100" dirty="0"/>
-              <a:t>, Tommaso </a:t>
-            </a:r>
-            <a:r>
-              <a:rPr lang="en-US" sz="1100" dirty="0" err="1"/>
-              <a:t>Frassetto</a:t>
-            </a:r>
-            <a:r>
-              <a:rPr lang="en-US" sz="1100" dirty="0"/>
-              <a:t>, Kari </a:t>
-            </a:r>
-            <a:r>
-              <a:rPr lang="en-US" sz="1100" dirty="0" err="1"/>
-              <a:t>Kostiainen</a:t>
-            </a:r>
-            <a:r>
-              <a:rPr lang="en-US" sz="1100" dirty="0"/>
-              <a:t>, </a:t>
-            </a:r>
-            <a:r>
-              <a:rPr lang="en-US" sz="1100" dirty="0" err="1"/>
-              <a:t>Urs</a:t>
-            </a:r>
-            <a:r>
-              <a:rPr lang="en-US" sz="1100" dirty="0"/>
-              <a:t> </a:t>
-            </a:r>
-            <a:r>
-              <a:rPr lang="en-US" sz="1100" dirty="0" err="1"/>
-              <a:t>Mu¨ller</a:t>
-            </a:r>
-            <a:r>
-              <a:rPr lang="en-US" sz="1100" dirty="0"/>
-              <a:t>, and Ahmad-Reza Sadeghi. 2017. DR. SGX: Hardening SGX Enclaves against Cache Attacks with Data Location Randomization. </a:t>
-            </a:r>
-            <a:r>
-              <a:rPr lang="en-US" sz="1100" dirty="0" err="1"/>
-              <a:t>arXiv</a:t>
-            </a:r>
-            <a:r>
-              <a:rPr lang="en-US" sz="1100" dirty="0"/>
-              <a:t> preprint arXiv:1709.09917 (2017). </a:t>
-            </a:r>
-            <a:br>
-              <a:rPr lang="en-US" sz="1100" dirty="0"/>
-            </a:br>
-            <a:r>
-              <a:rPr lang="en-US" sz="1100" dirty="0"/>
-              <a:t>[2] Ferdinand </a:t>
-            </a:r>
-            <a:r>
-              <a:rPr lang="en-US" sz="1100" dirty="0" err="1"/>
-              <a:t>Brasser</a:t>
-            </a:r>
-            <a:r>
-              <a:rPr lang="en-US" sz="1100" dirty="0"/>
-              <a:t>, </a:t>
-            </a:r>
-            <a:r>
-              <a:rPr lang="en-US" sz="1100" dirty="0" err="1"/>
-              <a:t>Urs</a:t>
-            </a:r>
-            <a:r>
-              <a:rPr lang="en-US" sz="1100" dirty="0"/>
-              <a:t> </a:t>
-            </a:r>
-            <a:r>
-              <a:rPr lang="en-US" sz="1100" dirty="0" err="1"/>
-              <a:t>Mu¨ller</a:t>
-            </a:r>
-            <a:r>
-              <a:rPr lang="en-US" sz="1100" dirty="0"/>
-              <a:t>, Alexandra </a:t>
-            </a:r>
-            <a:r>
-              <a:rPr lang="en-US" sz="1100" dirty="0" err="1"/>
-              <a:t>Dmitrienko</a:t>
-            </a:r>
-            <a:r>
-              <a:rPr lang="en-US" sz="1100" dirty="0"/>
-              <a:t>, Kari </a:t>
-            </a:r>
-            <a:r>
-              <a:rPr lang="en-US" sz="1100" dirty="0" err="1"/>
-              <a:t>Kostiainen</a:t>
-            </a:r>
-            <a:r>
-              <a:rPr lang="en-US" sz="1100" dirty="0"/>
-              <a:t>, </a:t>
-            </a:r>
-            <a:r>
-              <a:rPr lang="en-US" sz="1100" dirty="0" err="1"/>
-              <a:t>Srdjan</a:t>
-            </a:r>
-            <a:r>
-              <a:rPr lang="en-US" sz="1100" dirty="0"/>
-              <a:t> </a:t>
-            </a:r>
-            <a:r>
-              <a:rPr lang="en-US" sz="1100" dirty="0" err="1"/>
-              <a:t>Capkun</a:t>
-            </a:r>
-            <a:r>
-              <a:rPr lang="en-US" sz="1100" dirty="0"/>
-              <a:t>, and </a:t>
-            </a:r>
-            <a:r>
-              <a:rPr lang="en-US" sz="1100" dirty="0" err="1"/>
-              <a:t>AhmadReza</a:t>
-            </a:r>
-            <a:r>
-              <a:rPr lang="en-US" sz="1100" dirty="0"/>
-              <a:t> Sadeghi. 2017. Software grand exposure: SGX cache attacks are practical. </a:t>
-            </a:r>
-            <a:r>
-              <a:rPr lang="en-US" sz="1100" dirty="0" err="1"/>
-              <a:t>arXiv</a:t>
-            </a:r>
-            <a:r>
-              <a:rPr lang="en-US" sz="1100" dirty="0"/>
-              <a:t> preprint arXiv:1702.07521 (2017), 33.</a:t>
-            </a:r>
-            <a:br>
-              <a:rPr lang="en-US" sz="1100" dirty="0"/>
-            </a:br>
-            <a:r>
-              <a:rPr lang="en-US" sz="1100" dirty="0"/>
-              <a:t>[3] </a:t>
-            </a:r>
-            <a:r>
-              <a:rPr lang="en-US" sz="1100" dirty="0" err="1"/>
-              <a:t>Sanchuan</a:t>
-            </a:r>
-            <a:r>
-              <a:rPr lang="en-US" sz="1100" dirty="0"/>
-              <a:t> Chen, </a:t>
-            </a:r>
-            <a:r>
-              <a:rPr lang="en-US" sz="1100" dirty="0" err="1"/>
-              <a:t>Xiaokuan</a:t>
-            </a:r>
-            <a:r>
-              <a:rPr lang="en-US" sz="1100" dirty="0"/>
-              <a:t> Zhang, Michael K Reiter, and </a:t>
-            </a:r>
-            <a:r>
-              <a:rPr lang="en-US" sz="1100" dirty="0" err="1"/>
-              <a:t>Yinqian</a:t>
-            </a:r>
-            <a:r>
-              <a:rPr lang="en-US" sz="1100" dirty="0"/>
-              <a:t> Zhang. 2017. Detecting privileged side-channel attacks in shielded execution with </a:t>
-            </a:r>
-            <a:r>
-              <a:rPr lang="en-US" sz="1100" dirty="0" err="1"/>
-              <a:t>D´ej´a</a:t>
-            </a:r>
-            <a:r>
-              <a:rPr lang="en-US" sz="1100" dirty="0"/>
-              <a:t> Vu. In Proceedings of the 2017 ACM on Asia Conference on Computer and Communications Security. ACM, 7–18.</a:t>
-            </a:r>
-            <a:br>
-              <a:rPr lang="en-US" sz="1100" dirty="0"/>
-            </a:br>
-            <a:r>
-              <a:rPr lang="en-US" sz="1100" dirty="0"/>
-              <a:t>[4] Oded </a:t>
-            </a:r>
-            <a:r>
-              <a:rPr lang="en-US" sz="1100" dirty="0" err="1"/>
-              <a:t>Goldreich</a:t>
-            </a:r>
-            <a:r>
-              <a:rPr lang="en-US" sz="1100" dirty="0"/>
-              <a:t>. 1987. Towards a theory of software protection and simulation by oblivious RAMs. In Proceedings of the nineteenth annual ACM symposium on Theory of computing. ACM, 182–194.</a:t>
-            </a:r>
-            <a:br>
-              <a:rPr lang="en-US" sz="1100" dirty="0"/>
-            </a:br>
-            <a:r>
-              <a:rPr lang="en-US" sz="1100" dirty="0"/>
-              <a:t>[5] Oded </a:t>
-            </a:r>
-            <a:r>
-              <a:rPr lang="en-US" sz="1100" dirty="0" err="1"/>
-              <a:t>Goldreich</a:t>
-            </a:r>
-            <a:r>
-              <a:rPr lang="en-US" sz="1100" dirty="0"/>
-              <a:t> and </a:t>
-            </a:r>
-            <a:r>
-              <a:rPr lang="en-US" sz="1100" dirty="0" err="1"/>
-              <a:t>Rafail</a:t>
-            </a:r>
-            <a:r>
-              <a:rPr lang="en-US" sz="1100" dirty="0"/>
-              <a:t> </a:t>
-            </a:r>
-            <a:r>
-              <a:rPr lang="en-US" sz="1100" dirty="0" err="1"/>
-              <a:t>Ostrovsky</a:t>
-            </a:r>
-            <a:r>
-              <a:rPr lang="en-US" sz="1100" dirty="0"/>
-              <a:t>. 1996. Software protection and simulation on oblivious RAMs. Journal of the ACM (JACM) 43, 3 (1996), 431–473.</a:t>
-            </a:r>
-            <a:br>
-              <a:rPr lang="en-US" sz="1100" dirty="0"/>
-            </a:br>
-            <a:r>
-              <a:rPr lang="en-US" sz="1100" dirty="0"/>
-              <a:t>[6] Daniel </a:t>
-            </a:r>
-            <a:r>
-              <a:rPr lang="en-US" sz="1100" dirty="0" err="1"/>
-              <a:t>Gruss</a:t>
-            </a:r>
-            <a:r>
-              <a:rPr lang="en-US" sz="1100" dirty="0"/>
-              <a:t>, Julian </a:t>
-            </a:r>
-            <a:r>
-              <a:rPr lang="en-US" sz="1100" dirty="0" err="1"/>
-              <a:t>Lettner</a:t>
-            </a:r>
-            <a:r>
-              <a:rPr lang="en-US" sz="1100" dirty="0"/>
-              <a:t>, Felix Schuster, </a:t>
-            </a:r>
-            <a:r>
-              <a:rPr lang="en-US" sz="1100" dirty="0" err="1"/>
-              <a:t>Olya</a:t>
-            </a:r>
-            <a:r>
-              <a:rPr lang="en-US" sz="1100" dirty="0"/>
-              <a:t> </a:t>
-            </a:r>
-            <a:r>
-              <a:rPr lang="en-US" sz="1100" dirty="0" err="1"/>
-              <a:t>Ohrimenko</a:t>
-            </a:r>
-            <a:r>
-              <a:rPr lang="en-US" sz="1100" dirty="0"/>
-              <a:t>, Istvan Haller, and Manuel Costa. 2017. Strong and efficient cache side-channel protection using hardware transactional memory. In USENIX Security Symposium.</a:t>
-            </a:r>
-            <a:br>
-              <a:rPr lang="en-US" sz="1100" dirty="0"/>
-            </a:br>
-            <a:r>
-              <a:rPr lang="en-US" sz="1100" dirty="0"/>
-              <a:t>[7] Daniel </a:t>
-            </a:r>
-            <a:r>
-              <a:rPr lang="en-US" sz="1100" dirty="0" err="1"/>
-              <a:t>Gruss</a:t>
-            </a:r>
-            <a:r>
-              <a:rPr lang="en-US" sz="1100" dirty="0"/>
-              <a:t>, </a:t>
-            </a:r>
-            <a:r>
-              <a:rPr lang="en-US" sz="1100" dirty="0" err="1"/>
-              <a:t>Cl´ementine</a:t>
-            </a:r>
-            <a:r>
-              <a:rPr lang="en-US" sz="1100" dirty="0"/>
-              <a:t> Maurice, Klaus Wagner, and Stefan </a:t>
-            </a:r>
-            <a:r>
-              <a:rPr lang="en-US" sz="1100" dirty="0" err="1"/>
-              <a:t>Mangard</a:t>
-            </a:r>
-            <a:r>
-              <a:rPr lang="en-US" sz="1100" dirty="0"/>
-              <a:t>. 2016. Flush+ Flush: a fast and stealthy cache attack. In International Conference on Detection of Intrusions and Malware, and Vulnerability Assessment. Springer, 279–299.</a:t>
-            </a:r>
-            <a:br>
-              <a:rPr lang="en-US" sz="1100" dirty="0"/>
-            </a:br>
-            <a:r>
-              <a:rPr lang="en-US" sz="1100" dirty="0"/>
-              <a:t>[8] Mehmet </a:t>
-            </a:r>
-            <a:r>
-              <a:rPr lang="en-US" sz="1100" dirty="0" err="1"/>
-              <a:t>Kayaalp</a:t>
-            </a:r>
-            <a:r>
-              <a:rPr lang="en-US" sz="1100" dirty="0"/>
-              <a:t>, </a:t>
-            </a:r>
-            <a:r>
-              <a:rPr lang="en-US" sz="1100" dirty="0" err="1"/>
-              <a:t>Nael</a:t>
-            </a:r>
-            <a:r>
-              <a:rPr lang="en-US" sz="1100" dirty="0"/>
-              <a:t> Abu-</a:t>
-            </a:r>
-            <a:r>
-              <a:rPr lang="en-US" sz="1100" dirty="0" err="1"/>
-              <a:t>Ghazaleh</a:t>
-            </a:r>
-            <a:r>
-              <a:rPr lang="en-US" sz="1100" dirty="0"/>
-              <a:t>, Dmitry </a:t>
-            </a:r>
-            <a:r>
-              <a:rPr lang="en-US" sz="1100" dirty="0" err="1"/>
-              <a:t>Ponomarev</a:t>
-            </a:r>
-            <a:r>
-              <a:rPr lang="en-US" sz="1100" dirty="0"/>
-              <a:t>, and </a:t>
-            </a:r>
-            <a:r>
-              <a:rPr lang="en-US" sz="1100" dirty="0" err="1"/>
-              <a:t>Aamer</a:t>
-            </a:r>
-            <a:r>
-              <a:rPr lang="en-US" sz="1100" dirty="0"/>
-              <a:t> Jaleel. 2016. A high-resolution side-channel attack on last-level cache. In Proceedings of the 53rd Annual Design Automation Conference. ACM, 72.</a:t>
-            </a:r>
-            <a:br>
-              <a:rPr lang="en-US" sz="1100" dirty="0"/>
-            </a:br>
-            <a:r>
-              <a:rPr lang="en-US" sz="1100" dirty="0"/>
-              <a:t>[9] </a:t>
-            </a:r>
-            <a:r>
-              <a:rPr lang="en-US" sz="1100" dirty="0" err="1"/>
-              <a:t>Rafail</a:t>
-            </a:r>
-            <a:r>
-              <a:rPr lang="en-US" sz="1100" dirty="0"/>
-              <a:t> </a:t>
-            </a:r>
-            <a:r>
-              <a:rPr lang="en-US" sz="1100" dirty="0" err="1"/>
-              <a:t>Ostrovsky</a:t>
-            </a:r>
-            <a:r>
-              <a:rPr lang="en-US" sz="1100" dirty="0"/>
-              <a:t>. 1990. Efficient computation on oblivious RAMs. In Proceedings of the twenty-second annual ACM symposium on Theory of computing. ACM, 514–523.</a:t>
-            </a:r>
-            <a:br>
-              <a:rPr lang="en-US" sz="1100" dirty="0"/>
-            </a:br>
-            <a:r>
-              <a:rPr lang="en-US" sz="1100" dirty="0"/>
-              <a:t>[10] Dag Arne </a:t>
-            </a:r>
-            <a:r>
-              <a:rPr lang="en-US" sz="1100" dirty="0" err="1"/>
-              <a:t>Osvik</a:t>
-            </a:r>
-            <a:r>
-              <a:rPr lang="en-US" sz="1100" dirty="0"/>
-              <a:t>, Adi Shamir, and Eran </a:t>
-            </a:r>
-            <a:r>
-              <a:rPr lang="en-US" sz="1100" dirty="0" err="1"/>
-              <a:t>Tromer</a:t>
-            </a:r>
-            <a:r>
-              <a:rPr lang="en-US" sz="1100" dirty="0"/>
-              <a:t>. 2006. Cache attacks and countermeasures: the case of AES. In Cryptographers’ Track at the RSA Conference. Springer, 1–20.</a:t>
-            </a:r>
-            <a:br>
-              <a:rPr lang="en-US" sz="1100" dirty="0"/>
-            </a:br>
-            <a:r>
-              <a:rPr lang="en-US" sz="1100" dirty="0"/>
-              <a:t>[11] Peter </a:t>
-            </a:r>
-            <a:r>
-              <a:rPr lang="en-US" sz="1100" dirty="0" err="1"/>
-              <a:t>Pessl</a:t>
-            </a:r>
-            <a:r>
-              <a:rPr lang="en-US" sz="1100" dirty="0"/>
-              <a:t>, Daniel </a:t>
-            </a:r>
-            <a:r>
-              <a:rPr lang="en-US" sz="1100" dirty="0" err="1"/>
-              <a:t>Gruss</a:t>
-            </a:r>
-            <a:r>
-              <a:rPr lang="en-US" sz="1100" dirty="0"/>
-              <a:t>, </a:t>
-            </a:r>
-            <a:r>
-              <a:rPr lang="en-US" sz="1100" dirty="0" err="1"/>
-              <a:t>Cl´ementine</a:t>
-            </a:r>
-            <a:r>
-              <a:rPr lang="en-US" sz="1100" dirty="0"/>
-              <a:t> Maurice, Michael Schwarz, and Stefan </a:t>
-            </a:r>
-            <a:r>
-              <a:rPr lang="en-US" sz="1100" dirty="0" err="1"/>
-              <a:t>Mangard</a:t>
-            </a:r>
-            <a:r>
-              <a:rPr lang="en-US" sz="1100" dirty="0"/>
-              <a:t>. 2016. DRAMA: Exploiting DRAM Addressing for Cross-CPU Attacks.. In USENIX Security Symposium. 565–581.</a:t>
-            </a:r>
-            <a:br>
-              <a:rPr lang="en-US" sz="1100" dirty="0"/>
-            </a:br>
-            <a:r>
-              <a:rPr lang="en-US" sz="1100" dirty="0"/>
-              <a:t>[12] Sajin </a:t>
-            </a:r>
-            <a:r>
-              <a:rPr lang="en-US" sz="1100" dirty="0" err="1"/>
-              <a:t>Sasy</a:t>
-            </a:r>
-            <a:r>
-              <a:rPr lang="en-US" sz="1100" dirty="0"/>
-              <a:t>, Sergey </a:t>
-            </a:r>
-            <a:r>
-              <a:rPr lang="en-US" sz="1100" dirty="0" err="1"/>
-              <a:t>Gorbunov</a:t>
-            </a:r>
-            <a:r>
-              <a:rPr lang="en-US" sz="1100" dirty="0"/>
-              <a:t>, and Christopher Fletcher. 2017. </a:t>
-            </a:r>
-            <a:r>
-              <a:rPr lang="en-US" sz="1100" dirty="0" err="1"/>
-              <a:t>ZeroTrace</a:t>
-            </a:r>
-            <a:r>
-              <a:rPr lang="en-US" sz="1100" dirty="0"/>
-              <a:t>: Oblivious memory primitives from Intel SGX. In Symposium on Network and Distributed System Security (NDSS).</a:t>
-            </a:r>
-            <a:br>
-              <a:rPr lang="en-US" sz="1100" dirty="0"/>
-            </a:br>
-            <a:r>
-              <a:rPr lang="en-US" sz="1100" dirty="0"/>
-              <a:t>[13] </a:t>
-            </a:r>
-            <a:r>
-              <a:rPr lang="en-US" sz="1100" dirty="0" err="1"/>
-              <a:t>Jaebaek</a:t>
-            </a:r>
-            <a:r>
-              <a:rPr lang="en-US" sz="1100" dirty="0"/>
-              <a:t> </a:t>
-            </a:r>
-            <a:r>
-              <a:rPr lang="en-US" sz="1100" dirty="0" err="1"/>
-              <a:t>Seo</a:t>
-            </a:r>
-            <a:r>
-              <a:rPr lang="en-US" sz="1100" dirty="0"/>
-              <a:t>, </a:t>
-            </a:r>
-            <a:r>
-              <a:rPr lang="en-US" sz="1100" dirty="0" err="1"/>
-              <a:t>Byounyoung</a:t>
-            </a:r>
-            <a:r>
-              <a:rPr lang="en-US" sz="1100" dirty="0"/>
-              <a:t> Lee, </a:t>
-            </a:r>
-            <a:r>
-              <a:rPr lang="en-US" sz="1100" dirty="0" err="1"/>
-              <a:t>Seongmin</a:t>
-            </a:r>
-            <a:r>
-              <a:rPr lang="en-US" sz="1100" dirty="0"/>
-              <a:t> Kim, Ming-Wei Shih, </a:t>
-            </a:r>
-            <a:r>
-              <a:rPr lang="en-US" sz="1100" dirty="0" err="1"/>
-              <a:t>Insik</a:t>
-            </a:r>
-            <a:r>
-              <a:rPr lang="en-US" sz="1100" dirty="0"/>
-              <a:t> Shin, </a:t>
-            </a:r>
-            <a:r>
-              <a:rPr lang="en-US" sz="1100" dirty="0" err="1"/>
-              <a:t>Dongsu</a:t>
-            </a:r>
-            <a:r>
-              <a:rPr lang="en-US" sz="1100" dirty="0"/>
-              <a:t> Han, and </a:t>
-            </a:r>
-            <a:r>
-              <a:rPr lang="en-US" sz="1100" dirty="0" err="1"/>
-              <a:t>Taesoo</a:t>
-            </a:r>
-            <a:r>
-              <a:rPr lang="en-US" sz="1100" dirty="0"/>
-              <a:t> Kim. 2017. SGX-Shield: Enabling address space layout randomization for SGX programs. In Proceedings of the 2017 Annual Network and Distributed System Security Symposium (NDSS), San Diego, CA.</a:t>
-            </a:r>
-            <a:br>
-              <a:rPr lang="en-US" sz="1100" dirty="0"/>
-            </a:br>
-            <a:r>
-              <a:rPr lang="en-US" sz="1100" dirty="0"/>
-              <a:t>[14] Ming-Wei Shih, </a:t>
-            </a:r>
-            <a:r>
-              <a:rPr lang="en-US" sz="1100" dirty="0" err="1"/>
-              <a:t>Sangho</a:t>
-            </a:r>
-            <a:r>
-              <a:rPr lang="en-US" sz="1100" dirty="0"/>
-              <a:t> Lee, </a:t>
-            </a:r>
-            <a:r>
-              <a:rPr lang="en-US" sz="1100" dirty="0" err="1"/>
-              <a:t>Taesoo</a:t>
-            </a:r>
-            <a:r>
-              <a:rPr lang="en-US" sz="1100" dirty="0"/>
-              <a:t> Kim, and Marcus </a:t>
-            </a:r>
-            <a:r>
-              <a:rPr lang="en-US" sz="1100" dirty="0" err="1"/>
-              <a:t>Peinado</a:t>
-            </a:r>
-            <a:r>
-              <a:rPr lang="en-US" sz="1100" dirty="0"/>
-              <a:t>. 2017. T-SGX: Eradicating </a:t>
-            </a:r>
-            <a:r>
-              <a:rPr lang="en-US" sz="1100" dirty="0" err="1"/>
-              <a:t>controlledchannel</a:t>
-            </a:r>
-            <a:r>
-              <a:rPr lang="en-US" sz="1100" dirty="0"/>
-              <a:t> attacks against enclave programs. In Proceedings of the 2017 Annual Network and Distributed System Security Symposium (NDSS), San Diego, CA.</a:t>
-            </a:r>
-            <a:br>
-              <a:rPr lang="en-US" sz="1100" dirty="0"/>
-            </a:br>
-            <a:r>
-              <a:rPr lang="en-US" sz="1100" dirty="0"/>
-              <a:t>[15] Shweta Shinde, Zheng Leong Chua, </a:t>
-            </a:r>
-            <a:r>
-              <a:rPr lang="en-US" sz="1100" dirty="0" err="1"/>
-              <a:t>Viswesh</a:t>
-            </a:r>
-            <a:r>
-              <a:rPr lang="en-US" sz="1100" dirty="0"/>
-              <a:t> Narayanan, and Prateek Saxena. 2015. Preventing your faults from telling your secrets: Defenses against pigeonhole attacks. </a:t>
-            </a:r>
-            <a:r>
-              <a:rPr lang="en-US" sz="1100" dirty="0" err="1"/>
-              <a:t>arXiv</a:t>
-            </a:r>
-            <a:r>
-              <a:rPr lang="en-US" sz="1100" dirty="0"/>
-              <a:t> preprint arXiv:1506.04832 (2015).</a:t>
-            </a:r>
-            <a:br>
-              <a:rPr lang="en-US" sz="1100" dirty="0"/>
-            </a:br>
-            <a:r>
-              <a:rPr lang="en-US" sz="1100" dirty="0"/>
-              <a:t>[16] Eran </a:t>
-            </a:r>
-            <a:r>
-              <a:rPr lang="en-US" sz="1100" dirty="0" err="1"/>
-              <a:t>Tromer</a:t>
-            </a:r>
-            <a:r>
-              <a:rPr lang="en-US" sz="1100" dirty="0"/>
-              <a:t>, Dag Arne </a:t>
-            </a:r>
-            <a:r>
-              <a:rPr lang="en-US" sz="1100" dirty="0" err="1"/>
-              <a:t>Osvik</a:t>
-            </a:r>
-            <a:r>
-              <a:rPr lang="en-US" sz="1100" dirty="0"/>
-              <a:t>, and Adi Shamir. 2010. Efficient cache attacks on AES, and countermeasures. Journal of Cryptology 23, 1 (2010), 37–71.</a:t>
-            </a:r>
-            <a:br>
-              <a:rPr lang="en-US" sz="1100" dirty="0"/>
-            </a:br>
-            <a:r>
-              <a:rPr lang="en-US" sz="1100" dirty="0"/>
-              <a:t>[17] Jo Van </a:t>
-            </a:r>
-            <a:r>
-              <a:rPr lang="en-US" sz="1100" dirty="0" err="1"/>
-              <a:t>Bulck</a:t>
-            </a:r>
-            <a:r>
-              <a:rPr lang="en-US" sz="1100" dirty="0"/>
-              <a:t>, Nico </a:t>
-            </a:r>
-            <a:r>
-              <a:rPr lang="en-US" sz="1100" dirty="0" err="1"/>
-              <a:t>Weichbrodt</a:t>
-            </a:r>
-            <a:r>
-              <a:rPr lang="en-US" sz="1100" dirty="0"/>
-              <a:t>, </a:t>
-            </a:r>
-            <a:r>
-              <a:rPr lang="en-US" sz="1100" dirty="0" err="1"/>
-              <a:t>Ru¨diger</a:t>
-            </a:r>
-            <a:r>
-              <a:rPr lang="en-US" sz="1100" dirty="0"/>
-              <a:t> </a:t>
-            </a:r>
-            <a:r>
-              <a:rPr lang="en-US" sz="1100" dirty="0" err="1"/>
-              <a:t>Kapitza</a:t>
-            </a:r>
-            <a:r>
-              <a:rPr lang="en-US" sz="1100" dirty="0"/>
-              <a:t>, Frank </a:t>
-            </a:r>
-            <a:r>
-              <a:rPr lang="en-US" sz="1100" dirty="0" err="1"/>
-              <a:t>Piessens</a:t>
-            </a:r>
-            <a:r>
-              <a:rPr lang="en-US" sz="1100" dirty="0"/>
-              <a:t>, and Raoul </a:t>
-            </a:r>
-            <a:r>
-              <a:rPr lang="en-US" sz="1100" dirty="0" err="1"/>
-              <a:t>Strackx</a:t>
-            </a:r>
-            <a:r>
-              <a:rPr lang="en-US" sz="1100" dirty="0"/>
-              <a:t>. 2017. Telling your secrets without page faults: Stealthy page table-based attacks on enclaved execution. In Proceedings of the 26th USENIX Security Symposium. USENIX Association.</a:t>
-            </a:r>
-            <a:br>
-              <a:rPr lang="en-US" sz="1100" dirty="0"/>
-            </a:br>
-            <a:r>
-              <a:rPr lang="en-US" sz="1100" dirty="0"/>
-              <a:t>[18] </a:t>
-            </a:r>
-            <a:r>
-              <a:rPr lang="en-US" sz="1100" dirty="0" err="1"/>
-              <a:t>Wenhao</a:t>
-            </a:r>
-            <a:r>
-              <a:rPr lang="en-US" sz="1100" dirty="0"/>
-              <a:t> Wang, </a:t>
-            </a:r>
-            <a:r>
-              <a:rPr lang="en-US" sz="1100" dirty="0" err="1"/>
-              <a:t>Guoxing</a:t>
-            </a:r>
-            <a:r>
-              <a:rPr lang="en-US" sz="1100" dirty="0"/>
-              <a:t> Chen, </a:t>
-            </a:r>
-            <a:r>
-              <a:rPr lang="en-US" sz="1100" dirty="0" err="1"/>
-              <a:t>Xiaorui</a:t>
-            </a:r>
-            <a:r>
-              <a:rPr lang="en-US" sz="1100" dirty="0"/>
-              <a:t> Pan, </a:t>
-            </a:r>
-            <a:r>
-              <a:rPr lang="en-US" sz="1100" dirty="0" err="1"/>
-              <a:t>Yinqian</a:t>
-            </a:r>
-            <a:r>
-              <a:rPr lang="en-US" sz="1100" dirty="0"/>
-              <a:t> Zhang, </a:t>
-            </a:r>
-            <a:r>
-              <a:rPr lang="en-US" sz="1100" dirty="0" err="1"/>
-              <a:t>Xiaofeng</a:t>
-            </a:r>
-            <a:r>
-              <a:rPr lang="en-US" sz="1100" dirty="0"/>
-              <a:t> Wang, Vincent </a:t>
-            </a:r>
-            <a:r>
-              <a:rPr lang="en-US" sz="1100" dirty="0" err="1"/>
-              <a:t>Bindschaedler</a:t>
-            </a:r>
-            <a:r>
-              <a:rPr lang="en-US" sz="1100" dirty="0"/>
-              <a:t>, </a:t>
-            </a:r>
-            <a:r>
-              <a:rPr lang="en-US" sz="1100" dirty="0" err="1"/>
-              <a:t>Haixu</a:t>
-            </a:r>
-            <a:r>
-              <a:rPr lang="en-US" sz="1100" dirty="0"/>
-              <a:t> Tang, and Carl A. Gunter. 2017. Leaky Cauldron on the Dark Land: Understanding Memory Side-Channel Hazards in SGX. 2421–2434.</a:t>
-            </a:r>
-            <a:br>
-              <a:rPr lang="en-US" sz="1100" dirty="0"/>
-            </a:br>
-            <a:r>
-              <a:rPr lang="en-US" sz="1100" dirty="0"/>
-              <a:t>[19] Yuval </a:t>
-            </a:r>
-            <a:r>
-              <a:rPr lang="en-US" sz="1100" dirty="0" err="1"/>
-              <a:t>Yarom</a:t>
-            </a:r>
-            <a:r>
-              <a:rPr lang="en-US" sz="1100" dirty="0"/>
-              <a:t> and Katrina Falkner. 2014. FLUSH+ RELOAD: A High Resolution, Low Noise, L3 Cache Side-Channel Attack.. In USENIX Security Symposium</a:t>
-            </a:r>
+            <a:pPr marL="571500" indent="-571500">
+              <a:lnSpc>
+                <a:spcPct val="150000"/>
+              </a:lnSpc>
+              <a:buFont typeface="Arial" panose="020B0604020202020204" pitchFamily="34" charset="0"/>
+              <a:buChar char="•"/>
+            </a:pPr>
+            <a:r>
+              <a:rPr lang="en-US" sz="3200" dirty="0"/>
+              <a:t>We studied multiple attacks and defenses</a:t>
+            </a:r>
+          </a:p>
+          <a:p>
+            <a:pPr marL="571500" indent="-571500">
+              <a:lnSpc>
+                <a:spcPct val="150000"/>
+              </a:lnSpc>
+              <a:buFont typeface="Arial" panose="020B0604020202020204" pitchFamily="34" charset="0"/>
+              <a:buChar char="•"/>
+            </a:pPr>
+            <a:r>
+              <a:rPr lang="en-US" sz="3200" dirty="0"/>
+              <a:t>Still no robust defense</a:t>
+            </a:r>
+          </a:p>
+          <a:p>
+            <a:pPr marL="571500" indent="-571500">
+              <a:lnSpc>
+                <a:spcPct val="150000"/>
+              </a:lnSpc>
+              <a:buFont typeface="Arial" panose="020B0604020202020204" pitchFamily="34" charset="0"/>
+              <a:buChar char="•"/>
+            </a:pPr>
+            <a:r>
+              <a:rPr lang="en-US" sz="3200" dirty="0"/>
+              <a:t>Attack are emerging</a:t>
+            </a:r>
+          </a:p>
+          <a:p>
+            <a:pPr marL="571500" indent="-571500">
+              <a:lnSpc>
+                <a:spcPct val="150000"/>
+              </a:lnSpc>
+              <a:buFont typeface="Arial" panose="020B0604020202020204" pitchFamily="34" charset="0"/>
+              <a:buChar char="•"/>
+            </a:pPr>
+            <a:r>
+              <a:rPr lang="en-US" sz="3200" dirty="0"/>
+              <a:t>Open to research</a:t>
+            </a:r>
+          </a:p>
+          <a:p>
+            <a:pPr marL="571500" indent="-571500">
+              <a:lnSpc>
+                <a:spcPct val="150000"/>
+              </a:lnSpc>
+              <a:buFont typeface="Arial" panose="020B0604020202020204" pitchFamily="34" charset="0"/>
+              <a:buChar char="•"/>
+            </a:pPr>
+            <a:endParaRPr lang="en-US" sz="3200" dirty="0"/>
           </a:p>
         </p:txBody>
       </p:sp>
@@ -9944,7 +9136,7 @@
           <p:cNvPr id="6" name="Text Placeholder 5">
             <a:extLst>
               <a:ext uri="{FF2B5EF4-FFF2-40B4-BE49-F238E27FC236}">
-                <a16:creationId xmlns:a16="http://schemas.microsoft.com/office/drawing/2014/main" id="{93FABC2F-B2D6-4AC5-8FA6-89C2C7DF954B}"/>
+                <a16:creationId xmlns:a16="http://schemas.microsoft.com/office/drawing/2014/main" id="{2A83185D-A317-450B-8CBF-B58853DBB113}"/>
               </a:ext>
             </a:extLst>
           </p:cNvPr>
@@ -9970,7 +9162,7 @@
     </p:spTree>
     <p:extLst>
       <p:ext uri="{BB962C8B-B14F-4D97-AF65-F5344CB8AC3E}">
-        <p14:creationId xmlns:p14="http://schemas.microsoft.com/office/powerpoint/2010/main" val="3289777626"/>
+        <p14:creationId xmlns:p14="http://schemas.microsoft.com/office/powerpoint/2010/main" val="1440044419"/>
       </p:ext>
     </p:extLst>
   </p:cSld>
@@ -10005,6 +9197,908 @@
           <p:cNvPr id="2" name="Slide Number Placeholder 1">
             <a:extLst>
               <a:ext uri="{FF2B5EF4-FFF2-40B4-BE49-F238E27FC236}">
+                <a16:creationId xmlns:a16="http://schemas.microsoft.com/office/drawing/2014/main" id="{728F9554-2836-461D-9001-19B6225563C6}"/>
+              </a:ext>
+            </a:extLst>
+          </p:cNvPr>
+          <p:cNvSpPr>
+            <a:spLocks noGrp="1"/>
+          </p:cNvSpPr>
+          <p:nvPr>
+            <p:ph type="sldNum" sz="quarter" idx="10"/>
+          </p:nvPr>
+        </p:nvSpPr>
+        <p:spPr/>
+        <p:txBody>
+          <a:bodyPr/>
+          <a:lstStyle/>
+          <a:p>
+            <a:fld id="{F343A32A-436A-8143-8894-653E98457856}" type="slidenum">
+              <a:rPr lang="en-US" smtClean="0"/>
+              <a:pPr/>
+              <a:t>23</a:t>
+            </a:fld>
+            <a:endParaRPr lang="en-US" dirty="0"/>
+          </a:p>
+        </p:txBody>
+      </p:sp>
+      <p:sp>
+        <p:nvSpPr>
+          <p:cNvPr id="3" name="Title 2">
+            <a:extLst>
+              <a:ext uri="{FF2B5EF4-FFF2-40B4-BE49-F238E27FC236}">
+                <a16:creationId xmlns:a16="http://schemas.microsoft.com/office/drawing/2014/main" id="{77D0E184-2738-4E67-AE04-13DC769470C1}"/>
+              </a:ext>
+            </a:extLst>
+          </p:cNvPr>
+          <p:cNvSpPr>
+            <a:spLocks noGrp="1"/>
+          </p:cNvSpPr>
+          <p:nvPr>
+            <p:ph type="title"/>
+          </p:nvPr>
+        </p:nvSpPr>
+        <p:spPr/>
+        <p:txBody>
+          <a:bodyPr/>
+          <a:lstStyle/>
+          <a:p>
+            <a:r>
+              <a:rPr lang="en-US" dirty="0"/>
+              <a:t>References</a:t>
+            </a:r>
+          </a:p>
+        </p:txBody>
+      </p:sp>
+      <p:sp>
+        <p:nvSpPr>
+          <p:cNvPr id="4" name="Text Placeholder 3">
+            <a:extLst>
+              <a:ext uri="{FF2B5EF4-FFF2-40B4-BE49-F238E27FC236}">
+                <a16:creationId xmlns:a16="http://schemas.microsoft.com/office/drawing/2014/main" id="{0D7AD22C-7A69-453C-849F-E9EB6615AB67}"/>
+              </a:ext>
+            </a:extLst>
+          </p:cNvPr>
+          <p:cNvSpPr>
+            <a:spLocks noGrp="1"/>
+          </p:cNvSpPr>
+          <p:nvPr>
+            <p:ph type="body" sz="quarter" idx="20"/>
+          </p:nvPr>
+        </p:nvSpPr>
+        <p:spPr>
+          <a:xfrm>
+            <a:off x="1066802" y="944966"/>
+            <a:ext cx="10667998" cy="3646487"/>
+          </a:xfrm>
+        </p:spPr>
+        <p:txBody>
+          <a:bodyPr/>
+          <a:lstStyle/>
+          <a:p>
+            <a:r>
+              <a:rPr lang="en-US" sz="1100" dirty="0"/>
+              <a:t>[1] Ferdinand </a:t>
+            </a:r>
+            <a:r>
+              <a:rPr lang="en-US" sz="1100" dirty="0" err="1"/>
+              <a:t>Brasser</a:t>
+            </a:r>
+            <a:r>
+              <a:rPr lang="en-US" sz="1100" dirty="0"/>
+              <a:t>, </a:t>
+            </a:r>
+            <a:r>
+              <a:rPr lang="en-US" sz="1100" dirty="0" err="1"/>
+              <a:t>Srdjan</a:t>
+            </a:r>
+            <a:r>
+              <a:rPr lang="en-US" sz="1100" dirty="0"/>
+              <a:t> </a:t>
+            </a:r>
+            <a:r>
+              <a:rPr lang="en-US" sz="1100" dirty="0" err="1"/>
+              <a:t>Capkun</a:t>
+            </a:r>
+            <a:r>
+              <a:rPr lang="en-US" sz="1100" dirty="0"/>
+              <a:t>, Alexandra </a:t>
+            </a:r>
+            <a:r>
+              <a:rPr lang="en-US" sz="1100" dirty="0" err="1"/>
+              <a:t>Dmitrienko</a:t>
+            </a:r>
+            <a:r>
+              <a:rPr lang="en-US" sz="1100" dirty="0"/>
+              <a:t>, Tommaso </a:t>
+            </a:r>
+            <a:r>
+              <a:rPr lang="en-US" sz="1100" dirty="0" err="1"/>
+              <a:t>Frassetto</a:t>
+            </a:r>
+            <a:r>
+              <a:rPr lang="en-US" sz="1100" dirty="0"/>
+              <a:t>, Kari </a:t>
+            </a:r>
+            <a:r>
+              <a:rPr lang="en-US" sz="1100" dirty="0" err="1"/>
+              <a:t>Kostiainen</a:t>
+            </a:r>
+            <a:r>
+              <a:rPr lang="en-US" sz="1100" dirty="0"/>
+              <a:t>, </a:t>
+            </a:r>
+            <a:r>
+              <a:rPr lang="en-US" sz="1100" dirty="0" err="1"/>
+              <a:t>Urs</a:t>
+            </a:r>
+            <a:r>
+              <a:rPr lang="en-US" sz="1100" dirty="0"/>
+              <a:t> </a:t>
+            </a:r>
+            <a:r>
+              <a:rPr lang="en-US" sz="1100" dirty="0" err="1"/>
+              <a:t>Mu¨ller</a:t>
+            </a:r>
+            <a:r>
+              <a:rPr lang="en-US" sz="1100" dirty="0"/>
+              <a:t>, and Ahmad-Reza Sadeghi. 2017. DR. SGX: Hardening SGX Enclaves against Cache Attacks with Data Location Randomization. </a:t>
+            </a:r>
+            <a:r>
+              <a:rPr lang="en-US" sz="1100" dirty="0" err="1"/>
+              <a:t>arXiv</a:t>
+            </a:r>
+            <a:r>
+              <a:rPr lang="en-US" sz="1100" dirty="0"/>
+              <a:t> preprint arXiv:1709.09917 (2017). </a:t>
+            </a:r>
+            <a:br>
+              <a:rPr lang="en-US" sz="1100" dirty="0"/>
+            </a:br>
+            <a:r>
+              <a:rPr lang="en-US" sz="1100" dirty="0"/>
+              <a:t>[2] Ferdinand </a:t>
+            </a:r>
+            <a:r>
+              <a:rPr lang="en-US" sz="1100" dirty="0" err="1"/>
+              <a:t>Brasser</a:t>
+            </a:r>
+            <a:r>
+              <a:rPr lang="en-US" sz="1100" dirty="0"/>
+              <a:t>, </a:t>
+            </a:r>
+            <a:r>
+              <a:rPr lang="en-US" sz="1100" dirty="0" err="1"/>
+              <a:t>Urs</a:t>
+            </a:r>
+            <a:r>
+              <a:rPr lang="en-US" sz="1100" dirty="0"/>
+              <a:t> </a:t>
+            </a:r>
+            <a:r>
+              <a:rPr lang="en-US" sz="1100" dirty="0" err="1"/>
+              <a:t>Mu¨ller</a:t>
+            </a:r>
+            <a:r>
+              <a:rPr lang="en-US" sz="1100" dirty="0"/>
+              <a:t>, Alexandra </a:t>
+            </a:r>
+            <a:r>
+              <a:rPr lang="en-US" sz="1100" dirty="0" err="1"/>
+              <a:t>Dmitrienko</a:t>
+            </a:r>
+            <a:r>
+              <a:rPr lang="en-US" sz="1100" dirty="0"/>
+              <a:t>, Kari </a:t>
+            </a:r>
+            <a:r>
+              <a:rPr lang="en-US" sz="1100" dirty="0" err="1"/>
+              <a:t>Kostiainen</a:t>
+            </a:r>
+            <a:r>
+              <a:rPr lang="en-US" sz="1100" dirty="0"/>
+              <a:t>, </a:t>
+            </a:r>
+            <a:r>
+              <a:rPr lang="en-US" sz="1100" dirty="0" err="1"/>
+              <a:t>Srdjan</a:t>
+            </a:r>
+            <a:r>
+              <a:rPr lang="en-US" sz="1100" dirty="0"/>
+              <a:t> </a:t>
+            </a:r>
+            <a:r>
+              <a:rPr lang="en-US" sz="1100" dirty="0" err="1"/>
+              <a:t>Capkun</a:t>
+            </a:r>
+            <a:r>
+              <a:rPr lang="en-US" sz="1100" dirty="0"/>
+              <a:t>, and </a:t>
+            </a:r>
+            <a:r>
+              <a:rPr lang="en-US" sz="1100" dirty="0" err="1"/>
+              <a:t>AhmadReza</a:t>
+            </a:r>
+            <a:r>
+              <a:rPr lang="en-US" sz="1100" dirty="0"/>
+              <a:t> Sadeghi. 2017. Software grand exposure: SGX cache attacks are practical. </a:t>
+            </a:r>
+            <a:r>
+              <a:rPr lang="en-US" sz="1100" dirty="0" err="1"/>
+              <a:t>arXiv</a:t>
+            </a:r>
+            <a:r>
+              <a:rPr lang="en-US" sz="1100" dirty="0"/>
+              <a:t> preprint arXiv:1702.07521 (2017), 33.</a:t>
+            </a:r>
+            <a:br>
+              <a:rPr lang="en-US" sz="1100" dirty="0"/>
+            </a:br>
+            <a:r>
+              <a:rPr lang="en-US" sz="1100" dirty="0"/>
+              <a:t>[3] </a:t>
+            </a:r>
+            <a:r>
+              <a:rPr lang="en-US" sz="1100" dirty="0" err="1"/>
+              <a:t>Sanchuan</a:t>
+            </a:r>
+            <a:r>
+              <a:rPr lang="en-US" sz="1100" dirty="0"/>
+              <a:t> Chen, </a:t>
+            </a:r>
+            <a:r>
+              <a:rPr lang="en-US" sz="1100" dirty="0" err="1"/>
+              <a:t>Xiaokuan</a:t>
+            </a:r>
+            <a:r>
+              <a:rPr lang="en-US" sz="1100" dirty="0"/>
+              <a:t> Zhang, Michael K Reiter, and </a:t>
+            </a:r>
+            <a:r>
+              <a:rPr lang="en-US" sz="1100" dirty="0" err="1"/>
+              <a:t>Yinqian</a:t>
+            </a:r>
+            <a:r>
+              <a:rPr lang="en-US" sz="1100" dirty="0"/>
+              <a:t> Zhang. 2017. Detecting privileged side-channel attacks in shielded execution with </a:t>
+            </a:r>
+            <a:r>
+              <a:rPr lang="en-US" sz="1100" dirty="0" err="1"/>
+              <a:t>D´ej´a</a:t>
+            </a:r>
+            <a:r>
+              <a:rPr lang="en-US" sz="1100" dirty="0"/>
+              <a:t> Vu. In Proceedings of the 2017 ACM on Asia Conference on Computer and Communications Security. ACM, 7–18.</a:t>
+            </a:r>
+            <a:br>
+              <a:rPr lang="en-US" sz="1100" dirty="0"/>
+            </a:br>
+            <a:r>
+              <a:rPr lang="en-US" sz="1100" dirty="0"/>
+              <a:t>[4] Oded </a:t>
+            </a:r>
+            <a:r>
+              <a:rPr lang="en-US" sz="1100" dirty="0" err="1"/>
+              <a:t>Goldreich</a:t>
+            </a:r>
+            <a:r>
+              <a:rPr lang="en-US" sz="1100" dirty="0"/>
+              <a:t>. 1987. Towards a theory of software protection and simulation by oblivious RAMs. In Proceedings of the nineteenth annual ACM symposium on Theory of computing. ACM, 182–194.</a:t>
+            </a:r>
+            <a:br>
+              <a:rPr lang="en-US" sz="1100" dirty="0"/>
+            </a:br>
+            <a:r>
+              <a:rPr lang="en-US" sz="1100" dirty="0"/>
+              <a:t>[5] Oded </a:t>
+            </a:r>
+            <a:r>
+              <a:rPr lang="en-US" sz="1100" dirty="0" err="1"/>
+              <a:t>Goldreich</a:t>
+            </a:r>
+            <a:r>
+              <a:rPr lang="en-US" sz="1100" dirty="0"/>
+              <a:t> and </a:t>
+            </a:r>
+            <a:r>
+              <a:rPr lang="en-US" sz="1100" dirty="0" err="1"/>
+              <a:t>Rafail</a:t>
+            </a:r>
+            <a:r>
+              <a:rPr lang="en-US" sz="1100" dirty="0"/>
+              <a:t> </a:t>
+            </a:r>
+            <a:r>
+              <a:rPr lang="en-US" sz="1100" dirty="0" err="1"/>
+              <a:t>Ostrovsky</a:t>
+            </a:r>
+            <a:r>
+              <a:rPr lang="en-US" sz="1100" dirty="0"/>
+              <a:t>. 1996. Software protection and simulation on oblivious RAMs. Journal of the ACM (JACM) 43, 3 (1996), 431–473.</a:t>
+            </a:r>
+            <a:br>
+              <a:rPr lang="en-US" sz="1100" dirty="0"/>
+            </a:br>
+            <a:r>
+              <a:rPr lang="en-US" sz="1100" dirty="0"/>
+              <a:t>[6] Daniel </a:t>
+            </a:r>
+            <a:r>
+              <a:rPr lang="en-US" sz="1100" dirty="0" err="1"/>
+              <a:t>Gruss</a:t>
+            </a:r>
+            <a:r>
+              <a:rPr lang="en-US" sz="1100" dirty="0"/>
+              <a:t>, Julian </a:t>
+            </a:r>
+            <a:r>
+              <a:rPr lang="en-US" sz="1100" dirty="0" err="1"/>
+              <a:t>Lettner</a:t>
+            </a:r>
+            <a:r>
+              <a:rPr lang="en-US" sz="1100" dirty="0"/>
+              <a:t>, Felix Schuster, </a:t>
+            </a:r>
+            <a:r>
+              <a:rPr lang="en-US" sz="1100" dirty="0" err="1"/>
+              <a:t>Olya</a:t>
+            </a:r>
+            <a:r>
+              <a:rPr lang="en-US" sz="1100" dirty="0"/>
+              <a:t> </a:t>
+            </a:r>
+            <a:r>
+              <a:rPr lang="en-US" sz="1100" dirty="0" err="1"/>
+              <a:t>Ohrimenko</a:t>
+            </a:r>
+            <a:r>
+              <a:rPr lang="en-US" sz="1100" dirty="0"/>
+              <a:t>, Istvan Haller, and Manuel Costa. 2017. Strong and efficient cache side-channel protection using hardware transactional memory. In USENIX Security Symposium.</a:t>
+            </a:r>
+            <a:br>
+              <a:rPr lang="en-US" sz="1100" dirty="0"/>
+            </a:br>
+            <a:r>
+              <a:rPr lang="en-US" sz="1100" dirty="0"/>
+              <a:t>[7] Daniel </a:t>
+            </a:r>
+            <a:r>
+              <a:rPr lang="en-US" sz="1100" dirty="0" err="1"/>
+              <a:t>Gruss</a:t>
+            </a:r>
+            <a:r>
+              <a:rPr lang="en-US" sz="1100" dirty="0"/>
+              <a:t>, </a:t>
+            </a:r>
+            <a:r>
+              <a:rPr lang="en-US" sz="1100" dirty="0" err="1"/>
+              <a:t>Cl´ementine</a:t>
+            </a:r>
+            <a:r>
+              <a:rPr lang="en-US" sz="1100" dirty="0"/>
+              <a:t> Maurice, Klaus Wagner, and Stefan </a:t>
+            </a:r>
+            <a:r>
+              <a:rPr lang="en-US" sz="1100" dirty="0" err="1"/>
+              <a:t>Mangard</a:t>
+            </a:r>
+            <a:r>
+              <a:rPr lang="en-US" sz="1100" dirty="0"/>
+              <a:t>. 2016. Flush+ Flush: a fast and stealthy cache attack. In International Conference on Detection of Intrusions and Malware, and Vulnerability Assessment. Springer, 279–299.</a:t>
+            </a:r>
+            <a:br>
+              <a:rPr lang="en-US" sz="1100" dirty="0"/>
+            </a:br>
+            <a:r>
+              <a:rPr lang="en-US" sz="1100" dirty="0"/>
+              <a:t>[8] Mehmet </a:t>
+            </a:r>
+            <a:r>
+              <a:rPr lang="en-US" sz="1100" dirty="0" err="1"/>
+              <a:t>Kayaalp</a:t>
+            </a:r>
+            <a:r>
+              <a:rPr lang="en-US" sz="1100" dirty="0"/>
+              <a:t>, </a:t>
+            </a:r>
+            <a:r>
+              <a:rPr lang="en-US" sz="1100" dirty="0" err="1"/>
+              <a:t>Nael</a:t>
+            </a:r>
+            <a:r>
+              <a:rPr lang="en-US" sz="1100" dirty="0"/>
+              <a:t> Abu-</a:t>
+            </a:r>
+            <a:r>
+              <a:rPr lang="en-US" sz="1100" dirty="0" err="1"/>
+              <a:t>Ghazaleh</a:t>
+            </a:r>
+            <a:r>
+              <a:rPr lang="en-US" sz="1100" dirty="0"/>
+              <a:t>, Dmitry </a:t>
+            </a:r>
+            <a:r>
+              <a:rPr lang="en-US" sz="1100" dirty="0" err="1"/>
+              <a:t>Ponomarev</a:t>
+            </a:r>
+            <a:r>
+              <a:rPr lang="en-US" sz="1100" dirty="0"/>
+              <a:t>, and </a:t>
+            </a:r>
+            <a:r>
+              <a:rPr lang="en-US" sz="1100" dirty="0" err="1"/>
+              <a:t>Aamer</a:t>
+            </a:r>
+            <a:r>
+              <a:rPr lang="en-US" sz="1100" dirty="0"/>
+              <a:t> Jaleel. 2016. A high-resolution side-channel attack on last-level cache. In Proceedings of the 53rd Annual Design Automation Conference. ACM, 72.</a:t>
+            </a:r>
+            <a:br>
+              <a:rPr lang="en-US" sz="1100" dirty="0"/>
+            </a:br>
+            <a:r>
+              <a:rPr lang="en-US" sz="1100" dirty="0"/>
+              <a:t>[9] </a:t>
+            </a:r>
+            <a:r>
+              <a:rPr lang="en-US" sz="1100" dirty="0" err="1"/>
+              <a:t>Rafail</a:t>
+            </a:r>
+            <a:r>
+              <a:rPr lang="en-US" sz="1100" dirty="0"/>
+              <a:t> </a:t>
+            </a:r>
+            <a:r>
+              <a:rPr lang="en-US" sz="1100" dirty="0" err="1"/>
+              <a:t>Ostrovsky</a:t>
+            </a:r>
+            <a:r>
+              <a:rPr lang="en-US" sz="1100" dirty="0"/>
+              <a:t>. 1990. Efficient computation on oblivious RAMs. In Proceedings of the twenty-second annual ACM symposium on Theory of computing. ACM, 514–523.</a:t>
+            </a:r>
+            <a:br>
+              <a:rPr lang="en-US" sz="1100" dirty="0"/>
+            </a:br>
+            <a:r>
+              <a:rPr lang="en-US" sz="1100" dirty="0"/>
+              <a:t>[10] Dag Arne </a:t>
+            </a:r>
+            <a:r>
+              <a:rPr lang="en-US" sz="1100" dirty="0" err="1"/>
+              <a:t>Osvik</a:t>
+            </a:r>
+            <a:r>
+              <a:rPr lang="en-US" sz="1100" dirty="0"/>
+              <a:t>, Adi Shamir, and Eran </a:t>
+            </a:r>
+            <a:r>
+              <a:rPr lang="en-US" sz="1100" dirty="0" err="1"/>
+              <a:t>Tromer</a:t>
+            </a:r>
+            <a:r>
+              <a:rPr lang="en-US" sz="1100" dirty="0"/>
+              <a:t>. 2006. Cache attacks and countermeasures: the case of AES. In Cryptographers’ Track at the RSA Conference. Springer, 1–20.</a:t>
+            </a:r>
+            <a:br>
+              <a:rPr lang="en-US" sz="1100" dirty="0"/>
+            </a:br>
+            <a:r>
+              <a:rPr lang="en-US" sz="1100" dirty="0"/>
+              <a:t>[11] Peter </a:t>
+            </a:r>
+            <a:r>
+              <a:rPr lang="en-US" sz="1100" dirty="0" err="1"/>
+              <a:t>Pessl</a:t>
+            </a:r>
+            <a:r>
+              <a:rPr lang="en-US" sz="1100" dirty="0"/>
+              <a:t>, Daniel </a:t>
+            </a:r>
+            <a:r>
+              <a:rPr lang="en-US" sz="1100" dirty="0" err="1"/>
+              <a:t>Gruss</a:t>
+            </a:r>
+            <a:r>
+              <a:rPr lang="en-US" sz="1100" dirty="0"/>
+              <a:t>, </a:t>
+            </a:r>
+            <a:r>
+              <a:rPr lang="en-US" sz="1100" dirty="0" err="1"/>
+              <a:t>Cl´ementine</a:t>
+            </a:r>
+            <a:r>
+              <a:rPr lang="en-US" sz="1100" dirty="0"/>
+              <a:t> Maurice, Michael Schwarz, and Stefan </a:t>
+            </a:r>
+            <a:r>
+              <a:rPr lang="en-US" sz="1100" dirty="0" err="1"/>
+              <a:t>Mangard</a:t>
+            </a:r>
+            <a:r>
+              <a:rPr lang="en-US" sz="1100" dirty="0"/>
+              <a:t>. 2016. DRAMA: Exploiting DRAM Addressing for Cross-CPU Attacks.. In USENIX Security Symposium. 565–581.</a:t>
+            </a:r>
+            <a:br>
+              <a:rPr lang="en-US" sz="1100" dirty="0"/>
+            </a:br>
+            <a:r>
+              <a:rPr lang="en-US" sz="1100" dirty="0"/>
+              <a:t>[12] Sajin </a:t>
+            </a:r>
+            <a:r>
+              <a:rPr lang="en-US" sz="1100" dirty="0" err="1"/>
+              <a:t>Sasy</a:t>
+            </a:r>
+            <a:r>
+              <a:rPr lang="en-US" sz="1100" dirty="0"/>
+              <a:t>, Sergey </a:t>
+            </a:r>
+            <a:r>
+              <a:rPr lang="en-US" sz="1100" dirty="0" err="1"/>
+              <a:t>Gorbunov</a:t>
+            </a:r>
+            <a:r>
+              <a:rPr lang="en-US" sz="1100" dirty="0"/>
+              <a:t>, and Christopher Fletcher. 2017. </a:t>
+            </a:r>
+            <a:r>
+              <a:rPr lang="en-US" sz="1100" dirty="0" err="1"/>
+              <a:t>ZeroTrace</a:t>
+            </a:r>
+            <a:r>
+              <a:rPr lang="en-US" sz="1100" dirty="0"/>
+              <a:t>: Oblivious memory primitives from Intel SGX. In Symposium on Network and Distributed System Security (NDSS).</a:t>
+            </a:r>
+            <a:br>
+              <a:rPr lang="en-US" sz="1100" dirty="0"/>
+            </a:br>
+            <a:r>
+              <a:rPr lang="en-US" sz="1100" dirty="0"/>
+              <a:t>[13] </a:t>
+            </a:r>
+            <a:r>
+              <a:rPr lang="en-US" sz="1100" dirty="0" err="1"/>
+              <a:t>Jaebaek</a:t>
+            </a:r>
+            <a:r>
+              <a:rPr lang="en-US" sz="1100" dirty="0"/>
+              <a:t> </a:t>
+            </a:r>
+            <a:r>
+              <a:rPr lang="en-US" sz="1100" dirty="0" err="1"/>
+              <a:t>Seo</a:t>
+            </a:r>
+            <a:r>
+              <a:rPr lang="en-US" sz="1100" dirty="0"/>
+              <a:t>, </a:t>
+            </a:r>
+            <a:r>
+              <a:rPr lang="en-US" sz="1100" dirty="0" err="1"/>
+              <a:t>Byounyoung</a:t>
+            </a:r>
+            <a:r>
+              <a:rPr lang="en-US" sz="1100" dirty="0"/>
+              <a:t> Lee, </a:t>
+            </a:r>
+            <a:r>
+              <a:rPr lang="en-US" sz="1100" dirty="0" err="1"/>
+              <a:t>Seongmin</a:t>
+            </a:r>
+            <a:r>
+              <a:rPr lang="en-US" sz="1100" dirty="0"/>
+              <a:t> Kim, Ming-Wei Shih, </a:t>
+            </a:r>
+            <a:r>
+              <a:rPr lang="en-US" sz="1100" dirty="0" err="1"/>
+              <a:t>Insik</a:t>
+            </a:r>
+            <a:r>
+              <a:rPr lang="en-US" sz="1100" dirty="0"/>
+              <a:t> Shin, </a:t>
+            </a:r>
+            <a:r>
+              <a:rPr lang="en-US" sz="1100" dirty="0" err="1"/>
+              <a:t>Dongsu</a:t>
+            </a:r>
+            <a:r>
+              <a:rPr lang="en-US" sz="1100" dirty="0"/>
+              <a:t> Han, and </a:t>
+            </a:r>
+            <a:r>
+              <a:rPr lang="en-US" sz="1100" dirty="0" err="1"/>
+              <a:t>Taesoo</a:t>
+            </a:r>
+            <a:r>
+              <a:rPr lang="en-US" sz="1100" dirty="0"/>
+              <a:t> Kim. 2017. SGX-Shield: Enabling address space layout randomization for SGX programs. In Proceedings of the 2017 Annual Network and Distributed System Security Symposium (NDSS), San Diego, CA.</a:t>
+            </a:r>
+            <a:br>
+              <a:rPr lang="en-US" sz="1100" dirty="0"/>
+            </a:br>
+            <a:r>
+              <a:rPr lang="en-US" sz="1100" dirty="0"/>
+              <a:t>[14] Ming-Wei Shih, </a:t>
+            </a:r>
+            <a:r>
+              <a:rPr lang="en-US" sz="1100" dirty="0" err="1"/>
+              <a:t>Sangho</a:t>
+            </a:r>
+            <a:r>
+              <a:rPr lang="en-US" sz="1100" dirty="0"/>
+              <a:t> Lee, </a:t>
+            </a:r>
+            <a:r>
+              <a:rPr lang="en-US" sz="1100" dirty="0" err="1"/>
+              <a:t>Taesoo</a:t>
+            </a:r>
+            <a:r>
+              <a:rPr lang="en-US" sz="1100" dirty="0"/>
+              <a:t> Kim, and Marcus </a:t>
+            </a:r>
+            <a:r>
+              <a:rPr lang="en-US" sz="1100" dirty="0" err="1"/>
+              <a:t>Peinado</a:t>
+            </a:r>
+            <a:r>
+              <a:rPr lang="en-US" sz="1100" dirty="0"/>
+              <a:t>. 2017. T-SGX: Eradicating </a:t>
+            </a:r>
+            <a:r>
+              <a:rPr lang="en-US" sz="1100" dirty="0" err="1"/>
+              <a:t>controlledchannel</a:t>
+            </a:r>
+            <a:r>
+              <a:rPr lang="en-US" sz="1100" dirty="0"/>
+              <a:t> attacks against enclave programs. In Proceedings of the 2017 Annual Network and Distributed System Security Symposium (NDSS), San Diego, CA.</a:t>
+            </a:r>
+            <a:br>
+              <a:rPr lang="en-US" sz="1100" dirty="0"/>
+            </a:br>
+            <a:r>
+              <a:rPr lang="en-US" sz="1100" dirty="0"/>
+              <a:t>[15] Shweta Shinde, Zheng Leong Chua, </a:t>
+            </a:r>
+            <a:r>
+              <a:rPr lang="en-US" sz="1100" dirty="0" err="1"/>
+              <a:t>Viswesh</a:t>
+            </a:r>
+            <a:r>
+              <a:rPr lang="en-US" sz="1100" dirty="0"/>
+              <a:t> Narayanan, and Prateek Saxena. 2015. Preventing your faults from telling your secrets: Defenses against pigeonhole attacks. </a:t>
+            </a:r>
+            <a:r>
+              <a:rPr lang="en-US" sz="1100" dirty="0" err="1"/>
+              <a:t>arXiv</a:t>
+            </a:r>
+            <a:r>
+              <a:rPr lang="en-US" sz="1100" dirty="0"/>
+              <a:t> preprint arXiv:1506.04832 (2015).</a:t>
+            </a:r>
+            <a:br>
+              <a:rPr lang="en-US" sz="1100" dirty="0"/>
+            </a:br>
+            <a:r>
+              <a:rPr lang="en-US" sz="1100" dirty="0"/>
+              <a:t>[16] Eran </a:t>
+            </a:r>
+            <a:r>
+              <a:rPr lang="en-US" sz="1100" dirty="0" err="1"/>
+              <a:t>Tromer</a:t>
+            </a:r>
+            <a:r>
+              <a:rPr lang="en-US" sz="1100" dirty="0"/>
+              <a:t>, Dag Arne </a:t>
+            </a:r>
+            <a:r>
+              <a:rPr lang="en-US" sz="1100" dirty="0" err="1"/>
+              <a:t>Osvik</a:t>
+            </a:r>
+            <a:r>
+              <a:rPr lang="en-US" sz="1100" dirty="0"/>
+              <a:t>, and Adi Shamir. 2010. Efficient cache attacks on AES, and countermeasures. Journal of Cryptology 23, 1 (2010), 37–71.</a:t>
+            </a:r>
+            <a:br>
+              <a:rPr lang="en-US" sz="1100" dirty="0"/>
+            </a:br>
+            <a:r>
+              <a:rPr lang="en-US" sz="1100" dirty="0"/>
+              <a:t>[17] Jo Van </a:t>
+            </a:r>
+            <a:r>
+              <a:rPr lang="en-US" sz="1100" dirty="0" err="1"/>
+              <a:t>Bulck</a:t>
+            </a:r>
+            <a:r>
+              <a:rPr lang="en-US" sz="1100" dirty="0"/>
+              <a:t>, Nico </a:t>
+            </a:r>
+            <a:r>
+              <a:rPr lang="en-US" sz="1100" dirty="0" err="1"/>
+              <a:t>Weichbrodt</a:t>
+            </a:r>
+            <a:r>
+              <a:rPr lang="en-US" sz="1100" dirty="0"/>
+              <a:t>, </a:t>
+            </a:r>
+            <a:r>
+              <a:rPr lang="en-US" sz="1100" dirty="0" err="1"/>
+              <a:t>Ru¨diger</a:t>
+            </a:r>
+            <a:r>
+              <a:rPr lang="en-US" sz="1100" dirty="0"/>
+              <a:t> </a:t>
+            </a:r>
+            <a:r>
+              <a:rPr lang="en-US" sz="1100" dirty="0" err="1"/>
+              <a:t>Kapitza</a:t>
+            </a:r>
+            <a:r>
+              <a:rPr lang="en-US" sz="1100" dirty="0"/>
+              <a:t>, Frank </a:t>
+            </a:r>
+            <a:r>
+              <a:rPr lang="en-US" sz="1100" dirty="0" err="1"/>
+              <a:t>Piessens</a:t>
+            </a:r>
+            <a:r>
+              <a:rPr lang="en-US" sz="1100" dirty="0"/>
+              <a:t>, and Raoul </a:t>
+            </a:r>
+            <a:r>
+              <a:rPr lang="en-US" sz="1100" dirty="0" err="1"/>
+              <a:t>Strackx</a:t>
+            </a:r>
+            <a:r>
+              <a:rPr lang="en-US" sz="1100" dirty="0"/>
+              <a:t>. 2017. Telling your secrets without page faults: Stealthy page table-based attacks on enclaved execution. In Proceedings of the 26th USENIX Security Symposium. USENIX Association.</a:t>
+            </a:r>
+            <a:br>
+              <a:rPr lang="en-US" sz="1100" dirty="0"/>
+            </a:br>
+            <a:r>
+              <a:rPr lang="en-US" sz="1100" dirty="0"/>
+              <a:t>[18] </a:t>
+            </a:r>
+            <a:r>
+              <a:rPr lang="en-US" sz="1100" dirty="0" err="1"/>
+              <a:t>Wenhao</a:t>
+            </a:r>
+            <a:r>
+              <a:rPr lang="en-US" sz="1100" dirty="0"/>
+              <a:t> Wang, </a:t>
+            </a:r>
+            <a:r>
+              <a:rPr lang="en-US" sz="1100" dirty="0" err="1"/>
+              <a:t>Guoxing</a:t>
+            </a:r>
+            <a:r>
+              <a:rPr lang="en-US" sz="1100" dirty="0"/>
+              <a:t> Chen, </a:t>
+            </a:r>
+            <a:r>
+              <a:rPr lang="en-US" sz="1100" dirty="0" err="1"/>
+              <a:t>Xiaorui</a:t>
+            </a:r>
+            <a:r>
+              <a:rPr lang="en-US" sz="1100" dirty="0"/>
+              <a:t> Pan, </a:t>
+            </a:r>
+            <a:r>
+              <a:rPr lang="en-US" sz="1100" dirty="0" err="1"/>
+              <a:t>Yinqian</a:t>
+            </a:r>
+            <a:r>
+              <a:rPr lang="en-US" sz="1100" dirty="0"/>
+              <a:t> Zhang, </a:t>
+            </a:r>
+            <a:r>
+              <a:rPr lang="en-US" sz="1100" dirty="0" err="1"/>
+              <a:t>Xiaofeng</a:t>
+            </a:r>
+            <a:r>
+              <a:rPr lang="en-US" sz="1100" dirty="0"/>
+              <a:t> Wang, Vincent </a:t>
+            </a:r>
+            <a:r>
+              <a:rPr lang="en-US" sz="1100" dirty="0" err="1"/>
+              <a:t>Bindschaedler</a:t>
+            </a:r>
+            <a:r>
+              <a:rPr lang="en-US" sz="1100" dirty="0"/>
+              <a:t>, </a:t>
+            </a:r>
+            <a:r>
+              <a:rPr lang="en-US" sz="1100" dirty="0" err="1"/>
+              <a:t>Haixu</a:t>
+            </a:r>
+            <a:r>
+              <a:rPr lang="en-US" sz="1100" dirty="0"/>
+              <a:t> Tang, and Carl A. Gunter. 2017. Leaky Cauldron on the Dark Land: Understanding Memory Side-Channel Hazards in SGX. 2421–2434.</a:t>
+            </a:r>
+            <a:br>
+              <a:rPr lang="en-US" sz="1100" dirty="0"/>
+            </a:br>
+            <a:r>
+              <a:rPr lang="en-US" sz="1100" dirty="0"/>
+              <a:t>[19] Yuval </a:t>
+            </a:r>
+            <a:r>
+              <a:rPr lang="en-US" sz="1100" dirty="0" err="1"/>
+              <a:t>Yarom</a:t>
+            </a:r>
+            <a:r>
+              <a:rPr lang="en-US" sz="1100" dirty="0"/>
+              <a:t> and Katrina Falkner. 2014. FLUSH+ RELOAD: A High Resolution, Low Noise, L3 Cache Side-Channel Attack.. In USENIX Security Symposium</a:t>
+            </a:r>
+          </a:p>
+        </p:txBody>
+      </p:sp>
+      <p:sp>
+        <p:nvSpPr>
+          <p:cNvPr id="6" name="Text Placeholder 5">
+            <a:extLst>
+              <a:ext uri="{FF2B5EF4-FFF2-40B4-BE49-F238E27FC236}">
+                <a16:creationId xmlns:a16="http://schemas.microsoft.com/office/drawing/2014/main" id="{93FABC2F-B2D6-4AC5-8FA6-89C2C7DF954B}"/>
+              </a:ext>
+            </a:extLst>
+          </p:cNvPr>
+          <p:cNvSpPr>
+            <a:spLocks noGrp="1"/>
+          </p:cNvSpPr>
+          <p:nvPr>
+            <p:ph type="body" sz="quarter" idx="22"/>
+          </p:nvPr>
+        </p:nvSpPr>
+        <p:spPr/>
+        <p:txBody>
+          <a:bodyPr/>
+          <a:lstStyle/>
+          <a:p>
+            <a:r>
+              <a:rPr lang="en-US" dirty="0"/>
+              <a:t>Department of Electrical Engineering and Computer Science</a:t>
+            </a:r>
+          </a:p>
+        </p:txBody>
+      </p:sp>
+    </p:spTree>
+    <p:extLst>
+      <p:ext uri="{BB962C8B-B14F-4D97-AF65-F5344CB8AC3E}">
+        <p14:creationId xmlns:p14="http://schemas.microsoft.com/office/powerpoint/2010/main" val="3289777626"/>
+      </p:ext>
+    </p:extLst>
+  </p:cSld>
+  <p:clrMapOvr>
+    <a:masterClrMapping/>
+  </p:clrMapOvr>
+  <p:transition>
+    <p:fade/>
+  </p:transition>
+</p:sld>
+</file>
+
+<file path=ppt/slides/slide24.xml><?xml version="1.0" encoding="utf-8"?>
+<p:sld xmlns:a="http://schemas.openxmlformats.org/drawingml/2006/main" xmlns:r="http://schemas.openxmlformats.org/officeDocument/2006/relationships" xmlns:p="http://schemas.openxmlformats.org/presentationml/2006/main">
+  <p:cSld>
+    <p:spTree>
+      <p:nvGrpSpPr>
+        <p:cNvPr id="1" name=""/>
+        <p:cNvGrpSpPr/>
+        <p:nvPr/>
+      </p:nvGrpSpPr>
+      <p:grpSpPr>
+        <a:xfrm>
+          <a:off x="0" y="0"/>
+          <a:ext cx="0" cy="0"/>
+          <a:chOff x="0" y="0"/>
+          <a:chExt cx="0" cy="0"/>
+        </a:xfrm>
+      </p:grpSpPr>
+      <p:sp>
+        <p:nvSpPr>
+          <p:cNvPr id="2" name="Slide Number Placeholder 1">
+            <a:extLst>
+              <a:ext uri="{FF2B5EF4-FFF2-40B4-BE49-F238E27FC236}">
                 <a16:creationId xmlns:a16="http://schemas.microsoft.com/office/drawing/2014/main" id="{C1BBB3E0-B4E5-4201-9293-3247552B6DB0}"/>
               </a:ext>
             </a:extLst>
@@ -10024,7 +10118,7 @@
             <a:fld id="{F343A32A-436A-8143-8894-653E98457856}" type="slidenum">
               <a:rPr lang="en-US" smtClean="0"/>
               <a:pPr/>
-              <a:t>23</a:t>
+              <a:t>24</a:t>
             </a:fld>
             <a:endParaRPr lang="en-US" dirty="0"/>
           </a:p>
@@ -10129,7 +10223,7 @@
 </p:sld>
 </file>
 
-<file path=ppt/slides/slide24.xml><?xml version="1.0" encoding="utf-8"?>
+<file path=ppt/slides/slide25.xml><?xml version="1.0" encoding="utf-8"?>
 <p:sld xmlns:a="http://schemas.openxmlformats.org/drawingml/2006/main" xmlns:r="http://schemas.openxmlformats.org/officeDocument/2006/relationships" xmlns:p="http://schemas.openxmlformats.org/presentationml/2006/main">
   <p:cSld>
     <p:spTree>
@@ -10170,7 +10264,7 @@
             <a:fld id="{F343A32A-436A-8143-8894-653E98457856}" type="slidenum">
               <a:rPr lang="en-US" smtClean="0"/>
               <a:pPr/>
-              <a:t>24</a:t>
+              <a:t>25</a:t>
             </a:fld>
             <a:endParaRPr lang="en-US" dirty="0"/>
           </a:p>
@@ -10797,8 +10891,37 @@
         </p:blipFill>
         <p:spPr>
           <a:xfrm>
-            <a:off x="7538719" y="1158240"/>
+            <a:off x="12312942" y="1589063"/>
             <a:ext cx="4333727" cy="2560504"/>
+          </a:xfrm>
+          <a:prstGeom prst="rect">
+            <a:avLst/>
+          </a:prstGeom>
+        </p:spPr>
+      </p:pic>
+      <p:pic>
+        <p:nvPicPr>
+          <p:cNvPr id="7" name="Picture 6">
+            <a:extLst>
+              <a:ext uri="{FF2B5EF4-FFF2-40B4-BE49-F238E27FC236}">
+                <a16:creationId xmlns:a16="http://schemas.microsoft.com/office/drawing/2014/main" id="{2291FADC-7246-47BE-B876-2E46E398335E}"/>
+              </a:ext>
+            </a:extLst>
+          </p:cNvPr>
+          <p:cNvPicPr>
+            <a:picLocks noChangeAspect="1"/>
+          </p:cNvPicPr>
+          <p:nvPr/>
+        </p:nvPicPr>
+        <p:blipFill rotWithShape="1">
+          <a:blip r:embed="rId4"/>
+          <a:srcRect l="1721" t="2318" r="2438" b="2960"/>
+          <a:stretch/>
+        </p:blipFill>
+        <p:spPr>
+          <a:xfrm>
+            <a:off x="7460018" y="1589063"/>
+            <a:ext cx="4359110" cy="1920240"/>
           </a:xfrm>
           <a:prstGeom prst="rect">
             <a:avLst/>
@@ -10840,164 +10963,6 @@
       </p:grpSpPr>
       <p:sp>
         <p:nvSpPr>
-          <p:cNvPr id="2" name="Slide Number "/>
-          <p:cNvSpPr>
-            <a:spLocks noGrp="1"/>
-          </p:cNvSpPr>
-          <p:nvPr>
-            <p:ph type="sldNum" sz="quarter" idx="10"/>
-          </p:nvPr>
-        </p:nvSpPr>
-        <p:spPr/>
-        <p:txBody>
-          <a:bodyPr/>
-          <a:lstStyle/>
-          <a:p>
-            <a:fld id="{F343A32A-436A-8143-8894-653E98457856}" type="slidenum">
-              <a:rPr lang="en-US" smtClean="0"/>
-              <a:pPr/>
-              <a:t>5</a:t>
-            </a:fld>
-            <a:endParaRPr lang="en-US" dirty="0"/>
-          </a:p>
-        </p:txBody>
-      </p:sp>
-      <p:sp>
-        <p:nvSpPr>
-          <p:cNvPr id="3" name="Slide Title"/>
-          <p:cNvSpPr>
-            <a:spLocks noGrp="1"/>
-          </p:cNvSpPr>
-          <p:nvPr>
-            <p:ph type="title"/>
-          </p:nvPr>
-        </p:nvSpPr>
-        <p:spPr/>
-        <p:txBody>
-          <a:bodyPr/>
-          <a:lstStyle/>
-          <a:p>
-            <a:r>
-              <a:rPr lang="en-US" dirty="0"/>
-              <a:t>Introduction</a:t>
-            </a:r>
-          </a:p>
-        </p:txBody>
-      </p:sp>
-      <p:sp>
-        <p:nvSpPr>
-          <p:cNvPr id="5" name="Subtitle, if applicable"/>
-          <p:cNvSpPr>
-            <a:spLocks noGrp="1"/>
-          </p:cNvSpPr>
-          <p:nvPr>
-            <p:ph sz="quarter" idx="19"/>
-          </p:nvPr>
-        </p:nvSpPr>
-        <p:spPr/>
-        <p:txBody>
-          <a:bodyPr/>
-          <a:lstStyle/>
-          <a:p>
-            <a:r>
-              <a:rPr lang="en-US" dirty="0"/>
-              <a:t>Intel SGX</a:t>
-            </a:r>
-          </a:p>
-        </p:txBody>
-      </p:sp>
-      <p:sp>
-        <p:nvSpPr>
-          <p:cNvPr id="12" name="Text Placeholder 11">
-            <a:extLst>
-              <a:ext uri="{FF2B5EF4-FFF2-40B4-BE49-F238E27FC236}">
-                <a16:creationId xmlns:a16="http://schemas.microsoft.com/office/drawing/2014/main" id="{54FB0146-43E2-4C76-8327-A381942DD8C3}"/>
-              </a:ext>
-            </a:extLst>
-          </p:cNvPr>
-          <p:cNvSpPr>
-            <a:spLocks noGrp="1"/>
-          </p:cNvSpPr>
-          <p:nvPr>
-            <p:ph type="body" sz="quarter" idx="22"/>
-          </p:nvPr>
-        </p:nvSpPr>
-        <p:spPr/>
-        <p:txBody>
-          <a:bodyPr/>
-          <a:lstStyle/>
-          <a:p>
-            <a:r>
-              <a:rPr lang="en-US" dirty="0"/>
-              <a:t>Department of Electrical Engineering and Computer Science</a:t>
-            </a:r>
-          </a:p>
-        </p:txBody>
-      </p:sp>
-      <p:pic>
-        <p:nvPicPr>
-          <p:cNvPr id="10" name="Picture 9">
-            <a:extLst>
-              <a:ext uri="{FF2B5EF4-FFF2-40B4-BE49-F238E27FC236}">
-                <a16:creationId xmlns:a16="http://schemas.microsoft.com/office/drawing/2014/main" id="{69B53366-DB7E-4419-AF45-FB1E7E4A5425}"/>
-              </a:ext>
-            </a:extLst>
-          </p:cNvPr>
-          <p:cNvPicPr>
-            <a:picLocks noChangeAspect="1"/>
-          </p:cNvPicPr>
-          <p:nvPr/>
-        </p:nvPicPr>
-        <p:blipFill rotWithShape="1">
-          <a:blip r:embed="rId3"/>
-          <a:srcRect l="1721" t="2318" r="2438" b="2960"/>
-          <a:stretch/>
-        </p:blipFill>
-        <p:spPr>
-          <a:xfrm>
-            <a:off x="2172341" y="1950719"/>
-            <a:ext cx="8394059" cy="3697683"/>
-          </a:xfrm>
-          <a:prstGeom prst="rect">
-            <a:avLst/>
-          </a:prstGeom>
-        </p:spPr>
-      </p:pic>
-    </p:spTree>
-    <p:extLst>
-      <p:ext uri="{BB962C8B-B14F-4D97-AF65-F5344CB8AC3E}">
-        <p14:creationId xmlns:p14="http://schemas.microsoft.com/office/powerpoint/2010/main" val="447021975"/>
-      </p:ext>
-    </p:extLst>
-  </p:cSld>
-  <p:clrMapOvr>
-    <a:masterClrMapping/>
-  </p:clrMapOvr>
-  <p:transition>
-    <p:fade/>
-  </p:transition>
-</p:sld>
-</file>
-
-<file path=ppt/slides/slide6.xml><?xml version="1.0" encoding="utf-8"?>
-<p:sld xmlns:a="http://schemas.openxmlformats.org/drawingml/2006/main" xmlns:r="http://schemas.openxmlformats.org/officeDocument/2006/relationships" xmlns:p="http://schemas.openxmlformats.org/presentationml/2006/main">
-  <p:cSld>
-    <p:spTree>
-      <p:nvGrpSpPr>
-        <p:cNvPr id="1" name=""/>
-        <p:cNvGrpSpPr/>
-        <p:nvPr/>
-      </p:nvGrpSpPr>
-      <p:grpSpPr>
-        <a:xfrm>
-          <a:off x="0" y="0"/>
-          <a:ext cx="0" cy="0"/>
-          <a:chOff x="0" y="0"/>
-          <a:chExt cx="0" cy="0"/>
-        </a:xfrm>
-      </p:grpSpPr>
-      <p:sp>
-        <p:nvSpPr>
           <p:cNvPr id="2" name="Slide Number Placeholder 1">
             <a:extLst>
               <a:ext uri="{FF2B5EF4-FFF2-40B4-BE49-F238E27FC236}">
@@ -11020,7 +10985,7 @@
             <a:fld id="{F343A32A-436A-8143-8894-653E98457856}" type="slidenum">
               <a:rPr lang="en-US" smtClean="0"/>
               <a:pPr/>
-              <a:t>6</a:t>
+              <a:t>5</a:t>
             </a:fld>
             <a:endParaRPr lang="en-US" dirty="0"/>
           </a:p>
@@ -11276,6 +11241,250 @@
 </p:sld>
 </file>
 
+<file path=ppt/slides/slide6.xml><?xml version="1.0" encoding="utf-8"?>
+<p:sld xmlns:a="http://schemas.openxmlformats.org/drawingml/2006/main" xmlns:r="http://schemas.openxmlformats.org/officeDocument/2006/relationships" xmlns:p="http://schemas.openxmlformats.org/presentationml/2006/main">
+  <p:cSld>
+    <p:spTree>
+      <p:nvGrpSpPr>
+        <p:cNvPr id="1" name=""/>
+        <p:cNvGrpSpPr/>
+        <p:nvPr/>
+      </p:nvGrpSpPr>
+      <p:grpSpPr>
+        <a:xfrm>
+          <a:off x="0" y="0"/>
+          <a:ext cx="0" cy="0"/>
+          <a:chOff x="0" y="0"/>
+          <a:chExt cx="0" cy="0"/>
+        </a:xfrm>
+      </p:grpSpPr>
+      <p:sp>
+        <p:nvSpPr>
+          <p:cNvPr id="2" name="Slide Number Placeholder 1">
+            <a:extLst>
+              <a:ext uri="{FF2B5EF4-FFF2-40B4-BE49-F238E27FC236}">
+                <a16:creationId xmlns:a16="http://schemas.microsoft.com/office/drawing/2014/main" id="{E46C32F1-C8C3-4105-89B5-675F81C3EBD7}"/>
+              </a:ext>
+            </a:extLst>
+          </p:cNvPr>
+          <p:cNvSpPr>
+            <a:spLocks noGrp="1"/>
+          </p:cNvSpPr>
+          <p:nvPr>
+            <p:ph type="sldNum" sz="quarter" idx="10"/>
+          </p:nvPr>
+        </p:nvSpPr>
+        <p:spPr/>
+        <p:txBody>
+          <a:bodyPr/>
+          <a:lstStyle/>
+          <a:p>
+            <a:fld id="{F343A32A-436A-8143-8894-653E98457856}" type="slidenum">
+              <a:rPr lang="en-US" smtClean="0"/>
+              <a:pPr/>
+              <a:t>6</a:t>
+            </a:fld>
+            <a:endParaRPr lang="en-US" dirty="0"/>
+          </a:p>
+        </p:txBody>
+      </p:sp>
+      <p:sp>
+        <p:nvSpPr>
+          <p:cNvPr id="3" name="Title 2">
+            <a:extLst>
+              <a:ext uri="{FF2B5EF4-FFF2-40B4-BE49-F238E27FC236}">
+                <a16:creationId xmlns:a16="http://schemas.microsoft.com/office/drawing/2014/main" id="{8CF66B3C-3E59-476B-9F03-70DB9E02E697}"/>
+              </a:ext>
+            </a:extLst>
+          </p:cNvPr>
+          <p:cNvSpPr>
+            <a:spLocks noGrp="1"/>
+          </p:cNvSpPr>
+          <p:nvPr>
+            <p:ph type="title"/>
+          </p:nvPr>
+        </p:nvSpPr>
+        <p:spPr/>
+        <p:txBody>
+          <a:bodyPr/>
+          <a:lstStyle/>
+          <a:p>
+            <a:r>
+              <a:rPr lang="en-US" dirty="0"/>
+              <a:t>Attacks</a:t>
+            </a:r>
+          </a:p>
+        </p:txBody>
+      </p:sp>
+      <p:sp>
+        <p:nvSpPr>
+          <p:cNvPr id="4" name="Text Placeholder 3">
+            <a:extLst>
+              <a:ext uri="{FF2B5EF4-FFF2-40B4-BE49-F238E27FC236}">
+                <a16:creationId xmlns:a16="http://schemas.microsoft.com/office/drawing/2014/main" id="{F7FAE8B8-C71B-46EA-BFD3-5A40DB721AA7}"/>
+              </a:ext>
+            </a:extLst>
+          </p:cNvPr>
+          <p:cNvSpPr>
+            <a:spLocks noGrp="1"/>
+          </p:cNvSpPr>
+          <p:nvPr>
+            <p:ph type="body" sz="quarter" idx="20"/>
+          </p:nvPr>
+        </p:nvSpPr>
+        <p:spPr>
+          <a:xfrm>
+            <a:off x="1066799" y="1570833"/>
+            <a:ext cx="10667998" cy="3646487"/>
+          </a:xfrm>
+        </p:spPr>
+        <p:txBody>
+          <a:bodyPr/>
+          <a:lstStyle/>
+          <a:p>
+            <a:pPr marL="571500" indent="-571500">
+              <a:lnSpc>
+                <a:spcPct val="150000"/>
+              </a:lnSpc>
+              <a:buFont typeface="Arial" panose="020B0604020202020204" pitchFamily="34" charset="0"/>
+              <a:buChar char="•"/>
+            </a:pPr>
+            <a:r>
+              <a:rPr lang="en-US" sz="2800" dirty="0"/>
+              <a:t>Enclave protected by SGX</a:t>
+            </a:r>
+          </a:p>
+          <a:p>
+            <a:pPr marL="1028700" lvl="1" indent="-571500">
+              <a:lnSpc>
+                <a:spcPct val="150000"/>
+              </a:lnSpc>
+              <a:buFont typeface="Arial" panose="020B0604020202020204" pitchFamily="34" charset="0"/>
+              <a:buChar char="•"/>
+            </a:pPr>
+            <a:r>
+              <a:rPr lang="en-US" dirty="0">
+                <a:solidFill>
+                  <a:srgbClr val="3E3D3C"/>
+                </a:solidFill>
+                <a:latin typeface="Sherman Sans Book"/>
+              </a:rPr>
+              <a:t>No stranger has the key</a:t>
+            </a:r>
+          </a:p>
+          <a:p>
+            <a:pPr marL="571500" indent="-571500">
+              <a:lnSpc>
+                <a:spcPct val="150000"/>
+              </a:lnSpc>
+              <a:buFont typeface="Arial" panose="020B0604020202020204" pitchFamily="34" charset="0"/>
+              <a:buChar char="•"/>
+            </a:pPr>
+            <a:r>
+              <a:rPr lang="en-US" sz="2800" dirty="0"/>
+              <a:t>Operating System can manage task queues, interrupts, and exceptions</a:t>
+            </a:r>
+          </a:p>
+          <a:p>
+            <a:pPr marL="571500" indent="-571500">
+              <a:lnSpc>
+                <a:spcPct val="150000"/>
+              </a:lnSpc>
+              <a:buFont typeface="Arial" panose="020B0604020202020204" pitchFamily="34" charset="0"/>
+              <a:buChar char="•"/>
+            </a:pPr>
+            <a:r>
+              <a:rPr lang="en-US" sz="2800" dirty="0"/>
+              <a:t>Viewing data transfer between memories and caches</a:t>
+            </a:r>
+          </a:p>
+          <a:p>
+            <a:pPr marL="571500" indent="-571500">
+              <a:lnSpc>
+                <a:spcPct val="150000"/>
+              </a:lnSpc>
+              <a:buFont typeface="Arial" panose="020B0604020202020204" pitchFamily="34" charset="0"/>
+              <a:buChar char="•"/>
+            </a:pPr>
+            <a:r>
+              <a:rPr lang="en-US" sz="2800" dirty="0"/>
+              <a:t>Program pinned to one core, no excessive interrupts, isolated</a:t>
+            </a:r>
+          </a:p>
+        </p:txBody>
+      </p:sp>
+      <p:sp>
+        <p:nvSpPr>
+          <p:cNvPr id="5" name="Content Placeholder 4">
+            <a:extLst>
+              <a:ext uri="{FF2B5EF4-FFF2-40B4-BE49-F238E27FC236}">
+                <a16:creationId xmlns:a16="http://schemas.microsoft.com/office/drawing/2014/main" id="{2E22DCB0-34AB-4BB5-9547-3CC5CB475A62}"/>
+              </a:ext>
+            </a:extLst>
+          </p:cNvPr>
+          <p:cNvSpPr>
+            <a:spLocks noGrp="1"/>
+          </p:cNvSpPr>
+          <p:nvPr>
+            <p:ph sz="quarter" idx="19"/>
+          </p:nvPr>
+        </p:nvSpPr>
+        <p:spPr/>
+        <p:txBody>
+          <a:bodyPr/>
+          <a:lstStyle/>
+          <a:p>
+            <a:r>
+              <a:rPr lang="en-US" dirty="0"/>
+              <a:t>Attack Model</a:t>
+            </a:r>
+          </a:p>
+        </p:txBody>
+      </p:sp>
+      <p:sp>
+        <p:nvSpPr>
+          <p:cNvPr id="6" name="Text Placeholder 5">
+            <a:extLst>
+              <a:ext uri="{FF2B5EF4-FFF2-40B4-BE49-F238E27FC236}">
+                <a16:creationId xmlns:a16="http://schemas.microsoft.com/office/drawing/2014/main" id="{D88F5258-F7DC-4035-A790-1B01F8C62C30}"/>
+              </a:ext>
+            </a:extLst>
+          </p:cNvPr>
+          <p:cNvSpPr>
+            <a:spLocks noGrp="1"/>
+          </p:cNvSpPr>
+          <p:nvPr>
+            <p:ph type="body" sz="quarter" idx="22"/>
+          </p:nvPr>
+        </p:nvSpPr>
+        <p:spPr/>
+        <p:txBody>
+          <a:bodyPr/>
+          <a:lstStyle/>
+          <a:p>
+            <a:r>
+              <a:rPr lang="en-US" dirty="0"/>
+              <a:t>Department of Electrical Engineering and Computer Science</a:t>
+            </a:r>
+          </a:p>
+        </p:txBody>
+      </p:sp>
+    </p:spTree>
+    <p:extLst>
+      <p:ext uri="{BB962C8B-B14F-4D97-AF65-F5344CB8AC3E}">
+        <p14:creationId xmlns:p14="http://schemas.microsoft.com/office/powerpoint/2010/main" val="366102315"/>
+      </p:ext>
+    </p:extLst>
+  </p:cSld>
+  <p:clrMapOvr>
+    <a:masterClrMapping/>
+  </p:clrMapOvr>
+  <p:transition>
+    <p:fade/>
+  </p:transition>
+</p:sld>
+</file>
+
 <file path=ppt/slides/slide7.xml><?xml version="1.0" encoding="utf-8"?>
 <p:sld xmlns:a="http://schemas.openxmlformats.org/drawingml/2006/main" xmlns:r="http://schemas.openxmlformats.org/officeDocument/2006/relationships" xmlns:p="http://schemas.openxmlformats.org/presentationml/2006/main">
   <p:cSld>
@@ -11386,25 +11595,17 @@
             </a:pPr>
             <a:r>
               <a:rPr lang="en-US" sz="2800" dirty="0"/>
-              <a:t>Enclave protected by SGX</a:t>
-            </a:r>
-          </a:p>
-          <a:p>
-            <a:pPr marL="1028700" lvl="1" indent="-571500">
-              <a:lnSpc>
-                <a:spcPct val="150000"/>
-              </a:lnSpc>
-              <a:buFont typeface="Arial" panose="020B0604020202020204" pitchFamily="34" charset="0"/>
-              <a:buChar char="•"/>
-            </a:pPr>
-            <a:r>
-              <a:rPr lang="en-US" dirty="0">
-                <a:solidFill>
-                  <a:srgbClr val="3E3D3C"/>
-                </a:solidFill>
+              <a:t>Intentional Cache-Misses </a:t>
+            </a:r>
+            <a:r>
+              <a:rPr lang="en-US" sz="2800" dirty="0">
                 <a:latin typeface="Sherman Sans Book"/>
               </a:rPr>
-              <a:t>No stranger has the key</a:t>
+              <a:t>⇨</a:t>
+            </a:r>
+            <a:r>
+              <a:rPr lang="en-US" sz="2800" dirty="0"/>
+              <a:t> Make program access memory</a:t>
             </a:r>
           </a:p>
           <a:p>
@@ -11417,7 +11618,7 @@
             </a:pPr>
             <a:r>
               <a:rPr lang="en-US" sz="2800" dirty="0"/>
-              <a:t>Operating System can manage task queues, interrupts, and exceptions</a:t>
+              <a:t>Time, trace, access patterns</a:t>
             </a:r>
           </a:p>
           <a:p>
@@ -11429,21 +11630,33 @@
               <a:buChar char="•"/>
             </a:pPr>
             <a:r>
-              <a:rPr lang="en-US" sz="2800" dirty="0"/>
-              <a:t>Viewing data transfer between memories and caches</a:t>
-            </a:r>
-          </a:p>
-          <a:p>
-            <a:pPr marL="571500" indent="-571500">
-              <a:lnSpc>
-                <a:spcPct val="150000"/>
-              </a:lnSpc>
+              <a:rPr lang="en-US" sz="2800" dirty="0" err="1"/>
+              <a:t>Prime+Probe</a:t>
+            </a:r>
+            <a:endParaRPr lang="en-US" sz="2800" dirty="0"/>
+          </a:p>
+          <a:p>
+            <a:pPr marL="1028700" lvl="1" indent="-571500">
               <a:buFont typeface="Arial" panose="020B0604020202020204" pitchFamily="34" charset="0"/>
               <a:buChar char="•"/>
             </a:pPr>
             <a:r>
-              <a:rPr lang="en-US" sz="2800" dirty="0"/>
-              <a:t>Program pinned to one core, no excessive interrupts, isolated</a:t>
+              <a:rPr lang="en-US" sz="2000" dirty="0">
+                <a:latin typeface="Sherman Sans Book"/>
+              </a:rPr>
+              <a:t>Prime: attacker executes conflicting cache lines ⇨ cache miss</a:t>
+            </a:r>
+          </a:p>
+          <a:p>
+            <a:pPr marL="1028700" lvl="1" indent="-571500">
+              <a:buFont typeface="Arial" panose="020B0604020202020204" pitchFamily="34" charset="0"/>
+              <a:buChar char="•"/>
+            </a:pPr>
+            <a:r>
+              <a:rPr lang="en-US" sz="2000" dirty="0">
+                <a:latin typeface="Sherman Sans Book"/>
+              </a:rPr>
+              <a:t>Probe: executing all the cache lines and measuring execution time</a:t>
             </a:r>
           </a:p>
         </p:txBody>
@@ -11471,7 +11684,7 @@
           <a:p>
             <a:r>
               <a:rPr lang="en-US" dirty="0"/>
-              <a:t>Attack Model</a:t>
+              <a:t>Cache-Based Attacks</a:t>
             </a:r>
           </a:p>
         </p:txBody>
@@ -11504,10 +11717,40 @@
           </a:p>
         </p:txBody>
       </p:sp>
+      <p:pic>
+        <p:nvPicPr>
+          <p:cNvPr id="7" name="Picture 6">
+            <a:extLst>
+              <a:ext uri="{FF2B5EF4-FFF2-40B4-BE49-F238E27FC236}">
+                <a16:creationId xmlns:a16="http://schemas.microsoft.com/office/drawing/2014/main" id="{0DDBBDF9-F951-4A20-AFB3-553EA8FE9F33}"/>
+              </a:ext>
+            </a:extLst>
+          </p:cNvPr>
+          <p:cNvPicPr>
+            <a:picLocks noChangeAspect="1"/>
+          </p:cNvPicPr>
+          <p:nvPr/>
+        </p:nvPicPr>
+        <p:blipFill>
+          <a:blip r:embed="rId2"/>
+          <a:stretch>
+            <a:fillRect/>
+          </a:stretch>
+        </p:blipFill>
+        <p:spPr>
+          <a:xfrm>
+            <a:off x="3727939" y="4544664"/>
+            <a:ext cx="4953777" cy="1647775"/>
+          </a:xfrm>
+          <a:prstGeom prst="rect">
+            <a:avLst/>
+          </a:prstGeom>
+        </p:spPr>
+      </p:pic>
     </p:spTree>
     <p:extLst>
       <p:ext uri="{BB962C8B-B14F-4D97-AF65-F5344CB8AC3E}">
-        <p14:creationId xmlns:p14="http://schemas.microsoft.com/office/powerpoint/2010/main" val="366102315"/>
+        <p14:creationId xmlns:p14="http://schemas.microsoft.com/office/powerpoint/2010/main" val="284886358"/>
       </p:ext>
     </p:extLst>
   </p:cSld>
@@ -11542,7 +11785,7 @@
           <p:cNvPr id="2" name="Slide Number Placeholder 1">
             <a:extLst>
               <a:ext uri="{FF2B5EF4-FFF2-40B4-BE49-F238E27FC236}">
-                <a16:creationId xmlns:a16="http://schemas.microsoft.com/office/drawing/2014/main" id="{A5224E1A-EF22-4EC7-83A8-057B0B43110A}"/>
+                <a16:creationId xmlns:a16="http://schemas.microsoft.com/office/drawing/2014/main" id="{E46C32F1-C8C3-4105-89B5-675F81C3EBD7}"/>
               </a:ext>
             </a:extLst>
           </p:cNvPr>
@@ -11572,7 +11815,7 @@
           <p:cNvPr id="3" name="Title 2">
             <a:extLst>
               <a:ext uri="{FF2B5EF4-FFF2-40B4-BE49-F238E27FC236}">
-                <a16:creationId xmlns:a16="http://schemas.microsoft.com/office/drawing/2014/main" id="{AD1FFD4C-DEEC-4293-AD26-82E6976637F8}"/>
+                <a16:creationId xmlns:a16="http://schemas.microsoft.com/office/drawing/2014/main" id="{8CF66B3C-3E59-476B-9F03-70DB9E02E697}"/>
               </a:ext>
             </a:extLst>
           </p:cNvPr>
@@ -11600,7 +11843,7 @@
           <p:cNvPr id="4" name="Text Placeholder 3">
             <a:extLst>
               <a:ext uri="{FF2B5EF4-FFF2-40B4-BE49-F238E27FC236}">
-                <a16:creationId xmlns:a16="http://schemas.microsoft.com/office/drawing/2014/main" id="{67326969-9422-4E13-87F0-8ABCF8DAF426}"/>
+                <a16:creationId xmlns:a16="http://schemas.microsoft.com/office/drawing/2014/main" id="{F7FAE8B8-C71B-46EA-BFD3-5A40DB721AA7}"/>
               </a:ext>
             </a:extLst>
           </p:cNvPr>
@@ -11611,104 +11854,87 @@
             <p:ph type="body" sz="quarter" idx="20"/>
           </p:nvPr>
         </p:nvSpPr>
-        <p:spPr/>
+        <p:spPr>
+          <a:xfrm>
+            <a:off x="1066799" y="1570833"/>
+            <a:ext cx="10667998" cy="3646487"/>
+          </a:xfrm>
+        </p:spPr>
         <p:txBody>
           <a:bodyPr/>
           <a:lstStyle/>
           <a:p>
             <a:pPr marL="571500" indent="-571500">
               <a:lnSpc>
-                <a:spcPct val="100000"/>
+                <a:spcPct val="150000"/>
               </a:lnSpc>
-              <a:spcBef>
-                <a:spcPts val="1200"/>
-              </a:spcBef>
               <a:buFont typeface="Arial" panose="020B0604020202020204" pitchFamily="34" charset="0"/>
               <a:buChar char="•"/>
             </a:pPr>
             <a:r>
               <a:rPr lang="en-US" sz="2800" dirty="0"/>
-              <a:t>TLB: shared between enclave and non-enclave programs ⇨ with hyperthreading enabled it creates side-channels</a:t>
+              <a:t>Intentional Cache-Misses </a:t>
+            </a:r>
+            <a:r>
+              <a:rPr lang="en-US" sz="2800" dirty="0">
+                <a:latin typeface="Sherman Sans Book"/>
+              </a:rPr>
+              <a:t>⇨</a:t>
+            </a:r>
+            <a:r>
+              <a:rPr lang="en-US" sz="2800" dirty="0"/>
+              <a:t> Make program access memory</a:t>
             </a:r>
           </a:p>
           <a:p>
             <a:pPr marL="571500" indent="-571500">
               <a:lnSpc>
-                <a:spcPct val="100000"/>
+                <a:spcPct val="150000"/>
               </a:lnSpc>
-              <a:spcBef>
-                <a:spcPts val="1200"/>
-              </a:spcBef>
               <a:buFont typeface="Arial" panose="020B0604020202020204" pitchFamily="34" charset="0"/>
               <a:buChar char="•"/>
             </a:pPr>
             <a:r>
               <a:rPr lang="en-US" sz="2800" dirty="0"/>
-              <a:t>Page faults: visible to OS</a:t>
+              <a:t>Time, trace, access patterns</a:t>
             </a:r>
           </a:p>
           <a:p>
             <a:pPr marL="571500" indent="-571500">
               <a:lnSpc>
-                <a:spcPct val="100000"/>
+                <a:spcPct val="150000"/>
               </a:lnSpc>
-              <a:spcBef>
-                <a:spcPts val="1200"/>
-              </a:spcBef>
               <a:buFont typeface="Arial" panose="020B0604020202020204" pitchFamily="34" charset="0"/>
               <a:buChar char="•"/>
             </a:pPr>
             <a:r>
-              <a:rPr lang="en-US" sz="2800" dirty="0"/>
-              <a:t>TLB flushes: on context switch</a:t>
-            </a:r>
-          </a:p>
-          <a:p>
-            <a:pPr marL="571500" indent="-571500">
-              <a:lnSpc>
-                <a:spcPct val="100000"/>
-              </a:lnSpc>
-              <a:spcBef>
-                <a:spcPts val="1200"/>
-              </a:spcBef>
+              <a:rPr lang="en-US" sz="2800" dirty="0" err="1"/>
+              <a:t>Prime+Probe</a:t>
+            </a:r>
+            <a:endParaRPr lang="en-US" sz="2800" dirty="0"/>
+          </a:p>
+          <a:p>
+            <a:pPr marL="1028700" lvl="1" indent="-571500">
               <a:buFont typeface="Arial" panose="020B0604020202020204" pitchFamily="34" charset="0"/>
               <a:buChar char="•"/>
             </a:pPr>
             <a:r>
-              <a:rPr lang="en-US" sz="2800" dirty="0"/>
-              <a:t>Page table entry flags</a:t>
-            </a:r>
-          </a:p>
-          <a:p>
-            <a:pPr marL="571500" indent="-571500">
-              <a:lnSpc>
-                <a:spcPct val="100000"/>
-              </a:lnSpc>
-              <a:spcBef>
-                <a:spcPts val="1200"/>
-              </a:spcBef>
+              <a:rPr lang="en-US" sz="2000" dirty="0">
+                <a:latin typeface="Sherman Sans Book"/>
+              </a:rPr>
+              <a:t>Prime: attacker executes conflicting cache lines ⇨ cache miss</a:t>
+            </a:r>
+          </a:p>
+          <a:p>
+            <a:pPr marL="1028700" lvl="1" indent="-571500">
               <a:buFont typeface="Arial" panose="020B0604020202020204" pitchFamily="34" charset="0"/>
               <a:buChar char="•"/>
             </a:pPr>
             <a:r>
-              <a:rPr lang="en-US" sz="2800" dirty="0"/>
-              <a:t>Enclave memory address beginning and offset are known</a:t>
-            </a:r>
-          </a:p>
-          <a:p>
-            <a:pPr marL="571500" indent="-571500">
-              <a:lnSpc>
-                <a:spcPct val="100000"/>
-              </a:lnSpc>
-              <a:spcBef>
-                <a:spcPts val="1200"/>
-              </a:spcBef>
-              <a:buFont typeface="Arial" panose="020B0604020202020204" pitchFamily="34" charset="0"/>
-              <a:buChar char="•"/>
-            </a:pPr>
-            <a:r>
-              <a:rPr lang="en-US" sz="2800" dirty="0"/>
-              <a:t>Enclave exits (AEX)</a:t>
+              <a:rPr lang="en-US" sz="2000" dirty="0">
+                <a:latin typeface="Sherman Sans Book"/>
+              </a:rPr>
+              <a:t>Probe: executing all the cache lines and measuring execution time</a:t>
             </a:r>
           </a:p>
         </p:txBody>
@@ -11718,7 +11944,7 @@
           <p:cNvPr id="5" name="Content Placeholder 4">
             <a:extLst>
               <a:ext uri="{FF2B5EF4-FFF2-40B4-BE49-F238E27FC236}">
-                <a16:creationId xmlns:a16="http://schemas.microsoft.com/office/drawing/2014/main" id="{8C362253-12EB-4E8F-915B-7AEE74DFF4EE}"/>
+                <a16:creationId xmlns:a16="http://schemas.microsoft.com/office/drawing/2014/main" id="{2E22DCB0-34AB-4BB5-9547-3CC5CB475A62}"/>
               </a:ext>
             </a:extLst>
           </p:cNvPr>
@@ -11736,7 +11962,7 @@
           <a:p>
             <a:r>
               <a:rPr lang="en-US" dirty="0"/>
-              <a:t>Points of attack</a:t>
+              <a:t>Cache-Based Attacks</a:t>
             </a:r>
           </a:p>
         </p:txBody>
@@ -11746,7 +11972,7 @@
           <p:cNvPr id="6" name="Text Placeholder 5">
             <a:extLst>
               <a:ext uri="{FF2B5EF4-FFF2-40B4-BE49-F238E27FC236}">
-                <a16:creationId xmlns:a16="http://schemas.microsoft.com/office/drawing/2014/main" id="{942F482C-3A6E-4D79-9EBF-6CDCAD7C2DC9}"/>
+                <a16:creationId xmlns:a16="http://schemas.microsoft.com/office/drawing/2014/main" id="{D88F5258-F7DC-4035-A790-1B01F8C62C30}"/>
               </a:ext>
             </a:extLst>
           </p:cNvPr>
@@ -11769,10 +11995,40 @@
           </a:p>
         </p:txBody>
       </p:sp>
+      <p:pic>
+        <p:nvPicPr>
+          <p:cNvPr id="7" name="Picture 6">
+            <a:extLst>
+              <a:ext uri="{FF2B5EF4-FFF2-40B4-BE49-F238E27FC236}">
+                <a16:creationId xmlns:a16="http://schemas.microsoft.com/office/drawing/2014/main" id="{0DDBBDF9-F951-4A20-AFB3-553EA8FE9F33}"/>
+              </a:ext>
+            </a:extLst>
+          </p:cNvPr>
+          <p:cNvPicPr>
+            <a:picLocks noChangeAspect="1"/>
+          </p:cNvPicPr>
+          <p:nvPr/>
+        </p:nvPicPr>
+        <p:blipFill>
+          <a:blip r:embed="rId2"/>
+          <a:stretch>
+            <a:fillRect/>
+          </a:stretch>
+        </p:blipFill>
+        <p:spPr>
+          <a:xfrm>
+            <a:off x="3727939" y="4544664"/>
+            <a:ext cx="4953777" cy="1647775"/>
+          </a:xfrm>
+          <a:prstGeom prst="rect">
+            <a:avLst/>
+          </a:prstGeom>
+        </p:spPr>
+      </p:pic>
     </p:spTree>
     <p:extLst>
       <p:ext uri="{BB962C8B-B14F-4D97-AF65-F5344CB8AC3E}">
-        <p14:creationId xmlns:p14="http://schemas.microsoft.com/office/powerpoint/2010/main" val="1524703182"/>
+        <p14:creationId xmlns:p14="http://schemas.microsoft.com/office/powerpoint/2010/main" val="274136773"/>
       </p:ext>
     </p:extLst>
   </p:cSld>
@@ -11807,7 +12063,7 @@
           <p:cNvPr id="2" name="Slide Number Placeholder 1">
             <a:extLst>
               <a:ext uri="{FF2B5EF4-FFF2-40B4-BE49-F238E27FC236}">
-                <a16:creationId xmlns:a16="http://schemas.microsoft.com/office/drawing/2014/main" id="{1485AEAE-3F35-4A27-8834-F4236B8F1DCB}"/>
+                <a16:creationId xmlns:a16="http://schemas.microsoft.com/office/drawing/2014/main" id="{A5224E1A-EF22-4EC7-83A8-057B0B43110A}"/>
               </a:ext>
             </a:extLst>
           </p:cNvPr>
@@ -11837,7 +12093,7 @@
           <p:cNvPr id="3" name="Title 2">
             <a:extLst>
               <a:ext uri="{FF2B5EF4-FFF2-40B4-BE49-F238E27FC236}">
-                <a16:creationId xmlns:a16="http://schemas.microsoft.com/office/drawing/2014/main" id="{9DA3D63A-0851-4C4A-9F51-DA796946AB8F}"/>
+                <a16:creationId xmlns:a16="http://schemas.microsoft.com/office/drawing/2014/main" id="{AD1FFD4C-DEEC-4293-AD26-82E6976637F8}"/>
               </a:ext>
             </a:extLst>
           </p:cNvPr>
@@ -11865,7 +12121,7 @@
           <p:cNvPr id="4" name="Text Placeholder 3">
             <a:extLst>
               <a:ext uri="{FF2B5EF4-FFF2-40B4-BE49-F238E27FC236}">
-                <a16:creationId xmlns:a16="http://schemas.microsoft.com/office/drawing/2014/main" id="{C37195A3-D9E8-45BE-A567-33FA61EF0E4C}"/>
+                <a16:creationId xmlns:a16="http://schemas.microsoft.com/office/drawing/2014/main" id="{67326969-9422-4E13-87F0-8ABCF8DAF426}"/>
               </a:ext>
             </a:extLst>
           </p:cNvPr>
@@ -11882,22 +12138,98 @@
           <a:lstStyle/>
           <a:p>
             <a:pPr marL="571500" indent="-571500">
+              <a:lnSpc>
+                <a:spcPct val="100000"/>
+              </a:lnSpc>
+              <a:spcBef>
+                <a:spcPts val="1200"/>
+              </a:spcBef>
               <a:buFont typeface="Arial" panose="020B0604020202020204" pitchFamily="34" charset="0"/>
               <a:buChar char="•"/>
             </a:pPr>
             <a:r>
               <a:rPr lang="en-US" sz="2800" dirty="0"/>
-              <a:t>Prime: attacker executes conflicting cache lines ⇨ cache miss</a:t>
+              <a:t>TLB: shared between enclave and non-enclave programs ⇨ with hyperthreading enabled it creates side-channels</a:t>
             </a:r>
           </a:p>
           <a:p>
             <a:pPr marL="571500" indent="-571500">
+              <a:lnSpc>
+                <a:spcPct val="100000"/>
+              </a:lnSpc>
+              <a:spcBef>
+                <a:spcPts val="1200"/>
+              </a:spcBef>
               <a:buFont typeface="Arial" panose="020B0604020202020204" pitchFamily="34" charset="0"/>
               <a:buChar char="•"/>
             </a:pPr>
             <a:r>
               <a:rPr lang="en-US" sz="2800" dirty="0"/>
-              <a:t>Probe: executing all the cache lines and measuring execution time</a:t>
+              <a:t>Page faults: visible to OS</a:t>
+            </a:r>
+          </a:p>
+          <a:p>
+            <a:pPr marL="571500" indent="-571500">
+              <a:lnSpc>
+                <a:spcPct val="100000"/>
+              </a:lnSpc>
+              <a:spcBef>
+                <a:spcPts val="1200"/>
+              </a:spcBef>
+              <a:buFont typeface="Arial" panose="020B0604020202020204" pitchFamily="34" charset="0"/>
+              <a:buChar char="•"/>
+            </a:pPr>
+            <a:r>
+              <a:rPr lang="en-US" sz="2800" dirty="0"/>
+              <a:t>TLB flushes: on context switch</a:t>
+            </a:r>
+          </a:p>
+          <a:p>
+            <a:pPr marL="571500" indent="-571500">
+              <a:lnSpc>
+                <a:spcPct val="100000"/>
+              </a:lnSpc>
+              <a:spcBef>
+                <a:spcPts val="1200"/>
+              </a:spcBef>
+              <a:buFont typeface="Arial" panose="020B0604020202020204" pitchFamily="34" charset="0"/>
+              <a:buChar char="•"/>
+            </a:pPr>
+            <a:r>
+              <a:rPr lang="en-US" sz="2800" dirty="0"/>
+              <a:t>Page table entry flags</a:t>
+            </a:r>
+          </a:p>
+          <a:p>
+            <a:pPr marL="571500" indent="-571500">
+              <a:lnSpc>
+                <a:spcPct val="100000"/>
+              </a:lnSpc>
+              <a:spcBef>
+                <a:spcPts val="1200"/>
+              </a:spcBef>
+              <a:buFont typeface="Arial" panose="020B0604020202020204" pitchFamily="34" charset="0"/>
+              <a:buChar char="•"/>
+            </a:pPr>
+            <a:r>
+              <a:rPr lang="en-US" sz="2800" dirty="0"/>
+              <a:t>Enclave memory address beginning and offset are known</a:t>
+            </a:r>
+          </a:p>
+          <a:p>
+            <a:pPr marL="571500" indent="-571500">
+              <a:lnSpc>
+                <a:spcPct val="100000"/>
+              </a:lnSpc>
+              <a:spcBef>
+                <a:spcPts val="1200"/>
+              </a:spcBef>
+              <a:buFont typeface="Arial" panose="020B0604020202020204" pitchFamily="34" charset="0"/>
+              <a:buChar char="•"/>
+            </a:pPr>
+            <a:r>
+              <a:rPr lang="en-US" sz="2800" dirty="0"/>
+              <a:t>Enclave exits (AEX)</a:t>
             </a:r>
           </a:p>
         </p:txBody>
@@ -11907,7 +12239,7 @@
           <p:cNvPr id="5" name="Content Placeholder 4">
             <a:extLst>
               <a:ext uri="{FF2B5EF4-FFF2-40B4-BE49-F238E27FC236}">
-                <a16:creationId xmlns:a16="http://schemas.microsoft.com/office/drawing/2014/main" id="{73CECFD6-E8A3-451F-B069-BC50FA956731}"/>
+                <a16:creationId xmlns:a16="http://schemas.microsoft.com/office/drawing/2014/main" id="{8C362253-12EB-4E8F-915B-7AEE74DFF4EE}"/>
               </a:ext>
             </a:extLst>
           </p:cNvPr>
@@ -11924,10 +12256,9 @@
           <a:lstStyle/>
           <a:p>
             <a:r>
-              <a:rPr lang="en-US" dirty="0" err="1"/>
-              <a:t>Prime+Probe</a:t>
-            </a:r>
-            <a:endParaRPr lang="en-US" dirty="0"/>
+              <a:rPr lang="en-US" dirty="0"/>
+              <a:t>Points of attack</a:t>
+            </a:r>
           </a:p>
         </p:txBody>
       </p:sp>
@@ -11936,7 +12267,7 @@
           <p:cNvPr id="6" name="Text Placeholder 5">
             <a:extLst>
               <a:ext uri="{FF2B5EF4-FFF2-40B4-BE49-F238E27FC236}">
-                <a16:creationId xmlns:a16="http://schemas.microsoft.com/office/drawing/2014/main" id="{093D709D-819E-4D72-894F-DC85A5D3342D}"/>
+                <a16:creationId xmlns:a16="http://schemas.microsoft.com/office/drawing/2014/main" id="{942F482C-3A6E-4D79-9EBF-6CDCAD7C2DC9}"/>
               </a:ext>
             </a:extLst>
           </p:cNvPr>
@@ -11959,40 +12290,10 @@
           </a:p>
         </p:txBody>
       </p:sp>
-      <p:pic>
-        <p:nvPicPr>
-          <p:cNvPr id="8" name="Picture 7">
-            <a:extLst>
-              <a:ext uri="{FF2B5EF4-FFF2-40B4-BE49-F238E27FC236}">
-                <a16:creationId xmlns:a16="http://schemas.microsoft.com/office/drawing/2014/main" id="{E58726FE-8241-4592-B214-AFC0CB4ABA25}"/>
-              </a:ext>
-            </a:extLst>
-          </p:cNvPr>
-          <p:cNvPicPr>
-            <a:picLocks noChangeAspect="1"/>
-          </p:cNvPicPr>
-          <p:nvPr/>
-        </p:nvPicPr>
-        <p:blipFill>
-          <a:blip r:embed="rId3"/>
-          <a:stretch>
-            <a:fillRect/>
-          </a:stretch>
-        </p:blipFill>
-        <p:spPr>
-          <a:xfrm>
-            <a:off x="2864498" y="3494340"/>
-            <a:ext cx="7004179" cy="2329800"/>
-          </a:xfrm>
-          <a:prstGeom prst="rect">
-            <a:avLst/>
-          </a:prstGeom>
-        </p:spPr>
-      </p:pic>
     </p:spTree>
     <p:extLst>
       <p:ext uri="{BB962C8B-B14F-4D97-AF65-F5344CB8AC3E}">
-        <p14:creationId xmlns:p14="http://schemas.microsoft.com/office/powerpoint/2010/main" val="767163170"/>
+        <p14:creationId xmlns:p14="http://schemas.microsoft.com/office/powerpoint/2010/main" val="1524703182"/>
       </p:ext>
     </p:extLst>
   </p:cSld>

--- a/Presentation/qe2.pptx
+++ b/Presentation/qe2.pptx
@@ -5,37 +5,34 @@
     <p:sldMasterId id="2147483648" r:id="rId1"/>
   </p:sldMasterIdLst>
   <p:notesMasterIdLst>
-    <p:notesMasterId r:id="rId27"/>
+    <p:notesMasterId r:id="rId24"/>
   </p:notesMasterIdLst>
   <p:handoutMasterIdLst>
-    <p:handoutMasterId r:id="rId28"/>
+    <p:handoutMasterId r:id="rId25"/>
   </p:handoutMasterIdLst>
   <p:sldIdLst>
     <p:sldId id="268" r:id="rId2"/>
     <p:sldId id="276" r:id="rId3"/>
     <p:sldId id="277" r:id="rId4"/>
-    <p:sldId id="278" r:id="rId5"/>
-    <p:sldId id="280" r:id="rId6"/>
-    <p:sldId id="281" r:id="rId7"/>
-    <p:sldId id="298" r:id="rId8"/>
-    <p:sldId id="299" r:id="rId9"/>
-    <p:sldId id="282" r:id="rId10"/>
-    <p:sldId id="283" r:id="rId11"/>
-    <p:sldId id="284" r:id="rId12"/>
-    <p:sldId id="285" r:id="rId13"/>
-    <p:sldId id="286" r:id="rId14"/>
-    <p:sldId id="287" r:id="rId15"/>
-    <p:sldId id="288" r:id="rId16"/>
-    <p:sldId id="289" r:id="rId17"/>
-    <p:sldId id="290" r:id="rId18"/>
-    <p:sldId id="292" r:id="rId19"/>
-    <p:sldId id="293" r:id="rId20"/>
-    <p:sldId id="294" r:id="rId21"/>
-    <p:sldId id="295" r:id="rId22"/>
-    <p:sldId id="296" r:id="rId23"/>
-    <p:sldId id="297" r:id="rId24"/>
-    <p:sldId id="279" r:id="rId25"/>
-    <p:sldId id="291" r:id="rId26"/>
+    <p:sldId id="299" r:id="rId5"/>
+    <p:sldId id="278" r:id="rId6"/>
+    <p:sldId id="298" r:id="rId7"/>
+    <p:sldId id="300" r:id="rId8"/>
+    <p:sldId id="301" r:id="rId9"/>
+    <p:sldId id="302" r:id="rId10"/>
+    <p:sldId id="284" r:id="rId11"/>
+    <p:sldId id="304" r:id="rId12"/>
+    <p:sldId id="303" r:id="rId13"/>
+    <p:sldId id="305" r:id="rId14"/>
+    <p:sldId id="292" r:id="rId15"/>
+    <p:sldId id="295" r:id="rId16"/>
+    <p:sldId id="296" r:id="rId17"/>
+    <p:sldId id="297" r:id="rId18"/>
+    <p:sldId id="279" r:id="rId19"/>
+    <p:sldId id="291" r:id="rId20"/>
+    <p:sldId id="280" r:id="rId21"/>
+    <p:sldId id="282" r:id="rId22"/>
+    <p:sldId id="294" r:id="rId23"/>
   </p:sldIdLst>
   <p:sldSz cx="12192000" cy="6858000"/>
   <p:notesSz cx="6858000" cy="9144000"/>
@@ -243,7 +240,7 @@
           <a:p>
             <a:fld id="{C44B0E00-9206-3A4E-AD6C-96DEFB21C943}" type="datetimeFigureOut">
               <a:rPr lang="en-US" smtClean="0"/>
-              <a:t>5/12/2018</a:t>
+              <a:t>5/13/2018</a:t>
             </a:fld>
             <a:endParaRPr lang="en-US"/>
           </a:p>
@@ -408,7 +405,7 @@
           <a:p>
             <a:fld id="{138FCD27-4B6F-264E-84EB-01FB92F2B3E8}" type="datetimeFigureOut">
               <a:rPr lang="en-US" smtClean="0"/>
-              <a:t>5/12/2018</a:t>
+              <a:t>5/13/2018</a:t>
             </a:fld>
             <a:endParaRPr lang="en-US"/>
           </a:p>
@@ -992,7 +989,7 @@
           <a:p>
             <a:fld id="{457AE360-FF46-004C-BFD2-6B36BE4CBC0A}" type="slidenum">
               <a:rPr lang="en-US" smtClean="0"/>
-              <a:t>4</a:t>
+              <a:t>5</a:t>
             </a:fld>
             <a:endParaRPr lang="en-US"/>
           </a:p>
@@ -1002,90 +999,6 @@
     <p:extLst>
       <p:ext uri="{BB962C8B-B14F-4D97-AF65-F5344CB8AC3E}">
         <p14:creationId xmlns:p14="http://schemas.microsoft.com/office/powerpoint/2010/main" val="3505946079"/>
-      </p:ext>
-    </p:extLst>
-  </p:cSld>
-  <p:clrMapOvr>
-    <a:masterClrMapping/>
-  </p:clrMapOvr>
-</p:notes>
-</file>
-
-<file path=ppt/notesSlides/notesSlide5.xml><?xml version="1.0" encoding="utf-8"?>
-<p:notes xmlns:a="http://schemas.openxmlformats.org/drawingml/2006/main" xmlns:r="http://schemas.openxmlformats.org/officeDocument/2006/relationships" xmlns:p="http://schemas.openxmlformats.org/presentationml/2006/main">
-  <p:cSld>
-    <p:spTree>
-      <p:nvGrpSpPr>
-        <p:cNvPr id="1" name=""/>
-        <p:cNvGrpSpPr/>
-        <p:nvPr/>
-      </p:nvGrpSpPr>
-      <p:grpSpPr>
-        <a:xfrm>
-          <a:off x="0" y="0"/>
-          <a:ext cx="0" cy="0"/>
-          <a:chOff x="0" y="0"/>
-          <a:chExt cx="0" cy="0"/>
-        </a:xfrm>
-      </p:grpSpPr>
-      <p:sp>
-        <p:nvSpPr>
-          <p:cNvPr id="2" name="Slide Image Placeholder 1"/>
-          <p:cNvSpPr>
-            <a:spLocks noGrp="1" noRot="1" noChangeAspect="1"/>
-          </p:cNvSpPr>
-          <p:nvPr>
-            <p:ph type="sldImg"/>
-          </p:nvPr>
-        </p:nvSpPr>
-        <p:spPr/>
-      </p:sp>
-      <p:sp>
-        <p:nvSpPr>
-          <p:cNvPr id="3" name="Notes Placeholder 2"/>
-          <p:cNvSpPr>
-            <a:spLocks noGrp="1"/>
-          </p:cNvSpPr>
-          <p:nvPr>
-            <p:ph type="body" idx="1"/>
-          </p:nvPr>
-        </p:nvSpPr>
-        <p:spPr/>
-        <p:txBody>
-          <a:bodyPr/>
-          <a:lstStyle/>
-          <a:p>
-            <a:endParaRPr lang="en-US" dirty="0"/>
-          </a:p>
-        </p:txBody>
-      </p:sp>
-      <p:sp>
-        <p:nvSpPr>
-          <p:cNvPr id="4" name="Slide Number Placeholder 3"/>
-          <p:cNvSpPr>
-            <a:spLocks noGrp="1"/>
-          </p:cNvSpPr>
-          <p:nvPr>
-            <p:ph type="sldNum" sz="quarter" idx="10"/>
-          </p:nvPr>
-        </p:nvSpPr>
-        <p:spPr/>
-        <p:txBody>
-          <a:bodyPr/>
-          <a:lstStyle/>
-          <a:p>
-            <a:fld id="{457AE360-FF46-004C-BFD2-6B36BE4CBC0A}" type="slidenum">
-              <a:rPr lang="en-US" smtClean="0"/>
-              <a:t>10</a:t>
-            </a:fld>
-            <a:endParaRPr lang="en-US"/>
-          </a:p>
-        </p:txBody>
-      </p:sp>
-    </p:spTree>
-    <p:extLst>
-      <p:ext uri="{BB962C8B-B14F-4D97-AF65-F5344CB8AC3E}">
-        <p14:creationId xmlns:p14="http://schemas.microsoft.com/office/powerpoint/2010/main" val="1553288347"/>
       </p:ext>
     </p:extLst>
   </p:cSld>
@@ -5153,7 +5066,7 @@
           <p:cNvPr id="2" name="Slide Number Placeholder 1">
             <a:extLst>
               <a:ext uri="{FF2B5EF4-FFF2-40B4-BE49-F238E27FC236}">
-                <a16:creationId xmlns:a16="http://schemas.microsoft.com/office/drawing/2014/main" id="{1485AEAE-3F35-4A27-8834-F4236B8F1DCB}"/>
+                <a16:creationId xmlns:a16="http://schemas.microsoft.com/office/drawing/2014/main" id="{89EDED9A-FBD5-4207-8726-B13CA620FDCF}"/>
               </a:ext>
             </a:extLst>
           </p:cNvPr>
@@ -5183,7 +5096,7 @@
           <p:cNvPr id="3" name="Title 2">
             <a:extLst>
               <a:ext uri="{FF2B5EF4-FFF2-40B4-BE49-F238E27FC236}">
-                <a16:creationId xmlns:a16="http://schemas.microsoft.com/office/drawing/2014/main" id="{9DA3D63A-0851-4C4A-9F51-DA796946AB8F}"/>
+                <a16:creationId xmlns:a16="http://schemas.microsoft.com/office/drawing/2014/main" id="{EA58F1B4-911B-4365-9C42-992746A2B417}"/>
               </a:ext>
             </a:extLst>
           </p:cNvPr>
@@ -5211,7 +5124,7 @@
           <p:cNvPr id="4" name="Text Placeholder 3">
             <a:extLst>
               <a:ext uri="{FF2B5EF4-FFF2-40B4-BE49-F238E27FC236}">
-                <a16:creationId xmlns:a16="http://schemas.microsoft.com/office/drawing/2014/main" id="{C37195A3-D9E8-45BE-A567-33FA61EF0E4C}"/>
+                <a16:creationId xmlns:a16="http://schemas.microsoft.com/office/drawing/2014/main" id="{1E5C49AD-2CFA-468B-8C50-C5798DC66CC3}"/>
               </a:ext>
             </a:extLst>
           </p:cNvPr>
@@ -5222,16 +5135,188 @@
             <p:ph type="body" sz="quarter" idx="20"/>
           </p:nvPr>
         </p:nvSpPr>
-        <p:spPr/>
+        <p:spPr>
+          <a:xfrm>
+            <a:off x="1066800" y="1777955"/>
+            <a:ext cx="10714892" cy="3646487"/>
+          </a:xfrm>
+        </p:spPr>
         <p:txBody>
           <a:bodyPr/>
           <a:lstStyle/>
           <a:p>
             <a:pPr marL="571500" indent="-571500">
+              <a:lnSpc>
+                <a:spcPct val="100000"/>
+              </a:lnSpc>
               <a:buFont typeface="Arial" panose="020B0604020202020204" pitchFamily="34" charset="0"/>
               <a:buChar char="•"/>
             </a:pPr>
-            <a:endParaRPr lang="en-US" sz="2800" dirty="0"/>
+            <a:r>
+              <a:rPr lang="en-US" sz="2400" dirty="0" err="1">
+                <a:latin typeface="Sherman Sans Book"/>
+              </a:rPr>
+              <a:t>Flush+Reload</a:t>
+            </a:r>
+            <a:endParaRPr lang="en-US" sz="2400" dirty="0">
+              <a:latin typeface="Sherman Sans Book"/>
+            </a:endParaRPr>
+          </a:p>
+          <a:p>
+            <a:pPr marL="1028700" lvl="1" indent="-571500">
+              <a:lnSpc>
+                <a:spcPct val="100000"/>
+              </a:lnSpc>
+              <a:buFont typeface="Arial" panose="020B0604020202020204" pitchFamily="34" charset="0"/>
+              <a:buChar char="•"/>
+            </a:pPr>
+            <a:r>
+              <a:rPr lang="en-US" sz="2000" dirty="0">
+                <a:latin typeface="Sherman Sans Book"/>
+              </a:rPr>
+              <a:t>Flush a memory line and wait for victim to access it</a:t>
+            </a:r>
+          </a:p>
+          <a:p>
+            <a:pPr marL="571500" indent="-571500">
+              <a:lnSpc>
+                <a:spcPct val="100000"/>
+              </a:lnSpc>
+              <a:buFont typeface="Arial" panose="020B0604020202020204" pitchFamily="34" charset="0"/>
+              <a:buChar char="•"/>
+            </a:pPr>
+            <a:r>
+              <a:rPr lang="en-US" sz="2400" dirty="0" err="1">
+                <a:latin typeface="Sherman Sans Book"/>
+              </a:rPr>
+              <a:t>Flush+Flush</a:t>
+            </a:r>
+            <a:endParaRPr lang="en-US" sz="2400" dirty="0">
+              <a:latin typeface="Sherman Sans Book"/>
+            </a:endParaRPr>
+          </a:p>
+          <a:p>
+            <a:pPr marL="1028700" lvl="1" indent="-571500">
+              <a:lnSpc>
+                <a:spcPct val="100000"/>
+              </a:lnSpc>
+              <a:buFont typeface="Arial" panose="020B0604020202020204" pitchFamily="34" charset="0"/>
+              <a:buChar char="•"/>
+            </a:pPr>
+            <a:r>
+              <a:rPr lang="en-US" sz="2000" dirty="0">
+                <a:latin typeface="Sherman Sans Book"/>
+              </a:rPr>
+              <a:t>Flush a cache line using </a:t>
+            </a:r>
+            <a:r>
+              <a:rPr lang="en-US" sz="2000" dirty="0" err="1">
+                <a:latin typeface="Sherman Sans Book"/>
+              </a:rPr>
+              <a:t>clflush</a:t>
+            </a:r>
+            <a:r>
+              <a:rPr lang="en-US" sz="2000" dirty="0">
+                <a:latin typeface="Sherman Sans Book"/>
+              </a:rPr>
+              <a:t> instruction</a:t>
+            </a:r>
+          </a:p>
+          <a:p>
+            <a:pPr marL="571500" indent="-571500">
+              <a:lnSpc>
+                <a:spcPct val="100000"/>
+              </a:lnSpc>
+              <a:buFont typeface="Arial" panose="020B0604020202020204" pitchFamily="34" charset="0"/>
+              <a:buChar char="•"/>
+            </a:pPr>
+            <a:r>
+              <a:rPr lang="en-US" sz="2400" dirty="0">
+                <a:latin typeface="Sherman Sans Book"/>
+              </a:rPr>
+              <a:t>DRAMA</a:t>
+            </a:r>
+          </a:p>
+          <a:p>
+            <a:pPr marL="1028700" lvl="1" indent="-571500">
+              <a:lnSpc>
+                <a:spcPct val="100000"/>
+              </a:lnSpc>
+              <a:buFont typeface="Arial" panose="020B0604020202020204" pitchFamily="34" charset="0"/>
+              <a:buChar char="•"/>
+            </a:pPr>
+            <a:r>
+              <a:rPr lang="en-US" sz="2000" dirty="0">
+                <a:latin typeface="Sherman Sans Book"/>
+              </a:rPr>
+              <a:t>Caching disabled</a:t>
+            </a:r>
+          </a:p>
+          <a:p>
+            <a:pPr marL="1028700" lvl="1" indent="-571500">
+              <a:lnSpc>
+                <a:spcPct val="100000"/>
+              </a:lnSpc>
+              <a:buFont typeface="Arial" panose="020B0604020202020204" pitchFamily="34" charset="0"/>
+              <a:buChar char="•"/>
+            </a:pPr>
+            <a:r>
+              <a:rPr lang="en-US" sz="2000" dirty="0">
+                <a:latin typeface="Sherman Sans Book"/>
+              </a:rPr>
+              <a:t>Allocate two memory lines with different virtual addresses but same physical address</a:t>
+            </a:r>
+          </a:p>
+          <a:p>
+            <a:pPr marL="1028700" lvl="1" indent="-571500">
+              <a:lnSpc>
+                <a:spcPct val="100000"/>
+              </a:lnSpc>
+              <a:buFont typeface="Arial" panose="020B0604020202020204" pitchFamily="34" charset="0"/>
+              <a:buChar char="•"/>
+            </a:pPr>
+            <a:r>
+              <a:rPr lang="en-US" sz="2000" dirty="0">
+                <a:latin typeface="Sherman Sans Book"/>
+              </a:rPr>
+              <a:t>Regularly access one of the memory lines</a:t>
+            </a:r>
+          </a:p>
+          <a:p>
+            <a:pPr marL="571500" indent="-571500">
+              <a:lnSpc>
+                <a:spcPct val="100000"/>
+              </a:lnSpc>
+              <a:buFont typeface="Arial" panose="020B0604020202020204" pitchFamily="34" charset="0"/>
+              <a:buChar char="•"/>
+            </a:pPr>
+            <a:r>
+              <a:rPr lang="en-US" sz="2400" dirty="0">
+                <a:latin typeface="Sherman Sans Book"/>
+              </a:rPr>
+              <a:t>Cache-DRAM</a:t>
+            </a:r>
+          </a:p>
+          <a:p>
+            <a:pPr marL="1028700" lvl="1" indent="-571500">
+              <a:lnSpc>
+                <a:spcPct val="100000"/>
+              </a:lnSpc>
+              <a:buFont typeface="Arial" panose="020B0604020202020204" pitchFamily="34" charset="0"/>
+              <a:buChar char="•"/>
+            </a:pPr>
+            <a:r>
+              <a:rPr lang="en-US" sz="2000" dirty="0" err="1">
+                <a:latin typeface="Sherman Sans Book"/>
+              </a:rPr>
+              <a:t>Prime+Probe</a:t>
+            </a:r>
+            <a:r>
+              <a:rPr lang="en-US" sz="2000" dirty="0">
+                <a:latin typeface="Sherman Sans Book"/>
+              </a:rPr>
+              <a:t> + DRAMA</a:t>
+            </a:r>
           </a:p>
         </p:txBody>
       </p:sp>
@@ -5240,7 +5325,7 @@
           <p:cNvPr id="5" name="Content Placeholder 4">
             <a:extLst>
               <a:ext uri="{FF2B5EF4-FFF2-40B4-BE49-F238E27FC236}">
-                <a16:creationId xmlns:a16="http://schemas.microsoft.com/office/drawing/2014/main" id="{73CECFD6-E8A3-451F-B069-BC50FA956731}"/>
+                <a16:creationId xmlns:a16="http://schemas.microsoft.com/office/drawing/2014/main" id="{121E76C3-5C8E-47E4-8E14-8B3389CA5CB1}"/>
               </a:ext>
             </a:extLst>
           </p:cNvPr>
@@ -5257,10 +5342,9 @@
           <a:lstStyle/>
           <a:p>
             <a:r>
-              <a:rPr lang="en-US" dirty="0" err="1"/>
-              <a:t>Prime+Probe</a:t>
-            </a:r>
-            <a:endParaRPr lang="en-US" dirty="0"/>
+              <a:rPr lang="en-US" dirty="0"/>
+              <a:t>Other Attacks</a:t>
+            </a:r>
           </a:p>
         </p:txBody>
       </p:sp>
@@ -5269,7 +5353,7 @@
           <p:cNvPr id="6" name="Text Placeholder 5">
             <a:extLst>
               <a:ext uri="{FF2B5EF4-FFF2-40B4-BE49-F238E27FC236}">
-                <a16:creationId xmlns:a16="http://schemas.microsoft.com/office/drawing/2014/main" id="{093D709D-819E-4D72-894F-DC85A5D3342D}"/>
+                <a16:creationId xmlns:a16="http://schemas.microsoft.com/office/drawing/2014/main" id="{C3F89BA7-F7BA-46F8-9BC2-DAE098F82072}"/>
               </a:ext>
             </a:extLst>
           </p:cNvPr>
@@ -5295,7 +5379,7 @@
     </p:spTree>
     <p:extLst>
       <p:ext uri="{BB962C8B-B14F-4D97-AF65-F5344CB8AC3E}">
-        <p14:creationId xmlns:p14="http://schemas.microsoft.com/office/powerpoint/2010/main" val="767163170"/>
+        <p14:creationId xmlns:p14="http://schemas.microsoft.com/office/powerpoint/2010/main" val="3781144380"/>
       </p:ext>
     </p:extLst>
   </p:cSld>
@@ -5378,7 +5462,7 @@
           <a:p>
             <a:r>
               <a:rPr lang="en-US" dirty="0"/>
-              <a:t>Attacks</a:t>
+              <a:t>Defenses</a:t>
             </a:r>
           </a:p>
         </p:txBody>
@@ -5401,7 +5485,7 @@
         </p:nvSpPr>
         <p:spPr>
           <a:xfrm>
-            <a:off x="1066800" y="1876680"/>
+            <a:off x="1066800" y="1777955"/>
             <a:ext cx="10714892" cy="3646487"/>
           </a:xfrm>
         </p:spPr>
@@ -5411,53 +5495,175 @@
           <a:p>
             <a:pPr marL="571500" indent="-571500">
               <a:lnSpc>
-                <a:spcPct val="150000"/>
+                <a:spcPct val="100000"/>
               </a:lnSpc>
               <a:buFont typeface="Arial" panose="020B0604020202020204" pitchFamily="34" charset="0"/>
               <a:buChar char="•"/>
             </a:pPr>
             <a:r>
-              <a:rPr lang="en-US" sz="2800" dirty="0"/>
-              <a:t>Flush target memory line</a:t>
+              <a:rPr lang="en-US" sz="2400" dirty="0">
+                <a:latin typeface="Sherman Sans Book"/>
+              </a:rPr>
+              <a:t>Basic approach: Pin code/data to cache</a:t>
             </a:r>
           </a:p>
           <a:p>
             <a:pPr marL="571500" indent="-571500">
               <a:lnSpc>
-                <a:spcPct val="150000"/>
+                <a:spcPct val="100000"/>
               </a:lnSpc>
               <a:buFont typeface="Arial" panose="020B0604020202020204" pitchFamily="34" charset="0"/>
               <a:buChar char="•"/>
             </a:pPr>
             <a:r>
-              <a:rPr lang="en-US" sz="2800" dirty="0"/>
-              <a:t>Wait for the victim to access</a:t>
-            </a:r>
+              <a:rPr lang="en-US" sz="2400" dirty="0">
+                <a:latin typeface="Sherman Sans Book"/>
+              </a:rPr>
+              <a:t>Using Intel TSX</a:t>
+            </a:r>
+          </a:p>
+          <a:p>
+            <a:pPr marL="1028700" lvl="1" indent="-571500">
+              <a:lnSpc>
+                <a:spcPct val="100000"/>
+              </a:lnSpc>
+              <a:spcBef>
+                <a:spcPts val="600"/>
+              </a:spcBef>
+              <a:buFont typeface="Arial" panose="020B0604020202020204" pitchFamily="34" charset="0"/>
+              <a:buChar char="•"/>
+            </a:pPr>
+            <a:r>
+              <a:rPr lang="en-US" sz="2000" dirty="0">
+                <a:latin typeface="Sherman Sans Book"/>
+              </a:rPr>
+              <a:t>Introduced with Haswell</a:t>
+            </a:r>
+          </a:p>
+          <a:p>
+            <a:pPr marL="1028700" lvl="1" indent="-571500">
+              <a:lnSpc>
+                <a:spcPct val="100000"/>
+              </a:lnSpc>
+              <a:spcBef>
+                <a:spcPts val="600"/>
+              </a:spcBef>
+              <a:buFont typeface="Arial" panose="020B0604020202020204" pitchFamily="34" charset="0"/>
+              <a:buChar char="•"/>
+            </a:pPr>
+            <a:r>
+              <a:rPr lang="en-US" sz="2000" dirty="0">
+                <a:latin typeface="Sherman Sans Book"/>
+              </a:rPr>
+              <a:t>Critical sections management</a:t>
+            </a:r>
+          </a:p>
+          <a:p>
+            <a:pPr marL="1028700" lvl="1" indent="-571500">
+              <a:lnSpc>
+                <a:spcPct val="100000"/>
+              </a:lnSpc>
+              <a:spcBef>
+                <a:spcPts val="600"/>
+              </a:spcBef>
+              <a:buFont typeface="Arial" panose="020B0604020202020204" pitchFamily="34" charset="0"/>
+              <a:buChar char="•"/>
+            </a:pPr>
+            <a:r>
+              <a:rPr lang="en-US" sz="2000" dirty="0">
+                <a:latin typeface="Sherman Sans Book"/>
+              </a:rPr>
+              <a:t>Monitoring serialization</a:t>
+            </a:r>
+          </a:p>
+          <a:p>
+            <a:pPr marL="1028700" lvl="1" indent="-571500">
+              <a:lnSpc>
+                <a:spcPct val="100000"/>
+              </a:lnSpc>
+              <a:spcBef>
+                <a:spcPts val="600"/>
+              </a:spcBef>
+              <a:buFont typeface="Arial" panose="020B0604020202020204" pitchFamily="34" charset="0"/>
+              <a:buChar char="•"/>
+            </a:pPr>
+            <a:r>
+              <a:rPr lang="en-US" sz="2000" dirty="0">
+                <a:latin typeface="Sherman Sans Book"/>
+              </a:rPr>
+              <a:t>Restricted Transactional Memory</a:t>
+            </a:r>
+          </a:p>
+          <a:p>
+            <a:pPr marL="1485900" lvl="2" indent="-571500">
+              <a:lnSpc>
+                <a:spcPct val="100000"/>
+              </a:lnSpc>
+              <a:spcBef>
+                <a:spcPts val="600"/>
+              </a:spcBef>
+              <a:buFont typeface="Arial" panose="020B0604020202020204" pitchFamily="34" charset="0"/>
+              <a:buChar char="•"/>
+            </a:pPr>
+            <a:r>
+              <a:rPr lang="en-US" dirty="0">
+                <a:solidFill>
+                  <a:srgbClr val="3E3D3C"/>
+                </a:solidFill>
+                <a:latin typeface="Sherman Sans Book"/>
+              </a:rPr>
+              <a:t>New Instruction set interface</a:t>
+            </a:r>
+            <a:endParaRPr lang="en-US" sz="2400" dirty="0">
+              <a:latin typeface="Sherman Sans Book"/>
+            </a:endParaRPr>
           </a:p>
           <a:p>
             <a:pPr marL="571500" indent="-571500">
               <a:lnSpc>
-                <a:spcPct val="150000"/>
+                <a:spcPct val="100000"/>
               </a:lnSpc>
               <a:buFont typeface="Arial" panose="020B0604020202020204" pitchFamily="34" charset="0"/>
               <a:buChar char="•"/>
             </a:pPr>
             <a:r>
-              <a:rPr lang="en-US" sz="2800" dirty="0"/>
-              <a:t>Request to access target memory line ⇨ access time</a:t>
-            </a:r>
-          </a:p>
-          <a:p>
-            <a:pPr marL="571500" indent="-571500">
-              <a:lnSpc>
-                <a:spcPct val="150000"/>
+              <a:rPr lang="en-US" sz="2400" dirty="0">
+                <a:latin typeface="Sherman Sans Book"/>
+              </a:rPr>
+              <a:t>Cloak</a:t>
+            </a:r>
+            <a:endParaRPr lang="en-US" sz="2000" dirty="0">
+              <a:latin typeface="Sherman Sans Book"/>
+            </a:endParaRPr>
+          </a:p>
+          <a:p>
+            <a:pPr marL="1028700" lvl="1" indent="-571500">
+              <a:lnSpc>
+                <a:spcPct val="100000"/>
               </a:lnSpc>
               <a:buFont typeface="Arial" panose="020B0604020202020204" pitchFamily="34" charset="0"/>
               <a:buChar char="•"/>
             </a:pPr>
             <a:r>
-              <a:rPr lang="en-US" sz="2800" dirty="0"/>
-              <a:t>Based on the access time, access by the victim will be revealed</a:t>
+              <a:rPr lang="en-US" sz="2000" dirty="0">
+                <a:latin typeface="Sherman Sans Book"/>
+              </a:rPr>
+              <a:t>Preload code/data</a:t>
+            </a:r>
+          </a:p>
+          <a:p>
+            <a:pPr marL="1028700" lvl="1" indent="-571500">
+              <a:lnSpc>
+                <a:spcPct val="100000"/>
+              </a:lnSpc>
+              <a:buFont typeface="Arial" panose="020B0604020202020204" pitchFamily="34" charset="0"/>
+              <a:buChar char="•"/>
+            </a:pPr>
+            <a:r>
+              <a:rPr lang="en-US" sz="2000" dirty="0">
+                <a:latin typeface="Sherman Sans Book"/>
+              </a:rPr>
+              <a:t>Execute algorithm inside transaction</a:t>
             </a:r>
           </a:p>
         </p:txBody>
@@ -5484,10 +5690,9 @@
           <a:lstStyle/>
           <a:p>
             <a:r>
-              <a:rPr lang="en-US" dirty="0" err="1"/>
-              <a:t>Flush+Reload</a:t>
-            </a:r>
-            <a:endParaRPr lang="en-US" dirty="0"/>
+              <a:rPr lang="en-US" dirty="0"/>
+              <a:t>Defense against cache-based attacks</a:t>
+            </a:r>
           </a:p>
         </p:txBody>
       </p:sp>
@@ -5519,397 +5724,70 @@
           </a:p>
         </p:txBody>
       </p:sp>
-      <p:sp>
-        <p:nvSpPr>
-          <p:cNvPr id="8" name="Rectangle 1">
+      <p:pic>
+        <p:nvPicPr>
+          <p:cNvPr id="7" name="Picture 6">
             <a:extLst>
               <a:ext uri="{FF2B5EF4-FFF2-40B4-BE49-F238E27FC236}">
-                <a16:creationId xmlns:a16="http://schemas.microsoft.com/office/drawing/2014/main" id="{0C36EE79-4B83-4414-A4CD-495A546B2BDB}"/>
+                <a16:creationId xmlns:a16="http://schemas.microsoft.com/office/drawing/2014/main" id="{AA07875B-69C7-494F-B194-D1B52575D398}"/>
               </a:ext>
             </a:extLst>
           </p:cNvPr>
-          <p:cNvSpPr>
-            <a:spLocks noChangeArrowheads="1"/>
-          </p:cNvSpPr>
+          <p:cNvPicPr>
+            <a:picLocks noChangeAspect="1"/>
+          </p:cNvPicPr>
           <p:nvPr/>
-        </p:nvSpPr>
-        <p:spPr bwMode="auto">
+        </p:nvPicPr>
+        <p:blipFill>
+          <a:blip r:embed="rId2"/>
+          <a:stretch>
+            <a:fillRect/>
+          </a:stretch>
+        </p:blipFill>
+        <p:spPr>
           <a:xfrm>
-            <a:off x="7884160" y="1951672"/>
-            <a:ext cx="3068320" cy="1477328"/>
+            <a:off x="7650488" y="1094048"/>
+            <a:ext cx="4084310" cy="2531421"/>
           </a:xfrm>
           <a:prstGeom prst="rect">
             <a:avLst/>
           </a:prstGeom>
-          <a:solidFill>
-            <a:srgbClr val="FFFFFF"/>
-          </a:solidFill>
-          <a:ln>
-            <a:noFill/>
-          </a:ln>
-          <a:effectLst/>
-          <a:extLst>
-            <a:ext uri="{91240B29-F687-4F45-9708-019B960494DF}">
-              <a14:hiddenLine xmlns:a14="http://schemas.microsoft.com/office/drawing/2010/main" w="9525">
-                <a:solidFill>
-                  <a:schemeClr val="tx1"/>
-                </a:solidFill>
-                <a:miter lim="800000"/>
-                <a:headEnd/>
-                <a:tailEnd/>
-              </a14:hiddenLine>
-            </a:ext>
-            <a:ext uri="{AF507438-7753-43E0-B8FC-AC1667EBCBE1}">
-              <a14:hiddenEffects xmlns:a14="http://schemas.microsoft.com/office/drawing/2010/main">
-                <a:effectLst>
-                  <a:outerShdw dist="35921" dir="2700000" algn="ctr" rotWithShape="0">
-                    <a:schemeClr val="bg2"/>
-                  </a:outerShdw>
-                </a:effectLst>
-              </a14:hiddenEffects>
-            </a:ext>
-          </a:extLst>
         </p:spPr>
-        <p:txBody>
-          <a:bodyPr vert="horz" wrap="square" lIns="91440" tIns="45720" rIns="91440" bIns="45720" numCol="1" anchor="ctr" anchorCtr="0" compatLnSpc="1">
-            <a:prstTxWarp prst="textNoShape">
-              <a:avLst/>
-            </a:prstTxWarp>
-            <a:spAutoFit/>
-          </a:bodyPr>
-          <a:lstStyle/>
-          <a:p>
-            <a:pPr marL="0" marR="0" lvl="0" indent="0" algn="l" defTabSz="914400" rtl="0" eaLnBrk="0" fontAlgn="base" latinLnBrk="0" hangingPunct="0">
-              <a:lnSpc>
-                <a:spcPct val="100000"/>
-              </a:lnSpc>
-              <a:spcBef>
-                <a:spcPct val="0"/>
-              </a:spcBef>
-              <a:spcAft>
-                <a:spcPct val="0"/>
-              </a:spcAft>
-              <a:buClrTx/>
-              <a:buSzTx/>
-              <a:buFontTx/>
-              <a:buNone/>
-              <a:tabLst/>
-            </a:pPr>
-            <a:r>
-              <a:rPr kumimoji="0" lang="en-US" altLang="en-US" b="1" i="0" u="none" strike="noStrike" cap="none" normalizeH="0" baseline="0" dirty="0">
-                <a:ln>
-                  <a:noFill/>
-                </a:ln>
-                <a:solidFill>
-                  <a:srgbClr val="800000"/>
-                </a:solidFill>
-                <a:effectLst/>
-                <a:latin typeface="Arial Unicode MS"/>
-              </a:rPr>
-              <a:t>if</a:t>
-            </a:r>
-            <a:r>
-              <a:rPr kumimoji="0" lang="en-US" altLang="en-US" b="0" i="0" u="none" strike="noStrike" cap="none" normalizeH="0" baseline="0" dirty="0">
-                <a:ln>
-                  <a:noFill/>
-                </a:ln>
-                <a:solidFill>
-                  <a:srgbClr val="000000"/>
-                </a:solidFill>
-                <a:effectLst/>
-                <a:latin typeface="Arial Unicode MS"/>
-              </a:rPr>
-              <a:t> </a:t>
-            </a:r>
-            <a:r>
-              <a:rPr kumimoji="0" lang="en-US" altLang="en-US" b="0" i="0" u="none" strike="noStrike" cap="none" normalizeH="0" baseline="0" dirty="0">
-                <a:ln>
-                  <a:noFill/>
-                </a:ln>
-                <a:solidFill>
-                  <a:srgbClr val="808030"/>
-                </a:solidFill>
-                <a:effectLst/>
-                <a:latin typeface="Arial Unicode MS"/>
-              </a:rPr>
-              <a:t>(</a:t>
-            </a:r>
-            <a:r>
-              <a:rPr kumimoji="0" lang="en-US" altLang="en-US" b="0" i="0" u="none" strike="noStrike" cap="none" normalizeH="0" baseline="0" dirty="0">
-                <a:ln>
-                  <a:noFill/>
-                </a:ln>
-                <a:solidFill>
-                  <a:srgbClr val="000000"/>
-                </a:solidFill>
-                <a:effectLst/>
-                <a:latin typeface="Arial Unicode MS"/>
-              </a:rPr>
-              <a:t>secret</a:t>
-            </a:r>
-            <a:r>
-              <a:rPr kumimoji="0" lang="en-US" altLang="en-US" b="0" i="0" u="none" strike="noStrike" cap="none" normalizeH="0" baseline="0" dirty="0">
-                <a:ln>
-                  <a:noFill/>
-                </a:ln>
-                <a:solidFill>
-                  <a:srgbClr val="808030"/>
-                </a:solidFill>
-                <a:effectLst/>
-                <a:latin typeface="Arial Unicode MS"/>
-              </a:rPr>
-              <a:t>) </a:t>
-            </a:r>
-            <a:r>
-              <a:rPr kumimoji="0" lang="en-US" altLang="en-US" b="0" i="0" u="none" strike="noStrike" cap="none" normalizeH="0" baseline="0" dirty="0">
-                <a:ln>
-                  <a:noFill/>
-                </a:ln>
-                <a:solidFill>
-                  <a:srgbClr val="800080"/>
-                </a:solidFill>
-                <a:effectLst/>
-                <a:latin typeface="Arial Unicode MS"/>
-              </a:rPr>
-              <a:t>{</a:t>
-            </a:r>
-          </a:p>
-          <a:p>
-            <a:pPr marL="0" marR="0" lvl="0" indent="0" algn="l" defTabSz="914400" rtl="0" eaLnBrk="0" fontAlgn="base" latinLnBrk="0" hangingPunct="0">
-              <a:lnSpc>
-                <a:spcPct val="100000"/>
-              </a:lnSpc>
-              <a:spcBef>
-                <a:spcPct val="0"/>
-              </a:spcBef>
-              <a:spcAft>
-                <a:spcPct val="0"/>
-              </a:spcAft>
-              <a:buClrTx/>
-              <a:buSzTx/>
-              <a:buFontTx/>
-              <a:buNone/>
-              <a:tabLst/>
-            </a:pPr>
-            <a:r>
-              <a:rPr lang="en-US" altLang="en-US" dirty="0">
-                <a:solidFill>
-                  <a:srgbClr val="800080"/>
-                </a:solidFill>
-                <a:latin typeface="Arial Unicode MS"/>
-              </a:rPr>
-              <a:t>    </a:t>
-            </a:r>
-            <a:r>
-              <a:rPr kumimoji="0" lang="en-US" altLang="en-US" b="0" i="0" u="none" strike="noStrike" cap="none" normalizeH="0" baseline="0" dirty="0">
-                <a:ln>
-                  <a:noFill/>
-                </a:ln>
-                <a:solidFill>
-                  <a:srgbClr val="000000"/>
-                </a:solidFill>
-                <a:effectLst/>
-                <a:latin typeface="Arial Unicode MS"/>
-              </a:rPr>
-              <a:t> </a:t>
-            </a:r>
-            <a:r>
-              <a:rPr kumimoji="0" lang="en-US" altLang="en-US" b="0" i="0" u="none" strike="noStrike" cap="none" normalizeH="0" baseline="0" dirty="0">
-                <a:ln>
-                  <a:noFill/>
-                </a:ln>
-                <a:solidFill>
-                  <a:srgbClr val="800080"/>
-                </a:solidFill>
-                <a:effectLst/>
-                <a:latin typeface="Arial Unicode MS"/>
-              </a:rPr>
-              <a:t>;</a:t>
-            </a:r>
-            <a:r>
-              <a:rPr kumimoji="0" lang="en-US" altLang="en-US" b="0" i="0" u="none" strike="noStrike" cap="none" normalizeH="0" baseline="0" dirty="0">
-                <a:ln>
-                  <a:noFill/>
-                </a:ln>
-                <a:solidFill>
-                  <a:srgbClr val="000000"/>
-                </a:solidFill>
-                <a:effectLst/>
-                <a:latin typeface="Arial Unicode MS"/>
-              </a:rPr>
-              <a:t> </a:t>
-            </a:r>
-          </a:p>
-          <a:p>
-            <a:pPr marL="0" marR="0" lvl="0" indent="0" algn="l" defTabSz="914400" rtl="0" eaLnBrk="0" fontAlgn="base" latinLnBrk="0" hangingPunct="0">
-              <a:lnSpc>
-                <a:spcPct val="100000"/>
-              </a:lnSpc>
-              <a:spcBef>
-                <a:spcPct val="0"/>
-              </a:spcBef>
-              <a:spcAft>
-                <a:spcPct val="0"/>
-              </a:spcAft>
-              <a:buClrTx/>
-              <a:buSzTx/>
-              <a:buFontTx/>
-              <a:buNone/>
-              <a:tabLst/>
-            </a:pPr>
-            <a:r>
-              <a:rPr kumimoji="0" lang="en-US" altLang="en-US" b="0" i="0" u="none" strike="noStrike" cap="none" normalizeH="0" baseline="0" dirty="0">
-                <a:ln>
-                  <a:noFill/>
-                </a:ln>
-                <a:solidFill>
-                  <a:srgbClr val="800080"/>
-                </a:solidFill>
-                <a:effectLst/>
-                <a:latin typeface="Arial Unicode MS"/>
-              </a:rPr>
-              <a:t>} </a:t>
-            </a:r>
-            <a:r>
-              <a:rPr kumimoji="0" lang="en-US" altLang="en-US" b="1" i="0" u="none" strike="noStrike" cap="none" normalizeH="0" baseline="0" dirty="0">
-                <a:ln>
-                  <a:noFill/>
-                </a:ln>
-                <a:solidFill>
-                  <a:srgbClr val="800000"/>
-                </a:solidFill>
-                <a:effectLst/>
-                <a:latin typeface="Arial Unicode MS"/>
-              </a:rPr>
-              <a:t>else </a:t>
-            </a:r>
-            <a:r>
-              <a:rPr kumimoji="0" lang="en-US" altLang="en-US" b="0" i="0" u="none" strike="noStrike" cap="none" normalizeH="0" baseline="0" dirty="0">
-                <a:ln>
-                  <a:noFill/>
-                </a:ln>
-                <a:solidFill>
-                  <a:srgbClr val="800080"/>
-                </a:solidFill>
-                <a:effectLst/>
-                <a:latin typeface="Arial Unicode MS"/>
-              </a:rPr>
-              <a:t>{</a:t>
-            </a:r>
-          </a:p>
-          <a:p>
-            <a:pPr marL="0" marR="0" lvl="0" indent="0" algn="l" defTabSz="914400" rtl="0" eaLnBrk="0" fontAlgn="base" latinLnBrk="0" hangingPunct="0">
-              <a:lnSpc>
-                <a:spcPct val="100000"/>
-              </a:lnSpc>
-              <a:spcBef>
-                <a:spcPct val="0"/>
-              </a:spcBef>
-              <a:spcAft>
-                <a:spcPct val="0"/>
-              </a:spcAft>
-              <a:buClrTx/>
-              <a:buSzTx/>
-              <a:buFontTx/>
-              <a:buNone/>
-              <a:tabLst/>
-            </a:pPr>
-            <a:r>
-              <a:rPr kumimoji="0" lang="en-US" altLang="en-US" b="0" i="0" u="none" strike="noStrike" cap="none" normalizeH="0" baseline="0" dirty="0">
-                <a:ln>
-                  <a:noFill/>
-                </a:ln>
-                <a:solidFill>
-                  <a:srgbClr val="000000"/>
-                </a:solidFill>
-                <a:effectLst/>
-                <a:latin typeface="Arial Unicode MS"/>
-              </a:rPr>
-              <a:t>     </a:t>
-            </a:r>
-            <a:r>
-              <a:rPr kumimoji="0" lang="en-US" altLang="en-US" b="0" i="0" u="none" strike="noStrike" cap="none" normalizeH="0" baseline="0" dirty="0">
-                <a:ln>
-                  <a:noFill/>
-                </a:ln>
-                <a:solidFill>
-                  <a:srgbClr val="800080"/>
-                </a:solidFill>
-                <a:effectLst/>
-                <a:latin typeface="Arial Unicode MS"/>
-              </a:rPr>
-              <a:t>;</a:t>
-            </a:r>
-            <a:endParaRPr kumimoji="0" lang="en-US" altLang="en-US" b="0" i="0" u="none" strike="noStrike" cap="none" normalizeH="0" baseline="0" dirty="0">
-              <a:ln>
-                <a:noFill/>
-              </a:ln>
-              <a:solidFill>
-                <a:srgbClr val="000000"/>
-              </a:solidFill>
-              <a:effectLst/>
-              <a:latin typeface="Arial Unicode MS"/>
-            </a:endParaRPr>
-          </a:p>
-          <a:p>
-            <a:pPr marL="0" marR="0" lvl="0" indent="0" algn="l" defTabSz="914400" rtl="0" eaLnBrk="0" fontAlgn="base" latinLnBrk="0" hangingPunct="0">
-              <a:lnSpc>
-                <a:spcPct val="100000"/>
-              </a:lnSpc>
-              <a:spcBef>
-                <a:spcPct val="0"/>
-              </a:spcBef>
-              <a:spcAft>
-                <a:spcPct val="0"/>
-              </a:spcAft>
-              <a:buClrTx/>
-              <a:buSzTx/>
-              <a:buFontTx/>
-              <a:buNone/>
-              <a:tabLst/>
-            </a:pPr>
-            <a:r>
-              <a:rPr kumimoji="0" lang="en-US" altLang="en-US" b="0" i="0" u="none" strike="noStrike" cap="none" normalizeH="0" baseline="0" dirty="0">
-                <a:ln>
-                  <a:noFill/>
-                </a:ln>
-                <a:solidFill>
-                  <a:srgbClr val="800080"/>
-                </a:solidFill>
-                <a:effectLst/>
-                <a:latin typeface="Arial Unicode MS"/>
-              </a:rPr>
-              <a:t>}</a:t>
-            </a:r>
-            <a:r>
-              <a:rPr kumimoji="0" lang="en-US" altLang="en-US" b="0" i="0" u="none" strike="noStrike" cap="none" normalizeH="0" baseline="0" dirty="0">
-                <a:ln>
-                  <a:noFill/>
-                </a:ln>
-                <a:solidFill>
-                  <a:schemeClr val="tx1"/>
-                </a:solidFill>
-                <a:effectLst/>
-              </a:rPr>
-              <a:t> </a:t>
-            </a:r>
-            <a:endParaRPr kumimoji="0" lang="en-US" altLang="en-US" b="0" i="0" u="none" strike="noStrike" cap="none" normalizeH="0" baseline="0" dirty="0">
-              <a:ln>
-                <a:noFill/>
-              </a:ln>
-              <a:solidFill>
-                <a:schemeClr val="tx1"/>
-              </a:solidFill>
-              <a:effectLst/>
-              <a:latin typeface="Arial" panose="020B0604020202020204" pitchFamily="34" charset="0"/>
-            </a:endParaRPr>
-          </a:p>
-        </p:txBody>
-      </p:sp>
+      </p:pic>
+      <p:pic>
+        <p:nvPicPr>
+          <p:cNvPr id="9" name="Picture 8">
+            <a:extLst>
+              <a:ext uri="{FF2B5EF4-FFF2-40B4-BE49-F238E27FC236}">
+                <a16:creationId xmlns:a16="http://schemas.microsoft.com/office/drawing/2014/main" id="{B726E5CB-C8B2-4F0F-A865-C64D307CA846}"/>
+              </a:ext>
+            </a:extLst>
+          </p:cNvPr>
+          <p:cNvPicPr>
+            <a:picLocks noChangeAspect="1"/>
+          </p:cNvPicPr>
+          <p:nvPr/>
+        </p:nvPicPr>
+        <p:blipFill>
+          <a:blip r:embed="rId3"/>
+          <a:stretch>
+            <a:fillRect/>
+          </a:stretch>
+        </p:blipFill>
+        <p:spPr>
+          <a:xfrm>
+            <a:off x="6673362" y="4159431"/>
+            <a:ext cx="5188194" cy="1315214"/>
+          </a:xfrm>
+          <a:prstGeom prst="rect">
+            <a:avLst/>
+          </a:prstGeom>
+        </p:spPr>
+      </p:pic>
     </p:spTree>
     <p:extLst>
       <p:ext uri="{BB962C8B-B14F-4D97-AF65-F5344CB8AC3E}">
-        <p14:creationId xmlns:p14="http://schemas.microsoft.com/office/powerpoint/2010/main" val="3781144380"/>
+        <p14:creationId xmlns:p14="http://schemas.microsoft.com/office/powerpoint/2010/main" val="2343339727"/>
       </p:ext>
     </p:extLst>
   </p:cSld>
@@ -5944,7 +5822,7 @@
           <p:cNvPr id="2" name="Slide Number Placeholder 1">
             <a:extLst>
               <a:ext uri="{FF2B5EF4-FFF2-40B4-BE49-F238E27FC236}">
-                <a16:creationId xmlns:a16="http://schemas.microsoft.com/office/drawing/2014/main" id="{A3A466E4-604C-409B-8CA7-89BF5D479229}"/>
+                <a16:creationId xmlns:a16="http://schemas.microsoft.com/office/drawing/2014/main" id="{89EDED9A-FBD5-4207-8726-B13CA620FDCF}"/>
               </a:ext>
             </a:extLst>
           </p:cNvPr>
@@ -5974,7 +5852,7 @@
           <p:cNvPr id="3" name="Title 2">
             <a:extLst>
               <a:ext uri="{FF2B5EF4-FFF2-40B4-BE49-F238E27FC236}">
-                <a16:creationId xmlns:a16="http://schemas.microsoft.com/office/drawing/2014/main" id="{D022FBDF-8583-41B1-BD01-17B70DE4193E}"/>
+                <a16:creationId xmlns:a16="http://schemas.microsoft.com/office/drawing/2014/main" id="{EA58F1B4-911B-4365-9C42-992746A2B417}"/>
               </a:ext>
             </a:extLst>
           </p:cNvPr>
@@ -5992,7 +5870,7 @@
           <a:p>
             <a:r>
               <a:rPr lang="en-US" dirty="0"/>
-              <a:t>Attacks</a:t>
+              <a:t>Defenses</a:t>
             </a:r>
           </a:p>
         </p:txBody>
@@ -6002,7 +5880,7 @@
           <p:cNvPr id="4" name="Text Placeholder 3">
             <a:extLst>
               <a:ext uri="{FF2B5EF4-FFF2-40B4-BE49-F238E27FC236}">
-                <a16:creationId xmlns:a16="http://schemas.microsoft.com/office/drawing/2014/main" id="{C579AF0C-A2A6-4AB0-9802-50B6A4FA6B1F}"/>
+                <a16:creationId xmlns:a16="http://schemas.microsoft.com/office/drawing/2014/main" id="{1E5C49AD-2CFA-468B-8C50-C5798DC66CC3}"/>
               </a:ext>
             </a:extLst>
           </p:cNvPr>
@@ -6015,8 +5893,8 @@
         </p:nvSpPr>
         <p:spPr>
           <a:xfrm>
-            <a:off x="1066802" y="1782829"/>
-            <a:ext cx="10667998" cy="3646487"/>
+            <a:off x="1066800" y="1605756"/>
+            <a:ext cx="10714892" cy="3646487"/>
           </a:xfrm>
         </p:spPr>
         <p:txBody>
@@ -6024,125 +5902,152 @@
           <a:lstStyle/>
           <a:p>
             <a:pPr marL="571500" indent="-571500">
+              <a:lnSpc>
+                <a:spcPct val="100000"/>
+              </a:lnSpc>
               <a:buFont typeface="Arial" panose="020B0604020202020204" pitchFamily="34" charset="0"/>
               <a:buChar char="•"/>
             </a:pPr>
             <a:r>
-              <a:rPr lang="en-US" sz="3200" dirty="0">
+              <a:rPr lang="en-US" sz="2200" dirty="0">
                 <a:latin typeface="Sherman Sans Book"/>
               </a:rPr>
-              <a:t>Introduced by Van </a:t>
-            </a:r>
-            <a:r>
-              <a:rPr lang="en-US" sz="3200" dirty="0" err="1">
+              <a:t>T-SGX: run code inside transaction =&gt; page fault =&gt; attack detection =&gt; program termination</a:t>
+            </a:r>
+          </a:p>
+          <a:p>
+            <a:pPr marL="571500" indent="-571500">
+              <a:lnSpc>
+                <a:spcPct val="100000"/>
+              </a:lnSpc>
+              <a:buFont typeface="Arial" panose="020B0604020202020204" pitchFamily="34" charset="0"/>
+              <a:buChar char="•"/>
+            </a:pPr>
+            <a:r>
+              <a:rPr lang="en-US" sz="2200" dirty="0">
                 <a:latin typeface="Sherman Sans Book"/>
               </a:rPr>
-              <a:t>Bulck</a:t>
-            </a:r>
-            <a:r>
-              <a:rPr lang="en-US" sz="3200" dirty="0">
+              <a:t>Problem: Frequent timer interrupt</a:t>
+            </a:r>
+          </a:p>
+          <a:p>
+            <a:pPr marL="1028700" lvl="1" indent="-571500">
+              <a:lnSpc>
+                <a:spcPct val="100000"/>
+              </a:lnSpc>
+              <a:buFont typeface="Arial" panose="020B0604020202020204" pitchFamily="34" charset="0"/>
+              <a:buChar char="•"/>
+            </a:pPr>
+            <a:r>
+              <a:rPr lang="en-US" sz="2000" dirty="0">
                 <a:latin typeface="Sherman Sans Book"/>
               </a:rPr>
-              <a:t> et al.</a:t>
+              <a:t>Program take too long =&gt; exception =&gt; never terminate</a:t>
             </a:r>
           </a:p>
           <a:p>
             <a:pPr marL="571500" indent="-571500">
+              <a:lnSpc>
+                <a:spcPct val="100000"/>
+              </a:lnSpc>
               <a:buFont typeface="Arial" panose="020B0604020202020204" pitchFamily="34" charset="0"/>
               <a:buChar char="•"/>
             </a:pPr>
             <a:r>
-              <a:rPr lang="en-US" sz="3200" dirty="0">
+              <a:rPr lang="en-US" sz="2200" dirty="0">
                 <a:latin typeface="Sherman Sans Book"/>
               </a:rPr>
-              <a:t>Basic page-fault attack:</a:t>
+              <a:t>Problem: TSX buffers all memory changes inside cache</a:t>
             </a:r>
           </a:p>
           <a:p>
             <a:pPr marL="1028700" lvl="1" indent="-571500">
+              <a:lnSpc>
+                <a:spcPct val="100000"/>
+              </a:lnSpc>
               <a:buFont typeface="Arial" panose="020B0604020202020204" pitchFamily="34" charset="0"/>
               <a:buChar char="•"/>
             </a:pPr>
             <a:r>
-              <a:rPr lang="en-US" sz="2800" dirty="0">
-                <a:solidFill>
-                  <a:srgbClr val="3E3D3C"/>
-                </a:solidFill>
+              <a:rPr lang="en-US" sz="2000" dirty="0">
                 <a:latin typeface="Sherman Sans Book"/>
               </a:rPr>
-              <a:t>OS controls page tables</a:t>
-            </a:r>
-          </a:p>
-          <a:p>
-            <a:pPr marL="1028700" lvl="1" indent="-571500">
+              <a:t>single transaction, lots of accesses =&gt; cache conflict =&gt; transaction abort</a:t>
+            </a:r>
+          </a:p>
+          <a:p>
+            <a:pPr marL="571500" indent="-571500">
+              <a:lnSpc>
+                <a:spcPct val="100000"/>
+              </a:lnSpc>
               <a:buFont typeface="Arial" panose="020B0604020202020204" pitchFamily="34" charset="0"/>
               <a:buChar char="•"/>
             </a:pPr>
             <a:r>
-              <a:rPr lang="en-US" sz="2800" dirty="0">
-                <a:solidFill>
-                  <a:srgbClr val="3E3D3C"/>
-                </a:solidFill>
+              <a:rPr lang="en-US" sz="2200" dirty="0">
                 <a:latin typeface="Sherman Sans Book"/>
               </a:rPr>
-              <a:t>Sets trap by making pages inaccessible</a:t>
+              <a:t>Break program into tiny blocks</a:t>
             </a:r>
           </a:p>
           <a:p>
             <a:pPr marL="1028700" lvl="1" indent="-571500">
+              <a:lnSpc>
+                <a:spcPct val="100000"/>
+              </a:lnSpc>
               <a:buFont typeface="Arial" panose="020B0604020202020204" pitchFamily="34" charset="0"/>
               <a:buChar char="•"/>
             </a:pPr>
             <a:r>
-              <a:rPr lang="en-US" sz="2800" dirty="0">
-                <a:solidFill>
-                  <a:srgbClr val="3E3D3C"/>
-                </a:solidFill>
+              <a:rPr lang="en-US" sz="2000" dirty="0">
                 <a:latin typeface="Sherman Sans Book"/>
               </a:rPr>
-              <a:t>Observe page-fault patterns</a:t>
-            </a:r>
-          </a:p>
-          <a:p>
-            <a:pPr marL="1028700" lvl="1" indent="-571500">
+              <a:t>Problem: transaction setup has cost =&gt; performance</a:t>
+            </a:r>
+          </a:p>
+          <a:p>
+            <a:pPr marL="571500" indent="-571500">
+              <a:lnSpc>
+                <a:spcPct val="100000"/>
+              </a:lnSpc>
               <a:buFont typeface="Arial" panose="020B0604020202020204" pitchFamily="34" charset="0"/>
               <a:buChar char="•"/>
             </a:pPr>
             <a:r>
-              <a:rPr lang="en-US" sz="2800" dirty="0">
-                <a:solidFill>
-                  <a:srgbClr val="3E3D3C"/>
-                </a:solidFill>
+              <a:rPr lang="en-US" sz="2200" dirty="0">
                 <a:latin typeface="Sherman Sans Book"/>
               </a:rPr>
-              <a:t>Or simply monitor certain pages and cause page-faults</a:t>
+              <a:t>Merge continuous blocks</a:t>
             </a:r>
           </a:p>
           <a:p>
             <a:pPr marL="571500" indent="-571500">
+              <a:lnSpc>
+                <a:spcPct val="100000"/>
+              </a:lnSpc>
               <a:buFont typeface="Arial" panose="020B0604020202020204" pitchFamily="34" charset="0"/>
               <a:buChar char="•"/>
             </a:pPr>
             <a:r>
-              <a:rPr lang="en-US" sz="3200" dirty="0">
+              <a:rPr lang="en-US" sz="2200" dirty="0">
                 <a:latin typeface="Sherman Sans Book"/>
               </a:rPr>
-              <a:t>Page table entry flags</a:t>
+              <a:t>Problem: boundaries leak</a:t>
             </a:r>
           </a:p>
           <a:p>
             <a:pPr marL="1028700" lvl="1" indent="-571500">
+              <a:lnSpc>
+                <a:spcPct val="100000"/>
+              </a:lnSpc>
               <a:buFont typeface="Arial" panose="020B0604020202020204" pitchFamily="34" charset="0"/>
               <a:buChar char="•"/>
             </a:pPr>
             <a:r>
-              <a:rPr lang="en-US" sz="2800" dirty="0">
-                <a:solidFill>
-                  <a:srgbClr val="3E3D3C"/>
-                </a:solidFill>
+              <a:rPr lang="en-US" sz="2000" dirty="0">
                 <a:latin typeface="Sherman Sans Book"/>
               </a:rPr>
-              <a:t>Accessed and dirty flags</a:t>
+              <a:t>Solution: springboard</a:t>
             </a:r>
           </a:p>
         </p:txBody>
@@ -6152,7 +6057,7 @@
           <p:cNvPr id="5" name="Content Placeholder 4">
             <a:extLst>
               <a:ext uri="{FF2B5EF4-FFF2-40B4-BE49-F238E27FC236}">
-                <a16:creationId xmlns:a16="http://schemas.microsoft.com/office/drawing/2014/main" id="{C731D260-B812-45D4-8F79-B64F285BE519}"/>
+                <a16:creationId xmlns:a16="http://schemas.microsoft.com/office/drawing/2014/main" id="{121E76C3-5C8E-47E4-8E14-8B3389CA5CB1}"/>
               </a:ext>
             </a:extLst>
           </p:cNvPr>
@@ -6170,7 +6075,7 @@
           <a:p>
             <a:r>
               <a:rPr lang="en-US" dirty="0"/>
-              <a:t>Stealthy page table based attacks</a:t>
+              <a:t>Defense against page table based attacks</a:t>
             </a:r>
           </a:p>
         </p:txBody>
@@ -6180,7 +6085,7 @@
           <p:cNvPr id="6" name="Text Placeholder 5">
             <a:extLst>
               <a:ext uri="{FF2B5EF4-FFF2-40B4-BE49-F238E27FC236}">
-                <a16:creationId xmlns:a16="http://schemas.microsoft.com/office/drawing/2014/main" id="{FD1FB2DF-A2E5-46D8-A7B2-CA2F9A9D4082}"/>
+                <a16:creationId xmlns:a16="http://schemas.microsoft.com/office/drawing/2014/main" id="{C3F89BA7-F7BA-46F8-9BC2-DAE098F82072}"/>
               </a:ext>
             </a:extLst>
           </p:cNvPr>
@@ -6203,10 +6108,70 @@
           </a:p>
         </p:txBody>
       </p:sp>
+      <p:pic>
+        <p:nvPicPr>
+          <p:cNvPr id="11" name="Picture 10">
+            <a:extLst>
+              <a:ext uri="{FF2B5EF4-FFF2-40B4-BE49-F238E27FC236}">
+                <a16:creationId xmlns:a16="http://schemas.microsoft.com/office/drawing/2014/main" id="{85C9EEB1-FFB0-4673-B7E0-EF5A9A5C5269}"/>
+              </a:ext>
+            </a:extLst>
+          </p:cNvPr>
+          <p:cNvPicPr>
+            <a:picLocks noChangeAspect="1"/>
+          </p:cNvPicPr>
+          <p:nvPr/>
+        </p:nvPicPr>
+        <p:blipFill>
+          <a:blip r:embed="rId2"/>
+          <a:stretch>
+            <a:fillRect/>
+          </a:stretch>
+        </p:blipFill>
+        <p:spPr>
+          <a:xfrm>
+            <a:off x="8097715" y="2294537"/>
+            <a:ext cx="3944815" cy="1021748"/>
+          </a:xfrm>
+          <a:prstGeom prst="rect">
+            <a:avLst/>
+          </a:prstGeom>
+        </p:spPr>
+      </p:pic>
+      <p:pic>
+        <p:nvPicPr>
+          <p:cNvPr id="13" name="Picture 12">
+            <a:extLst>
+              <a:ext uri="{FF2B5EF4-FFF2-40B4-BE49-F238E27FC236}">
+                <a16:creationId xmlns:a16="http://schemas.microsoft.com/office/drawing/2014/main" id="{8585A720-38EC-4D2C-B429-1A3DE7BBCBF3}"/>
+              </a:ext>
+            </a:extLst>
+          </p:cNvPr>
+          <p:cNvPicPr>
+            <a:picLocks noChangeAspect="1"/>
+          </p:cNvPicPr>
+          <p:nvPr/>
+        </p:nvPicPr>
+        <p:blipFill>
+          <a:blip r:embed="rId3"/>
+          <a:stretch>
+            <a:fillRect/>
+          </a:stretch>
+        </p:blipFill>
+        <p:spPr>
+          <a:xfrm>
+            <a:off x="8354522" y="3965132"/>
+            <a:ext cx="3287055" cy="2207068"/>
+          </a:xfrm>
+          <a:prstGeom prst="rect">
+            <a:avLst/>
+          </a:prstGeom>
+        </p:spPr>
+      </p:pic>
     </p:spTree>
     <p:extLst>
       <p:ext uri="{BB962C8B-B14F-4D97-AF65-F5344CB8AC3E}">
-        <p14:creationId xmlns:p14="http://schemas.microsoft.com/office/powerpoint/2010/main" val="755460847"/>
+        <p14:creationId xmlns:p14="http://schemas.microsoft.com/office/powerpoint/2010/main" val="1251196662"/>
       </p:ext>
     </p:extLst>
   </p:cSld>
@@ -6241,7 +6206,7 @@
           <p:cNvPr id="2" name="Slide Number Placeholder 1">
             <a:extLst>
               <a:ext uri="{FF2B5EF4-FFF2-40B4-BE49-F238E27FC236}">
-                <a16:creationId xmlns:a16="http://schemas.microsoft.com/office/drawing/2014/main" id="{0D45FF53-5984-4CC9-A693-2FC0694E78EF}"/>
+                <a16:creationId xmlns:a16="http://schemas.microsoft.com/office/drawing/2014/main" id="{89EDED9A-FBD5-4207-8726-B13CA620FDCF}"/>
               </a:ext>
             </a:extLst>
           </p:cNvPr>
@@ -6271,7 +6236,7 @@
           <p:cNvPr id="3" name="Title 2">
             <a:extLst>
               <a:ext uri="{FF2B5EF4-FFF2-40B4-BE49-F238E27FC236}">
-                <a16:creationId xmlns:a16="http://schemas.microsoft.com/office/drawing/2014/main" id="{4BB9920C-F8A9-4961-83E2-EEC24CD222DC}"/>
+                <a16:creationId xmlns:a16="http://schemas.microsoft.com/office/drawing/2014/main" id="{EA58F1B4-911B-4365-9C42-992746A2B417}"/>
               </a:ext>
             </a:extLst>
           </p:cNvPr>
@@ -6289,7 +6254,7 @@
           <a:p>
             <a:r>
               <a:rPr lang="en-US" dirty="0"/>
-              <a:t>Attacks</a:t>
+              <a:t>Defenses</a:t>
             </a:r>
           </a:p>
         </p:txBody>
@@ -6299,7 +6264,7 @@
           <p:cNvPr id="4" name="Text Placeholder 3">
             <a:extLst>
               <a:ext uri="{FF2B5EF4-FFF2-40B4-BE49-F238E27FC236}">
-                <a16:creationId xmlns:a16="http://schemas.microsoft.com/office/drawing/2014/main" id="{2C6A7D5A-AF45-4CC2-A5BE-791E51DECA13}"/>
+                <a16:creationId xmlns:a16="http://schemas.microsoft.com/office/drawing/2014/main" id="{1E5C49AD-2CFA-468B-8C50-C5798DC66CC3}"/>
               </a:ext>
             </a:extLst>
           </p:cNvPr>
@@ -6312,8 +6277,8 @@
         </p:nvSpPr>
         <p:spPr>
           <a:xfrm>
-            <a:off x="1066802" y="1503723"/>
-            <a:ext cx="10667998" cy="4460503"/>
+            <a:off x="1066800" y="1444420"/>
+            <a:ext cx="10714892" cy="3646487"/>
           </a:xfrm>
         </p:spPr>
         <p:txBody>
@@ -6324,56 +6289,44 @@
               <a:lnSpc>
                 <a:spcPct val="100000"/>
               </a:lnSpc>
-              <a:spcBef>
-                <a:spcPts val="600"/>
-              </a:spcBef>
               <a:buFont typeface="Arial" panose="020B0604020202020204" pitchFamily="34" charset="0"/>
               <a:buChar char="•"/>
             </a:pPr>
             <a:r>
-              <a:rPr lang="en-US" sz="2800" dirty="0">
+              <a:rPr lang="en-US" sz="2400" dirty="0">
                 <a:latin typeface="Sherman Sans Book"/>
               </a:rPr>
-              <a:t>Introduced by Wang et al.</a:t>
-            </a:r>
-          </a:p>
-          <a:p>
-            <a:pPr marL="571500" indent="-571500">
+              <a:t>Déjà vu</a:t>
+            </a:r>
+          </a:p>
+          <a:p>
+            <a:pPr marL="1028700" lvl="1" indent="-571500">
               <a:lnSpc>
                 <a:spcPct val="100000"/>
               </a:lnSpc>
-              <a:spcBef>
-                <a:spcPts val="600"/>
-              </a:spcBef>
               <a:buFont typeface="Arial" panose="020B0604020202020204" pitchFamily="34" charset="0"/>
               <a:buChar char="•"/>
             </a:pPr>
             <a:r>
-              <a:rPr lang="en-US" sz="2800" dirty="0">
+              <a:rPr lang="en-US" sz="2000" dirty="0">
                 <a:latin typeface="Sherman Sans Book"/>
               </a:rPr>
-              <a:t>Accessed flags monitoring</a:t>
-            </a:r>
-          </a:p>
-          <a:p>
-            <a:pPr marL="1028700" lvl="1" indent="-571500">
+              <a:t>Reference clock thread inside a transaction</a:t>
+            </a:r>
+          </a:p>
+          <a:p>
+            <a:pPr marL="571500" indent="-571500">
               <a:lnSpc>
                 <a:spcPct val="100000"/>
               </a:lnSpc>
-              <a:spcBef>
-                <a:spcPts val="600"/>
-              </a:spcBef>
               <a:buFont typeface="Arial" panose="020B0604020202020204" pitchFamily="34" charset="0"/>
               <a:buChar char="•"/>
             </a:pPr>
             <a:r>
-              <a:rPr lang="en-US" dirty="0">
-                <a:solidFill>
-                  <a:srgbClr val="3E3D3C"/>
-                </a:solidFill>
+              <a:rPr lang="en-US" sz="2400" dirty="0">
                 <a:latin typeface="Sherman Sans Book"/>
               </a:rPr>
-              <a:t>Flags in TLB are not updated</a:t>
+              <a:t>Shinde et al.</a:t>
             </a:r>
           </a:p>
           <a:p>
@@ -6381,155 +6334,131 @@
               <a:lnSpc>
                 <a:spcPct val="100000"/>
               </a:lnSpc>
-              <a:spcBef>
-                <a:spcPts val="600"/>
-              </a:spcBef>
               <a:buFont typeface="Arial" panose="020B0604020202020204" pitchFamily="34" charset="0"/>
               <a:buChar char="•"/>
             </a:pPr>
             <a:r>
-              <a:rPr lang="en-US" dirty="0">
-                <a:solidFill>
-                  <a:srgbClr val="3E3D3C"/>
-                </a:solidFill>
+              <a:rPr lang="en-US" sz="2000" dirty="0">
                 <a:latin typeface="Sherman Sans Book"/>
               </a:rPr>
-              <a:t>Flush the TLB (by IPI)</a:t>
-            </a:r>
-          </a:p>
-          <a:p>
-            <a:pPr marL="571500" indent="-571500">
+              <a:t>Deterministic page access profile</a:t>
+            </a:r>
+          </a:p>
+          <a:p>
+            <a:pPr marL="1028700" lvl="1" indent="-571500">
               <a:lnSpc>
                 <a:spcPct val="100000"/>
               </a:lnSpc>
-              <a:spcBef>
-                <a:spcPts val="600"/>
-              </a:spcBef>
               <a:buFont typeface="Arial" panose="020B0604020202020204" pitchFamily="34" charset="0"/>
               <a:buChar char="•"/>
             </a:pPr>
             <a:r>
-              <a:rPr lang="en-US" sz="2800" dirty="0">
+              <a:rPr lang="en-US" sz="2000" dirty="0">
                 <a:latin typeface="Sherman Sans Book"/>
               </a:rPr>
-              <a:t>Timing enhancement</a:t>
-            </a:r>
-          </a:p>
-          <a:p>
-            <a:pPr marL="1028700" lvl="1" indent="-571500">
-              <a:lnSpc>
-                <a:spcPct val="100000"/>
-              </a:lnSpc>
-              <a:spcBef>
-                <a:spcPts val="600"/>
-              </a:spcBef>
-              <a:buFont typeface="Arial" panose="020B0604020202020204" pitchFamily="34" charset="0"/>
-              <a:buChar char="•"/>
-            </a:pPr>
-            <a:r>
-              <a:rPr lang="en-US" dirty="0">
-                <a:solidFill>
-                  <a:srgbClr val="3E3D3C"/>
-                </a:solidFill>
+              <a:t>Introducing fake </a:t>
+            </a:r>
+            <a:r>
+              <a:rPr lang="en-US" sz="2000" dirty="0" err="1">
                 <a:latin typeface="Sherman Sans Book"/>
               </a:rPr>
-              <a:t>Only one interrupt ⇨ better performance</a:t>
-            </a:r>
-          </a:p>
-          <a:p>
-            <a:pPr marL="1028700" lvl="1" indent="-571500">
+              <a:t>acceses</a:t>
+            </a:r>
+            <a:endParaRPr lang="en-US" sz="2000" dirty="0">
+              <a:latin typeface="Sherman Sans Book"/>
+            </a:endParaRPr>
+          </a:p>
+          <a:p>
+            <a:pPr marL="571500" indent="-571500">
               <a:lnSpc>
                 <a:spcPct val="100000"/>
               </a:lnSpc>
-              <a:spcBef>
-                <a:spcPts val="600"/>
-              </a:spcBef>
               <a:buFont typeface="Arial" panose="020B0604020202020204" pitchFamily="34" charset="0"/>
               <a:buChar char="•"/>
             </a:pPr>
             <a:r>
-              <a:rPr lang="en-US" dirty="0">
-                <a:solidFill>
-                  <a:srgbClr val="3E3D3C"/>
-                </a:solidFill>
+              <a:rPr lang="en-US" sz="2400" dirty="0">
                 <a:latin typeface="Sherman Sans Book"/>
               </a:rPr>
-              <a:t>Measure the time between two repeatedly accessed entries</a:t>
-            </a:r>
-          </a:p>
-          <a:p>
-            <a:pPr marL="571500" indent="-571500">
+              <a:t>SGX-Shield</a:t>
+            </a:r>
+          </a:p>
+          <a:p>
+            <a:pPr marL="1028700" lvl="1" indent="-571500">
               <a:lnSpc>
                 <a:spcPct val="100000"/>
               </a:lnSpc>
-              <a:spcBef>
-                <a:spcPts val="600"/>
-              </a:spcBef>
               <a:buFont typeface="Arial" panose="020B0604020202020204" pitchFamily="34" charset="0"/>
               <a:buChar char="•"/>
             </a:pPr>
             <a:r>
-              <a:rPr lang="en-US" sz="2800" dirty="0">
+              <a:rPr lang="en-US" sz="2000" dirty="0">
                 <a:latin typeface="Sherman Sans Book"/>
               </a:rPr>
-              <a:t>TLB flushing through hyperthreading</a:t>
-            </a:r>
-          </a:p>
-          <a:p>
-            <a:pPr marL="1028700" lvl="1" indent="-571500">
+              <a:t>ASLR</a:t>
+            </a:r>
+          </a:p>
+          <a:p>
+            <a:pPr marL="571500" indent="-571500">
               <a:lnSpc>
                 <a:spcPct val="100000"/>
               </a:lnSpc>
-              <a:spcBef>
-                <a:spcPts val="600"/>
-              </a:spcBef>
               <a:buFont typeface="Arial" panose="020B0604020202020204" pitchFamily="34" charset="0"/>
               <a:buChar char="•"/>
             </a:pPr>
             <a:r>
-              <a:rPr lang="en-US" dirty="0">
-                <a:solidFill>
-                  <a:srgbClr val="3E3D3C"/>
-                </a:solidFill>
+              <a:rPr lang="en-US" sz="2400" dirty="0" err="1">
                 <a:latin typeface="Sherman Sans Book"/>
               </a:rPr>
-              <a:t>TLB is shared between </a:t>
-            </a:r>
-            <a:r>
-              <a:rPr lang="en-US" dirty="0" err="1">
-                <a:solidFill>
-                  <a:srgbClr val="3E3D3C"/>
-                </a:solidFill>
+              <a:t>ZeroTrace</a:t>
+            </a:r>
+            <a:endParaRPr lang="en-US" sz="2400" dirty="0">
+              <a:latin typeface="Sherman Sans Book"/>
+            </a:endParaRPr>
+          </a:p>
+          <a:p>
+            <a:pPr marL="1028700" lvl="1" indent="-571500">
+              <a:lnSpc>
+                <a:spcPct val="100000"/>
+              </a:lnSpc>
+              <a:buFont typeface="Arial" panose="020B0604020202020204" pitchFamily="34" charset="0"/>
+              <a:buChar char="•"/>
+            </a:pPr>
+            <a:r>
+              <a:rPr lang="en-US" sz="2000" dirty="0">
                 <a:latin typeface="Sherman Sans Book"/>
               </a:rPr>
-              <a:t>hyperthreads</a:t>
-            </a:r>
-            <a:endParaRPr lang="en-US" dirty="0">
-              <a:solidFill>
-                <a:srgbClr val="3E3D3C"/>
-              </a:solidFill>
-              <a:latin typeface="Sherman Sans Book"/>
-            </a:endParaRPr>
-          </a:p>
-          <a:p>
-            <a:pPr marL="1028700" lvl="1" indent="-571500">
+              <a:t>Use of ORAM + SGX</a:t>
+            </a:r>
+          </a:p>
+          <a:p>
+            <a:pPr marL="571500" indent="-571500">
               <a:lnSpc>
                 <a:spcPct val="100000"/>
               </a:lnSpc>
-              <a:spcBef>
-                <a:spcPts val="600"/>
-              </a:spcBef>
               <a:buFont typeface="Arial" panose="020B0604020202020204" pitchFamily="34" charset="0"/>
               <a:buChar char="•"/>
             </a:pPr>
             <a:r>
-              <a:rPr lang="en-US" dirty="0">
-                <a:solidFill>
-                  <a:srgbClr val="3E3D3C"/>
-                </a:solidFill>
+              <a:rPr lang="en-US" sz="2400" dirty="0">
                 <a:latin typeface="Sherman Sans Book"/>
               </a:rPr>
-              <a:t>Invalidate TLB entries without IPI</a:t>
+              <a:t>Dr. SGX</a:t>
+            </a:r>
+          </a:p>
+          <a:p>
+            <a:pPr marL="1028700" lvl="1" indent="-571500">
+              <a:lnSpc>
+                <a:spcPct val="100000"/>
+              </a:lnSpc>
+              <a:buFont typeface="Arial" panose="020B0604020202020204" pitchFamily="34" charset="0"/>
+              <a:buChar char="•"/>
+            </a:pPr>
+            <a:r>
+              <a:rPr lang="en-US" sz="2000" dirty="0">
+                <a:latin typeface="Sherman Sans Book"/>
+              </a:rPr>
+              <a:t>Data location randomization</a:t>
             </a:r>
           </a:p>
         </p:txBody>
@@ -6539,7 +6468,7 @@
           <p:cNvPr id="5" name="Content Placeholder 4">
             <a:extLst>
               <a:ext uri="{FF2B5EF4-FFF2-40B4-BE49-F238E27FC236}">
-                <a16:creationId xmlns:a16="http://schemas.microsoft.com/office/drawing/2014/main" id="{75E64025-B3F6-4DA3-8F40-4A0F5219C181}"/>
+                <a16:creationId xmlns:a16="http://schemas.microsoft.com/office/drawing/2014/main" id="{121E76C3-5C8E-47E4-8E14-8B3389CA5CB1}"/>
               </a:ext>
             </a:extLst>
           </p:cNvPr>
@@ -6557,7 +6486,7 @@
           <a:p>
             <a:r>
               <a:rPr lang="en-US" dirty="0"/>
-              <a:t>Sneaky page monitoring attacks</a:t>
+              <a:t>Other defense methods</a:t>
             </a:r>
           </a:p>
         </p:txBody>
@@ -6567,7 +6496,7 @@
           <p:cNvPr id="6" name="Text Placeholder 5">
             <a:extLst>
               <a:ext uri="{FF2B5EF4-FFF2-40B4-BE49-F238E27FC236}">
-                <a16:creationId xmlns:a16="http://schemas.microsoft.com/office/drawing/2014/main" id="{83A0AA64-D434-4FB2-9910-8F19A8F45242}"/>
+                <a16:creationId xmlns:a16="http://schemas.microsoft.com/office/drawing/2014/main" id="{C3F89BA7-F7BA-46F8-9BC2-DAE098F82072}"/>
               </a:ext>
             </a:extLst>
           </p:cNvPr>
@@ -6593,7 +6522,7 @@
     </p:spTree>
     <p:extLst>
       <p:ext uri="{BB962C8B-B14F-4D97-AF65-F5344CB8AC3E}">
-        <p14:creationId xmlns:p14="http://schemas.microsoft.com/office/powerpoint/2010/main" val="1721384895"/>
+        <p14:creationId xmlns:p14="http://schemas.microsoft.com/office/powerpoint/2010/main" val="119716570"/>
       </p:ext>
     </p:extLst>
   </p:cSld>
@@ -6628,7 +6557,7 @@
           <p:cNvPr id="2" name="Slide Number Placeholder 1">
             <a:extLst>
               <a:ext uri="{FF2B5EF4-FFF2-40B4-BE49-F238E27FC236}">
-                <a16:creationId xmlns:a16="http://schemas.microsoft.com/office/drawing/2014/main" id="{5462C8DA-BE57-4822-B21C-42FCCF647CBD}"/>
+                <a16:creationId xmlns:a16="http://schemas.microsoft.com/office/drawing/2014/main" id="{EAACBEF5-E585-4015-B8AF-F7E0B72C4AA1}"/>
               </a:ext>
             </a:extLst>
           </p:cNvPr>
@@ -6658,7 +6587,7 @@
           <p:cNvPr id="3" name="Title 2">
             <a:extLst>
               <a:ext uri="{FF2B5EF4-FFF2-40B4-BE49-F238E27FC236}">
-                <a16:creationId xmlns:a16="http://schemas.microsoft.com/office/drawing/2014/main" id="{B6A01144-1892-44C7-9BCA-21CCA7D4BBCE}"/>
+                <a16:creationId xmlns:a16="http://schemas.microsoft.com/office/drawing/2014/main" id="{8821F182-BA36-447E-A00F-E60523AE3859}"/>
               </a:ext>
             </a:extLst>
           </p:cNvPr>
@@ -6669,19 +6598,14 @@
             <p:ph type="title"/>
           </p:nvPr>
         </p:nvSpPr>
-        <p:spPr>
-          <a:xfrm>
-            <a:off x="762580" y="253938"/>
-            <a:ext cx="10668000" cy="632988"/>
-          </a:xfrm>
-        </p:spPr>
+        <p:spPr/>
         <p:txBody>
           <a:bodyPr/>
           <a:lstStyle/>
           <a:p>
             <a:r>
               <a:rPr lang="en-US" dirty="0"/>
-              <a:t>Attacks</a:t>
+              <a:t>Analysis</a:t>
             </a:r>
           </a:p>
         </p:txBody>
@@ -6691,7 +6615,7 @@
           <p:cNvPr id="4" name="Text Placeholder 3">
             <a:extLst>
               <a:ext uri="{FF2B5EF4-FFF2-40B4-BE49-F238E27FC236}">
-                <a16:creationId xmlns:a16="http://schemas.microsoft.com/office/drawing/2014/main" id="{E19C8FEA-B73C-4278-AE9C-31650DA836EC}"/>
+                <a16:creationId xmlns:a16="http://schemas.microsoft.com/office/drawing/2014/main" id="{E430051C-F1FE-4C68-877B-E2D25AFF5465}"/>
               </a:ext>
             </a:extLst>
           </p:cNvPr>
@@ -6702,109 +6626,281 @@
             <p:ph type="body" sz="quarter" idx="20"/>
           </p:nvPr>
         </p:nvSpPr>
-        <p:spPr/>
+        <p:spPr>
+          <a:xfrm>
+            <a:off x="1066802" y="1232692"/>
+            <a:ext cx="10667998" cy="3646487"/>
+          </a:xfrm>
+        </p:spPr>
         <p:txBody>
           <a:bodyPr/>
           <a:lstStyle/>
           <a:p>
             <a:pPr marL="571500" indent="-571500">
+              <a:lnSpc>
+                <a:spcPct val="100000"/>
+              </a:lnSpc>
               <a:spcBef>
-                <a:spcPts val="1200"/>
+                <a:spcPts val="600"/>
               </a:spcBef>
               <a:buFont typeface="Arial" panose="020B0604020202020204" pitchFamily="34" charset="0"/>
               <a:buChar char="•"/>
             </a:pPr>
             <a:r>
-              <a:rPr lang="en-US" sz="2800" dirty="0"/>
-              <a:t>Disable caching</a:t>
+              <a:rPr lang="en-US" sz="2000" dirty="0">
+                <a:latin typeface="Sherman Sans Book"/>
+              </a:rPr>
+              <a:t>Cloak</a:t>
             </a:r>
           </a:p>
           <a:p>
             <a:pPr marL="1028700" lvl="1" indent="-571500">
+              <a:lnSpc>
+                <a:spcPct val="100000"/>
+              </a:lnSpc>
               <a:spcBef>
-                <a:spcPts val="1200"/>
+                <a:spcPts val="600"/>
               </a:spcBef>
               <a:buFont typeface="Arial" panose="020B0604020202020204" pitchFamily="34" charset="0"/>
               <a:buChar char="•"/>
             </a:pPr>
             <a:r>
-              <a:rPr lang="en-US" dirty="0">
+              <a:rPr lang="en-US" sz="2000" dirty="0">
                 <a:solidFill>
                   <a:srgbClr val="3E3D3C"/>
                 </a:solidFill>
                 <a:latin typeface="Sherman Sans Book"/>
               </a:rPr>
-              <a:t>Prevent cache based side channel attacks</a:t>
-            </a:r>
-          </a:p>
-          <a:p>
-            <a:pPr marL="571500" indent="-571500">
+              <a:t>Makes cache-pinning possible to some extent</a:t>
+            </a:r>
+          </a:p>
+          <a:p>
+            <a:pPr marL="1028700" lvl="1" indent="-571500">
+              <a:lnSpc>
+                <a:spcPct val="100000"/>
+              </a:lnSpc>
               <a:spcBef>
-                <a:spcPts val="1200"/>
+                <a:spcPts val="600"/>
               </a:spcBef>
               <a:buFont typeface="Arial" panose="020B0604020202020204" pitchFamily="34" charset="0"/>
               <a:buChar char="•"/>
             </a:pPr>
             <a:r>
-              <a:rPr lang="en-US" sz="2800" dirty="0"/>
-              <a:t>Attacker allocates two memory lines inside one bank</a:t>
-            </a:r>
-          </a:p>
-          <a:p>
-            <a:pPr marL="571500" indent="-571500">
+              <a:rPr lang="en-US" sz="2000" dirty="0">
+                <a:solidFill>
+                  <a:srgbClr val="3E3D3C"/>
+                </a:solidFill>
+                <a:latin typeface="Sherman Sans Book"/>
+              </a:rPr>
+              <a:t>Execution time can leak</a:t>
+            </a:r>
+          </a:p>
+          <a:p>
+            <a:pPr marL="1028700" lvl="1" indent="-571500">
+              <a:lnSpc>
+                <a:spcPct val="100000"/>
+              </a:lnSpc>
               <a:spcBef>
-                <a:spcPts val="1200"/>
+                <a:spcPts val="600"/>
               </a:spcBef>
               <a:buFont typeface="Arial" panose="020B0604020202020204" pitchFamily="34" charset="0"/>
               <a:buChar char="•"/>
             </a:pPr>
             <a:r>
-              <a:rPr lang="en-US" sz="2800" dirty="0"/>
-              <a:t>Regularly access one of the memory lines</a:t>
-            </a:r>
-          </a:p>
-          <a:p>
-            <a:pPr marL="571500" indent="-571500">
+              <a:rPr lang="en-US" sz="2000" dirty="0">
+                <a:solidFill>
+                  <a:srgbClr val="3E3D3C"/>
+                </a:solidFill>
+                <a:latin typeface="Sherman Sans Book"/>
+              </a:rPr>
+              <a:t>Aborts do not cancel concurrent memory accesses</a:t>
+            </a:r>
+          </a:p>
+          <a:p>
+            <a:pPr marL="1028700" lvl="1" indent="-571500">
+              <a:lnSpc>
+                <a:spcPct val="100000"/>
+              </a:lnSpc>
               <a:spcBef>
-                <a:spcPts val="1200"/>
+                <a:spcPts val="600"/>
               </a:spcBef>
               <a:buFont typeface="Arial" panose="020B0604020202020204" pitchFamily="34" charset="0"/>
               <a:buChar char="•"/>
             </a:pPr>
             <a:r>
-              <a:rPr lang="en-US" sz="2800" dirty="0"/>
-              <a:t>Victim accesses the other memory line ⇨ conflict ⇨ attacker’s next fetch will take more time</a:t>
+              <a:rPr lang="en-US" sz="2000" dirty="0">
+                <a:solidFill>
+                  <a:srgbClr val="3E3D3C"/>
+                </a:solidFill>
+                <a:latin typeface="Sherman Sans Book"/>
+              </a:rPr>
+              <a:t>Execution behavior and branch prediction uncertainties</a:t>
             </a:r>
           </a:p>
           <a:p>
             <a:pPr marL="571500" indent="-571500">
+              <a:lnSpc>
+                <a:spcPct val="100000"/>
+              </a:lnSpc>
               <a:spcBef>
-                <a:spcPts val="1200"/>
+                <a:spcPts val="600"/>
               </a:spcBef>
               <a:buFont typeface="Arial" panose="020B0604020202020204" pitchFamily="34" charset="0"/>
               <a:buChar char="•"/>
             </a:pPr>
             <a:r>
-              <a:rPr lang="en-US" sz="2800" dirty="0"/>
-              <a:t>Cache-DRAM attack: </a:t>
-            </a:r>
-            <a:r>
-              <a:rPr lang="en-US" sz="2800" dirty="0" err="1"/>
-              <a:t>Prime+Probe</a:t>
-            </a:r>
-            <a:r>
-              <a:rPr lang="en-US" sz="2800" dirty="0"/>
-              <a:t> and DRAMA</a:t>
-            </a:r>
-          </a:p>
-        </p:txBody>
-      </p:sp>
-      <p:sp>
-        <p:nvSpPr>
-          <p:cNvPr id="5" name="Content Placeholder 4">
+              <a:rPr lang="en-US" sz="2000" dirty="0">
+                <a:latin typeface="Sherman Sans Book"/>
+              </a:rPr>
+              <a:t>T-SGX</a:t>
+            </a:r>
+          </a:p>
+          <a:p>
+            <a:pPr marL="1028700" lvl="1" indent="-571500">
+              <a:lnSpc>
+                <a:spcPct val="100000"/>
+              </a:lnSpc>
+              <a:spcBef>
+                <a:spcPts val="600"/>
+              </a:spcBef>
+              <a:buFont typeface="Arial" panose="020B0604020202020204" pitchFamily="34" charset="0"/>
+              <a:buChar char="•"/>
+            </a:pPr>
+            <a:r>
+              <a:rPr lang="en-US" sz="2000" dirty="0">
+                <a:solidFill>
+                  <a:srgbClr val="3E3D3C"/>
+                </a:solidFill>
+                <a:latin typeface="Sherman Sans Book"/>
+              </a:rPr>
+              <a:t>Attacks based on monitoring flags are possible</a:t>
+            </a:r>
+          </a:p>
+          <a:p>
+            <a:pPr marL="571500" indent="-571500">
+              <a:lnSpc>
+                <a:spcPct val="100000"/>
+              </a:lnSpc>
+              <a:spcBef>
+                <a:spcPts val="600"/>
+              </a:spcBef>
+              <a:buFont typeface="Arial" panose="020B0604020202020204" pitchFamily="34" charset="0"/>
+              <a:buChar char="•"/>
+            </a:pPr>
+            <a:r>
+              <a:rPr lang="en-US" sz="2000" dirty="0">
+                <a:latin typeface="Sherman Sans Book"/>
+              </a:rPr>
+              <a:t>Déjà vu</a:t>
+            </a:r>
+          </a:p>
+          <a:p>
+            <a:pPr marL="1028700" lvl="1" indent="-571500">
+              <a:lnSpc>
+                <a:spcPct val="100000"/>
+              </a:lnSpc>
+              <a:spcBef>
+                <a:spcPts val="600"/>
+              </a:spcBef>
+              <a:buFont typeface="Arial" panose="020B0604020202020204" pitchFamily="34" charset="0"/>
+              <a:buChar char="•"/>
+            </a:pPr>
+            <a:r>
+              <a:rPr lang="en-US" sz="2000" dirty="0">
+                <a:solidFill>
+                  <a:srgbClr val="3E3D3C"/>
+                </a:solidFill>
+                <a:latin typeface="Sherman Sans Book"/>
+              </a:rPr>
+              <a:t>Page monitoring attacks still effective</a:t>
+            </a:r>
+          </a:p>
+          <a:p>
+            <a:pPr marL="1028700" lvl="1" indent="-571500">
+              <a:lnSpc>
+                <a:spcPct val="100000"/>
+              </a:lnSpc>
+              <a:spcBef>
+                <a:spcPts val="600"/>
+              </a:spcBef>
+              <a:buFont typeface="Arial" panose="020B0604020202020204" pitchFamily="34" charset="0"/>
+              <a:buChar char="•"/>
+            </a:pPr>
+            <a:r>
+              <a:rPr lang="en-US" sz="2000" dirty="0">
+                <a:solidFill>
+                  <a:srgbClr val="3E3D3C"/>
+                </a:solidFill>
+                <a:latin typeface="Sherman Sans Book"/>
+              </a:rPr>
+              <a:t>Only works on AEX based attacks</a:t>
+            </a:r>
+          </a:p>
+          <a:p>
+            <a:pPr marL="571500" indent="-571500">
+              <a:lnSpc>
+                <a:spcPct val="100000"/>
+              </a:lnSpc>
+              <a:spcBef>
+                <a:spcPts val="600"/>
+              </a:spcBef>
+              <a:buFont typeface="Arial" panose="020B0604020202020204" pitchFamily="34" charset="0"/>
+              <a:buChar char="•"/>
+            </a:pPr>
+            <a:r>
+              <a:rPr lang="en-US" sz="2000" dirty="0">
+                <a:latin typeface="Sherman Sans Book"/>
+              </a:rPr>
+              <a:t>Bottom line</a:t>
+            </a:r>
+          </a:p>
+          <a:p>
+            <a:pPr marL="1028700" lvl="1" indent="-571500">
+              <a:lnSpc>
+                <a:spcPct val="100000"/>
+              </a:lnSpc>
+              <a:spcBef>
+                <a:spcPts val="600"/>
+              </a:spcBef>
+              <a:buFont typeface="Arial" panose="020B0604020202020204" pitchFamily="34" charset="0"/>
+              <a:buChar char="•"/>
+            </a:pPr>
+            <a:r>
+              <a:rPr lang="en-US" sz="2000" dirty="0">
+                <a:solidFill>
+                  <a:srgbClr val="3E3D3C"/>
+                </a:solidFill>
+                <a:latin typeface="Sherman Sans Book"/>
+              </a:rPr>
+              <a:t>Transaction based defenses usually come with high overload and low utilization, and need isolation</a:t>
+            </a:r>
+          </a:p>
+          <a:p>
+            <a:pPr marL="1028700" lvl="1" indent="-571500">
+              <a:lnSpc>
+                <a:spcPct val="100000"/>
+              </a:lnSpc>
+              <a:spcBef>
+                <a:spcPts val="600"/>
+              </a:spcBef>
+              <a:buFont typeface="Arial" panose="020B0604020202020204" pitchFamily="34" charset="0"/>
+              <a:buChar char="•"/>
+            </a:pPr>
+            <a:endParaRPr lang="en-US" sz="2000" dirty="0">
+              <a:solidFill>
+                <a:srgbClr val="3E3D3C"/>
+              </a:solidFill>
+              <a:latin typeface="Sherman Sans Book"/>
+            </a:endParaRPr>
+          </a:p>
+        </p:txBody>
+      </p:sp>
+      <p:sp>
+        <p:nvSpPr>
+          <p:cNvPr id="6" name="Text Placeholder 5">
             <a:extLst>
               <a:ext uri="{FF2B5EF4-FFF2-40B4-BE49-F238E27FC236}">
-                <a16:creationId xmlns:a16="http://schemas.microsoft.com/office/drawing/2014/main" id="{918626B2-A394-4150-8696-13BE03EAB37A}"/>
+                <a16:creationId xmlns:a16="http://schemas.microsoft.com/office/drawing/2014/main" id="{CAA30D22-1D0E-4B89-973C-A8EEBB0A62D1}"/>
               </a:ext>
             </a:extLst>
           </p:cNvPr>
@@ -6812,39 +6908,6 @@
             <a:spLocks noGrp="1"/>
           </p:cNvSpPr>
           <p:nvPr>
-            <p:ph sz="quarter" idx="19"/>
-          </p:nvPr>
-        </p:nvSpPr>
-        <p:spPr>
-          <a:xfrm>
-            <a:off x="1066800" y="1013503"/>
-            <a:ext cx="9965633" cy="368300"/>
-          </a:xfrm>
-        </p:spPr>
-        <p:txBody>
-          <a:bodyPr/>
-          <a:lstStyle/>
-          <a:p>
-            <a:r>
-              <a:rPr lang="en-US" dirty="0"/>
-              <a:t>DRAMA</a:t>
-            </a:r>
-          </a:p>
-        </p:txBody>
-      </p:sp>
-      <p:sp>
-        <p:nvSpPr>
-          <p:cNvPr id="6" name="Text Placeholder 5">
-            <a:extLst>
-              <a:ext uri="{FF2B5EF4-FFF2-40B4-BE49-F238E27FC236}">
-                <a16:creationId xmlns:a16="http://schemas.microsoft.com/office/drawing/2014/main" id="{644BFE6A-9737-4D02-A3A7-D112CF9D35A8}"/>
-              </a:ext>
-            </a:extLst>
-          </p:cNvPr>
-          <p:cNvSpPr>
-            <a:spLocks noGrp="1"/>
-          </p:cNvSpPr>
-          <p:nvPr>
             <p:ph type="body" sz="quarter" idx="22"/>
           </p:nvPr>
         </p:nvSpPr>
@@ -6863,7 +6926,7 @@
     </p:spTree>
     <p:extLst>
       <p:ext uri="{BB962C8B-B14F-4D97-AF65-F5344CB8AC3E}">
-        <p14:creationId xmlns:p14="http://schemas.microsoft.com/office/powerpoint/2010/main" val="798563737"/>
+        <p14:creationId xmlns:p14="http://schemas.microsoft.com/office/powerpoint/2010/main" val="3713532451"/>
       </p:ext>
     </p:extLst>
   </p:cSld>
@@ -6898,7 +6961,7 @@
           <p:cNvPr id="2" name="Slide Number Placeholder 1">
             <a:extLst>
               <a:ext uri="{FF2B5EF4-FFF2-40B4-BE49-F238E27FC236}">
-                <a16:creationId xmlns:a16="http://schemas.microsoft.com/office/drawing/2014/main" id="{07ADB817-9432-4A46-8D70-8EFBBE722FCA}"/>
+                <a16:creationId xmlns:a16="http://schemas.microsoft.com/office/drawing/2014/main" id="{7A683518-C5E2-4A2E-8FC1-DAC46A817973}"/>
               </a:ext>
             </a:extLst>
           </p:cNvPr>
@@ -6928,7 +6991,7 @@
           <p:cNvPr id="3" name="Title 2">
             <a:extLst>
               <a:ext uri="{FF2B5EF4-FFF2-40B4-BE49-F238E27FC236}">
-                <a16:creationId xmlns:a16="http://schemas.microsoft.com/office/drawing/2014/main" id="{7E34CEEF-7BDE-4B77-94E8-E8E0C6852818}"/>
+                <a16:creationId xmlns:a16="http://schemas.microsoft.com/office/drawing/2014/main" id="{3535D6AE-64F9-461A-B8B5-2494B7DEAC23}"/>
               </a:ext>
             </a:extLst>
           </p:cNvPr>
@@ -6946,7 +7009,7 @@
           <a:p>
             <a:r>
               <a:rPr lang="en-US" dirty="0"/>
-              <a:t>Attacks</a:t>
+              <a:t>Analysis</a:t>
             </a:r>
           </a:p>
         </p:txBody>
@@ -6956,7 +7019,7 @@
           <p:cNvPr id="4" name="Text Placeholder 3">
             <a:extLst>
               <a:ext uri="{FF2B5EF4-FFF2-40B4-BE49-F238E27FC236}">
-                <a16:creationId xmlns:a16="http://schemas.microsoft.com/office/drawing/2014/main" id="{1D0C1789-22B8-4723-A40A-D3840AE82B18}"/>
+                <a16:creationId xmlns:a16="http://schemas.microsoft.com/office/drawing/2014/main" id="{32514131-C405-4471-8695-766C7CF90BC8}"/>
               </a:ext>
             </a:extLst>
           </p:cNvPr>
@@ -6967,61 +7030,269 @@
             <p:ph type="body" sz="quarter" idx="20"/>
           </p:nvPr>
         </p:nvSpPr>
-        <p:spPr/>
+        <p:spPr>
+          <a:xfrm>
+            <a:off x="1066799" y="1166985"/>
+            <a:ext cx="10667998" cy="3646487"/>
+          </a:xfrm>
+        </p:spPr>
         <p:txBody>
           <a:bodyPr/>
           <a:lstStyle/>
           <a:p>
             <a:pPr marL="571500" indent="-571500">
               <a:lnSpc>
-                <a:spcPct val="200000"/>
-              </a:lnSpc>
+                <a:spcPct val="100000"/>
+              </a:lnSpc>
+              <a:spcBef>
+                <a:spcPts val="600"/>
+              </a:spcBef>
               <a:buFont typeface="Arial" panose="020B0604020202020204" pitchFamily="34" charset="0"/>
               <a:buChar char="•"/>
             </a:pPr>
             <a:r>
-              <a:rPr lang="en-US" sz="3200" i="1" dirty="0" err="1"/>
-              <a:t>clflush</a:t>
-            </a:r>
-            <a:r>
-              <a:rPr lang="en-US" sz="3200" dirty="0"/>
-              <a:t> instruction: flush a cache line, if empty ⇨ abort</a:t>
+              <a:rPr lang="en-US" sz="2000" dirty="0">
+                <a:latin typeface="Sherman Sans Book"/>
+              </a:rPr>
+              <a:t>Other methods</a:t>
+            </a:r>
+          </a:p>
+          <a:p>
+            <a:pPr marL="1028700" lvl="1" indent="-571500">
+              <a:lnSpc>
+                <a:spcPct val="100000"/>
+              </a:lnSpc>
+              <a:spcBef>
+                <a:spcPts val="600"/>
+              </a:spcBef>
+              <a:buFont typeface="Arial" panose="020B0604020202020204" pitchFamily="34" charset="0"/>
+              <a:buChar char="•"/>
+            </a:pPr>
+            <a:r>
+              <a:rPr lang="en-US" sz="1800" dirty="0">
+                <a:solidFill>
+                  <a:srgbClr val="3E3D3C"/>
+                </a:solidFill>
+                <a:latin typeface="Sherman Sans Book"/>
+              </a:rPr>
+              <a:t>Attack detection methods ⇨ Unreliable</a:t>
+            </a:r>
+          </a:p>
+          <a:p>
+            <a:pPr marL="1028700" lvl="1" indent="-571500">
+              <a:lnSpc>
+                <a:spcPct val="100000"/>
+              </a:lnSpc>
+              <a:spcBef>
+                <a:spcPts val="600"/>
+              </a:spcBef>
+              <a:buFont typeface="Arial" panose="020B0604020202020204" pitchFamily="34" charset="0"/>
+              <a:buChar char="•"/>
+            </a:pPr>
+            <a:r>
+              <a:rPr lang="en-US" sz="1800" dirty="0">
+                <a:solidFill>
+                  <a:srgbClr val="3E3D3C"/>
+                </a:solidFill>
+                <a:latin typeface="Sherman Sans Book"/>
+              </a:rPr>
+              <a:t>Shuffling memory ⇨ expensive</a:t>
+            </a:r>
+          </a:p>
+          <a:p>
+            <a:pPr marL="1028700" lvl="1" indent="-571500">
+              <a:lnSpc>
+                <a:spcPct val="100000"/>
+              </a:lnSpc>
+              <a:spcBef>
+                <a:spcPts val="600"/>
+              </a:spcBef>
+              <a:buFont typeface="Arial" panose="020B0604020202020204" pitchFamily="34" charset="0"/>
+              <a:buChar char="•"/>
+            </a:pPr>
+            <a:r>
+              <a:rPr lang="en-US" sz="1800" dirty="0">
+                <a:solidFill>
+                  <a:srgbClr val="3E3D3C"/>
+                </a:solidFill>
+                <a:latin typeface="Sherman Sans Book"/>
+              </a:rPr>
+              <a:t>ORAM (make addresses input-independent) ⇨ expensive</a:t>
             </a:r>
           </a:p>
           <a:p>
             <a:pPr marL="571500" indent="-571500">
               <a:lnSpc>
-                <a:spcPct val="200000"/>
-              </a:lnSpc>
+                <a:spcPct val="100000"/>
+              </a:lnSpc>
+              <a:spcBef>
+                <a:spcPts val="600"/>
+              </a:spcBef>
               <a:buFont typeface="Arial" panose="020B0604020202020204" pitchFamily="34" charset="0"/>
               <a:buChar char="•"/>
             </a:pPr>
             <a:r>
-              <a:rPr lang="en-US" sz="3200" dirty="0"/>
-              <a:t>Abort takes less time than flush</a:t>
+              <a:rPr lang="en-US" sz="2000" dirty="0">
+                <a:latin typeface="Sherman Sans Book"/>
+              </a:rPr>
+              <a:t>The perfect solution?</a:t>
+            </a:r>
+          </a:p>
+          <a:p>
+            <a:pPr marL="1028700" lvl="1" indent="-571500">
+              <a:lnSpc>
+                <a:spcPct val="100000"/>
+              </a:lnSpc>
+              <a:spcBef>
+                <a:spcPts val="600"/>
+              </a:spcBef>
+              <a:buFont typeface="Arial" panose="020B0604020202020204" pitchFamily="34" charset="0"/>
+              <a:buChar char="•"/>
+            </a:pPr>
+            <a:r>
+              <a:rPr lang="en-US" sz="1800" dirty="0">
+                <a:solidFill>
+                  <a:srgbClr val="3E3D3C"/>
+                </a:solidFill>
+                <a:latin typeface="Sherman Sans Book"/>
+              </a:rPr>
+              <a:t>Remove all branches and conditional code</a:t>
+            </a:r>
+          </a:p>
+          <a:p>
+            <a:pPr marL="1028700" lvl="1" indent="-571500">
+              <a:lnSpc>
+                <a:spcPct val="100000"/>
+              </a:lnSpc>
+              <a:spcBef>
+                <a:spcPts val="600"/>
+              </a:spcBef>
+              <a:buFont typeface="Arial" panose="020B0604020202020204" pitchFamily="34" charset="0"/>
+              <a:buChar char="•"/>
+            </a:pPr>
+            <a:r>
+              <a:rPr lang="en-US" sz="1800" dirty="0">
+                <a:solidFill>
+                  <a:srgbClr val="3E3D3C"/>
+                </a:solidFill>
+                <a:latin typeface="Sherman Sans Book"/>
+              </a:rPr>
+              <a:t>Pin data/code to cache and TLB</a:t>
+            </a:r>
+          </a:p>
+          <a:p>
+            <a:pPr marL="1028700" lvl="1" indent="-571500">
+              <a:lnSpc>
+                <a:spcPct val="100000"/>
+              </a:lnSpc>
+              <a:spcBef>
+                <a:spcPts val="600"/>
+              </a:spcBef>
+              <a:buFont typeface="Arial" panose="020B0604020202020204" pitchFamily="34" charset="0"/>
+              <a:buChar char="•"/>
+            </a:pPr>
+            <a:r>
+              <a:rPr lang="en-US" sz="1800" dirty="0">
+                <a:solidFill>
+                  <a:srgbClr val="3E3D3C"/>
+                </a:solidFill>
+                <a:latin typeface="Sherman Sans Book"/>
+              </a:rPr>
+              <a:t>CAT+SGX</a:t>
+            </a:r>
+          </a:p>
+          <a:p>
+            <a:pPr marL="1028700" lvl="1" indent="-571500">
+              <a:lnSpc>
+                <a:spcPct val="100000"/>
+              </a:lnSpc>
+              <a:spcBef>
+                <a:spcPts val="600"/>
+              </a:spcBef>
+              <a:buFont typeface="Arial" panose="020B0604020202020204" pitchFamily="34" charset="0"/>
+              <a:buChar char="•"/>
+            </a:pPr>
+            <a:r>
+              <a:rPr lang="en-US" sz="1800" dirty="0">
+                <a:solidFill>
+                  <a:srgbClr val="3E3D3C"/>
+                </a:solidFill>
+                <a:latin typeface="Sherman Sans Book"/>
+              </a:rPr>
+              <a:t>Non-shared non-cached secure memory element</a:t>
             </a:r>
           </a:p>
           <a:p>
             <a:pPr marL="571500" indent="-571500">
               <a:lnSpc>
-                <a:spcPct val="200000"/>
-              </a:lnSpc>
+                <a:spcPct val="100000"/>
+              </a:lnSpc>
+              <a:spcBef>
+                <a:spcPts val="600"/>
+              </a:spcBef>
               <a:buFont typeface="Arial" panose="020B0604020202020204" pitchFamily="34" charset="0"/>
               <a:buChar char="•"/>
             </a:pPr>
             <a:r>
-              <a:rPr lang="en-US" sz="3200" dirty="0"/>
-              <a:t>Use the delay ⇨ which memory address is accessed</a:t>
-            </a:r>
-          </a:p>
-        </p:txBody>
-      </p:sp>
-      <p:sp>
-        <p:nvSpPr>
-          <p:cNvPr id="5" name="Content Placeholder 4">
+              <a:rPr lang="en-US" sz="2000" dirty="0">
+                <a:latin typeface="Sherman Sans Book"/>
+              </a:rPr>
+              <a:t>Most of defenses either work on page table based attacks or cache-based attacks</a:t>
+            </a:r>
+          </a:p>
+          <a:p>
+            <a:pPr marL="571500" indent="-571500">
+              <a:lnSpc>
+                <a:spcPct val="100000"/>
+              </a:lnSpc>
+              <a:spcBef>
+                <a:spcPts val="600"/>
+              </a:spcBef>
+              <a:buFont typeface="Arial" panose="020B0604020202020204" pitchFamily="34" charset="0"/>
+              <a:buChar char="•"/>
+            </a:pPr>
+            <a:r>
+              <a:rPr lang="en-US" sz="2000" dirty="0">
+                <a:latin typeface="Sherman Sans Book"/>
+              </a:rPr>
+              <a:t>ORAM performance optimization</a:t>
+            </a:r>
+          </a:p>
+          <a:p>
+            <a:pPr marL="571500" indent="-571500">
+              <a:lnSpc>
+                <a:spcPct val="100000"/>
+              </a:lnSpc>
+              <a:spcBef>
+                <a:spcPts val="600"/>
+              </a:spcBef>
+              <a:buFont typeface="Arial" panose="020B0604020202020204" pitchFamily="34" charset="0"/>
+              <a:buChar char="•"/>
+            </a:pPr>
+            <a:r>
+              <a:rPr lang="en-US" sz="2000" dirty="0">
+                <a:solidFill>
+                  <a:srgbClr val="3E3D3C"/>
+                </a:solidFill>
+                <a:latin typeface="Sherman Sans Book"/>
+              </a:rPr>
+              <a:t>Page monitoring attacks</a:t>
+            </a:r>
+            <a:endParaRPr lang="fa-IR" sz="2000" dirty="0">
+              <a:solidFill>
+                <a:srgbClr val="3E3D3C"/>
+              </a:solidFill>
+              <a:latin typeface="Sherman Sans Book"/>
+            </a:endParaRPr>
+          </a:p>
+        </p:txBody>
+      </p:sp>
+      <p:sp>
+        <p:nvSpPr>
+          <p:cNvPr id="6" name="Text Placeholder 5">
             <a:extLst>
               <a:ext uri="{FF2B5EF4-FFF2-40B4-BE49-F238E27FC236}">
-                <a16:creationId xmlns:a16="http://schemas.microsoft.com/office/drawing/2014/main" id="{EADDF039-FB2D-4609-91A8-EC7A4BEAF185}"/>
+                <a16:creationId xmlns:a16="http://schemas.microsoft.com/office/drawing/2014/main" id="{01D0EF89-8F47-49C5-9A7A-9C37F1A30A15}"/>
               </a:ext>
             </a:extLst>
           </p:cNvPr>
@@ -7029,7 +7300,7 @@
             <a:spLocks noGrp="1"/>
           </p:cNvSpPr>
           <p:nvPr>
-            <p:ph sz="quarter" idx="19"/>
+            <p:ph type="body" sz="quarter" idx="22"/>
           </p:nvPr>
         </p:nvSpPr>
         <p:spPr/>
@@ -7038,45 +7309,46 @@
           <a:lstStyle/>
           <a:p>
             <a:r>
-              <a:rPr lang="en-US" dirty="0" err="1"/>
-              <a:t>Flush+Flush</a:t>
-            </a:r>
-            <a:endParaRPr lang="en-US" dirty="0"/>
-          </a:p>
-        </p:txBody>
-      </p:sp>
-      <p:sp>
-        <p:nvSpPr>
-          <p:cNvPr id="6" name="Text Placeholder 5">
+              <a:rPr lang="en-US" dirty="0"/>
+              <a:t>Department of Electrical Engineering and Computer Science</a:t>
+            </a:r>
+          </a:p>
+        </p:txBody>
+      </p:sp>
+      <p:pic>
+        <p:nvPicPr>
+          <p:cNvPr id="8" name="Picture 7">
             <a:extLst>
               <a:ext uri="{FF2B5EF4-FFF2-40B4-BE49-F238E27FC236}">
-                <a16:creationId xmlns:a16="http://schemas.microsoft.com/office/drawing/2014/main" id="{534945E0-7DB3-4A27-9B40-FE777AD10027}"/>
+                <a16:creationId xmlns:a16="http://schemas.microsoft.com/office/drawing/2014/main" id="{757A55AE-17F2-4A0D-8D6B-88C471F57F76}"/>
               </a:ext>
             </a:extLst>
           </p:cNvPr>
-          <p:cNvSpPr>
-            <a:spLocks noGrp="1"/>
-          </p:cNvSpPr>
-          <p:nvPr>
-            <p:ph type="body" sz="quarter" idx="22"/>
-          </p:nvPr>
-        </p:nvSpPr>
-        <p:spPr/>
-        <p:txBody>
-          <a:bodyPr/>
-          <a:lstStyle/>
-          <a:p>
-            <a:r>
-              <a:rPr lang="en-US" dirty="0"/>
-              <a:t>Department of Electrical Engineering and Computer Science</a:t>
-            </a:r>
-          </a:p>
-        </p:txBody>
-      </p:sp>
+          <p:cNvPicPr>
+            <a:picLocks noChangeAspect="1"/>
+          </p:cNvPicPr>
+          <p:nvPr/>
+        </p:nvPicPr>
+        <p:blipFill>
+          <a:blip r:embed="rId2"/>
+          <a:stretch>
+            <a:fillRect/>
+          </a:stretch>
+        </p:blipFill>
+        <p:spPr>
+          <a:xfrm>
+            <a:off x="7713784" y="1214614"/>
+            <a:ext cx="4164691" cy="1775614"/>
+          </a:xfrm>
+          <a:prstGeom prst="rect">
+            <a:avLst/>
+          </a:prstGeom>
+        </p:spPr>
+      </p:pic>
     </p:spTree>
     <p:extLst>
       <p:ext uri="{BB962C8B-B14F-4D97-AF65-F5344CB8AC3E}">
-        <p14:creationId xmlns:p14="http://schemas.microsoft.com/office/powerpoint/2010/main" val="1471917261"/>
+        <p14:creationId xmlns:p14="http://schemas.microsoft.com/office/powerpoint/2010/main" val="892053230"/>
       </p:ext>
     </p:extLst>
   </p:cSld>
@@ -7111,7 +7383,7 @@
           <p:cNvPr id="2" name="Slide Number Placeholder 1">
             <a:extLst>
               <a:ext uri="{FF2B5EF4-FFF2-40B4-BE49-F238E27FC236}">
-                <a16:creationId xmlns:a16="http://schemas.microsoft.com/office/drawing/2014/main" id="{2324937E-45C2-48B0-8F66-716BFFE00B36}"/>
+                <a16:creationId xmlns:a16="http://schemas.microsoft.com/office/drawing/2014/main" id="{D1DD070F-0015-4FC4-ABE6-36F10B06D147}"/>
               </a:ext>
             </a:extLst>
           </p:cNvPr>
@@ -7141,7 +7413,7 @@
           <p:cNvPr id="3" name="Title 2">
             <a:extLst>
               <a:ext uri="{FF2B5EF4-FFF2-40B4-BE49-F238E27FC236}">
-                <a16:creationId xmlns:a16="http://schemas.microsoft.com/office/drawing/2014/main" id="{A7672423-4DE3-4440-9F68-047203D5E472}"/>
+                <a16:creationId xmlns:a16="http://schemas.microsoft.com/office/drawing/2014/main" id="{79ECE240-F72B-4CA7-A764-B34B2AC096A8}"/>
               </a:ext>
             </a:extLst>
           </p:cNvPr>
@@ -7159,7 +7431,7 @@
           <a:p>
             <a:r>
               <a:rPr lang="en-US" dirty="0"/>
-              <a:t>Defenses</a:t>
+              <a:t>Conclusion</a:t>
             </a:r>
           </a:p>
         </p:txBody>
@@ -7169,7 +7441,7 @@
           <p:cNvPr id="4" name="Text Placeholder 3">
             <a:extLst>
               <a:ext uri="{FF2B5EF4-FFF2-40B4-BE49-F238E27FC236}">
-                <a16:creationId xmlns:a16="http://schemas.microsoft.com/office/drawing/2014/main" id="{A59625C3-EBFE-4E1D-9824-33ADC7E8333E}"/>
+                <a16:creationId xmlns:a16="http://schemas.microsoft.com/office/drawing/2014/main" id="{6DCF062F-5B83-4E3C-8983-5BDD671A696D}"/>
               </a:ext>
             </a:extLst>
           </p:cNvPr>
@@ -7182,7 +7454,7 @@
         </p:nvSpPr>
         <p:spPr>
           <a:xfrm>
-            <a:off x="1066802" y="1605756"/>
+            <a:off x="1066800" y="1605756"/>
             <a:ext cx="10667998" cy="3646487"/>
           </a:xfrm>
         </p:spPr>
@@ -7192,219 +7464,76 @@
           <a:p>
             <a:pPr marL="571500" indent="-571500">
               <a:lnSpc>
-                <a:spcPct val="100000"/>
-              </a:lnSpc>
-              <a:spcBef>
-                <a:spcPts val="1200"/>
-              </a:spcBef>
+                <a:spcPct val="150000"/>
+              </a:lnSpc>
               <a:buFont typeface="Arial" panose="020B0604020202020204" pitchFamily="34" charset="0"/>
               <a:buChar char="•"/>
             </a:pPr>
             <a:r>
               <a:rPr lang="en-US" sz="3200" dirty="0"/>
-              <a:t>Déjà vu</a:t>
-            </a:r>
-          </a:p>
-          <a:p>
-            <a:pPr marL="1028700" lvl="1" indent="-571500">
-              <a:lnSpc>
-                <a:spcPct val="100000"/>
-              </a:lnSpc>
-              <a:spcBef>
-                <a:spcPts val="1200"/>
-              </a:spcBef>
+              <a:t>We studied multiple attacks and defenses</a:t>
+            </a:r>
+          </a:p>
+          <a:p>
+            <a:pPr marL="571500" indent="-571500">
+              <a:lnSpc>
+                <a:spcPct val="150000"/>
+              </a:lnSpc>
               <a:buFont typeface="Arial" panose="020B0604020202020204" pitchFamily="34" charset="0"/>
               <a:buChar char="•"/>
             </a:pPr>
             <a:r>
-              <a:rPr lang="en-US" dirty="0">
-                <a:solidFill>
-                  <a:srgbClr val="3E3D3C"/>
-                </a:solidFill>
-                <a:latin typeface="Sherman Sans Book"/>
-              </a:rPr>
-              <a:t>Embed a clock inside enclave</a:t>
-            </a:r>
-          </a:p>
-          <a:p>
-            <a:pPr marL="1028700" lvl="1" indent="-571500">
-              <a:lnSpc>
-                <a:spcPct val="100000"/>
-              </a:lnSpc>
-              <a:spcBef>
-                <a:spcPts val="1200"/>
-              </a:spcBef>
+              <a:rPr lang="en-US" sz="3200" dirty="0"/>
+              <a:t>Still no robust defense</a:t>
+            </a:r>
+          </a:p>
+          <a:p>
+            <a:pPr marL="571500" indent="-571500">
+              <a:lnSpc>
+                <a:spcPct val="150000"/>
+              </a:lnSpc>
               <a:buFont typeface="Arial" panose="020B0604020202020204" pitchFamily="34" charset="0"/>
               <a:buChar char="•"/>
             </a:pPr>
             <a:r>
-              <a:rPr lang="en-US" dirty="0">
-                <a:solidFill>
-                  <a:srgbClr val="3E3D3C"/>
-                </a:solidFill>
-                <a:latin typeface="Sherman Sans Book"/>
-              </a:rPr>
-              <a:t>Protect the clock inside TSX transaction</a:t>
-            </a:r>
-          </a:p>
-          <a:p>
-            <a:pPr marL="1028700" lvl="1" indent="-571500">
-              <a:lnSpc>
-                <a:spcPct val="100000"/>
-              </a:lnSpc>
-              <a:spcBef>
-                <a:spcPts val="1200"/>
-              </a:spcBef>
+              <a:rPr lang="en-US" sz="3200" dirty="0"/>
+              <a:t>Attack are emerging</a:t>
+            </a:r>
+          </a:p>
+          <a:p>
+            <a:pPr marL="571500" indent="-571500">
+              <a:lnSpc>
+                <a:spcPct val="150000"/>
+              </a:lnSpc>
               <a:buFont typeface="Arial" panose="020B0604020202020204" pitchFamily="34" charset="0"/>
               <a:buChar char="•"/>
             </a:pPr>
             <a:r>
-              <a:rPr lang="en-US" dirty="0">
-                <a:solidFill>
-                  <a:srgbClr val="3E3D3C"/>
-                </a:solidFill>
-                <a:latin typeface="Sherman Sans Book"/>
-              </a:rPr>
-              <a:t>Record regular execution time</a:t>
-            </a:r>
-          </a:p>
-          <a:p>
-            <a:pPr marL="1028700" lvl="1" indent="-571500">
-              <a:lnSpc>
-                <a:spcPct val="100000"/>
-              </a:lnSpc>
-              <a:spcBef>
-                <a:spcPts val="1200"/>
-              </a:spcBef>
+              <a:rPr lang="en-US" sz="3200" dirty="0"/>
+              <a:t>Open to research</a:t>
+            </a:r>
+          </a:p>
+          <a:p>
+            <a:pPr marL="571500" indent="-571500">
+              <a:lnSpc>
+                <a:spcPct val="150000"/>
+              </a:lnSpc>
               <a:buFont typeface="Arial" panose="020B0604020202020204" pitchFamily="34" charset="0"/>
               <a:buChar char="•"/>
             </a:pPr>
-            <a:r>
-              <a:rPr lang="en-US" dirty="0">
-                <a:solidFill>
-                  <a:srgbClr val="3E3D3C"/>
-                </a:solidFill>
-                <a:latin typeface="Sherman Sans Book"/>
-              </a:rPr>
-              <a:t>Time runs out ⇨ </a:t>
-            </a:r>
-            <a:r>
-              <a:rPr lang="en-US">
-                <a:solidFill>
-                  <a:srgbClr val="3E3D3C"/>
-                </a:solidFill>
-                <a:latin typeface="Sherman Sans Book"/>
-              </a:rPr>
-              <a:t>AEX instability ⇨ </a:t>
-            </a:r>
-            <a:r>
-              <a:rPr lang="en-US" dirty="0">
-                <a:solidFill>
-                  <a:srgbClr val="3E3D3C"/>
-                </a:solidFill>
-                <a:latin typeface="Sherman Sans Book"/>
-              </a:rPr>
-              <a:t>attack detected</a:t>
-            </a:r>
-          </a:p>
-          <a:p>
-            <a:pPr marL="571500" indent="-571500">
-              <a:lnSpc>
-                <a:spcPct val="100000"/>
-              </a:lnSpc>
-              <a:spcBef>
-                <a:spcPts val="1200"/>
-              </a:spcBef>
-              <a:buFont typeface="Arial" panose="020B0604020202020204" pitchFamily="34" charset="0"/>
-              <a:buChar char="•"/>
-            </a:pPr>
-            <a:r>
-              <a:rPr lang="en-US" sz="3200" dirty="0"/>
-              <a:t>Shinde et al.</a:t>
-            </a:r>
-          </a:p>
-          <a:p>
-            <a:pPr marL="1028700" lvl="1" indent="-571500">
-              <a:lnSpc>
-                <a:spcPct val="100000"/>
-              </a:lnSpc>
-              <a:spcBef>
-                <a:spcPts val="1200"/>
-              </a:spcBef>
-              <a:buFont typeface="Arial" panose="020B0604020202020204" pitchFamily="34" charset="0"/>
-              <a:buChar char="•"/>
-            </a:pPr>
-            <a:r>
-              <a:rPr lang="en-US" dirty="0">
-                <a:solidFill>
-                  <a:srgbClr val="3E3D3C"/>
-                </a:solidFill>
-                <a:latin typeface="Sherman Sans Book"/>
-              </a:rPr>
-              <a:t>Deterministic page access profile</a:t>
-            </a:r>
-          </a:p>
-          <a:p>
-            <a:pPr marL="1028700" lvl="1" indent="-571500">
-              <a:lnSpc>
-                <a:spcPct val="100000"/>
-              </a:lnSpc>
-              <a:spcBef>
-                <a:spcPts val="1200"/>
-              </a:spcBef>
-              <a:buFont typeface="Arial" panose="020B0604020202020204" pitchFamily="34" charset="0"/>
-              <a:buChar char="•"/>
-            </a:pPr>
-            <a:r>
-              <a:rPr lang="en-US" dirty="0">
-                <a:solidFill>
-                  <a:srgbClr val="3E3D3C"/>
-                </a:solidFill>
-                <a:latin typeface="Sherman Sans Book"/>
-              </a:rPr>
-              <a:t>Fake accesses</a:t>
-            </a:r>
-          </a:p>
-        </p:txBody>
-      </p:sp>
-      <p:pic>
-        <p:nvPicPr>
-          <p:cNvPr id="8" name="Content Placeholder 7">
+            <a:endParaRPr lang="en-US" sz="3200" dirty="0"/>
+          </a:p>
+        </p:txBody>
+      </p:sp>
+      <p:sp>
+        <p:nvSpPr>
+          <p:cNvPr id="6" name="Text Placeholder 5">
             <a:extLst>
               <a:ext uri="{FF2B5EF4-FFF2-40B4-BE49-F238E27FC236}">
-                <a16:creationId xmlns:a16="http://schemas.microsoft.com/office/drawing/2014/main" id="{4AC581C0-5690-4D56-A9DC-2D660FBECC57}"/>
+                <a16:creationId xmlns:a16="http://schemas.microsoft.com/office/drawing/2014/main" id="{2A83185D-A317-450B-8CBF-B58853DBB113}"/>
               </a:ext>
             </a:extLst>
           </p:cNvPr>
-          <p:cNvPicPr>
-            <a:picLocks noGrp="1" noChangeAspect="1"/>
-          </p:cNvPicPr>
-          <p:nvPr>
-            <p:ph sz="quarter" idx="19"/>
-          </p:nvPr>
-        </p:nvPicPr>
-        <p:blipFill>
-          <a:blip r:embed="rId2"/>
-          <a:stretch>
-            <a:fillRect/>
-          </a:stretch>
-        </p:blipFill>
-        <p:spPr>
-          <a:xfrm>
-            <a:off x="7229624" y="1493996"/>
-            <a:ext cx="4424311" cy="2280531"/>
-          </a:xfrm>
-        </p:spPr>
-      </p:pic>
-      <p:sp>
-        <p:nvSpPr>
-          <p:cNvPr id="6" name="Text Placeholder 5">
-            <a:extLst>
-              <a:ext uri="{FF2B5EF4-FFF2-40B4-BE49-F238E27FC236}">
-                <a16:creationId xmlns:a16="http://schemas.microsoft.com/office/drawing/2014/main" id="{E627760D-257C-4DB0-B36D-10A3CC08075A}"/>
-              </a:ext>
-            </a:extLst>
-          </p:cNvPr>
           <p:cNvSpPr>
             <a:spLocks noGrp="1"/>
           </p:cNvSpPr>
@@ -7427,7 +7556,7 @@
     </p:spTree>
     <p:extLst>
       <p:ext uri="{BB962C8B-B14F-4D97-AF65-F5344CB8AC3E}">
-        <p14:creationId xmlns:p14="http://schemas.microsoft.com/office/powerpoint/2010/main" val="1026533762"/>
+        <p14:creationId xmlns:p14="http://schemas.microsoft.com/office/powerpoint/2010/main" val="1440044419"/>
       </p:ext>
     </p:extLst>
   </p:cSld>
@@ -7462,7 +7591,7 @@
           <p:cNvPr id="2" name="Slide Number Placeholder 1">
             <a:extLst>
               <a:ext uri="{FF2B5EF4-FFF2-40B4-BE49-F238E27FC236}">
-                <a16:creationId xmlns:a16="http://schemas.microsoft.com/office/drawing/2014/main" id="{B9C8362F-5220-4EF2-B58C-9814516AE587}"/>
+                <a16:creationId xmlns:a16="http://schemas.microsoft.com/office/drawing/2014/main" id="{728F9554-2836-461D-9001-19B6225563C6}"/>
               </a:ext>
             </a:extLst>
           </p:cNvPr>
@@ -7492,7 +7621,7 @@
           <p:cNvPr id="3" name="Title 2">
             <a:extLst>
               <a:ext uri="{FF2B5EF4-FFF2-40B4-BE49-F238E27FC236}">
-                <a16:creationId xmlns:a16="http://schemas.microsoft.com/office/drawing/2014/main" id="{D9CD2F4B-D365-4F71-8455-BF2171AF1D7F}"/>
+                <a16:creationId xmlns:a16="http://schemas.microsoft.com/office/drawing/2014/main" id="{77D0E184-2738-4E67-AE04-13DC769470C1}"/>
               </a:ext>
             </a:extLst>
           </p:cNvPr>
@@ -7510,7 +7639,7 @@
           <a:p>
             <a:r>
               <a:rPr lang="en-US" dirty="0"/>
-              <a:t>Defenses</a:t>
+              <a:t>References</a:t>
             </a:r>
           </a:p>
         </p:txBody>
@@ -7520,7 +7649,7 @@
           <p:cNvPr id="4" name="Text Placeholder 3">
             <a:extLst>
               <a:ext uri="{FF2B5EF4-FFF2-40B4-BE49-F238E27FC236}">
-                <a16:creationId xmlns:a16="http://schemas.microsoft.com/office/drawing/2014/main" id="{3017E704-B28A-4725-A4A0-EAE3135EBAF0}"/>
+                <a16:creationId xmlns:a16="http://schemas.microsoft.com/office/drawing/2014/main" id="{0D7AD22C-7A69-453C-849F-E9EB6615AB67}"/>
               </a:ext>
             </a:extLst>
           </p:cNvPr>
@@ -7533,7 +7662,7 @@
         </p:nvSpPr>
         <p:spPr>
           <a:xfrm>
-            <a:off x="1066800" y="1016476"/>
+            <a:off x="1066802" y="944966"/>
             <a:ext cx="10667998" cy="3646487"/>
           </a:xfrm>
         </p:spPr>
@@ -7541,174 +7670,759 @@
           <a:bodyPr/>
           <a:lstStyle/>
           <a:p>
-            <a:pPr marL="571500" indent="-571500">
-              <a:buFont typeface="Arial" panose="020B0604020202020204" pitchFamily="34" charset="0"/>
-              <a:buChar char="•"/>
-            </a:pPr>
-            <a:r>
-              <a:rPr lang="en-US" sz="3200" dirty="0">
-                <a:latin typeface="Sherman Sans Book"/>
-              </a:rPr>
-              <a:t>T-SGX</a:t>
-            </a:r>
-          </a:p>
-          <a:p>
-            <a:pPr marL="1028700" lvl="1" indent="-571500">
-              <a:buFont typeface="Arial" panose="020B0604020202020204" pitchFamily="34" charset="0"/>
-              <a:buChar char="•"/>
-            </a:pPr>
-            <a:r>
-              <a:rPr lang="en-US" dirty="0">
-                <a:solidFill>
-                  <a:srgbClr val="3E3D3C"/>
-                </a:solidFill>
-                <a:latin typeface="Sherman Sans Book"/>
-              </a:rPr>
-              <a:t>CPU does not deliver page-fault to the OS</a:t>
-            </a:r>
-          </a:p>
-          <a:p>
-            <a:pPr marL="1028700" lvl="1" indent="-571500">
-              <a:buFont typeface="Arial" panose="020B0604020202020204" pitchFamily="34" charset="0"/>
-              <a:buChar char="•"/>
-            </a:pPr>
-            <a:r>
-              <a:rPr lang="en-US" dirty="0">
-                <a:solidFill>
-                  <a:srgbClr val="3E3D3C"/>
-                </a:solidFill>
-                <a:latin typeface="Sherman Sans Book"/>
-              </a:rPr>
-              <a:t>Abort transaction and run the fallback code</a:t>
-            </a:r>
-          </a:p>
-          <a:p>
-            <a:pPr marL="1028700" lvl="1" indent="-571500">
-              <a:buFont typeface="Arial" panose="020B0604020202020204" pitchFamily="34" charset="0"/>
-              <a:buChar char="•"/>
-            </a:pPr>
-            <a:r>
-              <a:rPr lang="en-US" dirty="0">
-                <a:solidFill>
-                  <a:srgbClr val="3E3D3C"/>
-                </a:solidFill>
-                <a:latin typeface="Sherman Sans Book"/>
-              </a:rPr>
-              <a:t>Lots of aborts</a:t>
-            </a:r>
-          </a:p>
-          <a:p>
-            <a:pPr marL="1028700" lvl="1" indent="-571500">
-              <a:buFont typeface="Arial" panose="020B0604020202020204" pitchFamily="34" charset="0"/>
-              <a:buChar char="•"/>
-            </a:pPr>
-            <a:r>
-              <a:rPr lang="en-US" dirty="0">
-                <a:solidFill>
-                  <a:srgbClr val="3E3D3C"/>
-                </a:solidFill>
-                <a:latin typeface="Sherman Sans Book"/>
-              </a:rPr>
-              <a:t>Break into execution blocks</a:t>
-            </a:r>
-          </a:p>
-          <a:p>
-            <a:pPr marL="571500" indent="-571500">
-              <a:buFont typeface="Arial" panose="020B0604020202020204" pitchFamily="34" charset="0"/>
-              <a:buChar char="•"/>
-            </a:pPr>
-            <a:r>
-              <a:rPr lang="en-US" sz="3200" dirty="0">
-                <a:latin typeface="Sherman Sans Book"/>
-              </a:rPr>
-              <a:t>Cloak</a:t>
-            </a:r>
-          </a:p>
-          <a:p>
-            <a:pPr marL="1028700" lvl="1" indent="-571500">
-              <a:buFont typeface="Arial" panose="020B0604020202020204" pitchFamily="34" charset="0"/>
-              <a:buChar char="•"/>
-            </a:pPr>
-            <a:r>
-              <a:rPr lang="en-US" dirty="0">
-                <a:solidFill>
-                  <a:srgbClr val="3E3D3C"/>
-                </a:solidFill>
-                <a:latin typeface="Sherman Sans Book"/>
-              </a:rPr>
-              <a:t>Pin data in cache: Not supported by hardware</a:t>
-            </a:r>
-          </a:p>
-          <a:p>
-            <a:pPr marL="1028700" lvl="1" indent="-571500">
-              <a:buFont typeface="Arial" panose="020B0604020202020204" pitchFamily="34" charset="0"/>
-              <a:buChar char="•"/>
-            </a:pPr>
-            <a:r>
-              <a:rPr lang="en-US" dirty="0">
-                <a:solidFill>
-                  <a:srgbClr val="3E3D3C"/>
-                </a:solidFill>
-                <a:latin typeface="Sherman Sans Book"/>
-              </a:rPr>
-              <a:t>Preload code/data in transaction and run the algorithm</a:t>
-            </a:r>
-          </a:p>
-          <a:p>
-            <a:pPr marL="571500" indent="-571500">
-              <a:buFont typeface="Arial" panose="020B0604020202020204" pitchFamily="34" charset="0"/>
-              <a:buChar char="•"/>
-            </a:pPr>
-            <a:r>
-              <a:rPr lang="en-US" sz="3200" dirty="0">
-                <a:latin typeface="Sherman Sans Book"/>
-              </a:rPr>
-              <a:t>SGX-Shield</a:t>
-            </a:r>
-          </a:p>
-          <a:p>
-            <a:pPr marL="1028700" lvl="1" indent="-571500">
-              <a:buFont typeface="Arial" panose="020B0604020202020204" pitchFamily="34" charset="0"/>
-              <a:buChar char="•"/>
-            </a:pPr>
-            <a:r>
-              <a:rPr lang="en-US" dirty="0">
-                <a:solidFill>
-                  <a:srgbClr val="3E3D3C"/>
-                </a:solidFill>
-                <a:latin typeface="Sherman Sans Book"/>
-              </a:rPr>
-              <a:t>Address space layout randomization (ASLR)</a:t>
-            </a:r>
-          </a:p>
-          <a:p>
-            <a:pPr marL="1485900" lvl="2" indent="-571500">
-              <a:buFont typeface="Arial" panose="020B0604020202020204" pitchFamily="34" charset="0"/>
-              <a:buChar char="•"/>
-            </a:pPr>
-            <a:r>
-              <a:rPr lang="en-US" dirty="0">
-                <a:solidFill>
-                  <a:srgbClr val="3E3D3C"/>
-                </a:solidFill>
-                <a:latin typeface="Sherman Sans Book"/>
-              </a:rPr>
-              <a:t>Secure in enclave loading</a:t>
-            </a:r>
-          </a:p>
-          <a:p>
-            <a:pPr marL="1485900" lvl="2" indent="-571500">
-              <a:buFont typeface="Arial" panose="020B0604020202020204" pitchFamily="34" charset="0"/>
-              <a:buChar char="•"/>
-            </a:pPr>
-            <a:r>
-              <a:rPr lang="en-US" dirty="0">
-                <a:solidFill>
-                  <a:srgbClr val="3E3D3C"/>
-                </a:solidFill>
-                <a:latin typeface="Sherman Sans Book"/>
-              </a:rPr>
-              <a:t>Limited memory ⇨  small randomization entropy ⇨ brute force attacks</a:t>
+            <a:r>
+              <a:rPr lang="en-US" sz="1100" dirty="0"/>
+              <a:t>[1] Ferdinand </a:t>
+            </a:r>
+            <a:r>
+              <a:rPr lang="en-US" sz="1100" dirty="0" err="1"/>
+              <a:t>Brasser</a:t>
+            </a:r>
+            <a:r>
+              <a:rPr lang="en-US" sz="1100" dirty="0"/>
+              <a:t>, </a:t>
+            </a:r>
+            <a:r>
+              <a:rPr lang="en-US" sz="1100" dirty="0" err="1"/>
+              <a:t>Srdjan</a:t>
+            </a:r>
+            <a:r>
+              <a:rPr lang="en-US" sz="1100" dirty="0"/>
+              <a:t> </a:t>
+            </a:r>
+            <a:r>
+              <a:rPr lang="en-US" sz="1100" dirty="0" err="1"/>
+              <a:t>Capkun</a:t>
+            </a:r>
+            <a:r>
+              <a:rPr lang="en-US" sz="1100" dirty="0"/>
+              <a:t>, Alexandra </a:t>
+            </a:r>
+            <a:r>
+              <a:rPr lang="en-US" sz="1100" dirty="0" err="1"/>
+              <a:t>Dmitrienko</a:t>
+            </a:r>
+            <a:r>
+              <a:rPr lang="en-US" sz="1100" dirty="0"/>
+              <a:t>, Tommaso </a:t>
+            </a:r>
+            <a:r>
+              <a:rPr lang="en-US" sz="1100" dirty="0" err="1"/>
+              <a:t>Frassetto</a:t>
+            </a:r>
+            <a:r>
+              <a:rPr lang="en-US" sz="1100" dirty="0"/>
+              <a:t>, Kari </a:t>
+            </a:r>
+            <a:r>
+              <a:rPr lang="en-US" sz="1100" dirty="0" err="1"/>
+              <a:t>Kostiainen</a:t>
+            </a:r>
+            <a:r>
+              <a:rPr lang="en-US" sz="1100" dirty="0"/>
+              <a:t>, </a:t>
+            </a:r>
+            <a:r>
+              <a:rPr lang="en-US" sz="1100" dirty="0" err="1"/>
+              <a:t>Urs</a:t>
+            </a:r>
+            <a:r>
+              <a:rPr lang="en-US" sz="1100" dirty="0"/>
+              <a:t> </a:t>
+            </a:r>
+            <a:r>
+              <a:rPr lang="en-US" sz="1100" dirty="0" err="1"/>
+              <a:t>Mu¨ller</a:t>
+            </a:r>
+            <a:r>
+              <a:rPr lang="en-US" sz="1100" dirty="0"/>
+              <a:t>, and Ahmad-Reza Sadeghi. 2017. DR. SGX: Hardening SGX Enclaves against Cache Attacks with Data Location Randomization. </a:t>
+            </a:r>
+            <a:r>
+              <a:rPr lang="en-US" sz="1100" dirty="0" err="1"/>
+              <a:t>arXiv</a:t>
+            </a:r>
+            <a:r>
+              <a:rPr lang="en-US" sz="1100" dirty="0"/>
+              <a:t> preprint arXiv:1709.09917 (2017). </a:t>
+            </a:r>
+            <a:br>
+              <a:rPr lang="en-US" sz="1100" dirty="0"/>
+            </a:br>
+            <a:r>
+              <a:rPr lang="en-US" sz="1100" dirty="0"/>
+              <a:t>[2] Ferdinand </a:t>
+            </a:r>
+            <a:r>
+              <a:rPr lang="en-US" sz="1100" dirty="0" err="1"/>
+              <a:t>Brasser</a:t>
+            </a:r>
+            <a:r>
+              <a:rPr lang="en-US" sz="1100" dirty="0"/>
+              <a:t>, </a:t>
+            </a:r>
+            <a:r>
+              <a:rPr lang="en-US" sz="1100" dirty="0" err="1"/>
+              <a:t>Urs</a:t>
+            </a:r>
+            <a:r>
+              <a:rPr lang="en-US" sz="1100" dirty="0"/>
+              <a:t> </a:t>
+            </a:r>
+            <a:r>
+              <a:rPr lang="en-US" sz="1100" dirty="0" err="1"/>
+              <a:t>Mu¨ller</a:t>
+            </a:r>
+            <a:r>
+              <a:rPr lang="en-US" sz="1100" dirty="0"/>
+              <a:t>, Alexandra </a:t>
+            </a:r>
+            <a:r>
+              <a:rPr lang="en-US" sz="1100" dirty="0" err="1"/>
+              <a:t>Dmitrienko</a:t>
+            </a:r>
+            <a:r>
+              <a:rPr lang="en-US" sz="1100" dirty="0"/>
+              <a:t>, Kari </a:t>
+            </a:r>
+            <a:r>
+              <a:rPr lang="en-US" sz="1100" dirty="0" err="1"/>
+              <a:t>Kostiainen</a:t>
+            </a:r>
+            <a:r>
+              <a:rPr lang="en-US" sz="1100" dirty="0"/>
+              <a:t>, </a:t>
+            </a:r>
+            <a:r>
+              <a:rPr lang="en-US" sz="1100" dirty="0" err="1"/>
+              <a:t>Srdjan</a:t>
+            </a:r>
+            <a:r>
+              <a:rPr lang="en-US" sz="1100" dirty="0"/>
+              <a:t> </a:t>
+            </a:r>
+            <a:r>
+              <a:rPr lang="en-US" sz="1100" dirty="0" err="1"/>
+              <a:t>Capkun</a:t>
+            </a:r>
+            <a:r>
+              <a:rPr lang="en-US" sz="1100" dirty="0"/>
+              <a:t>, and </a:t>
+            </a:r>
+            <a:r>
+              <a:rPr lang="en-US" sz="1100" dirty="0" err="1"/>
+              <a:t>AhmadReza</a:t>
+            </a:r>
+            <a:r>
+              <a:rPr lang="en-US" sz="1100" dirty="0"/>
+              <a:t> Sadeghi. 2017. Software grand exposure: SGX cache attacks are practical. </a:t>
+            </a:r>
+            <a:r>
+              <a:rPr lang="en-US" sz="1100" dirty="0" err="1"/>
+              <a:t>arXiv</a:t>
+            </a:r>
+            <a:r>
+              <a:rPr lang="en-US" sz="1100" dirty="0"/>
+              <a:t> preprint arXiv:1702.07521 (2017), 33.</a:t>
+            </a:r>
+            <a:br>
+              <a:rPr lang="en-US" sz="1100" dirty="0"/>
+            </a:br>
+            <a:r>
+              <a:rPr lang="en-US" sz="1100" dirty="0"/>
+              <a:t>[3] </a:t>
+            </a:r>
+            <a:r>
+              <a:rPr lang="en-US" sz="1100" dirty="0" err="1"/>
+              <a:t>Sanchuan</a:t>
+            </a:r>
+            <a:r>
+              <a:rPr lang="en-US" sz="1100" dirty="0"/>
+              <a:t> Chen, </a:t>
+            </a:r>
+            <a:r>
+              <a:rPr lang="en-US" sz="1100" dirty="0" err="1"/>
+              <a:t>Xiaokuan</a:t>
+            </a:r>
+            <a:r>
+              <a:rPr lang="en-US" sz="1100" dirty="0"/>
+              <a:t> Zhang, Michael K Reiter, and </a:t>
+            </a:r>
+            <a:r>
+              <a:rPr lang="en-US" sz="1100" dirty="0" err="1"/>
+              <a:t>Yinqian</a:t>
+            </a:r>
+            <a:r>
+              <a:rPr lang="en-US" sz="1100" dirty="0"/>
+              <a:t> Zhang. 2017. Detecting privileged side-channel attacks in shielded execution with </a:t>
+            </a:r>
+            <a:r>
+              <a:rPr lang="en-US" sz="1100" dirty="0" err="1"/>
+              <a:t>D´ej´a</a:t>
+            </a:r>
+            <a:r>
+              <a:rPr lang="en-US" sz="1100" dirty="0"/>
+              <a:t> Vu. In Proceedings of the 2017 ACM on Asia Conference on Computer and Communications Security. ACM, 7–18.</a:t>
+            </a:r>
+            <a:br>
+              <a:rPr lang="en-US" sz="1100" dirty="0"/>
+            </a:br>
+            <a:r>
+              <a:rPr lang="en-US" sz="1100" dirty="0"/>
+              <a:t>[4] Oded </a:t>
+            </a:r>
+            <a:r>
+              <a:rPr lang="en-US" sz="1100" dirty="0" err="1"/>
+              <a:t>Goldreich</a:t>
+            </a:r>
+            <a:r>
+              <a:rPr lang="en-US" sz="1100" dirty="0"/>
+              <a:t>. 1987. Towards a theory of software protection and simulation by oblivious RAMs. In Proceedings of the nineteenth annual ACM symposium on Theory of computing. ACM, 182–194.</a:t>
+            </a:r>
+            <a:br>
+              <a:rPr lang="en-US" sz="1100" dirty="0"/>
+            </a:br>
+            <a:r>
+              <a:rPr lang="en-US" sz="1100" dirty="0"/>
+              <a:t>[5] Oded </a:t>
+            </a:r>
+            <a:r>
+              <a:rPr lang="en-US" sz="1100" dirty="0" err="1"/>
+              <a:t>Goldreich</a:t>
+            </a:r>
+            <a:r>
+              <a:rPr lang="en-US" sz="1100" dirty="0"/>
+              <a:t> and </a:t>
+            </a:r>
+            <a:r>
+              <a:rPr lang="en-US" sz="1100" dirty="0" err="1"/>
+              <a:t>Rafail</a:t>
+            </a:r>
+            <a:r>
+              <a:rPr lang="en-US" sz="1100" dirty="0"/>
+              <a:t> </a:t>
+            </a:r>
+            <a:r>
+              <a:rPr lang="en-US" sz="1100" dirty="0" err="1"/>
+              <a:t>Ostrovsky</a:t>
+            </a:r>
+            <a:r>
+              <a:rPr lang="en-US" sz="1100" dirty="0"/>
+              <a:t>. 1996. Software protection and simulation on oblivious RAMs. Journal of the ACM (JACM) 43, 3 (1996), 431–473.</a:t>
+            </a:r>
+            <a:br>
+              <a:rPr lang="en-US" sz="1100" dirty="0"/>
+            </a:br>
+            <a:r>
+              <a:rPr lang="en-US" sz="1100" dirty="0"/>
+              <a:t>[6] Daniel </a:t>
+            </a:r>
+            <a:r>
+              <a:rPr lang="en-US" sz="1100" dirty="0" err="1"/>
+              <a:t>Gruss</a:t>
+            </a:r>
+            <a:r>
+              <a:rPr lang="en-US" sz="1100" dirty="0"/>
+              <a:t>, Julian </a:t>
+            </a:r>
+            <a:r>
+              <a:rPr lang="en-US" sz="1100" dirty="0" err="1"/>
+              <a:t>Lettner</a:t>
+            </a:r>
+            <a:r>
+              <a:rPr lang="en-US" sz="1100" dirty="0"/>
+              <a:t>, Felix Schuster, </a:t>
+            </a:r>
+            <a:r>
+              <a:rPr lang="en-US" sz="1100" dirty="0" err="1"/>
+              <a:t>Olya</a:t>
+            </a:r>
+            <a:r>
+              <a:rPr lang="en-US" sz="1100" dirty="0"/>
+              <a:t> </a:t>
+            </a:r>
+            <a:r>
+              <a:rPr lang="en-US" sz="1100" dirty="0" err="1"/>
+              <a:t>Ohrimenko</a:t>
+            </a:r>
+            <a:r>
+              <a:rPr lang="en-US" sz="1100" dirty="0"/>
+              <a:t>, Istvan Haller, and Manuel Costa. 2017. Strong and efficient cache side-channel protection using hardware transactional memory. In USENIX Security Symposium.</a:t>
+            </a:r>
+            <a:br>
+              <a:rPr lang="en-US" sz="1100" dirty="0"/>
+            </a:br>
+            <a:r>
+              <a:rPr lang="en-US" sz="1100" dirty="0"/>
+              <a:t>[7] Daniel </a:t>
+            </a:r>
+            <a:r>
+              <a:rPr lang="en-US" sz="1100" dirty="0" err="1"/>
+              <a:t>Gruss</a:t>
+            </a:r>
+            <a:r>
+              <a:rPr lang="en-US" sz="1100" dirty="0"/>
+              <a:t>, </a:t>
+            </a:r>
+            <a:r>
+              <a:rPr lang="en-US" sz="1100" dirty="0" err="1"/>
+              <a:t>Cl´ementine</a:t>
+            </a:r>
+            <a:r>
+              <a:rPr lang="en-US" sz="1100" dirty="0"/>
+              <a:t> Maurice, Klaus Wagner, and Stefan </a:t>
+            </a:r>
+            <a:r>
+              <a:rPr lang="en-US" sz="1100" dirty="0" err="1"/>
+              <a:t>Mangard</a:t>
+            </a:r>
+            <a:r>
+              <a:rPr lang="en-US" sz="1100" dirty="0"/>
+              <a:t>. 2016. Flush+ Flush: a fast and stealthy cache attack. In International Conference on Detection of Intrusions and Malware, and Vulnerability Assessment. Springer, 279–299.</a:t>
+            </a:r>
+            <a:br>
+              <a:rPr lang="en-US" sz="1100" dirty="0"/>
+            </a:br>
+            <a:r>
+              <a:rPr lang="en-US" sz="1100" dirty="0"/>
+              <a:t>[8] Mehmet </a:t>
+            </a:r>
+            <a:r>
+              <a:rPr lang="en-US" sz="1100" dirty="0" err="1"/>
+              <a:t>Kayaalp</a:t>
+            </a:r>
+            <a:r>
+              <a:rPr lang="en-US" sz="1100" dirty="0"/>
+              <a:t>, </a:t>
+            </a:r>
+            <a:r>
+              <a:rPr lang="en-US" sz="1100" dirty="0" err="1"/>
+              <a:t>Nael</a:t>
+            </a:r>
+            <a:r>
+              <a:rPr lang="en-US" sz="1100" dirty="0"/>
+              <a:t> Abu-</a:t>
+            </a:r>
+            <a:r>
+              <a:rPr lang="en-US" sz="1100" dirty="0" err="1"/>
+              <a:t>Ghazaleh</a:t>
+            </a:r>
+            <a:r>
+              <a:rPr lang="en-US" sz="1100" dirty="0"/>
+              <a:t>, Dmitry </a:t>
+            </a:r>
+            <a:r>
+              <a:rPr lang="en-US" sz="1100" dirty="0" err="1"/>
+              <a:t>Ponomarev</a:t>
+            </a:r>
+            <a:r>
+              <a:rPr lang="en-US" sz="1100" dirty="0"/>
+              <a:t>, and </a:t>
+            </a:r>
+            <a:r>
+              <a:rPr lang="en-US" sz="1100" dirty="0" err="1"/>
+              <a:t>Aamer</a:t>
+            </a:r>
+            <a:r>
+              <a:rPr lang="en-US" sz="1100" dirty="0"/>
+              <a:t> Jaleel. 2016. A high-resolution side-channel attack on last-level cache. In Proceedings of the 53rd Annual Design Automation Conference. ACM, 72.</a:t>
+            </a:r>
+            <a:br>
+              <a:rPr lang="en-US" sz="1100" dirty="0"/>
+            </a:br>
+            <a:r>
+              <a:rPr lang="en-US" sz="1100" dirty="0"/>
+              <a:t>[9] </a:t>
+            </a:r>
+            <a:r>
+              <a:rPr lang="en-US" sz="1100" dirty="0" err="1"/>
+              <a:t>Rafail</a:t>
+            </a:r>
+            <a:r>
+              <a:rPr lang="en-US" sz="1100" dirty="0"/>
+              <a:t> </a:t>
+            </a:r>
+            <a:r>
+              <a:rPr lang="en-US" sz="1100" dirty="0" err="1"/>
+              <a:t>Ostrovsky</a:t>
+            </a:r>
+            <a:r>
+              <a:rPr lang="en-US" sz="1100" dirty="0"/>
+              <a:t>. 1990. Efficient computation on oblivious RAMs. In Proceedings of the twenty-second annual ACM symposium on Theory of computing. ACM, 514–523.</a:t>
+            </a:r>
+            <a:br>
+              <a:rPr lang="en-US" sz="1100" dirty="0"/>
+            </a:br>
+            <a:r>
+              <a:rPr lang="en-US" sz="1100" dirty="0"/>
+              <a:t>[10] Dag Arne </a:t>
+            </a:r>
+            <a:r>
+              <a:rPr lang="en-US" sz="1100" dirty="0" err="1"/>
+              <a:t>Osvik</a:t>
+            </a:r>
+            <a:r>
+              <a:rPr lang="en-US" sz="1100" dirty="0"/>
+              <a:t>, Adi Shamir, and Eran </a:t>
+            </a:r>
+            <a:r>
+              <a:rPr lang="en-US" sz="1100" dirty="0" err="1"/>
+              <a:t>Tromer</a:t>
+            </a:r>
+            <a:r>
+              <a:rPr lang="en-US" sz="1100" dirty="0"/>
+              <a:t>. 2006. Cache attacks and countermeasures: the case of AES. In Cryptographers’ Track at the RSA Conference. Springer, 1–20.</a:t>
+            </a:r>
+            <a:br>
+              <a:rPr lang="en-US" sz="1100" dirty="0"/>
+            </a:br>
+            <a:r>
+              <a:rPr lang="en-US" sz="1100" dirty="0"/>
+              <a:t>[11] Peter </a:t>
+            </a:r>
+            <a:r>
+              <a:rPr lang="en-US" sz="1100" dirty="0" err="1"/>
+              <a:t>Pessl</a:t>
+            </a:r>
+            <a:r>
+              <a:rPr lang="en-US" sz="1100" dirty="0"/>
+              <a:t>, Daniel </a:t>
+            </a:r>
+            <a:r>
+              <a:rPr lang="en-US" sz="1100" dirty="0" err="1"/>
+              <a:t>Gruss</a:t>
+            </a:r>
+            <a:r>
+              <a:rPr lang="en-US" sz="1100" dirty="0"/>
+              <a:t>, </a:t>
+            </a:r>
+            <a:r>
+              <a:rPr lang="en-US" sz="1100" dirty="0" err="1"/>
+              <a:t>Cl´ementine</a:t>
+            </a:r>
+            <a:r>
+              <a:rPr lang="en-US" sz="1100" dirty="0"/>
+              <a:t> Maurice, Michael Schwarz, and Stefan </a:t>
+            </a:r>
+            <a:r>
+              <a:rPr lang="en-US" sz="1100" dirty="0" err="1"/>
+              <a:t>Mangard</a:t>
+            </a:r>
+            <a:r>
+              <a:rPr lang="en-US" sz="1100" dirty="0"/>
+              <a:t>. 2016. DRAMA: Exploiting DRAM Addressing for Cross-CPU Attacks.. In USENIX Security Symposium. 565–581.</a:t>
+            </a:r>
+            <a:br>
+              <a:rPr lang="en-US" sz="1100" dirty="0"/>
+            </a:br>
+            <a:r>
+              <a:rPr lang="en-US" sz="1100" dirty="0"/>
+              <a:t>[12] Sajin </a:t>
+            </a:r>
+            <a:r>
+              <a:rPr lang="en-US" sz="1100" dirty="0" err="1"/>
+              <a:t>Sasy</a:t>
+            </a:r>
+            <a:r>
+              <a:rPr lang="en-US" sz="1100" dirty="0"/>
+              <a:t>, Sergey </a:t>
+            </a:r>
+            <a:r>
+              <a:rPr lang="en-US" sz="1100" dirty="0" err="1"/>
+              <a:t>Gorbunov</a:t>
+            </a:r>
+            <a:r>
+              <a:rPr lang="en-US" sz="1100" dirty="0"/>
+              <a:t>, and Christopher Fletcher. 2017. </a:t>
+            </a:r>
+            <a:r>
+              <a:rPr lang="en-US" sz="1100" dirty="0" err="1"/>
+              <a:t>ZeroTrace</a:t>
+            </a:r>
+            <a:r>
+              <a:rPr lang="en-US" sz="1100" dirty="0"/>
+              <a:t>: Oblivious memory primitives from Intel SGX. In Symposium on Network and Distributed System Security (NDSS).</a:t>
+            </a:r>
+            <a:br>
+              <a:rPr lang="en-US" sz="1100" dirty="0"/>
+            </a:br>
+            <a:r>
+              <a:rPr lang="en-US" sz="1100" dirty="0"/>
+              <a:t>[13] </a:t>
+            </a:r>
+            <a:r>
+              <a:rPr lang="en-US" sz="1100" dirty="0" err="1"/>
+              <a:t>Jaebaek</a:t>
+            </a:r>
+            <a:r>
+              <a:rPr lang="en-US" sz="1100" dirty="0"/>
+              <a:t> </a:t>
+            </a:r>
+            <a:r>
+              <a:rPr lang="en-US" sz="1100" dirty="0" err="1"/>
+              <a:t>Seo</a:t>
+            </a:r>
+            <a:r>
+              <a:rPr lang="en-US" sz="1100" dirty="0"/>
+              <a:t>, </a:t>
+            </a:r>
+            <a:r>
+              <a:rPr lang="en-US" sz="1100" dirty="0" err="1"/>
+              <a:t>Byounyoung</a:t>
+            </a:r>
+            <a:r>
+              <a:rPr lang="en-US" sz="1100" dirty="0"/>
+              <a:t> Lee, </a:t>
+            </a:r>
+            <a:r>
+              <a:rPr lang="en-US" sz="1100" dirty="0" err="1"/>
+              <a:t>Seongmin</a:t>
+            </a:r>
+            <a:r>
+              <a:rPr lang="en-US" sz="1100" dirty="0"/>
+              <a:t> Kim, Ming-Wei Shih, </a:t>
+            </a:r>
+            <a:r>
+              <a:rPr lang="en-US" sz="1100" dirty="0" err="1"/>
+              <a:t>Insik</a:t>
+            </a:r>
+            <a:r>
+              <a:rPr lang="en-US" sz="1100" dirty="0"/>
+              <a:t> Shin, </a:t>
+            </a:r>
+            <a:r>
+              <a:rPr lang="en-US" sz="1100" dirty="0" err="1"/>
+              <a:t>Dongsu</a:t>
+            </a:r>
+            <a:r>
+              <a:rPr lang="en-US" sz="1100" dirty="0"/>
+              <a:t> Han, and </a:t>
+            </a:r>
+            <a:r>
+              <a:rPr lang="en-US" sz="1100" dirty="0" err="1"/>
+              <a:t>Taesoo</a:t>
+            </a:r>
+            <a:r>
+              <a:rPr lang="en-US" sz="1100" dirty="0"/>
+              <a:t> Kim. 2017. SGX-Shield: Enabling address space layout randomization for SGX programs. In Proceedings of the 2017 Annual Network and Distributed System Security Symposium (NDSS), San Diego, CA.</a:t>
+            </a:r>
+            <a:br>
+              <a:rPr lang="en-US" sz="1100" dirty="0"/>
+            </a:br>
+            <a:r>
+              <a:rPr lang="en-US" sz="1100" dirty="0"/>
+              <a:t>[14] Ming-Wei Shih, </a:t>
+            </a:r>
+            <a:r>
+              <a:rPr lang="en-US" sz="1100" dirty="0" err="1"/>
+              <a:t>Sangho</a:t>
+            </a:r>
+            <a:r>
+              <a:rPr lang="en-US" sz="1100" dirty="0"/>
+              <a:t> Lee, </a:t>
+            </a:r>
+            <a:r>
+              <a:rPr lang="en-US" sz="1100" dirty="0" err="1"/>
+              <a:t>Taesoo</a:t>
+            </a:r>
+            <a:r>
+              <a:rPr lang="en-US" sz="1100" dirty="0"/>
+              <a:t> Kim, and Marcus </a:t>
+            </a:r>
+            <a:r>
+              <a:rPr lang="en-US" sz="1100" dirty="0" err="1"/>
+              <a:t>Peinado</a:t>
+            </a:r>
+            <a:r>
+              <a:rPr lang="en-US" sz="1100" dirty="0"/>
+              <a:t>. 2017. T-SGX: Eradicating </a:t>
+            </a:r>
+            <a:r>
+              <a:rPr lang="en-US" sz="1100" dirty="0" err="1"/>
+              <a:t>controlledchannel</a:t>
+            </a:r>
+            <a:r>
+              <a:rPr lang="en-US" sz="1100" dirty="0"/>
+              <a:t> attacks against enclave programs. In Proceedings of the 2017 Annual Network and Distributed System Security Symposium (NDSS), San Diego, CA.</a:t>
+            </a:r>
+            <a:br>
+              <a:rPr lang="en-US" sz="1100" dirty="0"/>
+            </a:br>
+            <a:r>
+              <a:rPr lang="en-US" sz="1100" dirty="0"/>
+              <a:t>[15] Shweta Shinde, Zheng Leong Chua, </a:t>
+            </a:r>
+            <a:r>
+              <a:rPr lang="en-US" sz="1100" dirty="0" err="1"/>
+              <a:t>Viswesh</a:t>
+            </a:r>
+            <a:r>
+              <a:rPr lang="en-US" sz="1100" dirty="0"/>
+              <a:t> Narayanan, and Prateek Saxena. 2015. Preventing your faults from telling your secrets: Defenses against pigeonhole attacks. </a:t>
+            </a:r>
+            <a:r>
+              <a:rPr lang="en-US" sz="1100" dirty="0" err="1"/>
+              <a:t>arXiv</a:t>
+            </a:r>
+            <a:r>
+              <a:rPr lang="en-US" sz="1100" dirty="0"/>
+              <a:t> preprint arXiv:1506.04832 (2015).</a:t>
+            </a:r>
+            <a:br>
+              <a:rPr lang="en-US" sz="1100" dirty="0"/>
+            </a:br>
+            <a:r>
+              <a:rPr lang="en-US" sz="1100" dirty="0"/>
+              <a:t>[16] Eran </a:t>
+            </a:r>
+            <a:r>
+              <a:rPr lang="en-US" sz="1100" dirty="0" err="1"/>
+              <a:t>Tromer</a:t>
+            </a:r>
+            <a:r>
+              <a:rPr lang="en-US" sz="1100" dirty="0"/>
+              <a:t>, Dag Arne </a:t>
+            </a:r>
+            <a:r>
+              <a:rPr lang="en-US" sz="1100" dirty="0" err="1"/>
+              <a:t>Osvik</a:t>
+            </a:r>
+            <a:r>
+              <a:rPr lang="en-US" sz="1100" dirty="0"/>
+              <a:t>, and Adi Shamir. 2010. Efficient cache attacks on AES, and countermeasures. Journal of Cryptology 23, 1 (2010), 37–71.</a:t>
+            </a:r>
+            <a:br>
+              <a:rPr lang="en-US" sz="1100" dirty="0"/>
+            </a:br>
+            <a:r>
+              <a:rPr lang="en-US" sz="1100" dirty="0"/>
+              <a:t>[17] Jo Van </a:t>
+            </a:r>
+            <a:r>
+              <a:rPr lang="en-US" sz="1100" dirty="0" err="1"/>
+              <a:t>Bulck</a:t>
+            </a:r>
+            <a:r>
+              <a:rPr lang="en-US" sz="1100" dirty="0"/>
+              <a:t>, Nico </a:t>
+            </a:r>
+            <a:r>
+              <a:rPr lang="en-US" sz="1100" dirty="0" err="1"/>
+              <a:t>Weichbrodt</a:t>
+            </a:r>
+            <a:r>
+              <a:rPr lang="en-US" sz="1100" dirty="0"/>
+              <a:t>, </a:t>
+            </a:r>
+            <a:r>
+              <a:rPr lang="en-US" sz="1100" dirty="0" err="1"/>
+              <a:t>Ru¨diger</a:t>
+            </a:r>
+            <a:r>
+              <a:rPr lang="en-US" sz="1100" dirty="0"/>
+              <a:t> </a:t>
+            </a:r>
+            <a:r>
+              <a:rPr lang="en-US" sz="1100" dirty="0" err="1"/>
+              <a:t>Kapitza</a:t>
+            </a:r>
+            <a:r>
+              <a:rPr lang="en-US" sz="1100" dirty="0"/>
+              <a:t>, Frank </a:t>
+            </a:r>
+            <a:r>
+              <a:rPr lang="en-US" sz="1100" dirty="0" err="1"/>
+              <a:t>Piessens</a:t>
+            </a:r>
+            <a:r>
+              <a:rPr lang="en-US" sz="1100" dirty="0"/>
+              <a:t>, and Raoul </a:t>
+            </a:r>
+            <a:r>
+              <a:rPr lang="en-US" sz="1100" dirty="0" err="1"/>
+              <a:t>Strackx</a:t>
+            </a:r>
+            <a:r>
+              <a:rPr lang="en-US" sz="1100" dirty="0"/>
+              <a:t>. 2017. Telling your secrets without page faults: Stealthy page table-based attacks on enclaved execution. In Proceedings of the 26th USENIX Security Symposium. USENIX Association.</a:t>
+            </a:r>
+            <a:br>
+              <a:rPr lang="en-US" sz="1100" dirty="0"/>
+            </a:br>
+            <a:r>
+              <a:rPr lang="en-US" sz="1100" dirty="0"/>
+              <a:t>[18] </a:t>
+            </a:r>
+            <a:r>
+              <a:rPr lang="en-US" sz="1100" dirty="0" err="1"/>
+              <a:t>Wenhao</a:t>
+            </a:r>
+            <a:r>
+              <a:rPr lang="en-US" sz="1100" dirty="0"/>
+              <a:t> Wang, </a:t>
+            </a:r>
+            <a:r>
+              <a:rPr lang="en-US" sz="1100" dirty="0" err="1"/>
+              <a:t>Guoxing</a:t>
+            </a:r>
+            <a:r>
+              <a:rPr lang="en-US" sz="1100" dirty="0"/>
+              <a:t> Chen, </a:t>
+            </a:r>
+            <a:r>
+              <a:rPr lang="en-US" sz="1100" dirty="0" err="1"/>
+              <a:t>Xiaorui</a:t>
+            </a:r>
+            <a:r>
+              <a:rPr lang="en-US" sz="1100" dirty="0"/>
+              <a:t> Pan, </a:t>
+            </a:r>
+            <a:r>
+              <a:rPr lang="en-US" sz="1100" dirty="0" err="1"/>
+              <a:t>Yinqian</a:t>
+            </a:r>
+            <a:r>
+              <a:rPr lang="en-US" sz="1100" dirty="0"/>
+              <a:t> Zhang, </a:t>
+            </a:r>
+            <a:r>
+              <a:rPr lang="en-US" sz="1100" dirty="0" err="1"/>
+              <a:t>Xiaofeng</a:t>
+            </a:r>
+            <a:r>
+              <a:rPr lang="en-US" sz="1100" dirty="0"/>
+              <a:t> Wang, Vincent </a:t>
+            </a:r>
+            <a:r>
+              <a:rPr lang="en-US" sz="1100" dirty="0" err="1"/>
+              <a:t>Bindschaedler</a:t>
+            </a:r>
+            <a:r>
+              <a:rPr lang="en-US" sz="1100" dirty="0"/>
+              <a:t>, </a:t>
+            </a:r>
+            <a:r>
+              <a:rPr lang="en-US" sz="1100" dirty="0" err="1"/>
+              <a:t>Haixu</a:t>
+            </a:r>
+            <a:r>
+              <a:rPr lang="en-US" sz="1100" dirty="0"/>
+              <a:t> Tang, and Carl A. Gunter. 2017. Leaky Cauldron on the Dark Land: Understanding Memory Side-Channel Hazards in SGX. 2421–2434.</a:t>
+            </a:r>
+            <a:br>
+              <a:rPr lang="en-US" sz="1100" dirty="0"/>
+            </a:br>
+            <a:r>
+              <a:rPr lang="en-US" sz="1100" dirty="0"/>
+              <a:t>[19] Yuval </a:t>
+            </a:r>
+            <a:r>
+              <a:rPr lang="en-US" sz="1100" dirty="0" err="1"/>
+              <a:t>Yarom</a:t>
+            </a:r>
+            <a:r>
+              <a:rPr lang="en-US" sz="1100" dirty="0"/>
+              <a:t> and Katrina Falkner. 2014. FLUSH+ RELOAD: A High Resolution, Low Noise, L3 Cache Side-Channel Attack.. In USENIX Security Symposium</a:t>
             </a:r>
           </a:p>
         </p:txBody>
@@ -7718,7 +8432,7 @@
           <p:cNvPr id="6" name="Text Placeholder 5">
             <a:extLst>
               <a:ext uri="{FF2B5EF4-FFF2-40B4-BE49-F238E27FC236}">
-                <a16:creationId xmlns:a16="http://schemas.microsoft.com/office/drawing/2014/main" id="{7A1291FE-9D57-4687-9ED1-BE6E6EBD26FD}"/>
+                <a16:creationId xmlns:a16="http://schemas.microsoft.com/office/drawing/2014/main" id="{93FABC2F-B2D6-4AC5-8FA6-89C2C7DF954B}"/>
               </a:ext>
             </a:extLst>
           </p:cNvPr>
@@ -7744,7 +8458,7 @@
     </p:spTree>
     <p:extLst>
       <p:ext uri="{BB962C8B-B14F-4D97-AF65-F5344CB8AC3E}">
-        <p14:creationId xmlns:p14="http://schemas.microsoft.com/office/powerpoint/2010/main" val="2232340013"/>
+        <p14:creationId xmlns:p14="http://schemas.microsoft.com/office/powerpoint/2010/main" val="3289777626"/>
       </p:ext>
     </p:extLst>
   </p:cSld>
@@ -7779,7 +8493,7 @@
           <p:cNvPr id="2" name="Slide Number Placeholder 1">
             <a:extLst>
               <a:ext uri="{FF2B5EF4-FFF2-40B4-BE49-F238E27FC236}">
-                <a16:creationId xmlns:a16="http://schemas.microsoft.com/office/drawing/2014/main" id="{EAACBEF5-E585-4015-B8AF-F7E0B72C4AA1}"/>
+                <a16:creationId xmlns:a16="http://schemas.microsoft.com/office/drawing/2014/main" id="{C1BBB3E0-B4E5-4201-9293-3247552B6DB0}"/>
               </a:ext>
             </a:extLst>
           </p:cNvPr>
@@ -7799,2326 +8513,6 @@
               <a:rPr lang="en-US" smtClean="0"/>
               <a:pPr/>
               <a:t>18</a:t>
-            </a:fld>
-            <a:endParaRPr lang="en-US" dirty="0"/>
-          </a:p>
-        </p:txBody>
-      </p:sp>
-      <p:sp>
-        <p:nvSpPr>
-          <p:cNvPr id="3" name="Title 2">
-            <a:extLst>
-              <a:ext uri="{FF2B5EF4-FFF2-40B4-BE49-F238E27FC236}">
-                <a16:creationId xmlns:a16="http://schemas.microsoft.com/office/drawing/2014/main" id="{8821F182-BA36-447E-A00F-E60523AE3859}"/>
-              </a:ext>
-            </a:extLst>
-          </p:cNvPr>
-          <p:cNvSpPr>
-            <a:spLocks noGrp="1"/>
-          </p:cNvSpPr>
-          <p:nvPr>
-            <p:ph type="title"/>
-          </p:nvPr>
-        </p:nvSpPr>
-        <p:spPr/>
-        <p:txBody>
-          <a:bodyPr/>
-          <a:lstStyle/>
-          <a:p>
-            <a:r>
-              <a:rPr lang="en-US" dirty="0"/>
-              <a:t>Analysis</a:t>
-            </a:r>
-          </a:p>
-        </p:txBody>
-      </p:sp>
-      <p:sp>
-        <p:nvSpPr>
-          <p:cNvPr id="4" name="Text Placeholder 3">
-            <a:extLst>
-              <a:ext uri="{FF2B5EF4-FFF2-40B4-BE49-F238E27FC236}">
-                <a16:creationId xmlns:a16="http://schemas.microsoft.com/office/drawing/2014/main" id="{E430051C-F1FE-4C68-877B-E2D25AFF5465}"/>
-              </a:ext>
-            </a:extLst>
-          </p:cNvPr>
-          <p:cNvSpPr>
-            <a:spLocks noGrp="1"/>
-          </p:cNvSpPr>
-          <p:nvPr>
-            <p:ph type="body" sz="quarter" idx="20"/>
-          </p:nvPr>
-        </p:nvSpPr>
-        <p:spPr>
-          <a:xfrm>
-            <a:off x="1066802" y="1338200"/>
-            <a:ext cx="10667998" cy="3646487"/>
-          </a:xfrm>
-        </p:spPr>
-        <p:txBody>
-          <a:bodyPr/>
-          <a:lstStyle/>
-          <a:p>
-            <a:pPr marL="571500" indent="-571500">
-              <a:spcBef>
-                <a:spcPts val="1200"/>
-              </a:spcBef>
-              <a:buFont typeface="Arial" panose="020B0604020202020204" pitchFamily="34" charset="0"/>
-              <a:buChar char="•"/>
-            </a:pPr>
-            <a:r>
-              <a:rPr lang="en-US" sz="3200" dirty="0">
-                <a:latin typeface="Sherman Sans Book"/>
-              </a:rPr>
-              <a:t>Cloak</a:t>
-            </a:r>
-          </a:p>
-          <a:p>
-            <a:pPr marL="1028700" lvl="1" indent="-571500">
-              <a:spcBef>
-                <a:spcPts val="1200"/>
-              </a:spcBef>
-              <a:buFont typeface="Arial" panose="020B0604020202020204" pitchFamily="34" charset="0"/>
-              <a:buChar char="•"/>
-            </a:pPr>
-            <a:r>
-              <a:rPr lang="en-US" dirty="0">
-                <a:solidFill>
-                  <a:srgbClr val="3E3D3C"/>
-                </a:solidFill>
-                <a:latin typeface="Sherman Sans Book"/>
-              </a:rPr>
-              <a:t>Makes cache-pinning possible to some extent</a:t>
-            </a:r>
-          </a:p>
-          <a:p>
-            <a:pPr marL="1028700" lvl="1" indent="-571500">
-              <a:spcBef>
-                <a:spcPts val="1200"/>
-              </a:spcBef>
-              <a:buFont typeface="Arial" panose="020B0604020202020204" pitchFamily="34" charset="0"/>
-              <a:buChar char="•"/>
-            </a:pPr>
-            <a:r>
-              <a:rPr lang="en-US" dirty="0">
-                <a:solidFill>
-                  <a:srgbClr val="3E3D3C"/>
-                </a:solidFill>
-                <a:latin typeface="Sherman Sans Book"/>
-              </a:rPr>
-              <a:t>Execution time can leak</a:t>
-            </a:r>
-          </a:p>
-          <a:p>
-            <a:pPr marL="1028700" lvl="1" indent="-571500">
-              <a:spcBef>
-                <a:spcPts val="1200"/>
-              </a:spcBef>
-              <a:buFont typeface="Arial" panose="020B0604020202020204" pitchFamily="34" charset="0"/>
-              <a:buChar char="•"/>
-            </a:pPr>
-            <a:r>
-              <a:rPr lang="en-US" dirty="0">
-                <a:solidFill>
-                  <a:srgbClr val="3E3D3C"/>
-                </a:solidFill>
-                <a:latin typeface="Sherman Sans Book"/>
-              </a:rPr>
-              <a:t>Aborts do not cancel concurrent memory accesses</a:t>
-            </a:r>
-          </a:p>
-          <a:p>
-            <a:pPr marL="1028700" lvl="1" indent="-571500">
-              <a:spcBef>
-                <a:spcPts val="1200"/>
-              </a:spcBef>
-              <a:buFont typeface="Arial" panose="020B0604020202020204" pitchFamily="34" charset="0"/>
-              <a:buChar char="•"/>
-            </a:pPr>
-            <a:r>
-              <a:rPr lang="en-US" dirty="0">
-                <a:solidFill>
-                  <a:srgbClr val="3E3D3C"/>
-                </a:solidFill>
-                <a:latin typeface="Sherman Sans Book"/>
-              </a:rPr>
-              <a:t>Execution behavior and branch prediction uncertainties</a:t>
-            </a:r>
-          </a:p>
-          <a:p>
-            <a:pPr marL="571500" indent="-571500">
-              <a:spcBef>
-                <a:spcPts val="1200"/>
-              </a:spcBef>
-              <a:buFont typeface="Arial" panose="020B0604020202020204" pitchFamily="34" charset="0"/>
-              <a:buChar char="•"/>
-            </a:pPr>
-            <a:r>
-              <a:rPr lang="en-US" sz="3200" dirty="0">
-                <a:latin typeface="Sherman Sans Book"/>
-              </a:rPr>
-              <a:t>T-SGX</a:t>
-            </a:r>
-          </a:p>
-          <a:p>
-            <a:pPr marL="1028700" lvl="1" indent="-571500">
-              <a:spcBef>
-                <a:spcPts val="1200"/>
-              </a:spcBef>
-              <a:buFont typeface="Arial" panose="020B0604020202020204" pitchFamily="34" charset="0"/>
-              <a:buChar char="•"/>
-            </a:pPr>
-            <a:r>
-              <a:rPr lang="en-US" dirty="0">
-                <a:solidFill>
-                  <a:srgbClr val="3E3D3C"/>
-                </a:solidFill>
-                <a:latin typeface="Sherman Sans Book"/>
-              </a:rPr>
-              <a:t>Attacks based on monitoring flags are possible</a:t>
-            </a:r>
-          </a:p>
-        </p:txBody>
-      </p:sp>
-      <p:sp>
-        <p:nvSpPr>
-          <p:cNvPr id="6" name="Text Placeholder 5">
-            <a:extLst>
-              <a:ext uri="{FF2B5EF4-FFF2-40B4-BE49-F238E27FC236}">
-                <a16:creationId xmlns:a16="http://schemas.microsoft.com/office/drawing/2014/main" id="{CAA30D22-1D0E-4B89-973C-A8EEBB0A62D1}"/>
-              </a:ext>
-            </a:extLst>
-          </p:cNvPr>
-          <p:cNvSpPr>
-            <a:spLocks noGrp="1"/>
-          </p:cNvSpPr>
-          <p:nvPr>
-            <p:ph type="body" sz="quarter" idx="22"/>
-          </p:nvPr>
-        </p:nvSpPr>
-        <p:spPr/>
-        <p:txBody>
-          <a:bodyPr/>
-          <a:lstStyle/>
-          <a:p>
-            <a:r>
-              <a:rPr lang="en-US" dirty="0"/>
-              <a:t>Department of Electrical Engineering and Computer Science</a:t>
-            </a:r>
-          </a:p>
-        </p:txBody>
-      </p:sp>
-    </p:spTree>
-    <p:extLst>
-      <p:ext uri="{BB962C8B-B14F-4D97-AF65-F5344CB8AC3E}">
-        <p14:creationId xmlns:p14="http://schemas.microsoft.com/office/powerpoint/2010/main" val="3713532451"/>
-      </p:ext>
-    </p:extLst>
-  </p:cSld>
-  <p:clrMapOvr>
-    <a:masterClrMapping/>
-  </p:clrMapOvr>
-  <p:transition>
-    <p:fade/>
-  </p:transition>
-</p:sld>
-</file>
-
-<file path=ppt/slides/slide19.xml><?xml version="1.0" encoding="utf-8"?>
-<p:sld xmlns:a="http://schemas.openxmlformats.org/drawingml/2006/main" xmlns:r="http://schemas.openxmlformats.org/officeDocument/2006/relationships" xmlns:p="http://schemas.openxmlformats.org/presentationml/2006/main">
-  <p:cSld>
-    <p:spTree>
-      <p:nvGrpSpPr>
-        <p:cNvPr id="1" name=""/>
-        <p:cNvGrpSpPr/>
-        <p:nvPr/>
-      </p:nvGrpSpPr>
-      <p:grpSpPr>
-        <a:xfrm>
-          <a:off x="0" y="0"/>
-          <a:ext cx="0" cy="0"/>
-          <a:chOff x="0" y="0"/>
-          <a:chExt cx="0" cy="0"/>
-        </a:xfrm>
-      </p:grpSpPr>
-      <p:sp>
-        <p:nvSpPr>
-          <p:cNvPr id="2" name="Slide Number Placeholder 1">
-            <a:extLst>
-              <a:ext uri="{FF2B5EF4-FFF2-40B4-BE49-F238E27FC236}">
-                <a16:creationId xmlns:a16="http://schemas.microsoft.com/office/drawing/2014/main" id="{569642A4-3B0A-4A63-842A-16A925FF3A85}"/>
-              </a:ext>
-            </a:extLst>
-          </p:cNvPr>
-          <p:cNvSpPr>
-            <a:spLocks noGrp="1"/>
-          </p:cNvSpPr>
-          <p:nvPr>
-            <p:ph type="sldNum" sz="quarter" idx="10"/>
-          </p:nvPr>
-        </p:nvSpPr>
-        <p:spPr/>
-        <p:txBody>
-          <a:bodyPr/>
-          <a:lstStyle/>
-          <a:p>
-            <a:fld id="{F343A32A-436A-8143-8894-653E98457856}" type="slidenum">
-              <a:rPr lang="en-US" smtClean="0"/>
-              <a:pPr/>
-              <a:t>19</a:t>
-            </a:fld>
-            <a:endParaRPr lang="en-US" dirty="0"/>
-          </a:p>
-        </p:txBody>
-      </p:sp>
-      <p:sp>
-        <p:nvSpPr>
-          <p:cNvPr id="3" name="Title 2">
-            <a:extLst>
-              <a:ext uri="{FF2B5EF4-FFF2-40B4-BE49-F238E27FC236}">
-                <a16:creationId xmlns:a16="http://schemas.microsoft.com/office/drawing/2014/main" id="{533A8BE8-4514-451E-9FD7-EEC710EF21BD}"/>
-              </a:ext>
-            </a:extLst>
-          </p:cNvPr>
-          <p:cNvSpPr>
-            <a:spLocks noGrp="1"/>
-          </p:cNvSpPr>
-          <p:nvPr>
-            <p:ph type="title"/>
-          </p:nvPr>
-        </p:nvSpPr>
-        <p:spPr/>
-        <p:txBody>
-          <a:bodyPr/>
-          <a:lstStyle/>
-          <a:p>
-            <a:r>
-              <a:rPr lang="en-US" dirty="0"/>
-              <a:t>Analysis</a:t>
-            </a:r>
-          </a:p>
-        </p:txBody>
-      </p:sp>
-      <p:sp>
-        <p:nvSpPr>
-          <p:cNvPr id="4" name="Text Placeholder 3">
-            <a:extLst>
-              <a:ext uri="{FF2B5EF4-FFF2-40B4-BE49-F238E27FC236}">
-                <a16:creationId xmlns:a16="http://schemas.microsoft.com/office/drawing/2014/main" id="{A7EA056E-357F-4B48-B6C6-3C50903512D3}"/>
-              </a:ext>
-            </a:extLst>
-          </p:cNvPr>
-          <p:cNvSpPr>
-            <a:spLocks noGrp="1"/>
-          </p:cNvSpPr>
-          <p:nvPr>
-            <p:ph type="body" sz="quarter" idx="20"/>
-          </p:nvPr>
-        </p:nvSpPr>
-        <p:spPr>
-          <a:xfrm>
-            <a:off x="1066800" y="1287400"/>
-            <a:ext cx="10667998" cy="3646487"/>
-          </a:xfrm>
-        </p:spPr>
-        <p:txBody>
-          <a:bodyPr/>
-          <a:lstStyle/>
-          <a:p>
-            <a:pPr marL="571500" indent="-571500">
-              <a:lnSpc>
-                <a:spcPct val="150000"/>
-              </a:lnSpc>
-              <a:spcBef>
-                <a:spcPts val="1200"/>
-              </a:spcBef>
-              <a:buFont typeface="Arial" panose="020B0604020202020204" pitchFamily="34" charset="0"/>
-              <a:buChar char="•"/>
-            </a:pPr>
-            <a:r>
-              <a:rPr lang="en-US" sz="3600" dirty="0">
-                <a:latin typeface="Sherman Sans Book"/>
-              </a:rPr>
-              <a:t>Déjà vu</a:t>
-            </a:r>
-          </a:p>
-          <a:p>
-            <a:pPr marL="1028700" lvl="1" indent="-571500">
-              <a:lnSpc>
-                <a:spcPct val="150000"/>
-              </a:lnSpc>
-              <a:spcBef>
-                <a:spcPts val="1200"/>
-              </a:spcBef>
-              <a:buFont typeface="Arial" panose="020B0604020202020204" pitchFamily="34" charset="0"/>
-              <a:buChar char="•"/>
-            </a:pPr>
-            <a:r>
-              <a:rPr lang="en-US" dirty="0">
-                <a:solidFill>
-                  <a:srgbClr val="3E3D3C"/>
-                </a:solidFill>
-                <a:latin typeface="Sherman Sans Book"/>
-              </a:rPr>
-              <a:t>Sneaky page monitoring attacks still effective</a:t>
-            </a:r>
-          </a:p>
-          <a:p>
-            <a:pPr marL="1028700" lvl="1" indent="-571500">
-              <a:lnSpc>
-                <a:spcPct val="150000"/>
-              </a:lnSpc>
-              <a:spcBef>
-                <a:spcPts val="1200"/>
-              </a:spcBef>
-              <a:buFont typeface="Arial" panose="020B0604020202020204" pitchFamily="34" charset="0"/>
-              <a:buChar char="•"/>
-            </a:pPr>
-            <a:r>
-              <a:rPr lang="en-US" dirty="0">
-                <a:solidFill>
-                  <a:srgbClr val="3E3D3C"/>
-                </a:solidFill>
-                <a:latin typeface="Sherman Sans Book"/>
-              </a:rPr>
-              <a:t>Only works on AEX based attacks</a:t>
-            </a:r>
-          </a:p>
-          <a:p>
-            <a:pPr marL="571500" indent="-571500">
-              <a:lnSpc>
-                <a:spcPct val="150000"/>
-              </a:lnSpc>
-              <a:spcBef>
-                <a:spcPts val="1200"/>
-              </a:spcBef>
-              <a:buFont typeface="Arial" panose="020B0604020202020204" pitchFamily="34" charset="0"/>
-              <a:buChar char="•"/>
-            </a:pPr>
-            <a:r>
-              <a:rPr lang="en-US" sz="3600" dirty="0">
-                <a:latin typeface="Sherman Sans Book"/>
-              </a:rPr>
-              <a:t>Bottom line</a:t>
-            </a:r>
-          </a:p>
-          <a:p>
-            <a:pPr marL="1028700" lvl="1" indent="-571500">
-              <a:lnSpc>
-                <a:spcPct val="150000"/>
-              </a:lnSpc>
-              <a:spcBef>
-                <a:spcPts val="1200"/>
-              </a:spcBef>
-              <a:buFont typeface="Arial" panose="020B0604020202020204" pitchFamily="34" charset="0"/>
-              <a:buChar char="•"/>
-            </a:pPr>
-            <a:r>
-              <a:rPr lang="en-US" dirty="0">
-                <a:solidFill>
-                  <a:srgbClr val="3E3D3C"/>
-                </a:solidFill>
-                <a:latin typeface="Sherman Sans Book"/>
-              </a:rPr>
-              <a:t>Transaction based defenses usually come with high overload and low utilization</a:t>
-            </a:r>
-          </a:p>
-        </p:txBody>
-      </p:sp>
-      <p:sp>
-        <p:nvSpPr>
-          <p:cNvPr id="6" name="Text Placeholder 5">
-            <a:extLst>
-              <a:ext uri="{FF2B5EF4-FFF2-40B4-BE49-F238E27FC236}">
-                <a16:creationId xmlns:a16="http://schemas.microsoft.com/office/drawing/2014/main" id="{A6A973BA-65EE-405C-92E4-52EE77D3F73E}"/>
-              </a:ext>
-            </a:extLst>
-          </p:cNvPr>
-          <p:cNvSpPr>
-            <a:spLocks noGrp="1"/>
-          </p:cNvSpPr>
-          <p:nvPr>
-            <p:ph type="body" sz="quarter" idx="22"/>
-          </p:nvPr>
-        </p:nvSpPr>
-        <p:spPr/>
-        <p:txBody>
-          <a:bodyPr/>
-          <a:lstStyle/>
-          <a:p>
-            <a:r>
-              <a:rPr lang="en-US" dirty="0"/>
-              <a:t>Department of Electrical Engineering and Computer Science</a:t>
-            </a:r>
-          </a:p>
-        </p:txBody>
-      </p:sp>
-    </p:spTree>
-    <p:extLst>
-      <p:ext uri="{BB962C8B-B14F-4D97-AF65-F5344CB8AC3E}">
-        <p14:creationId xmlns:p14="http://schemas.microsoft.com/office/powerpoint/2010/main" val="1811417319"/>
-      </p:ext>
-    </p:extLst>
-  </p:cSld>
-  <p:clrMapOvr>
-    <a:masterClrMapping/>
-  </p:clrMapOvr>
-  <p:transition>
-    <p:fade/>
-  </p:transition>
-</p:sld>
-</file>
-
-<file path=ppt/slides/slide2.xml><?xml version="1.0" encoding="utf-8"?>
-<p:sld xmlns:a="http://schemas.openxmlformats.org/drawingml/2006/main" xmlns:r="http://schemas.openxmlformats.org/officeDocument/2006/relationships" xmlns:p="http://schemas.openxmlformats.org/presentationml/2006/main">
-  <p:cSld>
-    <p:spTree>
-      <p:nvGrpSpPr>
-        <p:cNvPr id="1" name=""/>
-        <p:cNvGrpSpPr/>
-        <p:nvPr/>
-      </p:nvGrpSpPr>
-      <p:grpSpPr>
-        <a:xfrm>
-          <a:off x="0" y="0"/>
-          <a:ext cx="0" cy="0"/>
-          <a:chOff x="0" y="0"/>
-          <a:chExt cx="0" cy="0"/>
-        </a:xfrm>
-      </p:grpSpPr>
-      <p:sp>
-        <p:nvSpPr>
-          <p:cNvPr id="3" name="Slide Number"/>
-          <p:cNvSpPr>
-            <a:spLocks noGrp="1"/>
-          </p:cNvSpPr>
-          <p:nvPr>
-            <p:ph type="sldNum" sz="quarter" idx="10"/>
-          </p:nvPr>
-        </p:nvSpPr>
-        <p:spPr>
-          <a:xfrm>
-            <a:off x="11126362" y="6325460"/>
-            <a:ext cx="608437" cy="368300"/>
-          </a:xfrm>
-        </p:spPr>
-        <p:txBody>
-          <a:bodyPr/>
-          <a:lstStyle/>
-          <a:p>
-            <a:fld id="{F343A32A-436A-8143-8894-653E98457856}" type="slidenum">
-              <a:rPr lang="en-US" smtClean="0"/>
-              <a:pPr/>
-              <a:t>2</a:t>
-            </a:fld>
-            <a:endParaRPr lang="en-US" dirty="0"/>
-          </a:p>
-        </p:txBody>
-      </p:sp>
-      <p:sp>
-        <p:nvSpPr>
-          <p:cNvPr id="2" name="Slide Title"/>
-          <p:cNvSpPr>
-            <a:spLocks noGrp="1"/>
-          </p:cNvSpPr>
-          <p:nvPr>
-            <p:ph type="title"/>
-          </p:nvPr>
-        </p:nvSpPr>
-        <p:spPr>
-          <a:prstGeom prst="rect">
-            <a:avLst/>
-          </a:prstGeom>
-        </p:spPr>
-        <p:txBody>
-          <a:bodyPr/>
-          <a:lstStyle/>
-          <a:p>
-            <a:r>
-              <a:rPr lang="en-US" dirty="0"/>
-              <a:t>Contents</a:t>
-            </a:r>
-          </a:p>
-        </p:txBody>
-      </p:sp>
-      <p:sp>
-        <p:nvSpPr>
-          <p:cNvPr id="4" name="Content Placeholder 3"/>
-          <p:cNvSpPr>
-            <a:spLocks noGrp="1"/>
-          </p:cNvSpPr>
-          <p:nvPr>
-            <p:ph sz="quarter" idx="19"/>
-          </p:nvPr>
-        </p:nvSpPr>
-        <p:spPr/>
-        <p:txBody>
-          <a:bodyPr/>
-          <a:lstStyle/>
-          <a:p>
-            <a:endParaRPr lang="en-US" dirty="0"/>
-          </a:p>
-        </p:txBody>
-      </p:sp>
-      <p:sp>
-        <p:nvSpPr>
-          <p:cNvPr id="9" name="Main heading and bullets text"/>
-          <p:cNvSpPr>
-            <a:spLocks noGrp="1"/>
-          </p:cNvSpPr>
-          <p:nvPr>
-            <p:ph type="body" sz="quarter" idx="20"/>
-          </p:nvPr>
-        </p:nvSpPr>
-        <p:spPr/>
-        <p:txBody>
-          <a:bodyPr/>
-          <a:lstStyle/>
-          <a:p>
-            <a:pPr marL="457200" indent="-457200">
-              <a:buFont typeface="Arial" charset="0"/>
-              <a:buChar char="•"/>
-            </a:pPr>
-            <a:r>
-              <a:rPr lang="en-US" dirty="0"/>
-              <a:t>Introduction</a:t>
-            </a:r>
-          </a:p>
-          <a:p>
-            <a:pPr marL="457200" indent="-457200">
-              <a:buFont typeface="Arial" charset="0"/>
-              <a:buChar char="•"/>
-            </a:pPr>
-            <a:r>
-              <a:rPr lang="en-US" dirty="0"/>
-              <a:t>Attacks</a:t>
-            </a:r>
-          </a:p>
-          <a:p>
-            <a:pPr marL="457200" indent="-457200">
-              <a:buFont typeface="Arial" charset="0"/>
-              <a:buChar char="•"/>
-            </a:pPr>
-            <a:r>
-              <a:rPr lang="en-US" dirty="0"/>
-              <a:t>Defenses</a:t>
-            </a:r>
-          </a:p>
-          <a:p>
-            <a:pPr marL="457200" indent="-457200">
-              <a:buFont typeface="Arial" charset="0"/>
-              <a:buChar char="•"/>
-            </a:pPr>
-            <a:r>
-              <a:rPr lang="en-US" dirty="0"/>
-              <a:t>Analysis</a:t>
-            </a:r>
-          </a:p>
-          <a:p>
-            <a:pPr marL="457200" indent="-457200">
-              <a:buFont typeface="Arial" charset="0"/>
-              <a:buChar char="•"/>
-            </a:pPr>
-            <a:r>
-              <a:rPr lang="en-US" dirty="0"/>
-              <a:t>Conclusion</a:t>
-            </a:r>
-          </a:p>
-        </p:txBody>
-      </p:sp>
-      <p:sp>
-        <p:nvSpPr>
-          <p:cNvPr id="5" name="Division Name, if applicable"/>
-          <p:cNvSpPr>
-            <a:spLocks noGrp="1"/>
-          </p:cNvSpPr>
-          <p:nvPr>
-            <p:ph type="body" sz="quarter" idx="22"/>
-          </p:nvPr>
-        </p:nvSpPr>
-        <p:spPr/>
-        <p:txBody>
-          <a:bodyPr/>
-          <a:lstStyle/>
-          <a:p>
-            <a:r>
-              <a:rPr lang="en-US" dirty="0"/>
-              <a:t>Department of Electrical Engineering and Computer Science</a:t>
-            </a:r>
-          </a:p>
-        </p:txBody>
-      </p:sp>
-    </p:spTree>
-    <p:extLst>
-      <p:ext uri="{BB962C8B-B14F-4D97-AF65-F5344CB8AC3E}">
-        <p14:creationId xmlns:p14="http://schemas.microsoft.com/office/powerpoint/2010/main" val="2390773171"/>
-      </p:ext>
-    </p:extLst>
-  </p:cSld>
-  <p:clrMapOvr>
-    <a:masterClrMapping/>
-  </p:clrMapOvr>
-  <p:transition>
-    <p:fade/>
-  </p:transition>
-</p:sld>
-</file>
-
-<file path=ppt/slides/slide20.xml><?xml version="1.0" encoding="utf-8"?>
-<p:sld xmlns:a="http://schemas.openxmlformats.org/drawingml/2006/main" xmlns:r="http://schemas.openxmlformats.org/officeDocument/2006/relationships" xmlns:p="http://schemas.openxmlformats.org/presentationml/2006/main">
-  <p:cSld>
-    <p:spTree>
-      <p:nvGrpSpPr>
-        <p:cNvPr id="1" name=""/>
-        <p:cNvGrpSpPr/>
-        <p:nvPr/>
-      </p:nvGrpSpPr>
-      <p:grpSpPr>
-        <a:xfrm>
-          <a:off x="0" y="0"/>
-          <a:ext cx="0" cy="0"/>
-          <a:chOff x="0" y="0"/>
-          <a:chExt cx="0" cy="0"/>
-        </a:xfrm>
-      </p:grpSpPr>
-      <p:sp>
-        <p:nvSpPr>
-          <p:cNvPr id="2" name="Slide Number Placeholder 1">
-            <a:extLst>
-              <a:ext uri="{FF2B5EF4-FFF2-40B4-BE49-F238E27FC236}">
-                <a16:creationId xmlns:a16="http://schemas.microsoft.com/office/drawing/2014/main" id="{C33349BC-DBC7-4A09-A78E-42B1D8A741F4}"/>
-              </a:ext>
-            </a:extLst>
-          </p:cNvPr>
-          <p:cNvSpPr>
-            <a:spLocks noGrp="1"/>
-          </p:cNvSpPr>
-          <p:nvPr>
-            <p:ph type="sldNum" sz="quarter" idx="10"/>
-          </p:nvPr>
-        </p:nvSpPr>
-        <p:spPr/>
-        <p:txBody>
-          <a:bodyPr/>
-          <a:lstStyle/>
-          <a:p>
-            <a:fld id="{F343A32A-436A-8143-8894-653E98457856}" type="slidenum">
-              <a:rPr lang="en-US" smtClean="0"/>
-              <a:pPr/>
-              <a:t>20</a:t>
-            </a:fld>
-            <a:endParaRPr lang="en-US" dirty="0"/>
-          </a:p>
-        </p:txBody>
-      </p:sp>
-      <p:sp>
-        <p:nvSpPr>
-          <p:cNvPr id="3" name="Title 2">
-            <a:extLst>
-              <a:ext uri="{FF2B5EF4-FFF2-40B4-BE49-F238E27FC236}">
-                <a16:creationId xmlns:a16="http://schemas.microsoft.com/office/drawing/2014/main" id="{FF796C11-BC43-4C18-9F54-79F3BD5690A1}"/>
-              </a:ext>
-            </a:extLst>
-          </p:cNvPr>
-          <p:cNvSpPr>
-            <a:spLocks noGrp="1"/>
-          </p:cNvSpPr>
-          <p:nvPr>
-            <p:ph type="title"/>
-          </p:nvPr>
-        </p:nvSpPr>
-        <p:spPr/>
-        <p:txBody>
-          <a:bodyPr/>
-          <a:lstStyle/>
-          <a:p>
-            <a:r>
-              <a:rPr lang="en-US" dirty="0"/>
-              <a:t>Analysis</a:t>
-            </a:r>
-          </a:p>
-        </p:txBody>
-      </p:sp>
-      <p:sp>
-        <p:nvSpPr>
-          <p:cNvPr id="4" name="Text Placeholder 3">
-            <a:extLst>
-              <a:ext uri="{FF2B5EF4-FFF2-40B4-BE49-F238E27FC236}">
-                <a16:creationId xmlns:a16="http://schemas.microsoft.com/office/drawing/2014/main" id="{488A68C6-3992-45DC-94A3-3DB6E85F6D16}"/>
-              </a:ext>
-            </a:extLst>
-          </p:cNvPr>
-          <p:cNvSpPr>
-            <a:spLocks noGrp="1"/>
-          </p:cNvSpPr>
-          <p:nvPr>
-            <p:ph type="body" sz="quarter" idx="20"/>
-          </p:nvPr>
-        </p:nvSpPr>
-        <p:spPr>
-          <a:xfrm>
-            <a:off x="1066802" y="1246760"/>
-            <a:ext cx="10667998" cy="3646487"/>
-          </a:xfrm>
-        </p:spPr>
-        <p:txBody>
-          <a:bodyPr/>
-          <a:lstStyle/>
-          <a:p>
-            <a:pPr marL="571500" indent="-571500">
-              <a:lnSpc>
-                <a:spcPct val="150000"/>
-              </a:lnSpc>
-              <a:buFont typeface="Arial" panose="020B0604020202020204" pitchFamily="34" charset="0"/>
-              <a:buChar char="•"/>
-            </a:pPr>
-            <a:r>
-              <a:rPr lang="en-US" sz="3200" dirty="0">
-                <a:latin typeface="Sherman Sans Book"/>
-              </a:rPr>
-              <a:t>SGX-Shield</a:t>
-            </a:r>
-          </a:p>
-          <a:p>
-            <a:pPr marL="1028700" lvl="1" indent="-571500">
-              <a:lnSpc>
-                <a:spcPct val="150000"/>
-              </a:lnSpc>
-              <a:buFont typeface="Arial" panose="020B0604020202020204" pitchFamily="34" charset="0"/>
-              <a:buChar char="•"/>
-            </a:pPr>
-            <a:r>
-              <a:rPr lang="en-US" dirty="0">
-                <a:solidFill>
-                  <a:srgbClr val="3E3D3C"/>
-                </a:solidFill>
-                <a:latin typeface="Sherman Sans Book"/>
-              </a:rPr>
-              <a:t>No live randomization ⇨ observe and monitor random patterns</a:t>
-            </a:r>
-          </a:p>
-          <a:p>
-            <a:pPr marL="571500" indent="-571500">
-              <a:lnSpc>
-                <a:spcPct val="150000"/>
-              </a:lnSpc>
-              <a:buFont typeface="Arial" panose="020B0604020202020204" pitchFamily="34" charset="0"/>
-              <a:buChar char="•"/>
-            </a:pPr>
-            <a:r>
-              <a:rPr lang="en-US" sz="3200" dirty="0">
-                <a:latin typeface="Sherman Sans Book"/>
-              </a:rPr>
-              <a:t>Shinde et al.</a:t>
-            </a:r>
-          </a:p>
-          <a:p>
-            <a:pPr marL="1028700" lvl="1" indent="-571500">
-              <a:lnSpc>
-                <a:spcPct val="150000"/>
-              </a:lnSpc>
-              <a:buFont typeface="Arial" panose="020B0604020202020204" pitchFamily="34" charset="0"/>
-              <a:buChar char="•"/>
-            </a:pPr>
-            <a:r>
-              <a:rPr lang="en-US" dirty="0">
-                <a:solidFill>
-                  <a:srgbClr val="3E3D3C"/>
-                </a:solidFill>
-                <a:latin typeface="Sherman Sans Book"/>
-              </a:rPr>
-              <a:t>Cache and TLB based attacks possible</a:t>
-            </a:r>
-          </a:p>
-        </p:txBody>
-      </p:sp>
-      <p:sp>
-        <p:nvSpPr>
-          <p:cNvPr id="6" name="Text Placeholder 5">
-            <a:extLst>
-              <a:ext uri="{FF2B5EF4-FFF2-40B4-BE49-F238E27FC236}">
-                <a16:creationId xmlns:a16="http://schemas.microsoft.com/office/drawing/2014/main" id="{F2B04F09-9DE7-4B50-831A-17E37A1AD2A3}"/>
-              </a:ext>
-            </a:extLst>
-          </p:cNvPr>
-          <p:cNvSpPr>
-            <a:spLocks noGrp="1"/>
-          </p:cNvSpPr>
-          <p:nvPr>
-            <p:ph type="body" sz="quarter" idx="22"/>
-          </p:nvPr>
-        </p:nvSpPr>
-        <p:spPr/>
-        <p:txBody>
-          <a:bodyPr/>
-          <a:lstStyle/>
-          <a:p>
-            <a:r>
-              <a:rPr lang="en-US" dirty="0"/>
-              <a:t>Department of Electrical Engineering and Computer Science</a:t>
-            </a:r>
-          </a:p>
-        </p:txBody>
-      </p:sp>
-    </p:spTree>
-    <p:extLst>
-      <p:ext uri="{BB962C8B-B14F-4D97-AF65-F5344CB8AC3E}">
-        <p14:creationId xmlns:p14="http://schemas.microsoft.com/office/powerpoint/2010/main" val="1204389075"/>
-      </p:ext>
-    </p:extLst>
-  </p:cSld>
-  <p:clrMapOvr>
-    <a:masterClrMapping/>
-  </p:clrMapOvr>
-  <p:transition>
-    <p:fade/>
-  </p:transition>
-</p:sld>
-</file>
-
-<file path=ppt/slides/slide21.xml><?xml version="1.0" encoding="utf-8"?>
-<p:sld xmlns:a="http://schemas.openxmlformats.org/drawingml/2006/main" xmlns:r="http://schemas.openxmlformats.org/officeDocument/2006/relationships" xmlns:p="http://schemas.openxmlformats.org/presentationml/2006/main">
-  <p:cSld>
-    <p:spTree>
-      <p:nvGrpSpPr>
-        <p:cNvPr id="1" name=""/>
-        <p:cNvGrpSpPr/>
-        <p:nvPr/>
-      </p:nvGrpSpPr>
-      <p:grpSpPr>
-        <a:xfrm>
-          <a:off x="0" y="0"/>
-          <a:ext cx="0" cy="0"/>
-          <a:chOff x="0" y="0"/>
-          <a:chExt cx="0" cy="0"/>
-        </a:xfrm>
-      </p:grpSpPr>
-      <p:sp>
-        <p:nvSpPr>
-          <p:cNvPr id="2" name="Slide Number Placeholder 1">
-            <a:extLst>
-              <a:ext uri="{FF2B5EF4-FFF2-40B4-BE49-F238E27FC236}">
-                <a16:creationId xmlns:a16="http://schemas.microsoft.com/office/drawing/2014/main" id="{7A683518-C5E2-4A2E-8FC1-DAC46A817973}"/>
-              </a:ext>
-            </a:extLst>
-          </p:cNvPr>
-          <p:cNvSpPr>
-            <a:spLocks noGrp="1"/>
-          </p:cNvSpPr>
-          <p:nvPr>
-            <p:ph type="sldNum" sz="quarter" idx="10"/>
-          </p:nvPr>
-        </p:nvSpPr>
-        <p:spPr/>
-        <p:txBody>
-          <a:bodyPr/>
-          <a:lstStyle/>
-          <a:p>
-            <a:fld id="{F343A32A-436A-8143-8894-653E98457856}" type="slidenum">
-              <a:rPr lang="en-US" smtClean="0"/>
-              <a:pPr/>
-              <a:t>21</a:t>
-            </a:fld>
-            <a:endParaRPr lang="en-US" dirty="0"/>
-          </a:p>
-        </p:txBody>
-      </p:sp>
-      <p:sp>
-        <p:nvSpPr>
-          <p:cNvPr id="3" name="Title 2">
-            <a:extLst>
-              <a:ext uri="{FF2B5EF4-FFF2-40B4-BE49-F238E27FC236}">
-                <a16:creationId xmlns:a16="http://schemas.microsoft.com/office/drawing/2014/main" id="{3535D6AE-64F9-461A-B8B5-2494B7DEAC23}"/>
-              </a:ext>
-            </a:extLst>
-          </p:cNvPr>
-          <p:cNvSpPr>
-            <a:spLocks noGrp="1"/>
-          </p:cNvSpPr>
-          <p:nvPr>
-            <p:ph type="title"/>
-          </p:nvPr>
-        </p:nvSpPr>
-        <p:spPr/>
-        <p:txBody>
-          <a:bodyPr/>
-          <a:lstStyle/>
-          <a:p>
-            <a:r>
-              <a:rPr lang="en-US" dirty="0"/>
-              <a:t>Analysis</a:t>
-            </a:r>
-          </a:p>
-        </p:txBody>
-      </p:sp>
-      <p:sp>
-        <p:nvSpPr>
-          <p:cNvPr id="4" name="Text Placeholder 3">
-            <a:extLst>
-              <a:ext uri="{FF2B5EF4-FFF2-40B4-BE49-F238E27FC236}">
-                <a16:creationId xmlns:a16="http://schemas.microsoft.com/office/drawing/2014/main" id="{32514131-C405-4471-8695-766C7CF90BC8}"/>
-              </a:ext>
-            </a:extLst>
-          </p:cNvPr>
-          <p:cNvSpPr>
-            <a:spLocks noGrp="1"/>
-          </p:cNvSpPr>
-          <p:nvPr>
-            <p:ph type="body" sz="quarter" idx="20"/>
-          </p:nvPr>
-        </p:nvSpPr>
-        <p:spPr/>
-        <p:txBody>
-          <a:bodyPr/>
-          <a:lstStyle/>
-          <a:p>
-            <a:pPr marL="571500" indent="-571500">
-              <a:spcBef>
-                <a:spcPts val="1200"/>
-              </a:spcBef>
-              <a:buFont typeface="Arial" panose="020B0604020202020204" pitchFamily="34" charset="0"/>
-              <a:buChar char="•"/>
-            </a:pPr>
-            <a:r>
-              <a:rPr lang="en-US" sz="3200" dirty="0">
-                <a:latin typeface="Sherman Sans Book"/>
-              </a:rPr>
-              <a:t>Other methods</a:t>
-            </a:r>
-          </a:p>
-          <a:p>
-            <a:pPr marL="1028700" lvl="1" indent="-571500">
-              <a:spcBef>
-                <a:spcPts val="1200"/>
-              </a:spcBef>
-              <a:buFont typeface="Arial" panose="020B0604020202020204" pitchFamily="34" charset="0"/>
-              <a:buChar char="•"/>
-            </a:pPr>
-            <a:r>
-              <a:rPr lang="en-US" dirty="0">
-                <a:solidFill>
-                  <a:srgbClr val="3E3D3C"/>
-                </a:solidFill>
-                <a:latin typeface="Sherman Sans Book"/>
-              </a:rPr>
-              <a:t>Attack detection methods ⇨ Unreliable</a:t>
-            </a:r>
-          </a:p>
-          <a:p>
-            <a:pPr marL="1028700" lvl="1" indent="-571500">
-              <a:spcBef>
-                <a:spcPts val="1200"/>
-              </a:spcBef>
-              <a:buFont typeface="Arial" panose="020B0604020202020204" pitchFamily="34" charset="0"/>
-              <a:buChar char="•"/>
-            </a:pPr>
-            <a:r>
-              <a:rPr lang="en-US" dirty="0">
-                <a:solidFill>
-                  <a:srgbClr val="3E3D3C"/>
-                </a:solidFill>
-                <a:latin typeface="Sherman Sans Book"/>
-              </a:rPr>
-              <a:t>Shuffling memory ⇨ expensive</a:t>
-            </a:r>
-          </a:p>
-          <a:p>
-            <a:pPr marL="1028700" lvl="1" indent="-571500">
-              <a:spcBef>
-                <a:spcPts val="1200"/>
-              </a:spcBef>
-              <a:buFont typeface="Arial" panose="020B0604020202020204" pitchFamily="34" charset="0"/>
-              <a:buChar char="•"/>
-            </a:pPr>
-            <a:r>
-              <a:rPr lang="en-US" dirty="0">
-                <a:solidFill>
-                  <a:srgbClr val="3E3D3C"/>
-                </a:solidFill>
-                <a:latin typeface="Sherman Sans Book"/>
-              </a:rPr>
-              <a:t>ORAM (make addresses input-independent) ⇨ expensive</a:t>
-            </a:r>
-          </a:p>
-          <a:p>
-            <a:pPr marL="571500" indent="-571500">
-              <a:spcBef>
-                <a:spcPts val="1200"/>
-              </a:spcBef>
-              <a:buFont typeface="Arial" panose="020B0604020202020204" pitchFamily="34" charset="0"/>
-              <a:buChar char="•"/>
-            </a:pPr>
-            <a:r>
-              <a:rPr lang="en-US" sz="3600" dirty="0">
-                <a:latin typeface="Sherman Sans Book"/>
-              </a:rPr>
-              <a:t>The perfect solution?</a:t>
-            </a:r>
-          </a:p>
-          <a:p>
-            <a:pPr marL="1028700" lvl="1" indent="-571500">
-              <a:spcBef>
-                <a:spcPts val="1200"/>
-              </a:spcBef>
-              <a:buFont typeface="Arial" panose="020B0604020202020204" pitchFamily="34" charset="0"/>
-              <a:buChar char="•"/>
-            </a:pPr>
-            <a:r>
-              <a:rPr lang="en-US" dirty="0">
-                <a:solidFill>
-                  <a:srgbClr val="3E3D3C"/>
-                </a:solidFill>
-                <a:latin typeface="Sherman Sans Book"/>
-              </a:rPr>
-              <a:t>Remove all branches and conditional code</a:t>
-            </a:r>
-          </a:p>
-          <a:p>
-            <a:pPr marL="1028700" lvl="1" indent="-571500">
-              <a:spcBef>
-                <a:spcPts val="1200"/>
-              </a:spcBef>
-              <a:buFont typeface="Arial" panose="020B0604020202020204" pitchFamily="34" charset="0"/>
-              <a:buChar char="•"/>
-            </a:pPr>
-            <a:r>
-              <a:rPr lang="en-US" dirty="0">
-                <a:solidFill>
-                  <a:srgbClr val="3E3D3C"/>
-                </a:solidFill>
-                <a:latin typeface="Sherman Sans Book"/>
-              </a:rPr>
-              <a:t>Pin data/code to cache and TLB</a:t>
-            </a:r>
-            <a:endParaRPr lang="fa-IR" dirty="0">
-              <a:solidFill>
-                <a:srgbClr val="3E3D3C"/>
-              </a:solidFill>
-              <a:latin typeface="Sherman Sans Book"/>
-            </a:endParaRPr>
-          </a:p>
-        </p:txBody>
-      </p:sp>
-      <p:sp>
-        <p:nvSpPr>
-          <p:cNvPr id="5" name="Content Placeholder 4">
-            <a:extLst>
-              <a:ext uri="{FF2B5EF4-FFF2-40B4-BE49-F238E27FC236}">
-                <a16:creationId xmlns:a16="http://schemas.microsoft.com/office/drawing/2014/main" id="{71C91CAD-8638-4CAF-9556-3353851F61F6}"/>
-              </a:ext>
-            </a:extLst>
-          </p:cNvPr>
-          <p:cNvSpPr>
-            <a:spLocks noGrp="1"/>
-          </p:cNvSpPr>
-          <p:nvPr>
-            <p:ph sz="quarter" idx="19"/>
-          </p:nvPr>
-        </p:nvSpPr>
-        <p:spPr/>
-        <p:txBody>
-          <a:bodyPr/>
-          <a:lstStyle/>
-          <a:p>
-            <a:endParaRPr lang="en-US"/>
-          </a:p>
-        </p:txBody>
-      </p:sp>
-      <p:sp>
-        <p:nvSpPr>
-          <p:cNvPr id="6" name="Text Placeholder 5">
-            <a:extLst>
-              <a:ext uri="{FF2B5EF4-FFF2-40B4-BE49-F238E27FC236}">
-                <a16:creationId xmlns:a16="http://schemas.microsoft.com/office/drawing/2014/main" id="{01D0EF89-8F47-49C5-9A7A-9C37F1A30A15}"/>
-              </a:ext>
-            </a:extLst>
-          </p:cNvPr>
-          <p:cNvSpPr>
-            <a:spLocks noGrp="1"/>
-          </p:cNvSpPr>
-          <p:nvPr>
-            <p:ph type="body" sz="quarter" idx="22"/>
-          </p:nvPr>
-        </p:nvSpPr>
-        <p:spPr/>
-        <p:txBody>
-          <a:bodyPr/>
-          <a:lstStyle/>
-          <a:p>
-            <a:r>
-              <a:rPr lang="en-US" dirty="0"/>
-              <a:t>Department of Electrical Engineering and Computer Science</a:t>
-            </a:r>
-          </a:p>
-        </p:txBody>
-      </p:sp>
-    </p:spTree>
-    <p:extLst>
-      <p:ext uri="{BB962C8B-B14F-4D97-AF65-F5344CB8AC3E}">
-        <p14:creationId xmlns:p14="http://schemas.microsoft.com/office/powerpoint/2010/main" val="892053230"/>
-      </p:ext>
-    </p:extLst>
-  </p:cSld>
-  <p:clrMapOvr>
-    <a:masterClrMapping/>
-  </p:clrMapOvr>
-  <p:transition>
-    <p:fade/>
-  </p:transition>
-</p:sld>
-</file>
-
-<file path=ppt/slides/slide22.xml><?xml version="1.0" encoding="utf-8"?>
-<p:sld xmlns:a="http://schemas.openxmlformats.org/drawingml/2006/main" xmlns:r="http://schemas.openxmlformats.org/officeDocument/2006/relationships" xmlns:p="http://schemas.openxmlformats.org/presentationml/2006/main">
-  <p:cSld>
-    <p:spTree>
-      <p:nvGrpSpPr>
-        <p:cNvPr id="1" name=""/>
-        <p:cNvGrpSpPr/>
-        <p:nvPr/>
-      </p:nvGrpSpPr>
-      <p:grpSpPr>
-        <a:xfrm>
-          <a:off x="0" y="0"/>
-          <a:ext cx="0" cy="0"/>
-          <a:chOff x="0" y="0"/>
-          <a:chExt cx="0" cy="0"/>
-        </a:xfrm>
-      </p:grpSpPr>
-      <p:sp>
-        <p:nvSpPr>
-          <p:cNvPr id="2" name="Slide Number Placeholder 1">
-            <a:extLst>
-              <a:ext uri="{FF2B5EF4-FFF2-40B4-BE49-F238E27FC236}">
-                <a16:creationId xmlns:a16="http://schemas.microsoft.com/office/drawing/2014/main" id="{D1DD070F-0015-4FC4-ABE6-36F10B06D147}"/>
-              </a:ext>
-            </a:extLst>
-          </p:cNvPr>
-          <p:cNvSpPr>
-            <a:spLocks noGrp="1"/>
-          </p:cNvSpPr>
-          <p:nvPr>
-            <p:ph type="sldNum" sz="quarter" idx="10"/>
-          </p:nvPr>
-        </p:nvSpPr>
-        <p:spPr/>
-        <p:txBody>
-          <a:bodyPr/>
-          <a:lstStyle/>
-          <a:p>
-            <a:fld id="{F343A32A-436A-8143-8894-653E98457856}" type="slidenum">
-              <a:rPr lang="en-US" smtClean="0"/>
-              <a:pPr/>
-              <a:t>22</a:t>
-            </a:fld>
-            <a:endParaRPr lang="en-US" dirty="0"/>
-          </a:p>
-        </p:txBody>
-      </p:sp>
-      <p:sp>
-        <p:nvSpPr>
-          <p:cNvPr id="3" name="Title 2">
-            <a:extLst>
-              <a:ext uri="{FF2B5EF4-FFF2-40B4-BE49-F238E27FC236}">
-                <a16:creationId xmlns:a16="http://schemas.microsoft.com/office/drawing/2014/main" id="{79ECE240-F72B-4CA7-A764-B34B2AC096A8}"/>
-              </a:ext>
-            </a:extLst>
-          </p:cNvPr>
-          <p:cNvSpPr>
-            <a:spLocks noGrp="1"/>
-          </p:cNvSpPr>
-          <p:nvPr>
-            <p:ph type="title"/>
-          </p:nvPr>
-        </p:nvSpPr>
-        <p:spPr/>
-        <p:txBody>
-          <a:bodyPr/>
-          <a:lstStyle/>
-          <a:p>
-            <a:r>
-              <a:rPr lang="en-US" dirty="0"/>
-              <a:t>Conclusion</a:t>
-            </a:r>
-          </a:p>
-        </p:txBody>
-      </p:sp>
-      <p:sp>
-        <p:nvSpPr>
-          <p:cNvPr id="4" name="Text Placeholder 3">
-            <a:extLst>
-              <a:ext uri="{FF2B5EF4-FFF2-40B4-BE49-F238E27FC236}">
-                <a16:creationId xmlns:a16="http://schemas.microsoft.com/office/drawing/2014/main" id="{6DCF062F-5B83-4E3C-8983-5BDD671A696D}"/>
-              </a:ext>
-            </a:extLst>
-          </p:cNvPr>
-          <p:cNvSpPr>
-            <a:spLocks noGrp="1"/>
-          </p:cNvSpPr>
-          <p:nvPr>
-            <p:ph type="body" sz="quarter" idx="20"/>
-          </p:nvPr>
-        </p:nvSpPr>
-        <p:spPr>
-          <a:xfrm>
-            <a:off x="1066800" y="1605756"/>
-            <a:ext cx="10667998" cy="3646487"/>
-          </a:xfrm>
-        </p:spPr>
-        <p:txBody>
-          <a:bodyPr/>
-          <a:lstStyle/>
-          <a:p>
-            <a:pPr marL="571500" indent="-571500">
-              <a:lnSpc>
-                <a:spcPct val="150000"/>
-              </a:lnSpc>
-              <a:buFont typeface="Arial" panose="020B0604020202020204" pitchFamily="34" charset="0"/>
-              <a:buChar char="•"/>
-            </a:pPr>
-            <a:r>
-              <a:rPr lang="en-US" sz="3200" dirty="0"/>
-              <a:t>We studied multiple attacks and defenses</a:t>
-            </a:r>
-          </a:p>
-          <a:p>
-            <a:pPr marL="571500" indent="-571500">
-              <a:lnSpc>
-                <a:spcPct val="150000"/>
-              </a:lnSpc>
-              <a:buFont typeface="Arial" panose="020B0604020202020204" pitchFamily="34" charset="0"/>
-              <a:buChar char="•"/>
-            </a:pPr>
-            <a:r>
-              <a:rPr lang="en-US" sz="3200" dirty="0"/>
-              <a:t>Still no robust defense</a:t>
-            </a:r>
-          </a:p>
-          <a:p>
-            <a:pPr marL="571500" indent="-571500">
-              <a:lnSpc>
-                <a:spcPct val="150000"/>
-              </a:lnSpc>
-              <a:buFont typeface="Arial" panose="020B0604020202020204" pitchFamily="34" charset="0"/>
-              <a:buChar char="•"/>
-            </a:pPr>
-            <a:r>
-              <a:rPr lang="en-US" sz="3200" dirty="0"/>
-              <a:t>Attack are emerging</a:t>
-            </a:r>
-          </a:p>
-          <a:p>
-            <a:pPr marL="571500" indent="-571500">
-              <a:lnSpc>
-                <a:spcPct val="150000"/>
-              </a:lnSpc>
-              <a:buFont typeface="Arial" panose="020B0604020202020204" pitchFamily="34" charset="0"/>
-              <a:buChar char="•"/>
-            </a:pPr>
-            <a:r>
-              <a:rPr lang="en-US" sz="3200" dirty="0"/>
-              <a:t>Open to research</a:t>
-            </a:r>
-          </a:p>
-          <a:p>
-            <a:pPr marL="571500" indent="-571500">
-              <a:lnSpc>
-                <a:spcPct val="150000"/>
-              </a:lnSpc>
-              <a:buFont typeface="Arial" panose="020B0604020202020204" pitchFamily="34" charset="0"/>
-              <a:buChar char="•"/>
-            </a:pPr>
-            <a:endParaRPr lang="en-US" sz="3200" dirty="0"/>
-          </a:p>
-        </p:txBody>
-      </p:sp>
-      <p:sp>
-        <p:nvSpPr>
-          <p:cNvPr id="6" name="Text Placeholder 5">
-            <a:extLst>
-              <a:ext uri="{FF2B5EF4-FFF2-40B4-BE49-F238E27FC236}">
-                <a16:creationId xmlns:a16="http://schemas.microsoft.com/office/drawing/2014/main" id="{2A83185D-A317-450B-8CBF-B58853DBB113}"/>
-              </a:ext>
-            </a:extLst>
-          </p:cNvPr>
-          <p:cNvSpPr>
-            <a:spLocks noGrp="1"/>
-          </p:cNvSpPr>
-          <p:nvPr>
-            <p:ph type="body" sz="quarter" idx="22"/>
-          </p:nvPr>
-        </p:nvSpPr>
-        <p:spPr/>
-        <p:txBody>
-          <a:bodyPr/>
-          <a:lstStyle/>
-          <a:p>
-            <a:r>
-              <a:rPr lang="en-US" dirty="0"/>
-              <a:t>Department of Electrical Engineering and Computer Science</a:t>
-            </a:r>
-          </a:p>
-        </p:txBody>
-      </p:sp>
-    </p:spTree>
-    <p:extLst>
-      <p:ext uri="{BB962C8B-B14F-4D97-AF65-F5344CB8AC3E}">
-        <p14:creationId xmlns:p14="http://schemas.microsoft.com/office/powerpoint/2010/main" val="1440044419"/>
-      </p:ext>
-    </p:extLst>
-  </p:cSld>
-  <p:clrMapOvr>
-    <a:masterClrMapping/>
-  </p:clrMapOvr>
-  <p:transition>
-    <p:fade/>
-  </p:transition>
-</p:sld>
-</file>
-
-<file path=ppt/slides/slide23.xml><?xml version="1.0" encoding="utf-8"?>
-<p:sld xmlns:a="http://schemas.openxmlformats.org/drawingml/2006/main" xmlns:r="http://schemas.openxmlformats.org/officeDocument/2006/relationships" xmlns:p="http://schemas.openxmlformats.org/presentationml/2006/main">
-  <p:cSld>
-    <p:spTree>
-      <p:nvGrpSpPr>
-        <p:cNvPr id="1" name=""/>
-        <p:cNvGrpSpPr/>
-        <p:nvPr/>
-      </p:nvGrpSpPr>
-      <p:grpSpPr>
-        <a:xfrm>
-          <a:off x="0" y="0"/>
-          <a:ext cx="0" cy="0"/>
-          <a:chOff x="0" y="0"/>
-          <a:chExt cx="0" cy="0"/>
-        </a:xfrm>
-      </p:grpSpPr>
-      <p:sp>
-        <p:nvSpPr>
-          <p:cNvPr id="2" name="Slide Number Placeholder 1">
-            <a:extLst>
-              <a:ext uri="{FF2B5EF4-FFF2-40B4-BE49-F238E27FC236}">
-                <a16:creationId xmlns:a16="http://schemas.microsoft.com/office/drawing/2014/main" id="{728F9554-2836-461D-9001-19B6225563C6}"/>
-              </a:ext>
-            </a:extLst>
-          </p:cNvPr>
-          <p:cNvSpPr>
-            <a:spLocks noGrp="1"/>
-          </p:cNvSpPr>
-          <p:nvPr>
-            <p:ph type="sldNum" sz="quarter" idx="10"/>
-          </p:nvPr>
-        </p:nvSpPr>
-        <p:spPr/>
-        <p:txBody>
-          <a:bodyPr/>
-          <a:lstStyle/>
-          <a:p>
-            <a:fld id="{F343A32A-436A-8143-8894-653E98457856}" type="slidenum">
-              <a:rPr lang="en-US" smtClean="0"/>
-              <a:pPr/>
-              <a:t>23</a:t>
-            </a:fld>
-            <a:endParaRPr lang="en-US" dirty="0"/>
-          </a:p>
-        </p:txBody>
-      </p:sp>
-      <p:sp>
-        <p:nvSpPr>
-          <p:cNvPr id="3" name="Title 2">
-            <a:extLst>
-              <a:ext uri="{FF2B5EF4-FFF2-40B4-BE49-F238E27FC236}">
-                <a16:creationId xmlns:a16="http://schemas.microsoft.com/office/drawing/2014/main" id="{77D0E184-2738-4E67-AE04-13DC769470C1}"/>
-              </a:ext>
-            </a:extLst>
-          </p:cNvPr>
-          <p:cNvSpPr>
-            <a:spLocks noGrp="1"/>
-          </p:cNvSpPr>
-          <p:nvPr>
-            <p:ph type="title"/>
-          </p:nvPr>
-        </p:nvSpPr>
-        <p:spPr/>
-        <p:txBody>
-          <a:bodyPr/>
-          <a:lstStyle/>
-          <a:p>
-            <a:r>
-              <a:rPr lang="en-US" dirty="0"/>
-              <a:t>References</a:t>
-            </a:r>
-          </a:p>
-        </p:txBody>
-      </p:sp>
-      <p:sp>
-        <p:nvSpPr>
-          <p:cNvPr id="4" name="Text Placeholder 3">
-            <a:extLst>
-              <a:ext uri="{FF2B5EF4-FFF2-40B4-BE49-F238E27FC236}">
-                <a16:creationId xmlns:a16="http://schemas.microsoft.com/office/drawing/2014/main" id="{0D7AD22C-7A69-453C-849F-E9EB6615AB67}"/>
-              </a:ext>
-            </a:extLst>
-          </p:cNvPr>
-          <p:cNvSpPr>
-            <a:spLocks noGrp="1"/>
-          </p:cNvSpPr>
-          <p:nvPr>
-            <p:ph type="body" sz="quarter" idx="20"/>
-          </p:nvPr>
-        </p:nvSpPr>
-        <p:spPr>
-          <a:xfrm>
-            <a:off x="1066802" y="944966"/>
-            <a:ext cx="10667998" cy="3646487"/>
-          </a:xfrm>
-        </p:spPr>
-        <p:txBody>
-          <a:bodyPr/>
-          <a:lstStyle/>
-          <a:p>
-            <a:r>
-              <a:rPr lang="en-US" sz="1100" dirty="0"/>
-              <a:t>[1] Ferdinand </a:t>
-            </a:r>
-            <a:r>
-              <a:rPr lang="en-US" sz="1100" dirty="0" err="1"/>
-              <a:t>Brasser</a:t>
-            </a:r>
-            <a:r>
-              <a:rPr lang="en-US" sz="1100" dirty="0"/>
-              <a:t>, </a:t>
-            </a:r>
-            <a:r>
-              <a:rPr lang="en-US" sz="1100" dirty="0" err="1"/>
-              <a:t>Srdjan</a:t>
-            </a:r>
-            <a:r>
-              <a:rPr lang="en-US" sz="1100" dirty="0"/>
-              <a:t> </a:t>
-            </a:r>
-            <a:r>
-              <a:rPr lang="en-US" sz="1100" dirty="0" err="1"/>
-              <a:t>Capkun</a:t>
-            </a:r>
-            <a:r>
-              <a:rPr lang="en-US" sz="1100" dirty="0"/>
-              <a:t>, Alexandra </a:t>
-            </a:r>
-            <a:r>
-              <a:rPr lang="en-US" sz="1100" dirty="0" err="1"/>
-              <a:t>Dmitrienko</a:t>
-            </a:r>
-            <a:r>
-              <a:rPr lang="en-US" sz="1100" dirty="0"/>
-              <a:t>, Tommaso </a:t>
-            </a:r>
-            <a:r>
-              <a:rPr lang="en-US" sz="1100" dirty="0" err="1"/>
-              <a:t>Frassetto</a:t>
-            </a:r>
-            <a:r>
-              <a:rPr lang="en-US" sz="1100" dirty="0"/>
-              <a:t>, Kari </a:t>
-            </a:r>
-            <a:r>
-              <a:rPr lang="en-US" sz="1100" dirty="0" err="1"/>
-              <a:t>Kostiainen</a:t>
-            </a:r>
-            <a:r>
-              <a:rPr lang="en-US" sz="1100" dirty="0"/>
-              <a:t>, </a:t>
-            </a:r>
-            <a:r>
-              <a:rPr lang="en-US" sz="1100" dirty="0" err="1"/>
-              <a:t>Urs</a:t>
-            </a:r>
-            <a:r>
-              <a:rPr lang="en-US" sz="1100" dirty="0"/>
-              <a:t> </a:t>
-            </a:r>
-            <a:r>
-              <a:rPr lang="en-US" sz="1100" dirty="0" err="1"/>
-              <a:t>Mu¨ller</a:t>
-            </a:r>
-            <a:r>
-              <a:rPr lang="en-US" sz="1100" dirty="0"/>
-              <a:t>, and Ahmad-Reza Sadeghi. 2017. DR. SGX: Hardening SGX Enclaves against Cache Attacks with Data Location Randomization. </a:t>
-            </a:r>
-            <a:r>
-              <a:rPr lang="en-US" sz="1100" dirty="0" err="1"/>
-              <a:t>arXiv</a:t>
-            </a:r>
-            <a:r>
-              <a:rPr lang="en-US" sz="1100" dirty="0"/>
-              <a:t> preprint arXiv:1709.09917 (2017). </a:t>
-            </a:r>
-            <a:br>
-              <a:rPr lang="en-US" sz="1100" dirty="0"/>
-            </a:br>
-            <a:r>
-              <a:rPr lang="en-US" sz="1100" dirty="0"/>
-              <a:t>[2] Ferdinand </a:t>
-            </a:r>
-            <a:r>
-              <a:rPr lang="en-US" sz="1100" dirty="0" err="1"/>
-              <a:t>Brasser</a:t>
-            </a:r>
-            <a:r>
-              <a:rPr lang="en-US" sz="1100" dirty="0"/>
-              <a:t>, </a:t>
-            </a:r>
-            <a:r>
-              <a:rPr lang="en-US" sz="1100" dirty="0" err="1"/>
-              <a:t>Urs</a:t>
-            </a:r>
-            <a:r>
-              <a:rPr lang="en-US" sz="1100" dirty="0"/>
-              <a:t> </a:t>
-            </a:r>
-            <a:r>
-              <a:rPr lang="en-US" sz="1100" dirty="0" err="1"/>
-              <a:t>Mu¨ller</a:t>
-            </a:r>
-            <a:r>
-              <a:rPr lang="en-US" sz="1100" dirty="0"/>
-              <a:t>, Alexandra </a:t>
-            </a:r>
-            <a:r>
-              <a:rPr lang="en-US" sz="1100" dirty="0" err="1"/>
-              <a:t>Dmitrienko</a:t>
-            </a:r>
-            <a:r>
-              <a:rPr lang="en-US" sz="1100" dirty="0"/>
-              <a:t>, Kari </a:t>
-            </a:r>
-            <a:r>
-              <a:rPr lang="en-US" sz="1100" dirty="0" err="1"/>
-              <a:t>Kostiainen</a:t>
-            </a:r>
-            <a:r>
-              <a:rPr lang="en-US" sz="1100" dirty="0"/>
-              <a:t>, </a:t>
-            </a:r>
-            <a:r>
-              <a:rPr lang="en-US" sz="1100" dirty="0" err="1"/>
-              <a:t>Srdjan</a:t>
-            </a:r>
-            <a:r>
-              <a:rPr lang="en-US" sz="1100" dirty="0"/>
-              <a:t> </a:t>
-            </a:r>
-            <a:r>
-              <a:rPr lang="en-US" sz="1100" dirty="0" err="1"/>
-              <a:t>Capkun</a:t>
-            </a:r>
-            <a:r>
-              <a:rPr lang="en-US" sz="1100" dirty="0"/>
-              <a:t>, and </a:t>
-            </a:r>
-            <a:r>
-              <a:rPr lang="en-US" sz="1100" dirty="0" err="1"/>
-              <a:t>AhmadReza</a:t>
-            </a:r>
-            <a:r>
-              <a:rPr lang="en-US" sz="1100" dirty="0"/>
-              <a:t> Sadeghi. 2017. Software grand exposure: SGX cache attacks are practical. </a:t>
-            </a:r>
-            <a:r>
-              <a:rPr lang="en-US" sz="1100" dirty="0" err="1"/>
-              <a:t>arXiv</a:t>
-            </a:r>
-            <a:r>
-              <a:rPr lang="en-US" sz="1100" dirty="0"/>
-              <a:t> preprint arXiv:1702.07521 (2017), 33.</a:t>
-            </a:r>
-            <a:br>
-              <a:rPr lang="en-US" sz="1100" dirty="0"/>
-            </a:br>
-            <a:r>
-              <a:rPr lang="en-US" sz="1100" dirty="0"/>
-              <a:t>[3] </a:t>
-            </a:r>
-            <a:r>
-              <a:rPr lang="en-US" sz="1100" dirty="0" err="1"/>
-              <a:t>Sanchuan</a:t>
-            </a:r>
-            <a:r>
-              <a:rPr lang="en-US" sz="1100" dirty="0"/>
-              <a:t> Chen, </a:t>
-            </a:r>
-            <a:r>
-              <a:rPr lang="en-US" sz="1100" dirty="0" err="1"/>
-              <a:t>Xiaokuan</a:t>
-            </a:r>
-            <a:r>
-              <a:rPr lang="en-US" sz="1100" dirty="0"/>
-              <a:t> Zhang, Michael K Reiter, and </a:t>
-            </a:r>
-            <a:r>
-              <a:rPr lang="en-US" sz="1100" dirty="0" err="1"/>
-              <a:t>Yinqian</a:t>
-            </a:r>
-            <a:r>
-              <a:rPr lang="en-US" sz="1100" dirty="0"/>
-              <a:t> Zhang. 2017. Detecting privileged side-channel attacks in shielded execution with </a:t>
-            </a:r>
-            <a:r>
-              <a:rPr lang="en-US" sz="1100" dirty="0" err="1"/>
-              <a:t>D´ej´a</a:t>
-            </a:r>
-            <a:r>
-              <a:rPr lang="en-US" sz="1100" dirty="0"/>
-              <a:t> Vu. In Proceedings of the 2017 ACM on Asia Conference on Computer and Communications Security. ACM, 7–18.</a:t>
-            </a:r>
-            <a:br>
-              <a:rPr lang="en-US" sz="1100" dirty="0"/>
-            </a:br>
-            <a:r>
-              <a:rPr lang="en-US" sz="1100" dirty="0"/>
-              <a:t>[4] Oded </a:t>
-            </a:r>
-            <a:r>
-              <a:rPr lang="en-US" sz="1100" dirty="0" err="1"/>
-              <a:t>Goldreich</a:t>
-            </a:r>
-            <a:r>
-              <a:rPr lang="en-US" sz="1100" dirty="0"/>
-              <a:t>. 1987. Towards a theory of software protection and simulation by oblivious RAMs. In Proceedings of the nineteenth annual ACM symposium on Theory of computing. ACM, 182–194.</a:t>
-            </a:r>
-            <a:br>
-              <a:rPr lang="en-US" sz="1100" dirty="0"/>
-            </a:br>
-            <a:r>
-              <a:rPr lang="en-US" sz="1100" dirty="0"/>
-              <a:t>[5] Oded </a:t>
-            </a:r>
-            <a:r>
-              <a:rPr lang="en-US" sz="1100" dirty="0" err="1"/>
-              <a:t>Goldreich</a:t>
-            </a:r>
-            <a:r>
-              <a:rPr lang="en-US" sz="1100" dirty="0"/>
-              <a:t> and </a:t>
-            </a:r>
-            <a:r>
-              <a:rPr lang="en-US" sz="1100" dirty="0" err="1"/>
-              <a:t>Rafail</a:t>
-            </a:r>
-            <a:r>
-              <a:rPr lang="en-US" sz="1100" dirty="0"/>
-              <a:t> </a:t>
-            </a:r>
-            <a:r>
-              <a:rPr lang="en-US" sz="1100" dirty="0" err="1"/>
-              <a:t>Ostrovsky</a:t>
-            </a:r>
-            <a:r>
-              <a:rPr lang="en-US" sz="1100" dirty="0"/>
-              <a:t>. 1996. Software protection and simulation on oblivious RAMs. Journal of the ACM (JACM) 43, 3 (1996), 431–473.</a:t>
-            </a:r>
-            <a:br>
-              <a:rPr lang="en-US" sz="1100" dirty="0"/>
-            </a:br>
-            <a:r>
-              <a:rPr lang="en-US" sz="1100" dirty="0"/>
-              <a:t>[6] Daniel </a:t>
-            </a:r>
-            <a:r>
-              <a:rPr lang="en-US" sz="1100" dirty="0" err="1"/>
-              <a:t>Gruss</a:t>
-            </a:r>
-            <a:r>
-              <a:rPr lang="en-US" sz="1100" dirty="0"/>
-              <a:t>, Julian </a:t>
-            </a:r>
-            <a:r>
-              <a:rPr lang="en-US" sz="1100" dirty="0" err="1"/>
-              <a:t>Lettner</a:t>
-            </a:r>
-            <a:r>
-              <a:rPr lang="en-US" sz="1100" dirty="0"/>
-              <a:t>, Felix Schuster, </a:t>
-            </a:r>
-            <a:r>
-              <a:rPr lang="en-US" sz="1100" dirty="0" err="1"/>
-              <a:t>Olya</a:t>
-            </a:r>
-            <a:r>
-              <a:rPr lang="en-US" sz="1100" dirty="0"/>
-              <a:t> </a:t>
-            </a:r>
-            <a:r>
-              <a:rPr lang="en-US" sz="1100" dirty="0" err="1"/>
-              <a:t>Ohrimenko</a:t>
-            </a:r>
-            <a:r>
-              <a:rPr lang="en-US" sz="1100" dirty="0"/>
-              <a:t>, Istvan Haller, and Manuel Costa. 2017. Strong and efficient cache side-channel protection using hardware transactional memory. In USENIX Security Symposium.</a:t>
-            </a:r>
-            <a:br>
-              <a:rPr lang="en-US" sz="1100" dirty="0"/>
-            </a:br>
-            <a:r>
-              <a:rPr lang="en-US" sz="1100" dirty="0"/>
-              <a:t>[7] Daniel </a:t>
-            </a:r>
-            <a:r>
-              <a:rPr lang="en-US" sz="1100" dirty="0" err="1"/>
-              <a:t>Gruss</a:t>
-            </a:r>
-            <a:r>
-              <a:rPr lang="en-US" sz="1100" dirty="0"/>
-              <a:t>, </a:t>
-            </a:r>
-            <a:r>
-              <a:rPr lang="en-US" sz="1100" dirty="0" err="1"/>
-              <a:t>Cl´ementine</a:t>
-            </a:r>
-            <a:r>
-              <a:rPr lang="en-US" sz="1100" dirty="0"/>
-              <a:t> Maurice, Klaus Wagner, and Stefan </a:t>
-            </a:r>
-            <a:r>
-              <a:rPr lang="en-US" sz="1100" dirty="0" err="1"/>
-              <a:t>Mangard</a:t>
-            </a:r>
-            <a:r>
-              <a:rPr lang="en-US" sz="1100" dirty="0"/>
-              <a:t>. 2016. Flush+ Flush: a fast and stealthy cache attack. In International Conference on Detection of Intrusions and Malware, and Vulnerability Assessment. Springer, 279–299.</a:t>
-            </a:r>
-            <a:br>
-              <a:rPr lang="en-US" sz="1100" dirty="0"/>
-            </a:br>
-            <a:r>
-              <a:rPr lang="en-US" sz="1100" dirty="0"/>
-              <a:t>[8] Mehmet </a:t>
-            </a:r>
-            <a:r>
-              <a:rPr lang="en-US" sz="1100" dirty="0" err="1"/>
-              <a:t>Kayaalp</a:t>
-            </a:r>
-            <a:r>
-              <a:rPr lang="en-US" sz="1100" dirty="0"/>
-              <a:t>, </a:t>
-            </a:r>
-            <a:r>
-              <a:rPr lang="en-US" sz="1100" dirty="0" err="1"/>
-              <a:t>Nael</a:t>
-            </a:r>
-            <a:r>
-              <a:rPr lang="en-US" sz="1100" dirty="0"/>
-              <a:t> Abu-</a:t>
-            </a:r>
-            <a:r>
-              <a:rPr lang="en-US" sz="1100" dirty="0" err="1"/>
-              <a:t>Ghazaleh</a:t>
-            </a:r>
-            <a:r>
-              <a:rPr lang="en-US" sz="1100" dirty="0"/>
-              <a:t>, Dmitry </a:t>
-            </a:r>
-            <a:r>
-              <a:rPr lang="en-US" sz="1100" dirty="0" err="1"/>
-              <a:t>Ponomarev</a:t>
-            </a:r>
-            <a:r>
-              <a:rPr lang="en-US" sz="1100" dirty="0"/>
-              <a:t>, and </a:t>
-            </a:r>
-            <a:r>
-              <a:rPr lang="en-US" sz="1100" dirty="0" err="1"/>
-              <a:t>Aamer</a:t>
-            </a:r>
-            <a:r>
-              <a:rPr lang="en-US" sz="1100" dirty="0"/>
-              <a:t> Jaleel. 2016. A high-resolution side-channel attack on last-level cache. In Proceedings of the 53rd Annual Design Automation Conference. ACM, 72.</a:t>
-            </a:r>
-            <a:br>
-              <a:rPr lang="en-US" sz="1100" dirty="0"/>
-            </a:br>
-            <a:r>
-              <a:rPr lang="en-US" sz="1100" dirty="0"/>
-              <a:t>[9] </a:t>
-            </a:r>
-            <a:r>
-              <a:rPr lang="en-US" sz="1100" dirty="0" err="1"/>
-              <a:t>Rafail</a:t>
-            </a:r>
-            <a:r>
-              <a:rPr lang="en-US" sz="1100" dirty="0"/>
-              <a:t> </a:t>
-            </a:r>
-            <a:r>
-              <a:rPr lang="en-US" sz="1100" dirty="0" err="1"/>
-              <a:t>Ostrovsky</a:t>
-            </a:r>
-            <a:r>
-              <a:rPr lang="en-US" sz="1100" dirty="0"/>
-              <a:t>. 1990. Efficient computation on oblivious RAMs. In Proceedings of the twenty-second annual ACM symposium on Theory of computing. ACM, 514–523.</a:t>
-            </a:r>
-            <a:br>
-              <a:rPr lang="en-US" sz="1100" dirty="0"/>
-            </a:br>
-            <a:r>
-              <a:rPr lang="en-US" sz="1100" dirty="0"/>
-              <a:t>[10] Dag Arne </a:t>
-            </a:r>
-            <a:r>
-              <a:rPr lang="en-US" sz="1100" dirty="0" err="1"/>
-              <a:t>Osvik</a:t>
-            </a:r>
-            <a:r>
-              <a:rPr lang="en-US" sz="1100" dirty="0"/>
-              <a:t>, Adi Shamir, and Eran </a:t>
-            </a:r>
-            <a:r>
-              <a:rPr lang="en-US" sz="1100" dirty="0" err="1"/>
-              <a:t>Tromer</a:t>
-            </a:r>
-            <a:r>
-              <a:rPr lang="en-US" sz="1100" dirty="0"/>
-              <a:t>. 2006. Cache attacks and countermeasures: the case of AES. In Cryptographers’ Track at the RSA Conference. Springer, 1–20.</a:t>
-            </a:r>
-            <a:br>
-              <a:rPr lang="en-US" sz="1100" dirty="0"/>
-            </a:br>
-            <a:r>
-              <a:rPr lang="en-US" sz="1100" dirty="0"/>
-              <a:t>[11] Peter </a:t>
-            </a:r>
-            <a:r>
-              <a:rPr lang="en-US" sz="1100" dirty="0" err="1"/>
-              <a:t>Pessl</a:t>
-            </a:r>
-            <a:r>
-              <a:rPr lang="en-US" sz="1100" dirty="0"/>
-              <a:t>, Daniel </a:t>
-            </a:r>
-            <a:r>
-              <a:rPr lang="en-US" sz="1100" dirty="0" err="1"/>
-              <a:t>Gruss</a:t>
-            </a:r>
-            <a:r>
-              <a:rPr lang="en-US" sz="1100" dirty="0"/>
-              <a:t>, </a:t>
-            </a:r>
-            <a:r>
-              <a:rPr lang="en-US" sz="1100" dirty="0" err="1"/>
-              <a:t>Cl´ementine</a:t>
-            </a:r>
-            <a:r>
-              <a:rPr lang="en-US" sz="1100" dirty="0"/>
-              <a:t> Maurice, Michael Schwarz, and Stefan </a:t>
-            </a:r>
-            <a:r>
-              <a:rPr lang="en-US" sz="1100" dirty="0" err="1"/>
-              <a:t>Mangard</a:t>
-            </a:r>
-            <a:r>
-              <a:rPr lang="en-US" sz="1100" dirty="0"/>
-              <a:t>. 2016. DRAMA: Exploiting DRAM Addressing for Cross-CPU Attacks.. In USENIX Security Symposium. 565–581.</a:t>
-            </a:r>
-            <a:br>
-              <a:rPr lang="en-US" sz="1100" dirty="0"/>
-            </a:br>
-            <a:r>
-              <a:rPr lang="en-US" sz="1100" dirty="0"/>
-              <a:t>[12] Sajin </a:t>
-            </a:r>
-            <a:r>
-              <a:rPr lang="en-US" sz="1100" dirty="0" err="1"/>
-              <a:t>Sasy</a:t>
-            </a:r>
-            <a:r>
-              <a:rPr lang="en-US" sz="1100" dirty="0"/>
-              <a:t>, Sergey </a:t>
-            </a:r>
-            <a:r>
-              <a:rPr lang="en-US" sz="1100" dirty="0" err="1"/>
-              <a:t>Gorbunov</a:t>
-            </a:r>
-            <a:r>
-              <a:rPr lang="en-US" sz="1100" dirty="0"/>
-              <a:t>, and Christopher Fletcher. 2017. </a:t>
-            </a:r>
-            <a:r>
-              <a:rPr lang="en-US" sz="1100" dirty="0" err="1"/>
-              <a:t>ZeroTrace</a:t>
-            </a:r>
-            <a:r>
-              <a:rPr lang="en-US" sz="1100" dirty="0"/>
-              <a:t>: Oblivious memory primitives from Intel SGX. In Symposium on Network and Distributed System Security (NDSS).</a:t>
-            </a:r>
-            <a:br>
-              <a:rPr lang="en-US" sz="1100" dirty="0"/>
-            </a:br>
-            <a:r>
-              <a:rPr lang="en-US" sz="1100" dirty="0"/>
-              <a:t>[13] </a:t>
-            </a:r>
-            <a:r>
-              <a:rPr lang="en-US" sz="1100" dirty="0" err="1"/>
-              <a:t>Jaebaek</a:t>
-            </a:r>
-            <a:r>
-              <a:rPr lang="en-US" sz="1100" dirty="0"/>
-              <a:t> </a:t>
-            </a:r>
-            <a:r>
-              <a:rPr lang="en-US" sz="1100" dirty="0" err="1"/>
-              <a:t>Seo</a:t>
-            </a:r>
-            <a:r>
-              <a:rPr lang="en-US" sz="1100" dirty="0"/>
-              <a:t>, </a:t>
-            </a:r>
-            <a:r>
-              <a:rPr lang="en-US" sz="1100" dirty="0" err="1"/>
-              <a:t>Byounyoung</a:t>
-            </a:r>
-            <a:r>
-              <a:rPr lang="en-US" sz="1100" dirty="0"/>
-              <a:t> Lee, </a:t>
-            </a:r>
-            <a:r>
-              <a:rPr lang="en-US" sz="1100" dirty="0" err="1"/>
-              <a:t>Seongmin</a:t>
-            </a:r>
-            <a:r>
-              <a:rPr lang="en-US" sz="1100" dirty="0"/>
-              <a:t> Kim, Ming-Wei Shih, </a:t>
-            </a:r>
-            <a:r>
-              <a:rPr lang="en-US" sz="1100" dirty="0" err="1"/>
-              <a:t>Insik</a:t>
-            </a:r>
-            <a:r>
-              <a:rPr lang="en-US" sz="1100" dirty="0"/>
-              <a:t> Shin, </a:t>
-            </a:r>
-            <a:r>
-              <a:rPr lang="en-US" sz="1100" dirty="0" err="1"/>
-              <a:t>Dongsu</a:t>
-            </a:r>
-            <a:r>
-              <a:rPr lang="en-US" sz="1100" dirty="0"/>
-              <a:t> Han, and </a:t>
-            </a:r>
-            <a:r>
-              <a:rPr lang="en-US" sz="1100" dirty="0" err="1"/>
-              <a:t>Taesoo</a:t>
-            </a:r>
-            <a:r>
-              <a:rPr lang="en-US" sz="1100" dirty="0"/>
-              <a:t> Kim. 2017. SGX-Shield: Enabling address space layout randomization for SGX programs. In Proceedings of the 2017 Annual Network and Distributed System Security Symposium (NDSS), San Diego, CA.</a:t>
-            </a:r>
-            <a:br>
-              <a:rPr lang="en-US" sz="1100" dirty="0"/>
-            </a:br>
-            <a:r>
-              <a:rPr lang="en-US" sz="1100" dirty="0"/>
-              <a:t>[14] Ming-Wei Shih, </a:t>
-            </a:r>
-            <a:r>
-              <a:rPr lang="en-US" sz="1100" dirty="0" err="1"/>
-              <a:t>Sangho</a:t>
-            </a:r>
-            <a:r>
-              <a:rPr lang="en-US" sz="1100" dirty="0"/>
-              <a:t> Lee, </a:t>
-            </a:r>
-            <a:r>
-              <a:rPr lang="en-US" sz="1100" dirty="0" err="1"/>
-              <a:t>Taesoo</a:t>
-            </a:r>
-            <a:r>
-              <a:rPr lang="en-US" sz="1100" dirty="0"/>
-              <a:t> Kim, and Marcus </a:t>
-            </a:r>
-            <a:r>
-              <a:rPr lang="en-US" sz="1100" dirty="0" err="1"/>
-              <a:t>Peinado</a:t>
-            </a:r>
-            <a:r>
-              <a:rPr lang="en-US" sz="1100" dirty="0"/>
-              <a:t>. 2017. T-SGX: Eradicating </a:t>
-            </a:r>
-            <a:r>
-              <a:rPr lang="en-US" sz="1100" dirty="0" err="1"/>
-              <a:t>controlledchannel</a:t>
-            </a:r>
-            <a:r>
-              <a:rPr lang="en-US" sz="1100" dirty="0"/>
-              <a:t> attacks against enclave programs. In Proceedings of the 2017 Annual Network and Distributed System Security Symposium (NDSS), San Diego, CA.</a:t>
-            </a:r>
-            <a:br>
-              <a:rPr lang="en-US" sz="1100" dirty="0"/>
-            </a:br>
-            <a:r>
-              <a:rPr lang="en-US" sz="1100" dirty="0"/>
-              <a:t>[15] Shweta Shinde, Zheng Leong Chua, </a:t>
-            </a:r>
-            <a:r>
-              <a:rPr lang="en-US" sz="1100" dirty="0" err="1"/>
-              <a:t>Viswesh</a:t>
-            </a:r>
-            <a:r>
-              <a:rPr lang="en-US" sz="1100" dirty="0"/>
-              <a:t> Narayanan, and Prateek Saxena. 2015. Preventing your faults from telling your secrets: Defenses against pigeonhole attacks. </a:t>
-            </a:r>
-            <a:r>
-              <a:rPr lang="en-US" sz="1100" dirty="0" err="1"/>
-              <a:t>arXiv</a:t>
-            </a:r>
-            <a:r>
-              <a:rPr lang="en-US" sz="1100" dirty="0"/>
-              <a:t> preprint arXiv:1506.04832 (2015).</a:t>
-            </a:r>
-            <a:br>
-              <a:rPr lang="en-US" sz="1100" dirty="0"/>
-            </a:br>
-            <a:r>
-              <a:rPr lang="en-US" sz="1100" dirty="0"/>
-              <a:t>[16] Eran </a:t>
-            </a:r>
-            <a:r>
-              <a:rPr lang="en-US" sz="1100" dirty="0" err="1"/>
-              <a:t>Tromer</a:t>
-            </a:r>
-            <a:r>
-              <a:rPr lang="en-US" sz="1100" dirty="0"/>
-              <a:t>, Dag Arne </a:t>
-            </a:r>
-            <a:r>
-              <a:rPr lang="en-US" sz="1100" dirty="0" err="1"/>
-              <a:t>Osvik</a:t>
-            </a:r>
-            <a:r>
-              <a:rPr lang="en-US" sz="1100" dirty="0"/>
-              <a:t>, and Adi Shamir. 2010. Efficient cache attacks on AES, and countermeasures. Journal of Cryptology 23, 1 (2010), 37–71.</a:t>
-            </a:r>
-            <a:br>
-              <a:rPr lang="en-US" sz="1100" dirty="0"/>
-            </a:br>
-            <a:r>
-              <a:rPr lang="en-US" sz="1100" dirty="0"/>
-              <a:t>[17] Jo Van </a:t>
-            </a:r>
-            <a:r>
-              <a:rPr lang="en-US" sz="1100" dirty="0" err="1"/>
-              <a:t>Bulck</a:t>
-            </a:r>
-            <a:r>
-              <a:rPr lang="en-US" sz="1100" dirty="0"/>
-              <a:t>, Nico </a:t>
-            </a:r>
-            <a:r>
-              <a:rPr lang="en-US" sz="1100" dirty="0" err="1"/>
-              <a:t>Weichbrodt</a:t>
-            </a:r>
-            <a:r>
-              <a:rPr lang="en-US" sz="1100" dirty="0"/>
-              <a:t>, </a:t>
-            </a:r>
-            <a:r>
-              <a:rPr lang="en-US" sz="1100" dirty="0" err="1"/>
-              <a:t>Ru¨diger</a:t>
-            </a:r>
-            <a:r>
-              <a:rPr lang="en-US" sz="1100" dirty="0"/>
-              <a:t> </a:t>
-            </a:r>
-            <a:r>
-              <a:rPr lang="en-US" sz="1100" dirty="0" err="1"/>
-              <a:t>Kapitza</a:t>
-            </a:r>
-            <a:r>
-              <a:rPr lang="en-US" sz="1100" dirty="0"/>
-              <a:t>, Frank </a:t>
-            </a:r>
-            <a:r>
-              <a:rPr lang="en-US" sz="1100" dirty="0" err="1"/>
-              <a:t>Piessens</a:t>
-            </a:r>
-            <a:r>
-              <a:rPr lang="en-US" sz="1100" dirty="0"/>
-              <a:t>, and Raoul </a:t>
-            </a:r>
-            <a:r>
-              <a:rPr lang="en-US" sz="1100" dirty="0" err="1"/>
-              <a:t>Strackx</a:t>
-            </a:r>
-            <a:r>
-              <a:rPr lang="en-US" sz="1100" dirty="0"/>
-              <a:t>. 2017. Telling your secrets without page faults: Stealthy page table-based attacks on enclaved execution. In Proceedings of the 26th USENIX Security Symposium. USENIX Association.</a:t>
-            </a:r>
-            <a:br>
-              <a:rPr lang="en-US" sz="1100" dirty="0"/>
-            </a:br>
-            <a:r>
-              <a:rPr lang="en-US" sz="1100" dirty="0"/>
-              <a:t>[18] </a:t>
-            </a:r>
-            <a:r>
-              <a:rPr lang="en-US" sz="1100" dirty="0" err="1"/>
-              <a:t>Wenhao</a:t>
-            </a:r>
-            <a:r>
-              <a:rPr lang="en-US" sz="1100" dirty="0"/>
-              <a:t> Wang, </a:t>
-            </a:r>
-            <a:r>
-              <a:rPr lang="en-US" sz="1100" dirty="0" err="1"/>
-              <a:t>Guoxing</a:t>
-            </a:r>
-            <a:r>
-              <a:rPr lang="en-US" sz="1100" dirty="0"/>
-              <a:t> Chen, </a:t>
-            </a:r>
-            <a:r>
-              <a:rPr lang="en-US" sz="1100" dirty="0" err="1"/>
-              <a:t>Xiaorui</a:t>
-            </a:r>
-            <a:r>
-              <a:rPr lang="en-US" sz="1100" dirty="0"/>
-              <a:t> Pan, </a:t>
-            </a:r>
-            <a:r>
-              <a:rPr lang="en-US" sz="1100" dirty="0" err="1"/>
-              <a:t>Yinqian</a:t>
-            </a:r>
-            <a:r>
-              <a:rPr lang="en-US" sz="1100" dirty="0"/>
-              <a:t> Zhang, </a:t>
-            </a:r>
-            <a:r>
-              <a:rPr lang="en-US" sz="1100" dirty="0" err="1"/>
-              <a:t>Xiaofeng</a:t>
-            </a:r>
-            <a:r>
-              <a:rPr lang="en-US" sz="1100" dirty="0"/>
-              <a:t> Wang, Vincent </a:t>
-            </a:r>
-            <a:r>
-              <a:rPr lang="en-US" sz="1100" dirty="0" err="1"/>
-              <a:t>Bindschaedler</a:t>
-            </a:r>
-            <a:r>
-              <a:rPr lang="en-US" sz="1100" dirty="0"/>
-              <a:t>, </a:t>
-            </a:r>
-            <a:r>
-              <a:rPr lang="en-US" sz="1100" dirty="0" err="1"/>
-              <a:t>Haixu</a:t>
-            </a:r>
-            <a:r>
-              <a:rPr lang="en-US" sz="1100" dirty="0"/>
-              <a:t> Tang, and Carl A. Gunter. 2017. Leaky Cauldron on the Dark Land: Understanding Memory Side-Channel Hazards in SGX. 2421–2434.</a:t>
-            </a:r>
-            <a:br>
-              <a:rPr lang="en-US" sz="1100" dirty="0"/>
-            </a:br>
-            <a:r>
-              <a:rPr lang="en-US" sz="1100" dirty="0"/>
-              <a:t>[19] Yuval </a:t>
-            </a:r>
-            <a:r>
-              <a:rPr lang="en-US" sz="1100" dirty="0" err="1"/>
-              <a:t>Yarom</a:t>
-            </a:r>
-            <a:r>
-              <a:rPr lang="en-US" sz="1100" dirty="0"/>
-              <a:t> and Katrina Falkner. 2014. FLUSH+ RELOAD: A High Resolution, Low Noise, L3 Cache Side-Channel Attack.. In USENIX Security Symposium</a:t>
-            </a:r>
-          </a:p>
-        </p:txBody>
-      </p:sp>
-      <p:sp>
-        <p:nvSpPr>
-          <p:cNvPr id="6" name="Text Placeholder 5">
-            <a:extLst>
-              <a:ext uri="{FF2B5EF4-FFF2-40B4-BE49-F238E27FC236}">
-                <a16:creationId xmlns:a16="http://schemas.microsoft.com/office/drawing/2014/main" id="{93FABC2F-B2D6-4AC5-8FA6-89C2C7DF954B}"/>
-              </a:ext>
-            </a:extLst>
-          </p:cNvPr>
-          <p:cNvSpPr>
-            <a:spLocks noGrp="1"/>
-          </p:cNvSpPr>
-          <p:nvPr>
-            <p:ph type="body" sz="quarter" idx="22"/>
-          </p:nvPr>
-        </p:nvSpPr>
-        <p:spPr/>
-        <p:txBody>
-          <a:bodyPr/>
-          <a:lstStyle/>
-          <a:p>
-            <a:r>
-              <a:rPr lang="en-US" dirty="0"/>
-              <a:t>Department of Electrical Engineering and Computer Science</a:t>
-            </a:r>
-          </a:p>
-        </p:txBody>
-      </p:sp>
-    </p:spTree>
-    <p:extLst>
-      <p:ext uri="{BB962C8B-B14F-4D97-AF65-F5344CB8AC3E}">
-        <p14:creationId xmlns:p14="http://schemas.microsoft.com/office/powerpoint/2010/main" val="3289777626"/>
-      </p:ext>
-    </p:extLst>
-  </p:cSld>
-  <p:clrMapOvr>
-    <a:masterClrMapping/>
-  </p:clrMapOvr>
-  <p:transition>
-    <p:fade/>
-  </p:transition>
-</p:sld>
-</file>
-
-<file path=ppt/slides/slide24.xml><?xml version="1.0" encoding="utf-8"?>
-<p:sld xmlns:a="http://schemas.openxmlformats.org/drawingml/2006/main" xmlns:r="http://schemas.openxmlformats.org/officeDocument/2006/relationships" xmlns:p="http://schemas.openxmlformats.org/presentationml/2006/main">
-  <p:cSld>
-    <p:spTree>
-      <p:nvGrpSpPr>
-        <p:cNvPr id="1" name=""/>
-        <p:cNvGrpSpPr/>
-        <p:nvPr/>
-      </p:nvGrpSpPr>
-      <p:grpSpPr>
-        <a:xfrm>
-          <a:off x="0" y="0"/>
-          <a:ext cx="0" cy="0"/>
-          <a:chOff x="0" y="0"/>
-          <a:chExt cx="0" cy="0"/>
-        </a:xfrm>
-      </p:grpSpPr>
-      <p:sp>
-        <p:nvSpPr>
-          <p:cNvPr id="2" name="Slide Number Placeholder 1">
-            <a:extLst>
-              <a:ext uri="{FF2B5EF4-FFF2-40B4-BE49-F238E27FC236}">
-                <a16:creationId xmlns:a16="http://schemas.microsoft.com/office/drawing/2014/main" id="{C1BBB3E0-B4E5-4201-9293-3247552B6DB0}"/>
-              </a:ext>
-            </a:extLst>
-          </p:cNvPr>
-          <p:cNvSpPr>
-            <a:spLocks noGrp="1"/>
-          </p:cNvSpPr>
-          <p:nvPr>
-            <p:ph type="sldNum" sz="quarter" idx="10"/>
-          </p:nvPr>
-        </p:nvSpPr>
-        <p:spPr/>
-        <p:txBody>
-          <a:bodyPr/>
-          <a:lstStyle/>
-          <a:p>
-            <a:fld id="{F343A32A-436A-8143-8894-653E98457856}" type="slidenum">
-              <a:rPr lang="en-US" smtClean="0"/>
-              <a:pPr/>
-              <a:t>24</a:t>
             </a:fld>
             <a:endParaRPr lang="en-US" dirty="0"/>
           </a:p>
@@ -10223,7 +8617,7 @@
 </p:sld>
 </file>
 
-<file path=ppt/slides/slide25.xml><?xml version="1.0" encoding="utf-8"?>
+<file path=ppt/slides/slide19.xml><?xml version="1.0" encoding="utf-8"?>
 <p:sld xmlns:a="http://schemas.openxmlformats.org/drawingml/2006/main" xmlns:r="http://schemas.openxmlformats.org/officeDocument/2006/relationships" xmlns:p="http://schemas.openxmlformats.org/presentationml/2006/main">
   <p:cSld>
     <p:spTree>
@@ -10264,7 +8658,7 @@
             <a:fld id="{F343A32A-436A-8143-8894-653E98457856}" type="slidenum">
               <a:rPr lang="en-US" smtClean="0"/>
               <a:pPr/>
-              <a:t>25</a:t>
+              <a:t>19</a:t>
             </a:fld>
             <a:endParaRPr lang="en-US" dirty="0"/>
           </a:p>
@@ -10426,6 +8820,945 @@
     <p:extLst>
       <p:ext uri="{BB962C8B-B14F-4D97-AF65-F5344CB8AC3E}">
         <p14:creationId xmlns:p14="http://schemas.microsoft.com/office/powerpoint/2010/main" val="3244262888"/>
+      </p:ext>
+    </p:extLst>
+  </p:cSld>
+  <p:clrMapOvr>
+    <a:masterClrMapping/>
+  </p:clrMapOvr>
+  <p:transition>
+    <p:fade/>
+  </p:transition>
+</p:sld>
+</file>
+
+<file path=ppt/slides/slide2.xml><?xml version="1.0" encoding="utf-8"?>
+<p:sld xmlns:a="http://schemas.openxmlformats.org/drawingml/2006/main" xmlns:r="http://schemas.openxmlformats.org/officeDocument/2006/relationships" xmlns:p="http://schemas.openxmlformats.org/presentationml/2006/main">
+  <p:cSld>
+    <p:spTree>
+      <p:nvGrpSpPr>
+        <p:cNvPr id="1" name=""/>
+        <p:cNvGrpSpPr/>
+        <p:nvPr/>
+      </p:nvGrpSpPr>
+      <p:grpSpPr>
+        <a:xfrm>
+          <a:off x="0" y="0"/>
+          <a:ext cx="0" cy="0"/>
+          <a:chOff x="0" y="0"/>
+          <a:chExt cx="0" cy="0"/>
+        </a:xfrm>
+      </p:grpSpPr>
+      <p:sp>
+        <p:nvSpPr>
+          <p:cNvPr id="3" name="Slide Number"/>
+          <p:cNvSpPr>
+            <a:spLocks noGrp="1"/>
+          </p:cNvSpPr>
+          <p:nvPr>
+            <p:ph type="sldNum" sz="quarter" idx="10"/>
+          </p:nvPr>
+        </p:nvSpPr>
+        <p:spPr>
+          <a:xfrm>
+            <a:off x="11126362" y="6325460"/>
+            <a:ext cx="608437" cy="368300"/>
+          </a:xfrm>
+        </p:spPr>
+        <p:txBody>
+          <a:bodyPr/>
+          <a:lstStyle/>
+          <a:p>
+            <a:fld id="{F343A32A-436A-8143-8894-653E98457856}" type="slidenum">
+              <a:rPr lang="en-US" smtClean="0"/>
+              <a:pPr/>
+              <a:t>2</a:t>
+            </a:fld>
+            <a:endParaRPr lang="en-US" dirty="0"/>
+          </a:p>
+        </p:txBody>
+      </p:sp>
+      <p:sp>
+        <p:nvSpPr>
+          <p:cNvPr id="2" name="Slide Title"/>
+          <p:cNvSpPr>
+            <a:spLocks noGrp="1"/>
+          </p:cNvSpPr>
+          <p:nvPr>
+            <p:ph type="title"/>
+          </p:nvPr>
+        </p:nvSpPr>
+        <p:spPr>
+          <a:prstGeom prst="rect">
+            <a:avLst/>
+          </a:prstGeom>
+        </p:spPr>
+        <p:txBody>
+          <a:bodyPr/>
+          <a:lstStyle/>
+          <a:p>
+            <a:r>
+              <a:rPr lang="en-US" dirty="0"/>
+              <a:t>Contents</a:t>
+            </a:r>
+          </a:p>
+        </p:txBody>
+      </p:sp>
+      <p:sp>
+        <p:nvSpPr>
+          <p:cNvPr id="4" name="Content Placeholder 3"/>
+          <p:cNvSpPr>
+            <a:spLocks noGrp="1"/>
+          </p:cNvSpPr>
+          <p:nvPr>
+            <p:ph sz="quarter" idx="19"/>
+          </p:nvPr>
+        </p:nvSpPr>
+        <p:spPr/>
+        <p:txBody>
+          <a:bodyPr/>
+          <a:lstStyle/>
+          <a:p>
+            <a:endParaRPr lang="en-US" dirty="0"/>
+          </a:p>
+        </p:txBody>
+      </p:sp>
+      <p:sp>
+        <p:nvSpPr>
+          <p:cNvPr id="9" name="Main heading and bullets text"/>
+          <p:cNvSpPr>
+            <a:spLocks noGrp="1"/>
+          </p:cNvSpPr>
+          <p:nvPr>
+            <p:ph type="body" sz="quarter" idx="20"/>
+          </p:nvPr>
+        </p:nvSpPr>
+        <p:spPr/>
+        <p:txBody>
+          <a:bodyPr/>
+          <a:lstStyle/>
+          <a:p>
+            <a:pPr marL="457200" indent="-457200">
+              <a:buFont typeface="Arial" charset="0"/>
+              <a:buChar char="•"/>
+            </a:pPr>
+            <a:r>
+              <a:rPr lang="en-US" dirty="0"/>
+              <a:t>Introduction</a:t>
+            </a:r>
+          </a:p>
+          <a:p>
+            <a:pPr marL="457200" indent="-457200">
+              <a:buFont typeface="Arial" charset="0"/>
+              <a:buChar char="•"/>
+            </a:pPr>
+            <a:r>
+              <a:rPr lang="en-US" dirty="0"/>
+              <a:t>Attacks</a:t>
+            </a:r>
+          </a:p>
+          <a:p>
+            <a:pPr marL="457200" indent="-457200">
+              <a:buFont typeface="Arial" charset="0"/>
+              <a:buChar char="•"/>
+            </a:pPr>
+            <a:r>
+              <a:rPr lang="en-US" dirty="0"/>
+              <a:t>Defenses</a:t>
+            </a:r>
+          </a:p>
+          <a:p>
+            <a:pPr marL="457200" indent="-457200">
+              <a:buFont typeface="Arial" charset="0"/>
+              <a:buChar char="•"/>
+            </a:pPr>
+            <a:r>
+              <a:rPr lang="en-US" dirty="0"/>
+              <a:t>Analysis</a:t>
+            </a:r>
+          </a:p>
+          <a:p>
+            <a:pPr marL="457200" indent="-457200">
+              <a:buFont typeface="Arial" charset="0"/>
+              <a:buChar char="•"/>
+            </a:pPr>
+            <a:r>
+              <a:rPr lang="en-US" dirty="0"/>
+              <a:t>Conclusion</a:t>
+            </a:r>
+          </a:p>
+        </p:txBody>
+      </p:sp>
+      <p:sp>
+        <p:nvSpPr>
+          <p:cNvPr id="5" name="Division Name, if applicable"/>
+          <p:cNvSpPr>
+            <a:spLocks noGrp="1"/>
+          </p:cNvSpPr>
+          <p:nvPr>
+            <p:ph type="body" sz="quarter" idx="22"/>
+          </p:nvPr>
+        </p:nvSpPr>
+        <p:spPr/>
+        <p:txBody>
+          <a:bodyPr/>
+          <a:lstStyle/>
+          <a:p>
+            <a:r>
+              <a:rPr lang="en-US" dirty="0"/>
+              <a:t>Department of Electrical Engineering and Computer Science</a:t>
+            </a:r>
+          </a:p>
+        </p:txBody>
+      </p:sp>
+    </p:spTree>
+    <p:extLst>
+      <p:ext uri="{BB962C8B-B14F-4D97-AF65-F5344CB8AC3E}">
+        <p14:creationId xmlns:p14="http://schemas.microsoft.com/office/powerpoint/2010/main" val="2390773171"/>
+      </p:ext>
+    </p:extLst>
+  </p:cSld>
+  <p:clrMapOvr>
+    <a:masterClrMapping/>
+  </p:clrMapOvr>
+  <p:transition>
+    <p:fade/>
+  </p:transition>
+</p:sld>
+</file>
+
+<file path=ppt/slides/slide20.xml><?xml version="1.0" encoding="utf-8"?>
+<p:sld xmlns:a="http://schemas.openxmlformats.org/drawingml/2006/main" xmlns:r="http://schemas.openxmlformats.org/officeDocument/2006/relationships" xmlns:p="http://schemas.openxmlformats.org/presentationml/2006/main">
+  <p:cSld>
+    <p:spTree>
+      <p:nvGrpSpPr>
+        <p:cNvPr id="1" name=""/>
+        <p:cNvGrpSpPr/>
+        <p:nvPr/>
+      </p:nvGrpSpPr>
+      <p:grpSpPr>
+        <a:xfrm>
+          <a:off x="0" y="0"/>
+          <a:ext cx="0" cy="0"/>
+          <a:chOff x="0" y="0"/>
+          <a:chExt cx="0" cy="0"/>
+        </a:xfrm>
+      </p:grpSpPr>
+      <p:sp>
+        <p:nvSpPr>
+          <p:cNvPr id="2" name="Slide Number Placeholder 1">
+            <a:extLst>
+              <a:ext uri="{FF2B5EF4-FFF2-40B4-BE49-F238E27FC236}">
+                <a16:creationId xmlns:a16="http://schemas.microsoft.com/office/drawing/2014/main" id="{E39FCD6D-9BD6-4C11-8BD4-AEBB6C8CDEF0}"/>
+              </a:ext>
+            </a:extLst>
+          </p:cNvPr>
+          <p:cNvSpPr>
+            <a:spLocks noGrp="1"/>
+          </p:cNvSpPr>
+          <p:nvPr>
+            <p:ph type="sldNum" sz="quarter" idx="10"/>
+          </p:nvPr>
+        </p:nvSpPr>
+        <p:spPr/>
+        <p:txBody>
+          <a:bodyPr/>
+          <a:lstStyle/>
+          <a:p>
+            <a:fld id="{F343A32A-436A-8143-8894-653E98457856}" type="slidenum">
+              <a:rPr lang="en-US" smtClean="0"/>
+              <a:pPr/>
+              <a:t>20</a:t>
+            </a:fld>
+            <a:endParaRPr lang="en-US" dirty="0"/>
+          </a:p>
+        </p:txBody>
+      </p:sp>
+      <p:sp>
+        <p:nvSpPr>
+          <p:cNvPr id="3" name="Title 2">
+            <a:extLst>
+              <a:ext uri="{FF2B5EF4-FFF2-40B4-BE49-F238E27FC236}">
+                <a16:creationId xmlns:a16="http://schemas.microsoft.com/office/drawing/2014/main" id="{3DD4055F-D293-4AE8-9667-979BC20DCCC1}"/>
+              </a:ext>
+            </a:extLst>
+          </p:cNvPr>
+          <p:cNvSpPr>
+            <a:spLocks noGrp="1"/>
+          </p:cNvSpPr>
+          <p:nvPr>
+            <p:ph type="title"/>
+          </p:nvPr>
+        </p:nvSpPr>
+        <p:spPr/>
+        <p:txBody>
+          <a:bodyPr/>
+          <a:lstStyle/>
+          <a:p>
+            <a:r>
+              <a:rPr lang="en-US" dirty="0"/>
+              <a:t>Introduction</a:t>
+            </a:r>
+          </a:p>
+        </p:txBody>
+      </p:sp>
+      <p:sp>
+        <p:nvSpPr>
+          <p:cNvPr id="4" name="Text Placeholder 3">
+            <a:extLst>
+              <a:ext uri="{FF2B5EF4-FFF2-40B4-BE49-F238E27FC236}">
+                <a16:creationId xmlns:a16="http://schemas.microsoft.com/office/drawing/2014/main" id="{B4039574-E86D-4D7E-8D62-FCFC126CEE52}"/>
+              </a:ext>
+            </a:extLst>
+          </p:cNvPr>
+          <p:cNvSpPr>
+            <a:spLocks noGrp="1"/>
+          </p:cNvSpPr>
+          <p:nvPr>
+            <p:ph type="body" sz="quarter" idx="20"/>
+          </p:nvPr>
+        </p:nvSpPr>
+        <p:spPr>
+          <a:xfrm>
+            <a:off x="1066800" y="1876680"/>
+            <a:ext cx="5865845" cy="3646487"/>
+          </a:xfrm>
+        </p:spPr>
+        <p:txBody>
+          <a:bodyPr/>
+          <a:lstStyle/>
+          <a:p>
+            <a:pPr marL="571500" indent="-571500">
+              <a:lnSpc>
+                <a:spcPct val="150000"/>
+              </a:lnSpc>
+              <a:spcBef>
+                <a:spcPts val="600"/>
+              </a:spcBef>
+              <a:buFont typeface="Arial" panose="020B0604020202020204" pitchFamily="34" charset="0"/>
+              <a:buChar char="•"/>
+            </a:pPr>
+            <a:r>
+              <a:rPr lang="en-US" sz="2800" dirty="0">
+                <a:latin typeface="Sherman Sans Book"/>
+              </a:rPr>
+              <a:t>Introduced with Haswell</a:t>
+            </a:r>
+          </a:p>
+          <a:p>
+            <a:pPr marL="571500" indent="-571500">
+              <a:lnSpc>
+                <a:spcPct val="150000"/>
+              </a:lnSpc>
+              <a:spcBef>
+                <a:spcPts val="600"/>
+              </a:spcBef>
+              <a:buFont typeface="Arial" panose="020B0604020202020204" pitchFamily="34" charset="0"/>
+              <a:buChar char="•"/>
+            </a:pPr>
+            <a:r>
+              <a:rPr lang="en-US" sz="2800" dirty="0">
+                <a:latin typeface="Sherman Sans Book"/>
+              </a:rPr>
+              <a:t>Critical sections management</a:t>
+            </a:r>
+          </a:p>
+          <a:p>
+            <a:pPr marL="571500" indent="-571500">
+              <a:lnSpc>
+                <a:spcPct val="150000"/>
+              </a:lnSpc>
+              <a:spcBef>
+                <a:spcPts val="600"/>
+              </a:spcBef>
+              <a:buFont typeface="Arial" panose="020B0604020202020204" pitchFamily="34" charset="0"/>
+              <a:buChar char="•"/>
+            </a:pPr>
+            <a:r>
+              <a:rPr lang="en-US" sz="2800" dirty="0">
+                <a:latin typeface="Sherman Sans Book"/>
+              </a:rPr>
+              <a:t>Monitoring serialization</a:t>
+            </a:r>
+          </a:p>
+          <a:p>
+            <a:pPr marL="571500" indent="-571500">
+              <a:lnSpc>
+                <a:spcPct val="150000"/>
+              </a:lnSpc>
+              <a:spcBef>
+                <a:spcPts val="600"/>
+              </a:spcBef>
+              <a:buFont typeface="Arial" panose="020B0604020202020204" pitchFamily="34" charset="0"/>
+              <a:buChar char="•"/>
+            </a:pPr>
+            <a:r>
+              <a:rPr lang="en-US" sz="2800" dirty="0">
+                <a:latin typeface="Sherman Sans Book"/>
+              </a:rPr>
+              <a:t>Restricted Transactional Memory</a:t>
+            </a:r>
+          </a:p>
+          <a:p>
+            <a:pPr marL="1028700" lvl="1" indent="-571500">
+              <a:lnSpc>
+                <a:spcPct val="150000"/>
+              </a:lnSpc>
+              <a:spcBef>
+                <a:spcPts val="600"/>
+              </a:spcBef>
+              <a:buFont typeface="Arial" panose="020B0604020202020204" pitchFamily="34" charset="0"/>
+              <a:buChar char="•"/>
+            </a:pPr>
+            <a:r>
+              <a:rPr lang="en-US" sz="2800" dirty="0">
+                <a:solidFill>
+                  <a:srgbClr val="3E3D3C"/>
+                </a:solidFill>
+                <a:latin typeface="Sherman Sans Book"/>
+              </a:rPr>
+              <a:t>New Instruction set interface</a:t>
+            </a:r>
+          </a:p>
+        </p:txBody>
+      </p:sp>
+      <p:sp>
+        <p:nvSpPr>
+          <p:cNvPr id="5" name="Content Placeholder 4">
+            <a:extLst>
+              <a:ext uri="{FF2B5EF4-FFF2-40B4-BE49-F238E27FC236}">
+                <a16:creationId xmlns:a16="http://schemas.microsoft.com/office/drawing/2014/main" id="{B06BC180-DC1E-473C-A462-EDD7F1941AFB}"/>
+              </a:ext>
+            </a:extLst>
+          </p:cNvPr>
+          <p:cNvSpPr>
+            <a:spLocks noGrp="1"/>
+          </p:cNvSpPr>
+          <p:nvPr>
+            <p:ph sz="quarter" idx="19"/>
+          </p:nvPr>
+        </p:nvSpPr>
+        <p:spPr/>
+        <p:txBody>
+          <a:bodyPr/>
+          <a:lstStyle/>
+          <a:p>
+            <a:r>
+              <a:rPr lang="en-US" dirty="0"/>
+              <a:t>Intel TSX</a:t>
+            </a:r>
+          </a:p>
+        </p:txBody>
+      </p:sp>
+      <p:sp>
+        <p:nvSpPr>
+          <p:cNvPr id="6" name="Text Placeholder 5">
+            <a:extLst>
+              <a:ext uri="{FF2B5EF4-FFF2-40B4-BE49-F238E27FC236}">
+                <a16:creationId xmlns:a16="http://schemas.microsoft.com/office/drawing/2014/main" id="{82076DB4-6948-40E6-A2F5-7A1BD2806D89}"/>
+              </a:ext>
+            </a:extLst>
+          </p:cNvPr>
+          <p:cNvSpPr>
+            <a:spLocks noGrp="1"/>
+          </p:cNvSpPr>
+          <p:nvPr>
+            <p:ph type="body" sz="quarter" idx="22"/>
+          </p:nvPr>
+        </p:nvSpPr>
+        <p:spPr/>
+        <p:txBody>
+          <a:bodyPr/>
+          <a:lstStyle/>
+          <a:p>
+            <a:r>
+              <a:rPr lang="en-US" dirty="0"/>
+              <a:t>Department of Electrical Engineering and Computer Science</a:t>
+            </a:r>
+          </a:p>
+        </p:txBody>
+      </p:sp>
+    </p:spTree>
+    <p:extLst>
+      <p:ext uri="{BB962C8B-B14F-4D97-AF65-F5344CB8AC3E}">
+        <p14:creationId xmlns:p14="http://schemas.microsoft.com/office/powerpoint/2010/main" val="831115965"/>
+      </p:ext>
+    </p:extLst>
+  </p:cSld>
+  <p:clrMapOvr>
+    <a:masterClrMapping/>
+  </p:clrMapOvr>
+  <p:transition>
+    <p:fade/>
+  </p:transition>
+</p:sld>
+</file>
+
+<file path=ppt/slides/slide21.xml><?xml version="1.0" encoding="utf-8"?>
+<p:sld xmlns:a="http://schemas.openxmlformats.org/drawingml/2006/main" xmlns:r="http://schemas.openxmlformats.org/officeDocument/2006/relationships" xmlns:p="http://schemas.openxmlformats.org/presentationml/2006/main">
+  <p:cSld>
+    <p:spTree>
+      <p:nvGrpSpPr>
+        <p:cNvPr id="1" name=""/>
+        <p:cNvGrpSpPr/>
+        <p:nvPr/>
+      </p:nvGrpSpPr>
+      <p:grpSpPr>
+        <a:xfrm>
+          <a:off x="0" y="0"/>
+          <a:ext cx="0" cy="0"/>
+          <a:chOff x="0" y="0"/>
+          <a:chExt cx="0" cy="0"/>
+        </a:xfrm>
+      </p:grpSpPr>
+      <p:sp>
+        <p:nvSpPr>
+          <p:cNvPr id="2" name="Slide Number Placeholder 1">
+            <a:extLst>
+              <a:ext uri="{FF2B5EF4-FFF2-40B4-BE49-F238E27FC236}">
+                <a16:creationId xmlns:a16="http://schemas.microsoft.com/office/drawing/2014/main" id="{A5224E1A-EF22-4EC7-83A8-057B0B43110A}"/>
+              </a:ext>
+            </a:extLst>
+          </p:cNvPr>
+          <p:cNvSpPr>
+            <a:spLocks noGrp="1"/>
+          </p:cNvSpPr>
+          <p:nvPr>
+            <p:ph type="sldNum" sz="quarter" idx="10"/>
+          </p:nvPr>
+        </p:nvSpPr>
+        <p:spPr/>
+        <p:txBody>
+          <a:bodyPr/>
+          <a:lstStyle/>
+          <a:p>
+            <a:fld id="{F343A32A-436A-8143-8894-653E98457856}" type="slidenum">
+              <a:rPr lang="en-US" smtClean="0"/>
+              <a:pPr/>
+              <a:t>21</a:t>
+            </a:fld>
+            <a:endParaRPr lang="en-US" dirty="0"/>
+          </a:p>
+        </p:txBody>
+      </p:sp>
+      <p:sp>
+        <p:nvSpPr>
+          <p:cNvPr id="3" name="Title 2">
+            <a:extLst>
+              <a:ext uri="{FF2B5EF4-FFF2-40B4-BE49-F238E27FC236}">
+                <a16:creationId xmlns:a16="http://schemas.microsoft.com/office/drawing/2014/main" id="{AD1FFD4C-DEEC-4293-AD26-82E6976637F8}"/>
+              </a:ext>
+            </a:extLst>
+          </p:cNvPr>
+          <p:cNvSpPr>
+            <a:spLocks noGrp="1"/>
+          </p:cNvSpPr>
+          <p:nvPr>
+            <p:ph type="title"/>
+          </p:nvPr>
+        </p:nvSpPr>
+        <p:spPr/>
+        <p:txBody>
+          <a:bodyPr/>
+          <a:lstStyle/>
+          <a:p>
+            <a:r>
+              <a:rPr lang="en-US" dirty="0"/>
+              <a:t>Attacks</a:t>
+            </a:r>
+          </a:p>
+        </p:txBody>
+      </p:sp>
+      <p:sp>
+        <p:nvSpPr>
+          <p:cNvPr id="4" name="Text Placeholder 3">
+            <a:extLst>
+              <a:ext uri="{FF2B5EF4-FFF2-40B4-BE49-F238E27FC236}">
+                <a16:creationId xmlns:a16="http://schemas.microsoft.com/office/drawing/2014/main" id="{67326969-9422-4E13-87F0-8ABCF8DAF426}"/>
+              </a:ext>
+            </a:extLst>
+          </p:cNvPr>
+          <p:cNvSpPr>
+            <a:spLocks noGrp="1"/>
+          </p:cNvSpPr>
+          <p:nvPr>
+            <p:ph type="body" sz="quarter" idx="20"/>
+          </p:nvPr>
+        </p:nvSpPr>
+        <p:spPr/>
+        <p:txBody>
+          <a:bodyPr/>
+          <a:lstStyle/>
+          <a:p>
+            <a:pPr marL="571500" indent="-571500">
+              <a:lnSpc>
+                <a:spcPct val="100000"/>
+              </a:lnSpc>
+              <a:spcBef>
+                <a:spcPts val="1200"/>
+              </a:spcBef>
+              <a:buFont typeface="Arial" panose="020B0604020202020204" pitchFamily="34" charset="0"/>
+              <a:buChar char="•"/>
+            </a:pPr>
+            <a:r>
+              <a:rPr lang="en-US" sz="2800" dirty="0"/>
+              <a:t>TLB: shared between enclave and non-enclave programs ⇨ with hyperthreading enabled it creates side-channels</a:t>
+            </a:r>
+          </a:p>
+          <a:p>
+            <a:pPr marL="571500" indent="-571500">
+              <a:lnSpc>
+                <a:spcPct val="100000"/>
+              </a:lnSpc>
+              <a:spcBef>
+                <a:spcPts val="1200"/>
+              </a:spcBef>
+              <a:buFont typeface="Arial" panose="020B0604020202020204" pitchFamily="34" charset="0"/>
+              <a:buChar char="•"/>
+            </a:pPr>
+            <a:r>
+              <a:rPr lang="en-US" sz="2800" dirty="0"/>
+              <a:t>Page faults: visible to OS</a:t>
+            </a:r>
+          </a:p>
+          <a:p>
+            <a:pPr marL="571500" indent="-571500">
+              <a:lnSpc>
+                <a:spcPct val="100000"/>
+              </a:lnSpc>
+              <a:spcBef>
+                <a:spcPts val="1200"/>
+              </a:spcBef>
+              <a:buFont typeface="Arial" panose="020B0604020202020204" pitchFamily="34" charset="0"/>
+              <a:buChar char="•"/>
+            </a:pPr>
+            <a:r>
+              <a:rPr lang="en-US" sz="2800" dirty="0"/>
+              <a:t>TLB flushes: on context switch</a:t>
+            </a:r>
+          </a:p>
+          <a:p>
+            <a:pPr marL="571500" indent="-571500">
+              <a:lnSpc>
+                <a:spcPct val="100000"/>
+              </a:lnSpc>
+              <a:spcBef>
+                <a:spcPts val="1200"/>
+              </a:spcBef>
+              <a:buFont typeface="Arial" panose="020B0604020202020204" pitchFamily="34" charset="0"/>
+              <a:buChar char="•"/>
+            </a:pPr>
+            <a:r>
+              <a:rPr lang="en-US" sz="2800" dirty="0"/>
+              <a:t>Page table entry flags</a:t>
+            </a:r>
+          </a:p>
+          <a:p>
+            <a:pPr marL="571500" indent="-571500">
+              <a:lnSpc>
+                <a:spcPct val="100000"/>
+              </a:lnSpc>
+              <a:spcBef>
+                <a:spcPts val="1200"/>
+              </a:spcBef>
+              <a:buFont typeface="Arial" panose="020B0604020202020204" pitchFamily="34" charset="0"/>
+              <a:buChar char="•"/>
+            </a:pPr>
+            <a:r>
+              <a:rPr lang="en-US" sz="2800" dirty="0"/>
+              <a:t>Enclave memory address beginning and offset are known</a:t>
+            </a:r>
+          </a:p>
+          <a:p>
+            <a:pPr marL="571500" indent="-571500">
+              <a:lnSpc>
+                <a:spcPct val="100000"/>
+              </a:lnSpc>
+              <a:spcBef>
+                <a:spcPts val="1200"/>
+              </a:spcBef>
+              <a:buFont typeface="Arial" panose="020B0604020202020204" pitchFamily="34" charset="0"/>
+              <a:buChar char="•"/>
+            </a:pPr>
+            <a:r>
+              <a:rPr lang="en-US" sz="2800" dirty="0"/>
+              <a:t>Enclave exits (AEX)</a:t>
+            </a:r>
+          </a:p>
+        </p:txBody>
+      </p:sp>
+      <p:sp>
+        <p:nvSpPr>
+          <p:cNvPr id="5" name="Content Placeholder 4">
+            <a:extLst>
+              <a:ext uri="{FF2B5EF4-FFF2-40B4-BE49-F238E27FC236}">
+                <a16:creationId xmlns:a16="http://schemas.microsoft.com/office/drawing/2014/main" id="{8C362253-12EB-4E8F-915B-7AEE74DFF4EE}"/>
+              </a:ext>
+            </a:extLst>
+          </p:cNvPr>
+          <p:cNvSpPr>
+            <a:spLocks noGrp="1"/>
+          </p:cNvSpPr>
+          <p:nvPr>
+            <p:ph sz="quarter" idx="19"/>
+          </p:nvPr>
+        </p:nvSpPr>
+        <p:spPr/>
+        <p:txBody>
+          <a:bodyPr/>
+          <a:lstStyle/>
+          <a:p>
+            <a:r>
+              <a:rPr lang="en-US" dirty="0"/>
+              <a:t>Points of attack</a:t>
+            </a:r>
+          </a:p>
+        </p:txBody>
+      </p:sp>
+      <p:sp>
+        <p:nvSpPr>
+          <p:cNvPr id="6" name="Text Placeholder 5">
+            <a:extLst>
+              <a:ext uri="{FF2B5EF4-FFF2-40B4-BE49-F238E27FC236}">
+                <a16:creationId xmlns:a16="http://schemas.microsoft.com/office/drawing/2014/main" id="{942F482C-3A6E-4D79-9EBF-6CDCAD7C2DC9}"/>
+              </a:ext>
+            </a:extLst>
+          </p:cNvPr>
+          <p:cNvSpPr>
+            <a:spLocks noGrp="1"/>
+          </p:cNvSpPr>
+          <p:nvPr>
+            <p:ph type="body" sz="quarter" idx="22"/>
+          </p:nvPr>
+        </p:nvSpPr>
+        <p:spPr/>
+        <p:txBody>
+          <a:bodyPr/>
+          <a:lstStyle/>
+          <a:p>
+            <a:r>
+              <a:rPr lang="en-US" dirty="0"/>
+              <a:t>Department of Electrical Engineering and Computer Science</a:t>
+            </a:r>
+          </a:p>
+        </p:txBody>
+      </p:sp>
+    </p:spTree>
+    <p:extLst>
+      <p:ext uri="{BB962C8B-B14F-4D97-AF65-F5344CB8AC3E}">
+        <p14:creationId xmlns:p14="http://schemas.microsoft.com/office/powerpoint/2010/main" val="1524703182"/>
+      </p:ext>
+    </p:extLst>
+  </p:cSld>
+  <p:clrMapOvr>
+    <a:masterClrMapping/>
+  </p:clrMapOvr>
+  <p:transition>
+    <p:fade/>
+  </p:transition>
+</p:sld>
+</file>
+
+<file path=ppt/slides/slide22.xml><?xml version="1.0" encoding="utf-8"?>
+<p:sld xmlns:a="http://schemas.openxmlformats.org/drawingml/2006/main" xmlns:r="http://schemas.openxmlformats.org/officeDocument/2006/relationships" xmlns:p="http://schemas.openxmlformats.org/presentationml/2006/main">
+  <p:cSld>
+    <p:spTree>
+      <p:nvGrpSpPr>
+        <p:cNvPr id="1" name=""/>
+        <p:cNvGrpSpPr/>
+        <p:nvPr/>
+      </p:nvGrpSpPr>
+      <p:grpSpPr>
+        <a:xfrm>
+          <a:off x="0" y="0"/>
+          <a:ext cx="0" cy="0"/>
+          <a:chOff x="0" y="0"/>
+          <a:chExt cx="0" cy="0"/>
+        </a:xfrm>
+      </p:grpSpPr>
+      <p:sp>
+        <p:nvSpPr>
+          <p:cNvPr id="2" name="Slide Number Placeholder 1">
+            <a:extLst>
+              <a:ext uri="{FF2B5EF4-FFF2-40B4-BE49-F238E27FC236}">
+                <a16:creationId xmlns:a16="http://schemas.microsoft.com/office/drawing/2014/main" id="{C33349BC-DBC7-4A09-A78E-42B1D8A741F4}"/>
+              </a:ext>
+            </a:extLst>
+          </p:cNvPr>
+          <p:cNvSpPr>
+            <a:spLocks noGrp="1"/>
+          </p:cNvSpPr>
+          <p:nvPr>
+            <p:ph type="sldNum" sz="quarter" idx="10"/>
+          </p:nvPr>
+        </p:nvSpPr>
+        <p:spPr/>
+        <p:txBody>
+          <a:bodyPr/>
+          <a:lstStyle/>
+          <a:p>
+            <a:fld id="{F343A32A-436A-8143-8894-653E98457856}" type="slidenum">
+              <a:rPr lang="en-US" smtClean="0"/>
+              <a:pPr/>
+              <a:t>22</a:t>
+            </a:fld>
+            <a:endParaRPr lang="en-US" dirty="0"/>
+          </a:p>
+        </p:txBody>
+      </p:sp>
+      <p:sp>
+        <p:nvSpPr>
+          <p:cNvPr id="3" name="Title 2">
+            <a:extLst>
+              <a:ext uri="{FF2B5EF4-FFF2-40B4-BE49-F238E27FC236}">
+                <a16:creationId xmlns:a16="http://schemas.microsoft.com/office/drawing/2014/main" id="{FF796C11-BC43-4C18-9F54-79F3BD5690A1}"/>
+              </a:ext>
+            </a:extLst>
+          </p:cNvPr>
+          <p:cNvSpPr>
+            <a:spLocks noGrp="1"/>
+          </p:cNvSpPr>
+          <p:nvPr>
+            <p:ph type="title"/>
+          </p:nvPr>
+        </p:nvSpPr>
+        <p:spPr/>
+        <p:txBody>
+          <a:bodyPr/>
+          <a:lstStyle/>
+          <a:p>
+            <a:r>
+              <a:rPr lang="en-US" dirty="0"/>
+              <a:t>Analysis</a:t>
+            </a:r>
+          </a:p>
+        </p:txBody>
+      </p:sp>
+      <p:sp>
+        <p:nvSpPr>
+          <p:cNvPr id="4" name="Text Placeholder 3">
+            <a:extLst>
+              <a:ext uri="{FF2B5EF4-FFF2-40B4-BE49-F238E27FC236}">
+                <a16:creationId xmlns:a16="http://schemas.microsoft.com/office/drawing/2014/main" id="{488A68C6-3992-45DC-94A3-3DB6E85F6D16}"/>
+              </a:ext>
+            </a:extLst>
+          </p:cNvPr>
+          <p:cNvSpPr>
+            <a:spLocks noGrp="1"/>
+          </p:cNvSpPr>
+          <p:nvPr>
+            <p:ph type="body" sz="quarter" idx="20"/>
+          </p:nvPr>
+        </p:nvSpPr>
+        <p:spPr>
+          <a:xfrm>
+            <a:off x="1066802" y="1246760"/>
+            <a:ext cx="10667998" cy="3646487"/>
+          </a:xfrm>
+        </p:spPr>
+        <p:txBody>
+          <a:bodyPr/>
+          <a:lstStyle/>
+          <a:p>
+            <a:pPr marL="571500" indent="-571500">
+              <a:lnSpc>
+                <a:spcPct val="150000"/>
+              </a:lnSpc>
+              <a:buFont typeface="Arial" panose="020B0604020202020204" pitchFamily="34" charset="0"/>
+              <a:buChar char="•"/>
+            </a:pPr>
+            <a:r>
+              <a:rPr lang="en-US" sz="3200" dirty="0">
+                <a:latin typeface="Sherman Sans Book"/>
+              </a:rPr>
+              <a:t>SGX-Shield</a:t>
+            </a:r>
+          </a:p>
+          <a:p>
+            <a:pPr marL="1028700" lvl="1" indent="-571500">
+              <a:lnSpc>
+                <a:spcPct val="150000"/>
+              </a:lnSpc>
+              <a:buFont typeface="Arial" panose="020B0604020202020204" pitchFamily="34" charset="0"/>
+              <a:buChar char="•"/>
+            </a:pPr>
+            <a:r>
+              <a:rPr lang="en-US" dirty="0">
+                <a:solidFill>
+                  <a:srgbClr val="3E3D3C"/>
+                </a:solidFill>
+                <a:latin typeface="Sherman Sans Book"/>
+              </a:rPr>
+              <a:t>No live randomization ⇨ observe and monitor random patterns</a:t>
+            </a:r>
+          </a:p>
+          <a:p>
+            <a:pPr marL="571500" indent="-571500">
+              <a:lnSpc>
+                <a:spcPct val="150000"/>
+              </a:lnSpc>
+              <a:buFont typeface="Arial" panose="020B0604020202020204" pitchFamily="34" charset="0"/>
+              <a:buChar char="•"/>
+            </a:pPr>
+            <a:r>
+              <a:rPr lang="en-US" sz="3200" dirty="0">
+                <a:latin typeface="Sherman Sans Book"/>
+              </a:rPr>
+              <a:t>Shinde et al.</a:t>
+            </a:r>
+          </a:p>
+          <a:p>
+            <a:pPr marL="1028700" lvl="1" indent="-571500">
+              <a:lnSpc>
+                <a:spcPct val="150000"/>
+              </a:lnSpc>
+              <a:buFont typeface="Arial" panose="020B0604020202020204" pitchFamily="34" charset="0"/>
+              <a:buChar char="•"/>
+            </a:pPr>
+            <a:r>
+              <a:rPr lang="en-US" dirty="0">
+                <a:solidFill>
+                  <a:srgbClr val="3E3D3C"/>
+                </a:solidFill>
+                <a:latin typeface="Sherman Sans Book"/>
+              </a:rPr>
+              <a:t>Cache and TLB based attacks possible</a:t>
+            </a:r>
+          </a:p>
+        </p:txBody>
+      </p:sp>
+      <p:sp>
+        <p:nvSpPr>
+          <p:cNvPr id="6" name="Text Placeholder 5">
+            <a:extLst>
+              <a:ext uri="{FF2B5EF4-FFF2-40B4-BE49-F238E27FC236}">
+                <a16:creationId xmlns:a16="http://schemas.microsoft.com/office/drawing/2014/main" id="{F2B04F09-9DE7-4B50-831A-17E37A1AD2A3}"/>
+              </a:ext>
+            </a:extLst>
+          </p:cNvPr>
+          <p:cNvSpPr>
+            <a:spLocks noGrp="1"/>
+          </p:cNvSpPr>
+          <p:nvPr>
+            <p:ph type="body" sz="quarter" idx="22"/>
+          </p:nvPr>
+        </p:nvSpPr>
+        <p:spPr/>
+        <p:txBody>
+          <a:bodyPr/>
+          <a:lstStyle/>
+          <a:p>
+            <a:r>
+              <a:rPr lang="en-US" dirty="0"/>
+              <a:t>Department of Electrical Engineering and Computer Science</a:t>
+            </a:r>
+          </a:p>
+        </p:txBody>
+      </p:sp>
+    </p:spTree>
+    <p:extLst>
+      <p:ext uri="{BB962C8B-B14F-4D97-AF65-F5344CB8AC3E}">
+        <p14:creationId xmlns:p14="http://schemas.microsoft.com/office/powerpoint/2010/main" val="1204389075"/>
       </p:ext>
     </p:extLst>
   </p:cSld>
@@ -10708,6 +10041,324 @@
       </p:grpSpPr>
       <p:sp>
         <p:nvSpPr>
+          <p:cNvPr id="2" name="Slide Number Placeholder 1">
+            <a:extLst>
+              <a:ext uri="{FF2B5EF4-FFF2-40B4-BE49-F238E27FC236}">
+                <a16:creationId xmlns:a16="http://schemas.microsoft.com/office/drawing/2014/main" id="{E46C32F1-C8C3-4105-89B5-675F81C3EBD7}"/>
+              </a:ext>
+            </a:extLst>
+          </p:cNvPr>
+          <p:cNvSpPr>
+            <a:spLocks noGrp="1"/>
+          </p:cNvSpPr>
+          <p:nvPr>
+            <p:ph type="sldNum" sz="quarter" idx="10"/>
+          </p:nvPr>
+        </p:nvSpPr>
+        <p:spPr/>
+        <p:txBody>
+          <a:bodyPr/>
+          <a:lstStyle/>
+          <a:p>
+            <a:fld id="{F343A32A-436A-8143-8894-653E98457856}" type="slidenum">
+              <a:rPr lang="en-US" smtClean="0"/>
+              <a:pPr/>
+              <a:t>4</a:t>
+            </a:fld>
+            <a:endParaRPr lang="en-US" dirty="0"/>
+          </a:p>
+        </p:txBody>
+      </p:sp>
+      <p:sp>
+        <p:nvSpPr>
+          <p:cNvPr id="3" name="Title 2">
+            <a:extLst>
+              <a:ext uri="{FF2B5EF4-FFF2-40B4-BE49-F238E27FC236}">
+                <a16:creationId xmlns:a16="http://schemas.microsoft.com/office/drawing/2014/main" id="{8CF66B3C-3E59-476B-9F03-70DB9E02E697}"/>
+              </a:ext>
+            </a:extLst>
+          </p:cNvPr>
+          <p:cNvSpPr>
+            <a:spLocks noGrp="1"/>
+          </p:cNvSpPr>
+          <p:nvPr>
+            <p:ph type="title"/>
+          </p:nvPr>
+        </p:nvSpPr>
+        <p:spPr/>
+        <p:txBody>
+          <a:bodyPr/>
+          <a:lstStyle/>
+          <a:p>
+            <a:r>
+              <a:rPr lang="en-US" dirty="0"/>
+              <a:t>Introduction</a:t>
+            </a:r>
+          </a:p>
+        </p:txBody>
+      </p:sp>
+      <p:sp>
+        <p:nvSpPr>
+          <p:cNvPr id="4" name="Text Placeholder 3">
+            <a:extLst>
+              <a:ext uri="{FF2B5EF4-FFF2-40B4-BE49-F238E27FC236}">
+                <a16:creationId xmlns:a16="http://schemas.microsoft.com/office/drawing/2014/main" id="{F7FAE8B8-C71B-46EA-BFD3-5A40DB721AA7}"/>
+              </a:ext>
+            </a:extLst>
+          </p:cNvPr>
+          <p:cNvSpPr>
+            <a:spLocks noGrp="1"/>
+          </p:cNvSpPr>
+          <p:nvPr>
+            <p:ph type="body" sz="quarter" idx="20"/>
+          </p:nvPr>
+        </p:nvSpPr>
+        <p:spPr>
+          <a:xfrm>
+            <a:off x="1066799" y="1450222"/>
+            <a:ext cx="10667998" cy="3646487"/>
+          </a:xfrm>
+        </p:spPr>
+        <p:txBody>
+          <a:bodyPr/>
+          <a:lstStyle/>
+          <a:p>
+            <a:pPr marL="571500" indent="-571500">
+              <a:lnSpc>
+                <a:spcPct val="100000"/>
+              </a:lnSpc>
+              <a:buFont typeface="Arial" panose="020B0604020202020204" pitchFamily="34" charset="0"/>
+              <a:buChar char="•"/>
+            </a:pPr>
+            <a:r>
+              <a:rPr lang="en-US" sz="2400" dirty="0"/>
+              <a:t>17 new instructions</a:t>
+            </a:r>
+          </a:p>
+          <a:p>
+            <a:pPr marL="571500" indent="-571500">
+              <a:lnSpc>
+                <a:spcPct val="100000"/>
+              </a:lnSpc>
+              <a:buFont typeface="Arial" panose="020B0604020202020204" pitchFamily="34" charset="0"/>
+              <a:buChar char="•"/>
+            </a:pPr>
+            <a:r>
+              <a:rPr lang="en-US" sz="2400" dirty="0"/>
+              <a:t>Enclave created by OS</a:t>
+            </a:r>
+          </a:p>
+          <a:p>
+            <a:pPr marL="1028700" lvl="1" indent="-571500">
+              <a:lnSpc>
+                <a:spcPct val="100000"/>
+              </a:lnSpc>
+              <a:buFont typeface="Arial" panose="020B0604020202020204" pitchFamily="34" charset="0"/>
+              <a:buChar char="•"/>
+            </a:pPr>
+            <a:r>
+              <a:rPr lang="en-US" sz="2000" dirty="0">
+                <a:latin typeface="Sherman Sans Book"/>
+              </a:rPr>
+              <a:t>Contiguous physical memory</a:t>
+            </a:r>
+          </a:p>
+          <a:p>
+            <a:pPr marL="1028700" lvl="1" indent="-571500">
+              <a:lnSpc>
+                <a:spcPct val="100000"/>
+              </a:lnSpc>
+              <a:buFont typeface="Arial" panose="020B0604020202020204" pitchFamily="34" charset="0"/>
+              <a:buChar char="•"/>
+            </a:pPr>
+            <a:r>
+              <a:rPr lang="en-US" sz="2000" dirty="0">
+                <a:latin typeface="Sherman Sans Book"/>
+              </a:rPr>
+              <a:t>Base address randomly assigned from EPC</a:t>
+            </a:r>
+          </a:p>
+          <a:p>
+            <a:pPr marL="571500" indent="-571500">
+              <a:lnSpc>
+                <a:spcPct val="100000"/>
+              </a:lnSpc>
+              <a:buFont typeface="Arial" panose="020B0604020202020204" pitchFamily="34" charset="0"/>
+              <a:buChar char="•"/>
+            </a:pPr>
+            <a:r>
+              <a:rPr lang="en-US" sz="2400" dirty="0"/>
+              <a:t>Hardware level memory encryption engine</a:t>
+            </a:r>
+          </a:p>
+          <a:p>
+            <a:pPr marL="571500" indent="-571500">
+              <a:lnSpc>
+                <a:spcPct val="100000"/>
+              </a:lnSpc>
+              <a:buFont typeface="Arial" panose="020B0604020202020204" pitchFamily="34" charset="0"/>
+              <a:buChar char="•"/>
+            </a:pPr>
+            <a:r>
+              <a:rPr lang="en-US" sz="2400" dirty="0"/>
+              <a:t>Virtual to physical address translation done by OS</a:t>
+            </a:r>
+          </a:p>
+          <a:p>
+            <a:pPr marL="571500" indent="-571500">
+              <a:lnSpc>
+                <a:spcPct val="100000"/>
+              </a:lnSpc>
+              <a:buFont typeface="Arial" panose="020B0604020202020204" pitchFamily="34" charset="0"/>
+              <a:buChar char="•"/>
+            </a:pPr>
+            <a:r>
+              <a:rPr lang="en-US" sz="2400" dirty="0"/>
+              <a:t>Interrupt </a:t>
+            </a:r>
+            <a:r>
+              <a:rPr lang="en-US" sz="2400" dirty="0">
+                <a:latin typeface="Sherman Sans Book"/>
+              </a:rPr>
+              <a:t>⇨</a:t>
+            </a:r>
+            <a:r>
+              <a:rPr lang="en-US" sz="2400" dirty="0"/>
+              <a:t> context switch – AEX</a:t>
+            </a:r>
+          </a:p>
+          <a:p>
+            <a:pPr marL="571500" indent="-571500">
+              <a:lnSpc>
+                <a:spcPct val="100000"/>
+              </a:lnSpc>
+              <a:buFont typeface="Arial" panose="020B0604020202020204" pitchFamily="34" charset="0"/>
+              <a:buChar char="•"/>
+            </a:pPr>
+            <a:r>
+              <a:rPr lang="en-US" sz="2400" dirty="0"/>
+              <a:t>ECALLs &amp; OCALLs</a:t>
+            </a:r>
+          </a:p>
+          <a:p>
+            <a:pPr marL="571500" indent="-571500">
+              <a:lnSpc>
+                <a:spcPct val="100000"/>
+              </a:lnSpc>
+              <a:buFont typeface="Arial" panose="020B0604020202020204" pitchFamily="34" charset="0"/>
+              <a:buChar char="•"/>
+            </a:pPr>
+            <a:r>
+              <a:rPr lang="en-US" sz="2400" dirty="0"/>
+              <a:t>TPM: Trusted Platform Module</a:t>
+            </a:r>
+          </a:p>
+          <a:p>
+            <a:pPr marL="571500" indent="-571500">
+              <a:lnSpc>
+                <a:spcPct val="100000"/>
+              </a:lnSpc>
+              <a:buFont typeface="Arial" panose="020B0604020202020204" pitchFamily="34" charset="0"/>
+              <a:buChar char="•"/>
+            </a:pPr>
+            <a:r>
+              <a:rPr lang="en-US" sz="2400" dirty="0"/>
+              <a:t>TXT: Trusted Execution Technology</a:t>
+            </a:r>
+          </a:p>
+        </p:txBody>
+      </p:sp>
+      <p:sp>
+        <p:nvSpPr>
+          <p:cNvPr id="5" name="Content Placeholder 4">
+            <a:extLst>
+              <a:ext uri="{FF2B5EF4-FFF2-40B4-BE49-F238E27FC236}">
+                <a16:creationId xmlns:a16="http://schemas.microsoft.com/office/drawing/2014/main" id="{2E22DCB0-34AB-4BB5-9547-3CC5CB475A62}"/>
+              </a:ext>
+            </a:extLst>
+          </p:cNvPr>
+          <p:cNvSpPr>
+            <a:spLocks noGrp="1"/>
+          </p:cNvSpPr>
+          <p:nvPr>
+            <p:ph sz="quarter" idx="19"/>
+          </p:nvPr>
+        </p:nvSpPr>
+        <p:spPr/>
+        <p:txBody>
+          <a:bodyPr/>
+          <a:lstStyle/>
+          <a:p>
+            <a:r>
+              <a:rPr lang="en-US" dirty="0"/>
+              <a:t>Intel SGX</a:t>
+            </a:r>
+          </a:p>
+        </p:txBody>
+      </p:sp>
+      <p:sp>
+        <p:nvSpPr>
+          <p:cNvPr id="6" name="Text Placeholder 5">
+            <a:extLst>
+              <a:ext uri="{FF2B5EF4-FFF2-40B4-BE49-F238E27FC236}">
+                <a16:creationId xmlns:a16="http://schemas.microsoft.com/office/drawing/2014/main" id="{D88F5258-F7DC-4035-A790-1B01F8C62C30}"/>
+              </a:ext>
+            </a:extLst>
+          </p:cNvPr>
+          <p:cNvSpPr>
+            <a:spLocks noGrp="1"/>
+          </p:cNvSpPr>
+          <p:nvPr>
+            <p:ph type="body" sz="quarter" idx="22"/>
+          </p:nvPr>
+        </p:nvSpPr>
+        <p:spPr/>
+        <p:txBody>
+          <a:bodyPr/>
+          <a:lstStyle/>
+          <a:p>
+            <a:r>
+              <a:rPr lang="en-US" dirty="0"/>
+              <a:t>Department of Electrical Engineering and Computer Science</a:t>
+            </a:r>
+          </a:p>
+        </p:txBody>
+      </p:sp>
+    </p:spTree>
+    <p:extLst>
+      <p:ext uri="{BB962C8B-B14F-4D97-AF65-F5344CB8AC3E}">
+        <p14:creationId xmlns:p14="http://schemas.microsoft.com/office/powerpoint/2010/main" val="3360512925"/>
+      </p:ext>
+    </p:extLst>
+  </p:cSld>
+  <p:clrMapOvr>
+    <a:masterClrMapping/>
+  </p:clrMapOvr>
+  <p:transition>
+    <p:fade/>
+  </p:transition>
+</p:sld>
+</file>
+
+<file path=ppt/slides/slide5.xml><?xml version="1.0" encoding="utf-8"?>
+<p:sld xmlns:a="http://schemas.openxmlformats.org/drawingml/2006/main" xmlns:r="http://schemas.openxmlformats.org/officeDocument/2006/relationships" xmlns:p="http://schemas.openxmlformats.org/presentationml/2006/main">
+  <p:cSld>
+    <p:spTree>
+      <p:nvGrpSpPr>
+        <p:cNvPr id="1" name=""/>
+        <p:cNvGrpSpPr/>
+        <p:nvPr/>
+      </p:nvGrpSpPr>
+      <p:grpSpPr>
+        <a:xfrm>
+          <a:off x="0" y="0"/>
+          <a:ext cx="0" cy="0"/>
+          <a:chOff x="0" y="0"/>
+          <a:chExt cx="0" cy="0"/>
+        </a:xfrm>
+      </p:grpSpPr>
+      <p:sp>
+        <p:nvSpPr>
           <p:cNvPr id="3" name="Slide Number"/>
           <p:cNvSpPr>
             <a:spLocks noGrp="1"/>
@@ -10729,7 +10380,7 @@
             <a:fld id="{F343A32A-436A-8143-8894-653E98457856}" type="slidenum">
               <a:rPr lang="en-US" smtClean="0"/>
               <a:pPr/>
-              <a:t>4</a:t>
+              <a:t>5</a:t>
             </a:fld>
             <a:endParaRPr lang="en-US" dirty="0"/>
           </a:p>
@@ -10773,7 +10424,7 @@
         </p:nvSpPr>
         <p:spPr>
           <a:xfrm>
-            <a:off x="1066799" y="1766749"/>
+            <a:off x="1066799" y="1079295"/>
             <a:ext cx="10668000" cy="3832225"/>
           </a:xfrm>
         </p:spPr>
@@ -10783,67 +10434,193 @@
           <a:p>
             <a:pPr marL="457200" indent="-457200">
               <a:lnSpc>
-                <a:spcPct val="150000"/>
-              </a:lnSpc>
+                <a:spcPct val="100000"/>
+              </a:lnSpc>
+              <a:spcBef>
+                <a:spcPts val="600"/>
+              </a:spcBef>
               <a:buFont typeface="Arial" charset="0"/>
               <a:buChar char="•"/>
             </a:pPr>
             <a:r>
-              <a:rPr lang="en-US" sz="3200" dirty="0"/>
+              <a:rPr lang="en-US" sz="2400" dirty="0"/>
               <a:t>Side-Channels</a:t>
             </a:r>
           </a:p>
           <a:p>
             <a:pPr marL="1143000" lvl="1" indent="-457200">
               <a:lnSpc>
-                <a:spcPct val="150000"/>
-              </a:lnSpc>
+                <a:spcPct val="100000"/>
+              </a:lnSpc>
+              <a:spcBef>
+                <a:spcPts val="600"/>
+              </a:spcBef>
               <a:buFont typeface="Arial" charset="0"/>
               <a:buChar char="•"/>
             </a:pPr>
             <a:r>
+              <a:rPr lang="en-US" sz="2000" dirty="0"/>
+              <a:t>Attacks by analyzing system behavior</a:t>
+            </a:r>
+          </a:p>
+          <a:p>
+            <a:pPr marL="1143000" lvl="1" indent="-457200">
+              <a:lnSpc>
+                <a:spcPct val="100000"/>
+              </a:lnSpc>
+              <a:spcBef>
+                <a:spcPts val="600"/>
+              </a:spcBef>
+              <a:buFont typeface="Arial" charset="0"/>
+              <a:buChar char="•"/>
+            </a:pPr>
+            <a:r>
+              <a:rPr lang="en-US" sz="2000" dirty="0"/>
+              <a:t>Cache attacks: Monitoring cache accesses</a:t>
+            </a:r>
+          </a:p>
+          <a:p>
+            <a:pPr marL="1143000" lvl="1" indent="-457200">
+              <a:lnSpc>
+                <a:spcPct val="100000"/>
+              </a:lnSpc>
+              <a:spcBef>
+                <a:spcPts val="600"/>
+              </a:spcBef>
+              <a:buFont typeface="Arial" charset="0"/>
+              <a:buChar char="•"/>
+            </a:pPr>
+            <a:r>
+              <a:rPr lang="en-US" sz="2000" dirty="0"/>
+              <a:t>Timing attacks: Measuring time between computations</a:t>
+            </a:r>
+          </a:p>
+          <a:p>
+            <a:pPr marL="1143000" lvl="1" indent="-457200">
+              <a:lnSpc>
+                <a:spcPct val="100000"/>
+              </a:lnSpc>
+              <a:spcBef>
+                <a:spcPts val="600"/>
+              </a:spcBef>
+              <a:buFont typeface="Arial" charset="0"/>
+              <a:buChar char="•"/>
+            </a:pPr>
+            <a:r>
+              <a:rPr lang="en-US" sz="2000" dirty="0"/>
+              <a:t>Page-fault attack: Monitoring page-faults and analyzing the pattern</a:t>
+            </a:r>
+          </a:p>
+          <a:p>
+            <a:pPr marL="571500" indent="-571500">
+              <a:lnSpc>
+                <a:spcPct val="100000"/>
+              </a:lnSpc>
+              <a:spcBef>
+                <a:spcPts val="600"/>
+              </a:spcBef>
+              <a:buFont typeface="Arial" panose="020B0604020202020204" pitchFamily="34" charset="0"/>
+              <a:buChar char="•"/>
+            </a:pPr>
+            <a:r>
               <a:rPr lang="en-US" sz="2400" dirty="0"/>
-              <a:t>Attacks by analyzing system behavior</a:t>
+              <a:t>Attack Model</a:t>
+            </a:r>
+          </a:p>
+          <a:p>
+            <a:pPr marL="1257300" lvl="1" indent="-571500">
+              <a:lnSpc>
+                <a:spcPct val="100000"/>
+              </a:lnSpc>
+              <a:spcBef>
+                <a:spcPts val="600"/>
+              </a:spcBef>
+              <a:buFont typeface="Arial" panose="020B0604020202020204" pitchFamily="34" charset="0"/>
+              <a:buChar char="•"/>
+            </a:pPr>
+            <a:r>
+              <a:rPr lang="en-US" sz="2000" dirty="0"/>
+              <a:t>Enclave protected by SGX</a:t>
+            </a:r>
+          </a:p>
+          <a:p>
+            <a:pPr marL="1485900" lvl="2" indent="-571500">
+              <a:lnSpc>
+                <a:spcPct val="100000"/>
+              </a:lnSpc>
+              <a:spcBef>
+                <a:spcPts val="600"/>
+              </a:spcBef>
+              <a:buFont typeface="Arial" panose="020B0604020202020204" pitchFamily="34" charset="0"/>
+              <a:buChar char="•"/>
+            </a:pPr>
+            <a:r>
+              <a:rPr lang="en-US" sz="1200" dirty="0">
+                <a:latin typeface="Sherman Sans Book"/>
+              </a:rPr>
+              <a:t>No stranger has the key</a:t>
+            </a:r>
+          </a:p>
+          <a:p>
+            <a:pPr marL="1257300" lvl="1" indent="-571500">
+              <a:lnSpc>
+                <a:spcPct val="100000"/>
+              </a:lnSpc>
+              <a:spcBef>
+                <a:spcPts val="600"/>
+              </a:spcBef>
+              <a:buFont typeface="Arial" panose="020B0604020202020204" pitchFamily="34" charset="0"/>
+              <a:buChar char="•"/>
+            </a:pPr>
+            <a:r>
+              <a:rPr lang="en-US" sz="2000" dirty="0"/>
+              <a:t>Operating System can manage task queues, interrupts, and exceptions</a:t>
+            </a:r>
+          </a:p>
+          <a:p>
+            <a:pPr marL="1257300" lvl="1" indent="-571500">
+              <a:lnSpc>
+                <a:spcPct val="100000"/>
+              </a:lnSpc>
+              <a:spcBef>
+                <a:spcPts val="600"/>
+              </a:spcBef>
+              <a:buFont typeface="Arial" panose="020B0604020202020204" pitchFamily="34" charset="0"/>
+              <a:buChar char="•"/>
+            </a:pPr>
+            <a:r>
+              <a:rPr lang="en-US" sz="2000" dirty="0"/>
+              <a:t>Viewing data transfer between memories and caches</a:t>
+            </a:r>
+          </a:p>
+          <a:p>
+            <a:pPr marL="1257300" lvl="1" indent="-571500">
+              <a:lnSpc>
+                <a:spcPct val="100000"/>
+              </a:lnSpc>
+              <a:spcBef>
+                <a:spcPts val="600"/>
+              </a:spcBef>
+              <a:buFont typeface="Arial" panose="020B0604020202020204" pitchFamily="34" charset="0"/>
+              <a:buChar char="•"/>
+            </a:pPr>
+            <a:r>
+              <a:rPr lang="en-US" sz="2000" dirty="0"/>
+              <a:t>Program pinned to one core, no excessive interrupts, isolated</a:t>
             </a:r>
           </a:p>
           <a:p>
             <a:pPr marL="1143000" lvl="1" indent="-457200">
               <a:lnSpc>
-                <a:spcPct val="150000"/>
-              </a:lnSpc>
+                <a:spcPct val="100000"/>
+              </a:lnSpc>
+              <a:spcBef>
+                <a:spcPts val="600"/>
+              </a:spcBef>
               <a:buFont typeface="Arial" charset="0"/>
               <a:buChar char="•"/>
             </a:pPr>
-            <a:r>
-              <a:rPr lang="en-US" sz="2400" dirty="0"/>
-              <a:t>Cache attacks: Monitoring cache accesses</a:t>
-            </a:r>
-          </a:p>
-          <a:p>
-            <a:pPr marL="1143000" lvl="1" indent="-457200">
-              <a:lnSpc>
-                <a:spcPct val="150000"/>
-              </a:lnSpc>
-              <a:buFont typeface="Arial" charset="0"/>
-              <a:buChar char="•"/>
-            </a:pPr>
-            <a:r>
-              <a:rPr lang="en-US" sz="2400" dirty="0"/>
-              <a:t>Timing attacks: Measuring time between computations</a:t>
-            </a:r>
-          </a:p>
-          <a:p>
-            <a:pPr marL="1143000" lvl="1" indent="-457200">
-              <a:lnSpc>
-                <a:spcPct val="150000"/>
-              </a:lnSpc>
-              <a:buFont typeface="Arial" charset="0"/>
-              <a:buChar char="•"/>
-            </a:pPr>
-            <a:r>
-              <a:rPr lang="en-US" sz="2400" dirty="0"/>
-              <a:t>Page-fault attack: Monitoring page-faults and analyzing the pattern</a:t>
-            </a:r>
+            <a:endParaRPr lang="en-US" sz="2400" dirty="0"/>
           </a:p>
         </p:txBody>
       </p:sp>
@@ -10920,8 +10697,8 @@
         </p:blipFill>
         <p:spPr>
           <a:xfrm>
-            <a:off x="7460018" y="1589063"/>
-            <a:ext cx="4359110" cy="1920240"/>
+            <a:off x="8101584" y="1022846"/>
+            <a:ext cx="4090416" cy="1801877"/>
           </a:xfrm>
           <a:prstGeom prst="rect">
             <a:avLst/>
@@ -10932,303 +10709,6 @@
     <p:extLst>
       <p:ext uri="{BB962C8B-B14F-4D97-AF65-F5344CB8AC3E}">
         <p14:creationId xmlns:p14="http://schemas.microsoft.com/office/powerpoint/2010/main" val="407465345"/>
-      </p:ext>
-    </p:extLst>
-  </p:cSld>
-  <p:clrMapOvr>
-    <a:masterClrMapping/>
-  </p:clrMapOvr>
-  <p:transition>
-    <p:fade/>
-  </p:transition>
-</p:sld>
-</file>
-
-<file path=ppt/slides/slide5.xml><?xml version="1.0" encoding="utf-8"?>
-<p:sld xmlns:a="http://schemas.openxmlformats.org/drawingml/2006/main" xmlns:r="http://schemas.openxmlformats.org/officeDocument/2006/relationships" xmlns:p="http://schemas.openxmlformats.org/presentationml/2006/main">
-  <p:cSld>
-    <p:spTree>
-      <p:nvGrpSpPr>
-        <p:cNvPr id="1" name=""/>
-        <p:cNvGrpSpPr/>
-        <p:nvPr/>
-      </p:nvGrpSpPr>
-      <p:grpSpPr>
-        <a:xfrm>
-          <a:off x="0" y="0"/>
-          <a:ext cx="0" cy="0"/>
-          <a:chOff x="0" y="0"/>
-          <a:chExt cx="0" cy="0"/>
-        </a:xfrm>
-      </p:grpSpPr>
-      <p:sp>
-        <p:nvSpPr>
-          <p:cNvPr id="2" name="Slide Number Placeholder 1">
-            <a:extLst>
-              <a:ext uri="{FF2B5EF4-FFF2-40B4-BE49-F238E27FC236}">
-                <a16:creationId xmlns:a16="http://schemas.microsoft.com/office/drawing/2014/main" id="{E39FCD6D-9BD6-4C11-8BD4-AEBB6C8CDEF0}"/>
-              </a:ext>
-            </a:extLst>
-          </p:cNvPr>
-          <p:cNvSpPr>
-            <a:spLocks noGrp="1"/>
-          </p:cNvSpPr>
-          <p:nvPr>
-            <p:ph type="sldNum" sz="quarter" idx="10"/>
-          </p:nvPr>
-        </p:nvSpPr>
-        <p:spPr/>
-        <p:txBody>
-          <a:bodyPr/>
-          <a:lstStyle/>
-          <a:p>
-            <a:fld id="{F343A32A-436A-8143-8894-653E98457856}" type="slidenum">
-              <a:rPr lang="en-US" smtClean="0"/>
-              <a:pPr/>
-              <a:t>5</a:t>
-            </a:fld>
-            <a:endParaRPr lang="en-US" dirty="0"/>
-          </a:p>
-        </p:txBody>
-      </p:sp>
-      <p:sp>
-        <p:nvSpPr>
-          <p:cNvPr id="3" name="Title 2">
-            <a:extLst>
-              <a:ext uri="{FF2B5EF4-FFF2-40B4-BE49-F238E27FC236}">
-                <a16:creationId xmlns:a16="http://schemas.microsoft.com/office/drawing/2014/main" id="{3DD4055F-D293-4AE8-9667-979BC20DCCC1}"/>
-              </a:ext>
-            </a:extLst>
-          </p:cNvPr>
-          <p:cNvSpPr>
-            <a:spLocks noGrp="1"/>
-          </p:cNvSpPr>
-          <p:nvPr>
-            <p:ph type="title"/>
-          </p:nvPr>
-        </p:nvSpPr>
-        <p:spPr/>
-        <p:txBody>
-          <a:bodyPr/>
-          <a:lstStyle/>
-          <a:p>
-            <a:r>
-              <a:rPr lang="en-US" dirty="0"/>
-              <a:t>Introduction</a:t>
-            </a:r>
-          </a:p>
-        </p:txBody>
-      </p:sp>
-      <p:sp>
-        <p:nvSpPr>
-          <p:cNvPr id="4" name="Text Placeholder 3">
-            <a:extLst>
-              <a:ext uri="{FF2B5EF4-FFF2-40B4-BE49-F238E27FC236}">
-                <a16:creationId xmlns:a16="http://schemas.microsoft.com/office/drawing/2014/main" id="{B4039574-E86D-4D7E-8D62-FCFC126CEE52}"/>
-              </a:ext>
-            </a:extLst>
-          </p:cNvPr>
-          <p:cNvSpPr>
-            <a:spLocks noGrp="1"/>
-          </p:cNvSpPr>
-          <p:nvPr>
-            <p:ph type="body" sz="quarter" idx="20"/>
-          </p:nvPr>
-        </p:nvSpPr>
-        <p:spPr>
-          <a:xfrm>
-            <a:off x="1066800" y="1876680"/>
-            <a:ext cx="5865845" cy="3646487"/>
-          </a:xfrm>
-        </p:spPr>
-        <p:txBody>
-          <a:bodyPr/>
-          <a:lstStyle/>
-          <a:p>
-            <a:pPr marL="571500" indent="-571500">
-              <a:lnSpc>
-                <a:spcPct val="150000"/>
-              </a:lnSpc>
-              <a:spcBef>
-                <a:spcPts val="600"/>
-              </a:spcBef>
-              <a:buFont typeface="Arial" panose="020B0604020202020204" pitchFamily="34" charset="0"/>
-              <a:buChar char="•"/>
-            </a:pPr>
-            <a:r>
-              <a:rPr lang="en-US" sz="2800" dirty="0">
-                <a:latin typeface="Sherman Sans Book"/>
-              </a:rPr>
-              <a:t>Introduced with Haswell</a:t>
-            </a:r>
-          </a:p>
-          <a:p>
-            <a:pPr marL="571500" indent="-571500">
-              <a:lnSpc>
-                <a:spcPct val="150000"/>
-              </a:lnSpc>
-              <a:spcBef>
-                <a:spcPts val="600"/>
-              </a:spcBef>
-              <a:buFont typeface="Arial" panose="020B0604020202020204" pitchFamily="34" charset="0"/>
-              <a:buChar char="•"/>
-            </a:pPr>
-            <a:r>
-              <a:rPr lang="en-US" sz="2800" dirty="0">
-                <a:latin typeface="Sherman Sans Book"/>
-              </a:rPr>
-              <a:t>Critical sections management</a:t>
-            </a:r>
-          </a:p>
-          <a:p>
-            <a:pPr marL="571500" indent="-571500">
-              <a:lnSpc>
-                <a:spcPct val="150000"/>
-              </a:lnSpc>
-              <a:spcBef>
-                <a:spcPts val="600"/>
-              </a:spcBef>
-              <a:buFont typeface="Arial" panose="020B0604020202020204" pitchFamily="34" charset="0"/>
-              <a:buChar char="•"/>
-            </a:pPr>
-            <a:r>
-              <a:rPr lang="en-US" sz="2800" dirty="0">
-                <a:latin typeface="Sherman Sans Book"/>
-              </a:rPr>
-              <a:t>Monitoring serialization</a:t>
-            </a:r>
-          </a:p>
-          <a:p>
-            <a:pPr marL="571500" indent="-571500">
-              <a:lnSpc>
-                <a:spcPct val="150000"/>
-              </a:lnSpc>
-              <a:spcBef>
-                <a:spcPts val="600"/>
-              </a:spcBef>
-              <a:buFont typeface="Arial" panose="020B0604020202020204" pitchFamily="34" charset="0"/>
-              <a:buChar char="•"/>
-            </a:pPr>
-            <a:r>
-              <a:rPr lang="en-US" sz="2800" dirty="0">
-                <a:latin typeface="Sherman Sans Book"/>
-              </a:rPr>
-              <a:t>Restricted Transactional Memory</a:t>
-            </a:r>
-          </a:p>
-          <a:p>
-            <a:pPr marL="1028700" lvl="1" indent="-571500">
-              <a:lnSpc>
-                <a:spcPct val="150000"/>
-              </a:lnSpc>
-              <a:spcBef>
-                <a:spcPts val="600"/>
-              </a:spcBef>
-              <a:buFont typeface="Arial" panose="020B0604020202020204" pitchFamily="34" charset="0"/>
-              <a:buChar char="•"/>
-            </a:pPr>
-            <a:r>
-              <a:rPr lang="en-US" sz="2800" dirty="0">
-                <a:solidFill>
-                  <a:srgbClr val="3E3D3C"/>
-                </a:solidFill>
-                <a:latin typeface="Sherman Sans Book"/>
-              </a:rPr>
-              <a:t>New Instruction set interface</a:t>
-            </a:r>
-          </a:p>
-        </p:txBody>
-      </p:sp>
-      <p:sp>
-        <p:nvSpPr>
-          <p:cNvPr id="5" name="Content Placeholder 4">
-            <a:extLst>
-              <a:ext uri="{FF2B5EF4-FFF2-40B4-BE49-F238E27FC236}">
-                <a16:creationId xmlns:a16="http://schemas.microsoft.com/office/drawing/2014/main" id="{B06BC180-DC1E-473C-A462-EDD7F1941AFB}"/>
-              </a:ext>
-            </a:extLst>
-          </p:cNvPr>
-          <p:cNvSpPr>
-            <a:spLocks noGrp="1"/>
-          </p:cNvSpPr>
-          <p:nvPr>
-            <p:ph sz="quarter" idx="19"/>
-          </p:nvPr>
-        </p:nvSpPr>
-        <p:spPr/>
-        <p:txBody>
-          <a:bodyPr/>
-          <a:lstStyle/>
-          <a:p>
-            <a:r>
-              <a:rPr lang="en-US" dirty="0"/>
-              <a:t>Intel TSX</a:t>
-            </a:r>
-          </a:p>
-        </p:txBody>
-      </p:sp>
-      <p:sp>
-        <p:nvSpPr>
-          <p:cNvPr id="6" name="Text Placeholder 5">
-            <a:extLst>
-              <a:ext uri="{FF2B5EF4-FFF2-40B4-BE49-F238E27FC236}">
-                <a16:creationId xmlns:a16="http://schemas.microsoft.com/office/drawing/2014/main" id="{82076DB4-6948-40E6-A2F5-7A1BD2806D89}"/>
-              </a:ext>
-            </a:extLst>
-          </p:cNvPr>
-          <p:cNvSpPr>
-            <a:spLocks noGrp="1"/>
-          </p:cNvSpPr>
-          <p:nvPr>
-            <p:ph type="body" sz="quarter" idx="22"/>
-          </p:nvPr>
-        </p:nvSpPr>
-        <p:spPr/>
-        <p:txBody>
-          <a:bodyPr/>
-          <a:lstStyle/>
-          <a:p>
-            <a:r>
-              <a:rPr lang="en-US" dirty="0"/>
-              <a:t>Department of Electrical Engineering and Computer Science</a:t>
-            </a:r>
-          </a:p>
-        </p:txBody>
-      </p:sp>
-      <p:pic>
-        <p:nvPicPr>
-          <p:cNvPr id="8" name="Picture 7">
-            <a:extLst>
-              <a:ext uri="{FF2B5EF4-FFF2-40B4-BE49-F238E27FC236}">
-                <a16:creationId xmlns:a16="http://schemas.microsoft.com/office/drawing/2014/main" id="{5E564502-88CA-4FCD-9974-DBDFB444C491}"/>
-              </a:ext>
-            </a:extLst>
-          </p:cNvPr>
-          <p:cNvPicPr>
-            <a:picLocks noChangeAspect="1"/>
-          </p:cNvPicPr>
-          <p:nvPr/>
-        </p:nvPicPr>
-        <p:blipFill>
-          <a:blip r:embed="rId2"/>
-          <a:stretch>
-            <a:fillRect/>
-          </a:stretch>
-        </p:blipFill>
-        <p:spPr>
-          <a:xfrm>
-            <a:off x="6640291" y="1872015"/>
-            <a:ext cx="5078891" cy="3147854"/>
-          </a:xfrm>
-          <a:prstGeom prst="rect">
-            <a:avLst/>
-          </a:prstGeom>
-        </p:spPr>
-      </p:pic>
-    </p:spTree>
-    <p:extLst>
-      <p:ext uri="{BB962C8B-B14F-4D97-AF65-F5344CB8AC3E}">
-        <p14:creationId xmlns:p14="http://schemas.microsoft.com/office/powerpoint/2010/main" val="831115965"/>
       </p:ext>
     </p:extLst>
   </p:cSld>
@@ -11344,71 +10824,81 @@
           <a:p>
             <a:pPr marL="571500" indent="-571500">
               <a:lnSpc>
-                <a:spcPct val="150000"/>
+                <a:spcPct val="100000"/>
               </a:lnSpc>
               <a:buFont typeface="Arial" panose="020B0604020202020204" pitchFamily="34" charset="0"/>
               <a:buChar char="•"/>
             </a:pPr>
             <a:r>
               <a:rPr lang="en-US" sz="2800" dirty="0"/>
-              <a:t>Enclave protected by SGX</a:t>
-            </a:r>
-          </a:p>
-          <a:p>
-            <a:pPr marL="1028700" lvl="1" indent="-571500">
-              <a:lnSpc>
-                <a:spcPct val="150000"/>
-              </a:lnSpc>
-              <a:buFont typeface="Arial" panose="020B0604020202020204" pitchFamily="34" charset="0"/>
-              <a:buChar char="•"/>
-            </a:pPr>
-            <a:r>
-              <a:rPr lang="en-US" dirty="0">
-                <a:solidFill>
-                  <a:srgbClr val="3E3D3C"/>
-                </a:solidFill>
+              <a:t>Intentional Cache-Misses </a:t>
+            </a:r>
+            <a:r>
+              <a:rPr lang="en-US" sz="2800" dirty="0">
                 <a:latin typeface="Sherman Sans Book"/>
               </a:rPr>
-              <a:t>No stranger has the key</a:t>
+              <a:t>⇨</a:t>
+            </a:r>
+            <a:r>
+              <a:rPr lang="en-US" sz="2800" dirty="0"/>
+              <a:t> Make program access memory</a:t>
             </a:r>
           </a:p>
           <a:p>
             <a:pPr marL="571500" indent="-571500">
               <a:lnSpc>
-                <a:spcPct val="150000"/>
+                <a:spcPct val="100000"/>
               </a:lnSpc>
               <a:buFont typeface="Arial" panose="020B0604020202020204" pitchFamily="34" charset="0"/>
               <a:buChar char="•"/>
             </a:pPr>
             <a:r>
               <a:rPr lang="en-US" sz="2800" dirty="0"/>
-              <a:t>Operating System can manage task queues, interrupts, and exceptions</a:t>
+              <a:t>Time, trace, access patterns</a:t>
             </a:r>
           </a:p>
           <a:p>
             <a:pPr marL="571500" indent="-571500">
               <a:lnSpc>
-                <a:spcPct val="150000"/>
+                <a:spcPct val="100000"/>
               </a:lnSpc>
               <a:buFont typeface="Arial" panose="020B0604020202020204" pitchFamily="34" charset="0"/>
               <a:buChar char="•"/>
             </a:pPr>
             <a:r>
-              <a:rPr lang="en-US" sz="2800" dirty="0"/>
-              <a:t>Viewing data transfer between memories and caches</a:t>
-            </a:r>
-          </a:p>
-          <a:p>
-            <a:pPr marL="571500" indent="-571500">
-              <a:lnSpc>
-                <a:spcPct val="150000"/>
+              <a:rPr lang="en-US" sz="2800" dirty="0" err="1"/>
+              <a:t>Prime+Probe</a:t>
+            </a:r>
+            <a:endParaRPr lang="en-US" sz="2800" dirty="0"/>
+          </a:p>
+          <a:p>
+            <a:pPr marL="1028700" lvl="1" indent="-571500">
+              <a:lnSpc>
+                <a:spcPct val="100000"/>
               </a:lnSpc>
               <a:buFont typeface="Arial" panose="020B0604020202020204" pitchFamily="34" charset="0"/>
               <a:buChar char="•"/>
             </a:pPr>
             <a:r>
-              <a:rPr lang="en-US" sz="2800" dirty="0"/>
-              <a:t>Program pinned to one core, no excessive interrupts, isolated</a:t>
+              <a:rPr lang="en-US" sz="2000" dirty="0">
+                <a:latin typeface="Sherman Sans Book"/>
+              </a:rPr>
+              <a:t>Prime: attacker executes conflicting cache lines ⇨ cache miss</a:t>
+            </a:r>
+          </a:p>
+          <a:p>
+            <a:pPr marL="1028700" lvl="1" indent="-571500">
+              <a:lnSpc>
+                <a:spcPct val="100000"/>
+              </a:lnSpc>
+              <a:buFont typeface="Arial" panose="020B0604020202020204" pitchFamily="34" charset="0"/>
+              <a:buChar char="•"/>
+            </a:pPr>
+            <a:r>
+              <a:rPr lang="en-US" sz="2000" dirty="0">
+                <a:latin typeface="Sherman Sans Book"/>
+              </a:rPr>
+              <a:t>Probe: executing all the cache lines and measuring execution time</a:t>
             </a:r>
           </a:p>
         </p:txBody>
@@ -11436,7 +10926,7 @@
           <a:p>
             <a:r>
               <a:rPr lang="en-US" dirty="0"/>
-              <a:t>Attack Model</a:t>
+              <a:t>Cache-Based Attacks</a:t>
             </a:r>
           </a:p>
         </p:txBody>
@@ -11469,10 +10959,40 @@
           </a:p>
         </p:txBody>
       </p:sp>
+      <p:pic>
+        <p:nvPicPr>
+          <p:cNvPr id="7" name="Picture 6">
+            <a:extLst>
+              <a:ext uri="{FF2B5EF4-FFF2-40B4-BE49-F238E27FC236}">
+                <a16:creationId xmlns:a16="http://schemas.microsoft.com/office/drawing/2014/main" id="{0DDBBDF9-F951-4A20-AFB3-553EA8FE9F33}"/>
+              </a:ext>
+            </a:extLst>
+          </p:cNvPr>
+          <p:cNvPicPr>
+            <a:picLocks noChangeAspect="1"/>
+          </p:cNvPicPr>
+          <p:nvPr/>
+        </p:nvPicPr>
+        <p:blipFill>
+          <a:blip r:embed="rId2"/>
+          <a:stretch>
+            <a:fillRect/>
+          </a:stretch>
+        </p:blipFill>
+        <p:spPr>
+          <a:xfrm>
+            <a:off x="3382276" y="4129476"/>
+            <a:ext cx="5427447" cy="1805332"/>
+          </a:xfrm>
+          <a:prstGeom prst="rect">
+            <a:avLst/>
+          </a:prstGeom>
+        </p:spPr>
+      </p:pic>
     </p:spTree>
     <p:extLst>
       <p:ext uri="{BB962C8B-B14F-4D97-AF65-F5344CB8AC3E}">
-        <p14:creationId xmlns:p14="http://schemas.microsoft.com/office/powerpoint/2010/main" val="366102315"/>
+        <p14:creationId xmlns:p14="http://schemas.microsoft.com/office/powerpoint/2010/main" val="284886358"/>
       </p:ext>
     </p:extLst>
   </p:cSld>
@@ -11560,107 +11080,348 @@
           </a:p>
         </p:txBody>
       </p:sp>
-      <p:sp>
-        <p:nvSpPr>
-          <p:cNvPr id="4" name="Text Placeholder 3">
-            <a:extLst>
-              <a:ext uri="{FF2B5EF4-FFF2-40B4-BE49-F238E27FC236}">
-                <a16:creationId xmlns:a16="http://schemas.microsoft.com/office/drawing/2014/main" id="{F7FAE8B8-C71B-46EA-BFD3-5A40DB721AA7}"/>
-              </a:ext>
-            </a:extLst>
-          </p:cNvPr>
-          <p:cNvSpPr>
-            <a:spLocks noGrp="1"/>
-          </p:cNvSpPr>
-          <p:nvPr>
-            <p:ph type="body" sz="quarter" idx="20"/>
-          </p:nvPr>
-        </p:nvSpPr>
-        <p:spPr>
-          <a:xfrm>
-            <a:off x="1066799" y="1570833"/>
-            <a:ext cx="10667998" cy="3646487"/>
-          </a:xfrm>
-        </p:spPr>
-        <p:txBody>
-          <a:bodyPr/>
-          <a:lstStyle/>
-          <a:p>
-            <a:pPr marL="571500" indent="-571500">
-              <a:lnSpc>
-                <a:spcPct val="150000"/>
-              </a:lnSpc>
-              <a:buFont typeface="Arial" panose="020B0604020202020204" pitchFamily="34" charset="0"/>
-              <a:buChar char="•"/>
-            </a:pPr>
-            <a:r>
-              <a:rPr lang="en-US" sz="2800" dirty="0"/>
-              <a:t>Intentional Cache-Misses </a:t>
-            </a:r>
-            <a:r>
-              <a:rPr lang="en-US" sz="2800" dirty="0">
-                <a:latin typeface="Sherman Sans Book"/>
-              </a:rPr>
-              <a:t>⇨</a:t>
-            </a:r>
-            <a:r>
-              <a:rPr lang="en-US" sz="2800" dirty="0"/>
-              <a:t> Make program access memory</a:t>
-            </a:r>
-          </a:p>
-          <a:p>
-            <a:pPr marL="571500" indent="-571500">
-              <a:lnSpc>
-                <a:spcPct val="150000"/>
-              </a:lnSpc>
-              <a:buFont typeface="Arial" panose="020B0604020202020204" pitchFamily="34" charset="0"/>
-              <a:buChar char="•"/>
-            </a:pPr>
-            <a:r>
-              <a:rPr lang="en-US" sz="2800" dirty="0"/>
-              <a:t>Time, trace, access patterns</a:t>
-            </a:r>
-          </a:p>
-          <a:p>
-            <a:pPr marL="571500" indent="-571500">
-              <a:lnSpc>
-                <a:spcPct val="150000"/>
-              </a:lnSpc>
-              <a:buFont typeface="Arial" panose="020B0604020202020204" pitchFamily="34" charset="0"/>
-              <a:buChar char="•"/>
-            </a:pPr>
-            <a:r>
-              <a:rPr lang="en-US" sz="2800" dirty="0" err="1"/>
-              <a:t>Prime+Probe</a:t>
-            </a:r>
-            <a:endParaRPr lang="en-US" sz="2800" dirty="0"/>
-          </a:p>
-          <a:p>
-            <a:pPr marL="1028700" lvl="1" indent="-571500">
-              <a:buFont typeface="Arial" panose="020B0604020202020204" pitchFamily="34" charset="0"/>
-              <a:buChar char="•"/>
-            </a:pPr>
-            <a:r>
-              <a:rPr lang="en-US" sz="2000" dirty="0">
-                <a:latin typeface="Sherman Sans Book"/>
-              </a:rPr>
-              <a:t>Prime: attacker executes conflicting cache lines ⇨ cache miss</a:t>
-            </a:r>
-          </a:p>
-          <a:p>
-            <a:pPr marL="1028700" lvl="1" indent="-571500">
-              <a:buFont typeface="Arial" panose="020B0604020202020204" pitchFamily="34" charset="0"/>
-              <a:buChar char="•"/>
-            </a:pPr>
-            <a:r>
-              <a:rPr lang="en-US" sz="2000" dirty="0">
-                <a:latin typeface="Sherman Sans Book"/>
-              </a:rPr>
-              <a:t>Probe: executing all the cache lines and measuring execution time</a:t>
-            </a:r>
-          </a:p>
-        </p:txBody>
-      </p:sp>
+      <mc:AlternateContent xmlns:mc="http://schemas.openxmlformats.org/markup-compatibility/2006">
+        <mc:Choice xmlns:a14="http://schemas.microsoft.com/office/drawing/2010/main" Requires="a14">
+          <p:sp>
+            <p:nvSpPr>
+              <p:cNvPr id="4" name="Text Placeholder 3">
+                <a:extLst>
+                  <a:ext uri="{FF2B5EF4-FFF2-40B4-BE49-F238E27FC236}">
+                    <a16:creationId xmlns:a16="http://schemas.microsoft.com/office/drawing/2014/main" id="{F7FAE8B8-C71B-46EA-BFD3-5A40DB721AA7}"/>
+                  </a:ext>
+                </a:extLst>
+              </p:cNvPr>
+              <p:cNvSpPr>
+                <a:spLocks noGrp="1"/>
+              </p:cNvSpPr>
+              <p:nvPr>
+                <p:ph type="body" sz="quarter" idx="20"/>
+              </p:nvPr>
+            </p:nvSpPr>
+            <p:spPr>
+              <a:xfrm>
+                <a:off x="1066799" y="1570833"/>
+                <a:ext cx="10667998" cy="3646487"/>
+              </a:xfrm>
+            </p:spPr>
+            <p:txBody>
+              <a:bodyPr/>
+              <a:lstStyle/>
+              <a:p>
+                <a:pPr marL="571500" indent="-571500">
+                  <a:lnSpc>
+                    <a:spcPct val="100000"/>
+                  </a:lnSpc>
+                  <a:buFont typeface="Arial" panose="020B0604020202020204" pitchFamily="34" charset="0"/>
+                  <a:buChar char="•"/>
+                </a:pPr>
+                <a:r>
+                  <a:rPr lang="en-US" sz="2400" dirty="0">
+                    <a:latin typeface="Sherman Sans Book"/>
+                  </a:rPr>
+                  <a:t>RSA key extraction</a:t>
+                </a:r>
+              </a:p>
+              <a:p>
+                <a:pPr marL="1028700" lvl="1" indent="-571500">
+                  <a:lnSpc>
+                    <a:spcPct val="100000"/>
+                  </a:lnSpc>
+                  <a:buFont typeface="Arial" panose="020B0604020202020204" pitchFamily="34" charset="0"/>
+                  <a:buChar char="•"/>
+                </a:pPr>
+                <a:r>
+                  <a:rPr lang="en-US" sz="2000" dirty="0">
+                    <a:latin typeface="Sherman Sans Book"/>
+                  </a:rPr>
+                  <a:t>Modular exponentiation</a:t>
+                </a:r>
+              </a:p>
+              <a:p>
+                <a:pPr marL="1028700" lvl="1" indent="-571500">
+                  <a:lnSpc>
+                    <a:spcPct val="100000"/>
+                  </a:lnSpc>
+                  <a:buFont typeface="Arial" panose="020B0604020202020204" pitchFamily="34" charset="0"/>
+                  <a:buChar char="•"/>
+                </a:pPr>
+                <a:r>
+                  <a:rPr lang="en-US" sz="2000" dirty="0">
+                    <a:latin typeface="Sherman Sans Book"/>
+                  </a:rPr>
+                  <a:t>Large e, d, and n such that </a:t>
+                </a:r>
+                <a14:m>
+                  <m:oMath xmlns:m="http://schemas.openxmlformats.org/officeDocument/2006/math">
+                    <m:sSup>
+                      <m:sSupPr>
+                        <m:ctrlPr>
+                          <a:rPr lang="en-US" sz="2000" b="0" i="1" smtClean="0">
+                            <a:latin typeface="Cambria Math" panose="02040503050406030204" pitchFamily="18" charset="0"/>
+                          </a:rPr>
+                        </m:ctrlPr>
+                      </m:sSupPr>
+                      <m:e>
+                        <m:sSup>
+                          <m:sSupPr>
+                            <m:ctrlPr>
+                              <a:rPr lang="en-US" sz="2000" i="1">
+                                <a:latin typeface="Cambria Math" panose="02040503050406030204" pitchFamily="18" charset="0"/>
+                              </a:rPr>
+                            </m:ctrlPr>
+                          </m:sSupPr>
+                          <m:e>
+                            <m:r>
+                              <a:rPr lang="en-US" sz="2000" i="1">
+                                <a:latin typeface="Cambria Math" panose="02040503050406030204" pitchFamily="18" charset="0"/>
+                              </a:rPr>
+                              <m:t>(</m:t>
+                            </m:r>
+                            <m:r>
+                              <a:rPr lang="en-US" sz="2000" i="1">
+                                <a:latin typeface="Cambria Math" panose="02040503050406030204" pitchFamily="18" charset="0"/>
+                              </a:rPr>
+                              <m:t>𝑚</m:t>
+                            </m:r>
+                          </m:e>
+                          <m:sup>
+                            <m:r>
+                              <a:rPr lang="en-US" sz="2000" i="1">
+                                <a:latin typeface="Cambria Math" panose="02040503050406030204" pitchFamily="18" charset="0"/>
+                              </a:rPr>
+                              <m:t>𝑒</m:t>
+                            </m:r>
+                          </m:sup>
+                        </m:sSup>
+                        <m:r>
+                          <a:rPr lang="en-US" sz="2000" i="1">
+                            <a:latin typeface="Cambria Math" panose="02040503050406030204" pitchFamily="18" charset="0"/>
+                          </a:rPr>
+                          <m:t>)</m:t>
+                        </m:r>
+                      </m:e>
+                      <m:sup>
+                        <m:r>
+                          <a:rPr lang="en-US" sz="2000" b="0" i="1" smtClean="0">
+                            <a:latin typeface="Cambria Math" panose="02040503050406030204" pitchFamily="18" charset="0"/>
+                          </a:rPr>
+                          <m:t>𝑑</m:t>
+                        </m:r>
+                      </m:sup>
+                    </m:sSup>
+                    <m:r>
+                      <a:rPr lang="en-US" sz="2000" b="0" i="1" smtClean="0">
+                        <a:latin typeface="Cambria Math" panose="02040503050406030204" pitchFamily="18" charset="0"/>
+                        <a:ea typeface="Cambria Math" panose="02040503050406030204" pitchFamily="18" charset="0"/>
+                      </a:rPr>
+                      <m:t>≡</m:t>
+                    </m:r>
+                    <m:r>
+                      <a:rPr lang="en-US" sz="2000" b="0" i="1" smtClean="0">
+                        <a:latin typeface="Cambria Math" panose="02040503050406030204" pitchFamily="18" charset="0"/>
+                        <a:ea typeface="Cambria Math" panose="02040503050406030204" pitchFamily="18" charset="0"/>
+                      </a:rPr>
+                      <m:t>𝑚</m:t>
+                    </m:r>
+                    <m:r>
+                      <a:rPr lang="en-US" sz="2000" b="0" i="1" smtClean="0">
+                        <a:latin typeface="Cambria Math" panose="02040503050406030204" pitchFamily="18" charset="0"/>
+                        <a:ea typeface="Cambria Math" panose="02040503050406030204" pitchFamily="18" charset="0"/>
+                      </a:rPr>
+                      <m:t> </m:t>
+                    </m:r>
+                    <m:d>
+                      <m:dPr>
+                        <m:ctrlPr>
+                          <a:rPr lang="en-US" sz="2000" b="0" i="1" smtClean="0">
+                            <a:latin typeface="Cambria Math" panose="02040503050406030204" pitchFamily="18" charset="0"/>
+                            <a:ea typeface="Cambria Math" panose="02040503050406030204" pitchFamily="18" charset="0"/>
+                          </a:rPr>
+                        </m:ctrlPr>
+                      </m:dPr>
+                      <m:e>
+                        <m:r>
+                          <a:rPr lang="en-US" sz="2000" b="0" i="1" smtClean="0">
+                            <a:latin typeface="Cambria Math" panose="02040503050406030204" pitchFamily="18" charset="0"/>
+                            <a:ea typeface="Cambria Math" panose="02040503050406030204" pitchFamily="18" charset="0"/>
+                          </a:rPr>
+                          <m:t>𝑚𝑜𝑑</m:t>
+                        </m:r>
+                        <m:r>
+                          <a:rPr lang="en-US" sz="2000" b="0" i="1" smtClean="0">
+                            <a:latin typeface="Cambria Math" panose="02040503050406030204" pitchFamily="18" charset="0"/>
+                            <a:ea typeface="Cambria Math" panose="02040503050406030204" pitchFamily="18" charset="0"/>
+                          </a:rPr>
+                          <m:t> </m:t>
+                        </m:r>
+                        <m:r>
+                          <a:rPr lang="en-US" sz="2000" b="0" i="1" smtClean="0">
+                            <a:latin typeface="Cambria Math" panose="02040503050406030204" pitchFamily="18" charset="0"/>
+                            <a:ea typeface="Cambria Math" panose="02040503050406030204" pitchFamily="18" charset="0"/>
+                          </a:rPr>
+                          <m:t>𝑛</m:t>
+                        </m:r>
+                      </m:e>
+                    </m:d>
+                  </m:oMath>
+                </a14:m>
+                <a:endParaRPr lang="en-US" sz="2000" b="0" dirty="0">
+                  <a:latin typeface="Sherman Sans Book"/>
+                  <a:ea typeface="Cambria Math" panose="02040503050406030204" pitchFamily="18" charset="0"/>
+                </a:endParaRPr>
+              </a:p>
+              <a:p>
+                <a:pPr marL="1028700" lvl="1" indent="-571500">
+                  <a:lnSpc>
+                    <a:spcPct val="100000"/>
+                  </a:lnSpc>
+                  <a:buFont typeface="Arial" panose="020B0604020202020204" pitchFamily="34" charset="0"/>
+                  <a:buChar char="•"/>
+                </a:pPr>
+                <a:r>
+                  <a:rPr lang="en-US" sz="2000" dirty="0">
+                    <a:latin typeface="Sherman Sans Book"/>
+                  </a:rPr>
+                  <a:t>Knowing m, e, and n it is extremely difficult to find d</a:t>
+                </a:r>
+              </a:p>
+              <a:p>
+                <a:pPr marL="571500" indent="-571500">
+                  <a:lnSpc>
+                    <a:spcPct val="100000"/>
+                  </a:lnSpc>
+                  <a:buFont typeface="Arial" panose="020B0604020202020204" pitchFamily="34" charset="0"/>
+                  <a:buChar char="•"/>
+                </a:pPr>
+                <a:r>
+                  <a:rPr lang="en-US" sz="2400" dirty="0">
+                    <a:latin typeface="Sherman Sans Book"/>
+                  </a:rPr>
+                  <a:t>Square and multiply</a:t>
+                </a:r>
+              </a:p>
+              <a:p>
+                <a:pPr marL="1028700" lvl="1" indent="-571500">
+                  <a:lnSpc>
+                    <a:spcPct val="100000"/>
+                  </a:lnSpc>
+                  <a:buFont typeface="Arial" panose="020B0604020202020204" pitchFamily="34" charset="0"/>
+                  <a:buChar char="•"/>
+                </a:pPr>
+                <a:r>
+                  <a:rPr lang="en-US" sz="2000" dirty="0">
+                    <a:latin typeface="Sherman Sans Book"/>
+                  </a:rPr>
+                  <a:t>Typical algorithm ⇨ find the exponent</a:t>
+                </a:r>
+              </a:p>
+              <a:p>
+                <a:pPr marL="1028700" lvl="1" indent="-571500">
+                  <a:lnSpc>
+                    <a:spcPct val="100000"/>
+                  </a:lnSpc>
+                  <a:buFont typeface="Arial" panose="020B0604020202020204" pitchFamily="34" charset="0"/>
+                  <a:buChar char="•"/>
+                </a:pPr>
+                <a:r>
+                  <a:rPr lang="en-US" sz="2000" dirty="0">
+                    <a:latin typeface="Sherman Sans Book"/>
+                  </a:rPr>
+                  <a:t>Secret dependent memory accesses</a:t>
+                </a:r>
+              </a:p>
+              <a:p>
+                <a:pPr marL="571500" indent="-571500">
+                  <a:lnSpc>
+                    <a:spcPct val="100000"/>
+                  </a:lnSpc>
+                  <a:buFont typeface="Arial" panose="020B0604020202020204" pitchFamily="34" charset="0"/>
+                  <a:buChar char="•"/>
+                </a:pPr>
+                <a:r>
+                  <a:rPr lang="en-US" sz="2400" dirty="0">
+                    <a:latin typeface="Sherman Sans Book"/>
+                  </a:rPr>
+                  <a:t>Challenges</a:t>
+                </a:r>
+              </a:p>
+              <a:p>
+                <a:pPr marL="1028700" lvl="1" indent="-571500">
+                  <a:lnSpc>
+                    <a:spcPct val="100000"/>
+                  </a:lnSpc>
+                  <a:buFont typeface="Arial" panose="020B0604020202020204" pitchFamily="34" charset="0"/>
+                  <a:buChar char="•"/>
+                </a:pPr>
+                <a:r>
+                  <a:rPr lang="en-US" sz="2000" dirty="0">
+                    <a:latin typeface="Sherman Sans Book"/>
+                  </a:rPr>
+                  <a:t>High precision timer</a:t>
+                </a:r>
+              </a:p>
+              <a:p>
+                <a:pPr marL="1028700" lvl="1" indent="-571500">
+                  <a:lnSpc>
+                    <a:spcPct val="100000"/>
+                  </a:lnSpc>
+                  <a:buFont typeface="Arial" panose="020B0604020202020204" pitchFamily="34" charset="0"/>
+                  <a:buChar char="•"/>
+                </a:pPr>
+                <a:r>
+                  <a:rPr lang="en-US" sz="2000" dirty="0">
+                    <a:latin typeface="Sherman Sans Book"/>
+                  </a:rPr>
+                  <a:t>Eviction set generation</a:t>
+                </a:r>
+              </a:p>
+            </p:txBody>
+          </p:sp>
+        </mc:Choice>
+        <mc:Fallback>
+          <p:sp>
+            <p:nvSpPr>
+              <p:cNvPr id="4" name="Text Placeholder 3">
+                <a:extLst>
+                  <a:ext uri="{FF2B5EF4-FFF2-40B4-BE49-F238E27FC236}">
+                    <a16:creationId xmlns:a16="http://schemas.microsoft.com/office/drawing/2014/main" id="{F7FAE8B8-C71B-46EA-BFD3-5A40DB721AA7}"/>
+                  </a:ext>
+                </a:extLst>
+              </p:cNvPr>
+              <p:cNvSpPr>
+                <a:spLocks noGrp="1" noRot="1" noChangeAspect="1" noMove="1" noResize="1" noEditPoints="1" noAdjustHandles="1" noChangeArrowheads="1" noChangeShapeType="1" noTextEdit="1"/>
+              </p:cNvSpPr>
+              <p:nvPr>
+                <p:ph type="body" sz="quarter" idx="20"/>
+              </p:nvPr>
+            </p:nvSpPr>
+            <p:spPr>
+              <a:xfrm>
+                <a:off x="1066799" y="1570833"/>
+                <a:ext cx="10667998" cy="3646487"/>
+              </a:xfrm>
+              <a:blipFill>
+                <a:blip r:embed="rId2"/>
+                <a:stretch>
+                  <a:fillRect l="-743" t="-1338" b="-13378"/>
+                </a:stretch>
+              </a:blipFill>
+            </p:spPr>
+            <p:txBody>
+              <a:bodyPr/>
+              <a:lstStyle/>
+              <a:p>
+                <a:r>
+                  <a:rPr lang="en-US">
+                    <a:noFill/>
+                  </a:rPr>
+                  <a:t> </a:t>
+                </a:r>
+              </a:p>
+            </p:txBody>
+          </p:sp>
+        </mc:Fallback>
+      </mc:AlternateContent>
       <p:sp>
         <p:nvSpPr>
           <p:cNvPr id="5" name="Content Placeholder 4">
@@ -11719,10 +11480,10 @@
       </p:sp>
       <p:pic>
         <p:nvPicPr>
-          <p:cNvPr id="7" name="Picture 6">
+          <p:cNvPr id="9" name="Picture 8">
             <a:extLst>
               <a:ext uri="{FF2B5EF4-FFF2-40B4-BE49-F238E27FC236}">
-                <a16:creationId xmlns:a16="http://schemas.microsoft.com/office/drawing/2014/main" id="{0DDBBDF9-F951-4A20-AFB3-553EA8FE9F33}"/>
+                <a16:creationId xmlns:a16="http://schemas.microsoft.com/office/drawing/2014/main" id="{7E998345-CA11-4104-9A49-E4A988DE3EC8}"/>
               </a:ext>
             </a:extLst>
           </p:cNvPr>
@@ -11732,15 +11493,75 @@
           <p:nvPr/>
         </p:nvPicPr>
         <p:blipFill>
-          <a:blip r:embed="rId2"/>
+          <a:blip r:embed="rId3"/>
           <a:stretch>
             <a:fillRect/>
           </a:stretch>
         </p:blipFill>
         <p:spPr>
           <a:xfrm>
-            <a:off x="3727939" y="4544664"/>
-            <a:ext cx="4953777" cy="1647775"/>
+            <a:off x="6096000" y="4354043"/>
+            <a:ext cx="5779133" cy="1762793"/>
+          </a:xfrm>
+          <a:prstGeom prst="rect">
+            <a:avLst/>
+          </a:prstGeom>
+        </p:spPr>
+      </p:pic>
+      <p:pic>
+        <p:nvPicPr>
+          <p:cNvPr id="10" name="Picture 9">
+            <a:extLst>
+              <a:ext uri="{FF2B5EF4-FFF2-40B4-BE49-F238E27FC236}">
+                <a16:creationId xmlns:a16="http://schemas.microsoft.com/office/drawing/2014/main" id="{8F48A6FB-BBC1-4CFF-89BE-7D2ECCA210EA}"/>
+              </a:ext>
+            </a:extLst>
+          </p:cNvPr>
+          <p:cNvPicPr>
+            <a:picLocks noChangeAspect="1"/>
+          </p:cNvPicPr>
+          <p:nvPr/>
+        </p:nvPicPr>
+        <p:blipFill>
+          <a:blip r:embed="rId4"/>
+          <a:stretch>
+            <a:fillRect/>
+          </a:stretch>
+        </p:blipFill>
+        <p:spPr>
+          <a:xfrm>
+            <a:off x="8335108" y="950662"/>
+            <a:ext cx="3540025" cy="1609103"/>
+          </a:xfrm>
+          <a:prstGeom prst="rect">
+            <a:avLst/>
+          </a:prstGeom>
+        </p:spPr>
+      </p:pic>
+      <p:pic>
+        <p:nvPicPr>
+          <p:cNvPr id="11" name="Picture 10">
+            <a:extLst>
+              <a:ext uri="{FF2B5EF4-FFF2-40B4-BE49-F238E27FC236}">
+                <a16:creationId xmlns:a16="http://schemas.microsoft.com/office/drawing/2014/main" id="{6E86C05A-8F3B-4FDA-A18B-435DDC896A55}"/>
+              </a:ext>
+            </a:extLst>
+          </p:cNvPr>
+          <p:cNvPicPr>
+            <a:picLocks noChangeAspect="1"/>
+          </p:cNvPicPr>
+          <p:nvPr/>
+        </p:nvPicPr>
+        <p:blipFill>
+          <a:blip r:embed="rId5"/>
+          <a:stretch>
+            <a:fillRect/>
+          </a:stretch>
+        </p:blipFill>
+        <p:spPr>
+          <a:xfrm>
+            <a:off x="7558330" y="2559765"/>
+            <a:ext cx="4316804" cy="1573931"/>
           </a:xfrm>
           <a:prstGeom prst="rect">
             <a:avLst/>
@@ -11750,7 +11571,7 @@
     </p:spTree>
     <p:extLst>
       <p:ext uri="{BB962C8B-B14F-4D97-AF65-F5344CB8AC3E}">
-        <p14:creationId xmlns:p14="http://schemas.microsoft.com/office/powerpoint/2010/main" val="284886358"/>
+        <p14:creationId xmlns:p14="http://schemas.microsoft.com/office/powerpoint/2010/main" val="2872568845"/>
       </p:ext>
     </p:extLst>
   </p:cSld>
@@ -11866,75 +11687,59 @@
           <a:p>
             <a:pPr marL="571500" indent="-571500">
               <a:lnSpc>
-                <a:spcPct val="150000"/>
+                <a:spcPct val="100000"/>
               </a:lnSpc>
               <a:buFont typeface="Arial" panose="020B0604020202020204" pitchFamily="34" charset="0"/>
               <a:buChar char="•"/>
             </a:pPr>
             <a:r>
               <a:rPr lang="en-US" sz="2800" dirty="0"/>
-              <a:t>Intentional Cache-Misses </a:t>
-            </a:r>
-            <a:r>
-              <a:rPr lang="en-US" sz="2800" dirty="0">
+              <a:t>Basic page-fault attack</a:t>
+            </a:r>
+          </a:p>
+          <a:p>
+            <a:pPr marL="1028700" lvl="1" indent="-571500">
+              <a:lnSpc>
+                <a:spcPct val="100000"/>
+              </a:lnSpc>
+              <a:buFont typeface="Arial" panose="020B0604020202020204" pitchFamily="34" charset="0"/>
+              <a:buChar char="•"/>
+            </a:pPr>
+            <a:r>
+              <a:rPr lang="en-US" dirty="0">
                 <a:latin typeface="Sherman Sans Book"/>
               </a:rPr>
-              <a:t>⇨</a:t>
-            </a:r>
-            <a:r>
-              <a:rPr lang="en-US" sz="2800" dirty="0"/>
-              <a:t> Make program access memory</a:t>
-            </a:r>
-          </a:p>
-          <a:p>
-            <a:pPr marL="571500" indent="-571500">
-              <a:lnSpc>
-                <a:spcPct val="150000"/>
+              <a:t>AEX on fault ⇨ base address of faulting page revealed</a:t>
+            </a:r>
+          </a:p>
+          <a:p>
+            <a:pPr marL="1028700" lvl="1" indent="-571500">
+              <a:lnSpc>
+                <a:spcPct val="100000"/>
               </a:lnSpc>
               <a:buFont typeface="Arial" panose="020B0604020202020204" pitchFamily="34" charset="0"/>
               <a:buChar char="•"/>
             </a:pPr>
             <a:r>
-              <a:rPr lang="en-US" sz="2800" dirty="0"/>
-              <a:t>Time, trace, access patterns</a:t>
-            </a:r>
-          </a:p>
-          <a:p>
-            <a:pPr marL="571500" indent="-571500">
-              <a:lnSpc>
-                <a:spcPct val="150000"/>
-              </a:lnSpc>
-              <a:buFont typeface="Arial" panose="020B0604020202020204" pitchFamily="34" charset="0"/>
-              <a:buChar char="•"/>
-            </a:pPr>
-            <a:r>
-              <a:rPr lang="en-US" sz="2800" dirty="0" err="1"/>
-              <a:t>Prime+Probe</a:t>
-            </a:r>
-            <a:endParaRPr lang="en-US" sz="2800" dirty="0"/>
-          </a:p>
-          <a:p>
-            <a:pPr marL="1028700" lvl="1" indent="-571500">
-              <a:buFont typeface="Arial" panose="020B0604020202020204" pitchFamily="34" charset="0"/>
-              <a:buChar char="•"/>
-            </a:pPr>
-            <a:r>
-              <a:rPr lang="en-US" sz="2000" dirty="0">
+              <a:rPr lang="en-US" dirty="0">
                 <a:latin typeface="Sherman Sans Book"/>
               </a:rPr>
-              <a:t>Prime: attacker executes conflicting cache lines ⇨ cache miss</a:t>
+              <a:t>Cause intentional page faults ⇨ obtain page level trace</a:t>
             </a:r>
           </a:p>
           <a:p>
             <a:pPr marL="1028700" lvl="1" indent="-571500">
+              <a:lnSpc>
+                <a:spcPct val="100000"/>
+              </a:lnSpc>
               <a:buFont typeface="Arial" panose="020B0604020202020204" pitchFamily="34" charset="0"/>
               <a:buChar char="•"/>
             </a:pPr>
             <a:r>
-              <a:rPr lang="en-US" sz="2000" dirty="0">
+              <a:rPr lang="en-US" dirty="0">
                 <a:latin typeface="Sherman Sans Book"/>
               </a:rPr>
-              <a:t>Probe: executing all the cache lines and measuring execution time</a:t>
+              <a:t>Monitor a specific page</a:t>
             </a:r>
           </a:p>
         </p:txBody>
@@ -11962,7 +11767,7 @@
           <a:p>
             <a:r>
               <a:rPr lang="en-US" dirty="0"/>
-              <a:t>Cache-Based Attacks</a:t>
+              <a:t>Page Table Based Attacks</a:t>
             </a:r>
           </a:p>
         </p:txBody>
@@ -11997,10 +11802,10 @@
       </p:sp>
       <p:pic>
         <p:nvPicPr>
-          <p:cNvPr id="7" name="Picture 6">
+          <p:cNvPr id="9" name="Picture 8">
             <a:extLst>
               <a:ext uri="{FF2B5EF4-FFF2-40B4-BE49-F238E27FC236}">
-                <a16:creationId xmlns:a16="http://schemas.microsoft.com/office/drawing/2014/main" id="{0DDBBDF9-F951-4A20-AFB3-553EA8FE9F33}"/>
+                <a16:creationId xmlns:a16="http://schemas.microsoft.com/office/drawing/2014/main" id="{9336C86D-394B-48E8-A788-D9382122DFBA}"/>
               </a:ext>
             </a:extLst>
           </p:cNvPr>
@@ -12017,8 +11822,68 @@
         </p:blipFill>
         <p:spPr>
           <a:xfrm>
-            <a:off x="3727939" y="4544664"/>
-            <a:ext cx="4953777" cy="1647775"/>
+            <a:off x="1206705" y="3630352"/>
+            <a:ext cx="4985493" cy="2019984"/>
+          </a:xfrm>
+          <a:prstGeom prst="rect">
+            <a:avLst/>
+          </a:prstGeom>
+        </p:spPr>
+      </p:pic>
+      <p:pic>
+        <p:nvPicPr>
+          <p:cNvPr id="11" name="Picture 10">
+            <a:extLst>
+              <a:ext uri="{FF2B5EF4-FFF2-40B4-BE49-F238E27FC236}">
+                <a16:creationId xmlns:a16="http://schemas.microsoft.com/office/drawing/2014/main" id="{20377DB1-152A-4533-A90C-7C76171A0459}"/>
+              </a:ext>
+            </a:extLst>
+          </p:cNvPr>
+          <p:cNvPicPr>
+            <a:picLocks noChangeAspect="1"/>
+          </p:cNvPicPr>
+          <p:nvPr/>
+        </p:nvPicPr>
+        <p:blipFill>
+          <a:blip r:embed="rId3"/>
+          <a:stretch>
+            <a:fillRect/>
+          </a:stretch>
+        </p:blipFill>
+        <p:spPr>
+          <a:xfrm>
+            <a:off x="6649401" y="3684229"/>
+            <a:ext cx="4111371" cy="2009876"/>
+          </a:xfrm>
+          <a:prstGeom prst="rect">
+            <a:avLst/>
+          </a:prstGeom>
+        </p:spPr>
+      </p:pic>
+      <p:pic>
+        <p:nvPicPr>
+          <p:cNvPr id="13" name="Picture 12">
+            <a:extLst>
+              <a:ext uri="{FF2B5EF4-FFF2-40B4-BE49-F238E27FC236}">
+                <a16:creationId xmlns:a16="http://schemas.microsoft.com/office/drawing/2014/main" id="{8FF8144C-6A5F-448A-AF81-04CD7B4A18F7}"/>
+              </a:ext>
+            </a:extLst>
+          </p:cNvPr>
+          <p:cNvPicPr>
+            <a:picLocks noChangeAspect="1"/>
+          </p:cNvPicPr>
+          <p:nvPr/>
+        </p:nvPicPr>
+        <p:blipFill>
+          <a:blip r:embed="rId4"/>
+          <a:stretch>
+            <a:fillRect/>
+          </a:stretch>
+        </p:blipFill>
+        <p:spPr>
+          <a:xfrm>
+            <a:off x="8922448" y="1043230"/>
+            <a:ext cx="3269552" cy="1467695"/>
           </a:xfrm>
           <a:prstGeom prst="rect">
             <a:avLst/>
@@ -12028,7 +11893,7 @@
     </p:spTree>
     <p:extLst>
       <p:ext uri="{BB962C8B-B14F-4D97-AF65-F5344CB8AC3E}">
-        <p14:creationId xmlns:p14="http://schemas.microsoft.com/office/powerpoint/2010/main" val="274136773"/>
+        <p14:creationId xmlns:p14="http://schemas.microsoft.com/office/powerpoint/2010/main" val="81562761"/>
       </p:ext>
     </p:extLst>
   </p:cSld>
@@ -12063,7 +11928,7 @@
           <p:cNvPr id="2" name="Slide Number Placeholder 1">
             <a:extLst>
               <a:ext uri="{FF2B5EF4-FFF2-40B4-BE49-F238E27FC236}">
-                <a16:creationId xmlns:a16="http://schemas.microsoft.com/office/drawing/2014/main" id="{A5224E1A-EF22-4EC7-83A8-057B0B43110A}"/>
+                <a16:creationId xmlns:a16="http://schemas.microsoft.com/office/drawing/2014/main" id="{E46C32F1-C8C3-4105-89B5-675F81C3EBD7}"/>
               </a:ext>
             </a:extLst>
           </p:cNvPr>
@@ -12093,7 +11958,7 @@
           <p:cNvPr id="3" name="Title 2">
             <a:extLst>
               <a:ext uri="{FF2B5EF4-FFF2-40B4-BE49-F238E27FC236}">
-                <a16:creationId xmlns:a16="http://schemas.microsoft.com/office/drawing/2014/main" id="{AD1FFD4C-DEEC-4293-AD26-82E6976637F8}"/>
+                <a16:creationId xmlns:a16="http://schemas.microsoft.com/office/drawing/2014/main" id="{8CF66B3C-3E59-476B-9F03-70DB9E02E697}"/>
               </a:ext>
             </a:extLst>
           </p:cNvPr>
@@ -12121,7 +11986,7 @@
           <p:cNvPr id="4" name="Text Placeholder 3">
             <a:extLst>
               <a:ext uri="{FF2B5EF4-FFF2-40B4-BE49-F238E27FC236}">
-                <a16:creationId xmlns:a16="http://schemas.microsoft.com/office/drawing/2014/main" id="{67326969-9422-4E13-87F0-8ABCF8DAF426}"/>
+                <a16:creationId xmlns:a16="http://schemas.microsoft.com/office/drawing/2014/main" id="{F7FAE8B8-C71B-46EA-BFD3-5A40DB721AA7}"/>
               </a:ext>
             </a:extLst>
           </p:cNvPr>
@@ -12132,7 +11997,12 @@
             <p:ph type="body" sz="quarter" idx="20"/>
           </p:nvPr>
         </p:nvSpPr>
-        <p:spPr/>
+        <p:spPr>
+          <a:xfrm>
+            <a:off x="1066799" y="1570833"/>
+            <a:ext cx="10667998" cy="3646487"/>
+          </a:xfrm>
+        </p:spPr>
         <p:txBody>
           <a:bodyPr/>
           <a:lstStyle/>
@@ -12141,15 +12011,29 @@
               <a:lnSpc>
                 <a:spcPct val="100000"/>
               </a:lnSpc>
-              <a:spcBef>
-                <a:spcPts val="1200"/>
-              </a:spcBef>
               <a:buFont typeface="Arial" panose="020B0604020202020204" pitchFamily="34" charset="0"/>
               <a:buChar char="•"/>
             </a:pPr>
             <a:r>
-              <a:rPr lang="en-US" sz="2800" dirty="0"/>
-              <a:t>TLB: shared between enclave and non-enclave programs ⇨ with hyperthreading enabled it creates side-channels</a:t>
+              <a:rPr lang="en-US" sz="2400" dirty="0">
+                <a:latin typeface="Sherman Sans Book"/>
+              </a:rPr>
+              <a:t>Problem: page-faults cause a high overhead =&gt; attack detection</a:t>
+            </a:r>
+          </a:p>
+          <a:p>
+            <a:pPr marL="1028700" lvl="1" indent="-571500">
+              <a:lnSpc>
+                <a:spcPct val="100000"/>
+              </a:lnSpc>
+              <a:buFont typeface="Arial" panose="020B0604020202020204" pitchFamily="34" charset="0"/>
+              <a:buChar char="•"/>
+            </a:pPr>
+            <a:r>
+              <a:rPr lang="en-US" sz="2000" dirty="0">
+                <a:latin typeface="Sherman Sans Book"/>
+              </a:rPr>
+              <a:t>Solution: Use page-table access and dirty bits</a:t>
             </a:r>
           </a:p>
           <a:p>
@@ -12157,15 +12041,29 @@
               <a:lnSpc>
                 <a:spcPct val="100000"/>
               </a:lnSpc>
-              <a:spcBef>
-                <a:spcPts val="1200"/>
-              </a:spcBef>
               <a:buFont typeface="Arial" panose="020B0604020202020204" pitchFamily="34" charset="0"/>
               <a:buChar char="•"/>
             </a:pPr>
             <a:r>
-              <a:rPr lang="en-US" sz="2800" dirty="0"/>
-              <a:t>Page faults: visible to OS</a:t>
+              <a:rPr lang="en-US" sz="2400" dirty="0">
+                <a:latin typeface="Sherman Sans Book"/>
+              </a:rPr>
+              <a:t>Problem: TLB caches PTEs and flags are not updated in PT</a:t>
+            </a:r>
+          </a:p>
+          <a:p>
+            <a:pPr marL="1028700" lvl="1" indent="-571500">
+              <a:lnSpc>
+                <a:spcPct val="100000"/>
+              </a:lnSpc>
+              <a:buFont typeface="Arial" panose="020B0604020202020204" pitchFamily="34" charset="0"/>
+              <a:buChar char="•"/>
+            </a:pPr>
+            <a:r>
+              <a:rPr lang="en-US" sz="2000" dirty="0">
+                <a:latin typeface="Sherman Sans Book"/>
+              </a:rPr>
+              <a:t>Solution: Flush TLB using an IPI</a:t>
             </a:r>
           </a:p>
           <a:p>
@@ -12173,15 +12071,29 @@
               <a:lnSpc>
                 <a:spcPct val="100000"/>
               </a:lnSpc>
-              <a:spcBef>
-                <a:spcPts val="1200"/>
-              </a:spcBef>
               <a:buFont typeface="Arial" panose="020B0604020202020204" pitchFamily="34" charset="0"/>
               <a:buChar char="•"/>
             </a:pPr>
             <a:r>
-              <a:rPr lang="en-US" sz="2800" dirty="0"/>
-              <a:t>TLB flushes: on context switch</a:t>
+              <a:rPr lang="en-US" sz="2400" dirty="0">
+                <a:latin typeface="Sherman Sans Book"/>
+              </a:rPr>
+              <a:t>Problem: Lots of IPIs</a:t>
+            </a:r>
+          </a:p>
+          <a:p>
+            <a:pPr marL="1028700" lvl="1" indent="-571500">
+              <a:lnSpc>
+                <a:spcPct val="100000"/>
+              </a:lnSpc>
+              <a:buFont typeface="Arial" panose="020B0604020202020204" pitchFamily="34" charset="0"/>
+              <a:buChar char="•"/>
+            </a:pPr>
+            <a:r>
+              <a:rPr lang="en-US" sz="2000" dirty="0">
+                <a:latin typeface="Sherman Sans Book"/>
+              </a:rPr>
+              <a:t>Solution: Time difference between two repeatedly accessed pages ⇨ one interrupt</a:t>
             </a:r>
           </a:p>
           <a:p>
@@ -12189,47 +12101,41 @@
               <a:lnSpc>
                 <a:spcPct val="100000"/>
               </a:lnSpc>
-              <a:spcBef>
-                <a:spcPts val="1200"/>
-              </a:spcBef>
               <a:buFont typeface="Arial" panose="020B0604020202020204" pitchFamily="34" charset="0"/>
               <a:buChar char="•"/>
             </a:pPr>
             <a:r>
-              <a:rPr lang="en-US" sz="2800" dirty="0"/>
-              <a:t>Page table entry flags</a:t>
-            </a:r>
-          </a:p>
-          <a:p>
-            <a:pPr marL="571500" indent="-571500">
+              <a:rPr lang="en-US" sz="2400" dirty="0">
+                <a:latin typeface="Sherman Sans Book"/>
+              </a:rPr>
+              <a:t>Problem: Still interrupts!</a:t>
+            </a:r>
+          </a:p>
+          <a:p>
+            <a:pPr marL="1028700" lvl="1" indent="-571500">
               <a:lnSpc>
                 <a:spcPct val="100000"/>
               </a:lnSpc>
-              <a:spcBef>
-                <a:spcPts val="1200"/>
-              </a:spcBef>
               <a:buFont typeface="Arial" panose="020B0604020202020204" pitchFamily="34" charset="0"/>
               <a:buChar char="•"/>
             </a:pPr>
             <a:r>
-              <a:rPr lang="en-US" sz="2800" dirty="0"/>
-              <a:t>Enclave memory address beginning and offset are known</a:t>
-            </a:r>
-          </a:p>
-          <a:p>
-            <a:pPr marL="571500" indent="-571500">
-              <a:lnSpc>
-                <a:spcPct val="100000"/>
-              </a:lnSpc>
-              <a:spcBef>
-                <a:spcPts val="1200"/>
-              </a:spcBef>
-              <a:buFont typeface="Arial" panose="020B0604020202020204" pitchFamily="34" charset="0"/>
-              <a:buChar char="•"/>
-            </a:pPr>
-            <a:r>
-              <a:rPr lang="en-US" sz="2800" dirty="0"/>
-              <a:t>Enclave exits (AEX)</a:t>
+              <a:rPr lang="en-US" sz="2000" dirty="0">
+                <a:latin typeface="Sherman Sans Book"/>
+              </a:rPr>
+              <a:t>Solution: TLB is shared between two </a:t>
+            </a:r>
+            <a:r>
+              <a:rPr lang="en-US" sz="2000" dirty="0" err="1">
+                <a:latin typeface="Sherman Sans Book"/>
+              </a:rPr>
+              <a:t>hyperthreads</a:t>
+            </a:r>
+            <a:r>
+              <a:rPr lang="en-US" sz="2000" dirty="0">
+                <a:latin typeface="Sherman Sans Book"/>
+              </a:rPr>
+              <a:t> on same core ⇨ invalidate TLB entries ⇨ no IPIs</a:t>
             </a:r>
           </a:p>
         </p:txBody>
@@ -12239,7 +12145,7 @@
           <p:cNvPr id="5" name="Content Placeholder 4">
             <a:extLst>
               <a:ext uri="{FF2B5EF4-FFF2-40B4-BE49-F238E27FC236}">
-                <a16:creationId xmlns:a16="http://schemas.microsoft.com/office/drawing/2014/main" id="{8C362253-12EB-4E8F-915B-7AEE74DFF4EE}"/>
+                <a16:creationId xmlns:a16="http://schemas.microsoft.com/office/drawing/2014/main" id="{2E22DCB0-34AB-4BB5-9547-3CC5CB475A62}"/>
               </a:ext>
             </a:extLst>
           </p:cNvPr>
@@ -12257,7 +12163,7 @@
           <a:p>
             <a:r>
               <a:rPr lang="en-US" dirty="0"/>
-              <a:t>Points of attack</a:t>
+              <a:t>Page Table Based Attacks</a:t>
             </a:r>
           </a:p>
         </p:txBody>
@@ -12267,7 +12173,7 @@
           <p:cNvPr id="6" name="Text Placeholder 5">
             <a:extLst>
               <a:ext uri="{FF2B5EF4-FFF2-40B4-BE49-F238E27FC236}">
-                <a16:creationId xmlns:a16="http://schemas.microsoft.com/office/drawing/2014/main" id="{942F482C-3A6E-4D79-9EBF-6CDCAD7C2DC9}"/>
+                <a16:creationId xmlns:a16="http://schemas.microsoft.com/office/drawing/2014/main" id="{D88F5258-F7DC-4035-A790-1B01F8C62C30}"/>
               </a:ext>
             </a:extLst>
           </p:cNvPr>
@@ -12293,7 +12199,7 @@
     </p:spTree>
     <p:extLst>
       <p:ext uri="{BB962C8B-B14F-4D97-AF65-F5344CB8AC3E}">
-        <p14:creationId xmlns:p14="http://schemas.microsoft.com/office/powerpoint/2010/main" val="1524703182"/>
+        <p14:creationId xmlns:p14="http://schemas.microsoft.com/office/powerpoint/2010/main" val="1847058682"/>
       </p:ext>
     </p:extLst>
   </p:cSld>

--- a/Presentation/qe2.pptx
+++ b/Presentation/qe2.pptx
@@ -7276,7 +7276,7 @@
                 </a:solidFill>
                 <a:latin typeface="Sherman Sans Book"/>
               </a:rPr>
-              <a:t>Page monitoring attacks</a:t>
+              <a:t>Page table bits monitoring attacks</a:t>
             </a:r>
             <a:endParaRPr lang="fa-IR" sz="2000" dirty="0">
               <a:solidFill>
@@ -10240,32 +10240,6 @@
               <a:t>ECALLs &amp; OCALLs</a:t>
             </a:r>
           </a:p>
-          <a:p>
-            <a:pPr marL="571500" indent="-571500">
-              <a:lnSpc>
-                <a:spcPct val="100000"/>
-              </a:lnSpc>
-              <a:buFont typeface="Arial" panose="020B0604020202020204" pitchFamily="34" charset="0"/>
-              <a:buChar char="•"/>
-            </a:pPr>
-            <a:r>
-              <a:rPr lang="en-US" sz="2400" dirty="0"/>
-              <a:t>TPM: Trusted Platform Module</a:t>
-            </a:r>
-          </a:p>
-          <a:p>
-            <a:pPr marL="571500" indent="-571500">
-              <a:lnSpc>
-                <a:spcPct val="100000"/>
-              </a:lnSpc>
-              <a:buFont typeface="Arial" panose="020B0604020202020204" pitchFamily="34" charset="0"/>
-              <a:buChar char="•"/>
-            </a:pPr>
-            <a:r>
-              <a:rPr lang="en-US" sz="2400" dirty="0"/>
-              <a:t>TXT: Trusted Execution Technology</a:t>
-            </a:r>
-          </a:p>
         </p:txBody>
       </p:sp>
       <p:sp>
@@ -10555,7 +10529,7 @@
               <a:buChar char="•"/>
             </a:pPr>
             <a:r>
-              <a:rPr lang="en-US" sz="1200" dirty="0">
+              <a:rPr lang="en-US" sz="1800" dirty="0">
                 <a:latin typeface="Sherman Sans Book"/>
               </a:rPr>
               <a:t>No stranger has the key</a:t>
@@ -10590,11 +10564,11 @@
             </a:pPr>
             <a:r>
               <a:rPr lang="en-US" sz="2000" dirty="0"/>
-              <a:t>Viewing data transfer between memories and caches</a:t>
-            </a:r>
-          </a:p>
-          <a:p>
-            <a:pPr marL="1257300" lvl="1" indent="-571500">
+              <a:t>Viewing data transfer between memories</a:t>
+            </a:r>
+          </a:p>
+          <a:p>
+            <a:pPr marL="1714500" lvl="2" indent="-571500">
               <a:lnSpc>
                 <a:spcPct val="100000"/>
               </a:lnSpc>
@@ -10605,22 +10579,9 @@
               <a:buChar char="•"/>
             </a:pPr>
             <a:r>
-              <a:rPr lang="en-US" sz="2000" dirty="0"/>
+              <a:rPr lang="en-US" sz="1800" dirty="0"/>
               <a:t>Program pinned to one core, no excessive interrupts, isolated</a:t>
             </a:r>
-          </a:p>
-          <a:p>
-            <a:pPr marL="1143000" lvl="1" indent="-457200">
-              <a:lnSpc>
-                <a:spcPct val="100000"/>
-              </a:lnSpc>
-              <a:spcBef>
-                <a:spcPts val="600"/>
-              </a:spcBef>
-              <a:buFont typeface="Arial" charset="0"/>
-              <a:buChar char="•"/>
-            </a:pPr>
-            <a:endParaRPr lang="en-US" sz="2400" dirty="0"/>
           </a:p>
         </p:txBody>
       </p:sp>
@@ -11330,51 +11291,6 @@
                   <a:t>Secret dependent memory accesses</a:t>
                 </a:r>
               </a:p>
-              <a:p>
-                <a:pPr marL="571500" indent="-571500">
-                  <a:lnSpc>
-                    <a:spcPct val="100000"/>
-                  </a:lnSpc>
-                  <a:buFont typeface="Arial" panose="020B0604020202020204" pitchFamily="34" charset="0"/>
-                  <a:buChar char="•"/>
-                </a:pPr>
-                <a:r>
-                  <a:rPr lang="en-US" sz="2400" dirty="0">
-                    <a:latin typeface="Sherman Sans Book"/>
-                  </a:rPr>
-                  <a:t>Challenges</a:t>
-                </a:r>
-              </a:p>
-              <a:p>
-                <a:pPr marL="1028700" lvl="1" indent="-571500">
-                  <a:lnSpc>
-                    <a:spcPct val="100000"/>
-                  </a:lnSpc>
-                  <a:buFont typeface="Arial" panose="020B0604020202020204" pitchFamily="34" charset="0"/>
-                  <a:buChar char="•"/>
-                </a:pPr>
-                <a:r>
-                  <a:rPr lang="en-US" sz="2000" dirty="0">
-                    <a:latin typeface="Sherman Sans Book"/>
-                  </a:rPr>
-                  <a:t>High precision timer</a:t>
-                </a:r>
-              </a:p>
-              <a:p>
-                <a:pPr marL="1028700" lvl="1" indent="-571500">
-                  <a:lnSpc>
-                    <a:spcPct val="100000"/>
-                  </a:lnSpc>
-                  <a:buFont typeface="Arial" panose="020B0604020202020204" pitchFamily="34" charset="0"/>
-                  <a:buChar char="•"/>
-                </a:pPr>
-                <a:r>
-                  <a:rPr lang="en-US" sz="2000" dirty="0">
-                    <a:latin typeface="Sherman Sans Book"/>
-                  </a:rPr>
-                  <a:t>Eviction set generation</a:t>
-                </a:r>
-              </a:p>
             </p:txBody>
           </p:sp>
         </mc:Choice>
@@ -11403,7 +11319,7 @@
               <a:blipFill>
                 <a:blip r:embed="rId2"/>
                 <a:stretch>
-                  <a:fillRect l="-743" t="-1338" b="-13378"/>
+                  <a:fillRect l="-743" t="-1338"/>
                 </a:stretch>
               </a:blipFill>
             </p:spPr>

--- a/Presentation/qe2.pptx
+++ b/Presentation/qe2.pptx
@@ -5,10 +5,10 @@
     <p:sldMasterId id="2147483648" r:id="rId1"/>
   </p:sldMasterIdLst>
   <p:notesMasterIdLst>
-    <p:notesMasterId r:id="rId24"/>
+    <p:notesMasterId r:id="rId20"/>
   </p:notesMasterIdLst>
   <p:handoutMasterIdLst>
-    <p:handoutMasterId r:id="rId25"/>
+    <p:handoutMasterId r:id="rId21"/>
   </p:handoutMasterIdLst>
   <p:sldIdLst>
     <p:sldId id="268" r:id="rId2"/>
@@ -28,11 +28,7 @@
     <p:sldId id="295" r:id="rId16"/>
     <p:sldId id="296" r:id="rId17"/>
     <p:sldId id="297" r:id="rId18"/>
-    <p:sldId id="279" r:id="rId19"/>
-    <p:sldId id="291" r:id="rId20"/>
-    <p:sldId id="280" r:id="rId21"/>
-    <p:sldId id="282" r:id="rId22"/>
-    <p:sldId id="294" r:id="rId23"/>
+    <p:sldId id="306" r:id="rId19"/>
   </p:sldIdLst>
   <p:sldSz cx="12192000" cy="6858000"/>
   <p:notesSz cx="6858000" cy="9144000"/>
@@ -6628,7 +6624,7 @@
         </p:nvSpPr>
         <p:spPr>
           <a:xfrm>
-            <a:off x="1066802" y="1232692"/>
+            <a:off x="1066800" y="897488"/>
             <a:ext cx="10667998" cy="3646487"/>
           </a:xfrm>
         </p:spPr>
@@ -6791,7 +6787,7 @@
               <a:rPr lang="en-US" sz="2000" dirty="0">
                 <a:latin typeface="Sherman Sans Book"/>
               </a:rPr>
-              <a:t>Déjà vu</a:t>
+              <a:t>Bottom line</a:t>
             </a:r>
           </a:p>
           <a:p>
@@ -6812,7 +6808,25 @@
                 </a:solidFill>
                 <a:latin typeface="Sherman Sans Book"/>
               </a:rPr>
-              <a:t>Page monitoring attacks still effective</a:t>
+              <a:t>Transaction based defenses usually come with high overload and low utilization, and need isolation</a:t>
+            </a:r>
+          </a:p>
+          <a:p>
+            <a:pPr marL="571500" indent="-571500">
+              <a:lnSpc>
+                <a:spcPct val="100000"/>
+              </a:lnSpc>
+              <a:spcBef>
+                <a:spcPts val="600"/>
+              </a:spcBef>
+              <a:buFont typeface="Arial" panose="020B0604020202020204" pitchFamily="34" charset="0"/>
+              <a:buChar char="•"/>
+            </a:pPr>
+            <a:r>
+              <a:rPr lang="en-US" sz="2000" dirty="0">
+                <a:latin typeface="Sherman Sans Book"/>
+              </a:rPr>
+              <a:t>Other methods</a:t>
             </a:r>
           </a:p>
           <a:p>
@@ -6827,31 +6841,13 @@
               <a:buChar char="•"/>
             </a:pPr>
             <a:r>
-              <a:rPr lang="en-US" sz="2000" dirty="0">
+              <a:rPr lang="en-US" sz="1800" dirty="0">
                 <a:solidFill>
                   <a:srgbClr val="3E3D3C"/>
                 </a:solidFill>
                 <a:latin typeface="Sherman Sans Book"/>
               </a:rPr>
-              <a:t>Only works on AEX based attacks</a:t>
-            </a:r>
-          </a:p>
-          <a:p>
-            <a:pPr marL="571500" indent="-571500">
-              <a:lnSpc>
-                <a:spcPct val="100000"/>
-              </a:lnSpc>
-              <a:spcBef>
-                <a:spcPts val="600"/>
-              </a:spcBef>
-              <a:buFont typeface="Arial" panose="020B0604020202020204" pitchFamily="34" charset="0"/>
-              <a:buChar char="•"/>
-            </a:pPr>
-            <a:r>
-              <a:rPr lang="en-US" sz="2000" dirty="0">
-                <a:latin typeface="Sherman Sans Book"/>
-              </a:rPr>
-              <a:t>Bottom line</a:t>
+              <a:t>Attack detection methods ⇨ Unreliable</a:t>
             </a:r>
           </a:p>
           <a:p>
@@ -6866,14 +6862,53 @@
               <a:buChar char="•"/>
             </a:pPr>
             <a:r>
-              <a:rPr lang="en-US" sz="2000" dirty="0">
+              <a:rPr lang="en-US" sz="1800" dirty="0">
                 <a:solidFill>
                   <a:srgbClr val="3E3D3C"/>
                 </a:solidFill>
                 <a:latin typeface="Sherman Sans Book"/>
               </a:rPr>
-              <a:t>Transaction based defenses usually come with high overload and low utilization, and need isolation</a:t>
-            </a:r>
+              <a:t>Shuffling memory ⇨ expensive</a:t>
+            </a:r>
+          </a:p>
+          <a:p>
+            <a:pPr marL="1028700" lvl="1" indent="-571500">
+              <a:lnSpc>
+                <a:spcPct val="100000"/>
+              </a:lnSpc>
+              <a:spcBef>
+                <a:spcPts val="600"/>
+              </a:spcBef>
+              <a:buFont typeface="Arial" panose="020B0604020202020204" pitchFamily="34" charset="0"/>
+              <a:buChar char="•"/>
+            </a:pPr>
+            <a:r>
+              <a:rPr lang="en-US" sz="1800" dirty="0">
+                <a:solidFill>
+                  <a:srgbClr val="3E3D3C"/>
+                </a:solidFill>
+                <a:latin typeface="Sherman Sans Book"/>
+              </a:rPr>
+              <a:t>ORAM (make addresses input-independent) ⇨ expensive</a:t>
+            </a:r>
+          </a:p>
+          <a:p>
+            <a:pPr marL="1028700" lvl="1" indent="-571500">
+              <a:lnSpc>
+                <a:spcPct val="100000"/>
+              </a:lnSpc>
+              <a:spcBef>
+                <a:spcPts val="600"/>
+              </a:spcBef>
+              <a:buFont typeface="Arial" panose="020B0604020202020204" pitchFamily="34" charset="0"/>
+              <a:buChar char="•"/>
+            </a:pPr>
+            <a:endParaRPr lang="en-US" sz="2000" dirty="0">
+              <a:solidFill>
+                <a:srgbClr val="3E3D3C"/>
+              </a:solidFill>
+              <a:latin typeface="Sherman Sans Book"/>
+            </a:endParaRPr>
           </a:p>
           <a:p>
             <a:pPr marL="1028700" lvl="1" indent="-571500">
@@ -7032,7 +7067,7 @@
         </p:nvSpPr>
         <p:spPr>
           <a:xfrm>
-            <a:off x="1066799" y="1166985"/>
+            <a:off x="1066802" y="1017218"/>
             <a:ext cx="10667998" cy="3646487"/>
           </a:xfrm>
         </p:spPr>
@@ -7042,97 +7077,16 @@
           <a:p>
             <a:pPr marL="571500" indent="-571500">
               <a:lnSpc>
-                <a:spcPct val="100000"/>
+                <a:spcPct val="150000"/>
               </a:lnSpc>
               <a:spcBef>
-                <a:spcPts val="600"/>
+                <a:spcPts val="0"/>
               </a:spcBef>
               <a:buFont typeface="Arial" panose="020B0604020202020204" pitchFamily="34" charset="0"/>
               <a:buChar char="•"/>
             </a:pPr>
             <a:r>
-              <a:rPr lang="en-US" sz="2000" dirty="0">
-                <a:latin typeface="Sherman Sans Book"/>
-              </a:rPr>
-              <a:t>Other methods</a:t>
-            </a:r>
-          </a:p>
-          <a:p>
-            <a:pPr marL="1028700" lvl="1" indent="-571500">
-              <a:lnSpc>
-                <a:spcPct val="100000"/>
-              </a:lnSpc>
-              <a:spcBef>
-                <a:spcPts val="600"/>
-              </a:spcBef>
-              <a:buFont typeface="Arial" panose="020B0604020202020204" pitchFamily="34" charset="0"/>
-              <a:buChar char="•"/>
-            </a:pPr>
-            <a:r>
-              <a:rPr lang="en-US" sz="1800" dirty="0">
-                <a:solidFill>
-                  <a:srgbClr val="3E3D3C"/>
-                </a:solidFill>
-                <a:latin typeface="Sherman Sans Book"/>
-              </a:rPr>
-              <a:t>Attack detection methods ⇨ Unreliable</a:t>
-            </a:r>
-          </a:p>
-          <a:p>
-            <a:pPr marL="1028700" lvl="1" indent="-571500">
-              <a:lnSpc>
-                <a:spcPct val="100000"/>
-              </a:lnSpc>
-              <a:spcBef>
-                <a:spcPts val="600"/>
-              </a:spcBef>
-              <a:buFont typeface="Arial" panose="020B0604020202020204" pitchFamily="34" charset="0"/>
-              <a:buChar char="•"/>
-            </a:pPr>
-            <a:r>
-              <a:rPr lang="en-US" sz="1800" dirty="0">
-                <a:solidFill>
-                  <a:srgbClr val="3E3D3C"/>
-                </a:solidFill>
-                <a:latin typeface="Sherman Sans Book"/>
-              </a:rPr>
-              <a:t>Shuffling memory ⇨ expensive</a:t>
-            </a:r>
-          </a:p>
-          <a:p>
-            <a:pPr marL="1028700" lvl="1" indent="-571500">
-              <a:lnSpc>
-                <a:spcPct val="100000"/>
-              </a:lnSpc>
-              <a:spcBef>
-                <a:spcPts val="600"/>
-              </a:spcBef>
-              <a:buFont typeface="Arial" panose="020B0604020202020204" pitchFamily="34" charset="0"/>
-              <a:buChar char="•"/>
-            </a:pPr>
-            <a:r>
-              <a:rPr lang="en-US" sz="1800" dirty="0">
-                <a:solidFill>
-                  <a:srgbClr val="3E3D3C"/>
-                </a:solidFill>
-                <a:latin typeface="Sherman Sans Book"/>
-              </a:rPr>
-              <a:t>ORAM (make addresses input-independent) ⇨ expensive</a:t>
-            </a:r>
-          </a:p>
-          <a:p>
-            <a:pPr marL="571500" indent="-571500">
-              <a:lnSpc>
-                <a:spcPct val="100000"/>
-              </a:lnSpc>
-              <a:spcBef>
-                <a:spcPts val="600"/>
-              </a:spcBef>
-              <a:buFont typeface="Arial" panose="020B0604020202020204" pitchFamily="34" charset="0"/>
-              <a:buChar char="•"/>
-            </a:pPr>
-            <a:r>
-              <a:rPr lang="en-US" sz="2000" dirty="0">
+              <a:rPr lang="en-US" sz="2400" dirty="0">
                 <a:latin typeface="Sherman Sans Book"/>
               </a:rPr>
               <a:t>The perfect solution?</a:t>
@@ -7141,16 +7095,16 @@
           <a:p>
             <a:pPr marL="1028700" lvl="1" indent="-571500">
               <a:lnSpc>
-                <a:spcPct val="100000"/>
+                <a:spcPct val="150000"/>
               </a:lnSpc>
               <a:spcBef>
-                <a:spcPts val="600"/>
+                <a:spcPts val="0"/>
               </a:spcBef>
               <a:buFont typeface="Arial" panose="020B0604020202020204" pitchFamily="34" charset="0"/>
               <a:buChar char="•"/>
             </a:pPr>
             <a:r>
-              <a:rPr lang="en-US" sz="1800" dirty="0">
+              <a:rPr lang="en-US" sz="2000" dirty="0">
                 <a:solidFill>
                   <a:srgbClr val="3E3D3C"/>
                 </a:solidFill>
@@ -7162,16 +7116,16 @@
           <a:p>
             <a:pPr marL="1028700" lvl="1" indent="-571500">
               <a:lnSpc>
-                <a:spcPct val="100000"/>
+                <a:spcPct val="150000"/>
               </a:lnSpc>
               <a:spcBef>
-                <a:spcPts val="600"/>
+                <a:spcPts val="0"/>
               </a:spcBef>
               <a:buFont typeface="Arial" panose="020B0604020202020204" pitchFamily="34" charset="0"/>
               <a:buChar char="•"/>
             </a:pPr>
             <a:r>
-              <a:rPr lang="en-US" sz="1800" dirty="0">
+              <a:rPr lang="en-US" sz="2000" dirty="0">
                 <a:solidFill>
                   <a:srgbClr val="3E3D3C"/>
                 </a:solidFill>
@@ -7183,16 +7137,16 @@
           <a:p>
             <a:pPr marL="1028700" lvl="1" indent="-571500">
               <a:lnSpc>
-                <a:spcPct val="100000"/>
+                <a:spcPct val="150000"/>
               </a:lnSpc>
               <a:spcBef>
-                <a:spcPts val="600"/>
+                <a:spcPts val="0"/>
               </a:spcBef>
               <a:buFont typeface="Arial" panose="020B0604020202020204" pitchFamily="34" charset="0"/>
               <a:buChar char="•"/>
             </a:pPr>
             <a:r>
-              <a:rPr lang="en-US" sz="1800" dirty="0">
+              <a:rPr lang="en-US" sz="2000" dirty="0">
                 <a:solidFill>
                   <a:srgbClr val="3E3D3C"/>
                 </a:solidFill>
@@ -7204,16 +7158,16 @@
           <a:p>
             <a:pPr marL="1028700" lvl="1" indent="-571500">
               <a:lnSpc>
-                <a:spcPct val="100000"/>
+                <a:spcPct val="150000"/>
               </a:lnSpc>
               <a:spcBef>
-                <a:spcPts val="600"/>
+                <a:spcPts val="0"/>
               </a:spcBef>
               <a:buFont typeface="Arial" panose="020B0604020202020204" pitchFamily="34" charset="0"/>
               <a:buChar char="•"/>
             </a:pPr>
             <a:r>
-              <a:rPr lang="en-US" sz="1800" dirty="0">
+              <a:rPr lang="en-US" sz="2000" dirty="0">
                 <a:solidFill>
                   <a:srgbClr val="3E3D3C"/>
                 </a:solidFill>
@@ -7225,16 +7179,16 @@
           <a:p>
             <a:pPr marL="571500" indent="-571500">
               <a:lnSpc>
-                <a:spcPct val="100000"/>
+                <a:spcPct val="150000"/>
               </a:lnSpc>
               <a:spcBef>
-                <a:spcPts val="600"/>
+                <a:spcPts val="0"/>
               </a:spcBef>
               <a:buFont typeface="Arial" panose="020B0604020202020204" pitchFamily="34" charset="0"/>
               <a:buChar char="•"/>
             </a:pPr>
             <a:r>
-              <a:rPr lang="en-US" sz="2000" dirty="0">
+              <a:rPr lang="en-US" sz="2400" dirty="0">
                 <a:latin typeface="Sherman Sans Book"/>
               </a:rPr>
               <a:t>Most of defenses either work on page table based attacks or cache-based attacks</a:t>
@@ -7243,16 +7197,16 @@
           <a:p>
             <a:pPr marL="571500" indent="-571500">
               <a:lnSpc>
-                <a:spcPct val="100000"/>
+                <a:spcPct val="150000"/>
               </a:lnSpc>
               <a:spcBef>
-                <a:spcPts val="600"/>
+                <a:spcPts val="0"/>
               </a:spcBef>
               <a:buFont typeface="Arial" panose="020B0604020202020204" pitchFamily="34" charset="0"/>
               <a:buChar char="•"/>
             </a:pPr>
             <a:r>
-              <a:rPr lang="en-US" sz="2000" dirty="0">
+              <a:rPr lang="en-US" sz="2400" dirty="0">
                 <a:latin typeface="Sherman Sans Book"/>
               </a:rPr>
               <a:t>ORAM performance optimization</a:t>
@@ -7261,24 +7215,24 @@
           <a:p>
             <a:pPr marL="571500" indent="-571500">
               <a:lnSpc>
-                <a:spcPct val="100000"/>
+                <a:spcPct val="150000"/>
               </a:lnSpc>
               <a:spcBef>
-                <a:spcPts val="600"/>
+                <a:spcPts val="0"/>
               </a:spcBef>
               <a:buFont typeface="Arial" panose="020B0604020202020204" pitchFamily="34" charset="0"/>
               <a:buChar char="•"/>
             </a:pPr>
             <a:r>
-              <a:rPr lang="en-US" sz="2000" dirty="0">
+              <a:rPr lang="en-US" sz="2400" dirty="0">
                 <a:solidFill>
                   <a:srgbClr val="3E3D3C"/>
                 </a:solidFill>
                 <a:latin typeface="Sherman Sans Book"/>
               </a:rPr>
-              <a:t>Page table bits monitoring attacks</a:t>
-            </a:r>
-            <a:endParaRPr lang="fa-IR" sz="2000" dirty="0">
+              <a:t>Page table flags monitoring attacks</a:t>
+            </a:r>
+            <a:endParaRPr lang="fa-IR" sz="2400" dirty="0">
               <a:solidFill>
                 <a:srgbClr val="3E3D3C"/>
               </a:solidFill>
@@ -7662,7 +7616,7 @@
         </p:nvSpPr>
         <p:spPr>
           <a:xfrm>
-            <a:off x="1066802" y="944966"/>
+            <a:off x="1066802" y="1261489"/>
             <a:ext cx="10667998" cy="3646487"/>
           </a:xfrm>
         </p:spPr>
@@ -7670,759 +7624,323 @@
           <a:bodyPr/>
           <a:lstStyle/>
           <a:p>
-            <a:r>
-              <a:rPr lang="en-US" sz="1100" dirty="0"/>
-              <a:t>[1] Ferdinand </a:t>
-            </a:r>
-            <a:r>
-              <a:rPr lang="en-US" sz="1100" dirty="0" err="1"/>
+            <a:pPr marL="171450" indent="-171450">
+              <a:buFont typeface="Arial" panose="020B0604020202020204" pitchFamily="34" charset="0"/>
+              <a:buChar char="•"/>
+            </a:pPr>
+            <a:r>
+              <a:rPr lang="en-US" sz="1600" dirty="0"/>
+              <a:t>Michael Schwarz, Samuel Weiser, Daniel </a:t>
+            </a:r>
+            <a:r>
+              <a:rPr lang="en-US" sz="1600" dirty="0" err="1"/>
+              <a:t>Gruss</a:t>
+            </a:r>
+            <a:r>
+              <a:rPr lang="en-US" sz="1600" dirty="0"/>
+              <a:t>, </a:t>
+            </a:r>
+            <a:r>
+              <a:rPr lang="en-US" sz="1600" dirty="0" err="1"/>
+              <a:t>Clémentine</a:t>
+            </a:r>
+            <a:r>
+              <a:rPr lang="en-US" sz="1600" dirty="0"/>
+              <a:t> Maurice, and Stefan </a:t>
+            </a:r>
+            <a:r>
+              <a:rPr lang="en-US" sz="1600" dirty="0" err="1"/>
+              <a:t>Mangard</a:t>
+            </a:r>
+            <a:r>
+              <a:rPr lang="en-US" sz="1600" dirty="0"/>
+              <a:t>. 2017. Malware guard </a:t>
+            </a:r>
+            <a:r>
+              <a:rPr lang="en-US" sz="1600" dirty="0" err="1"/>
+              <a:t>extension:UsingSGXtoconcealcacheattacks.InInternational</a:t>
+            </a:r>
+            <a:r>
+              <a:rPr lang="en-US" sz="1600" dirty="0"/>
+              <a:t> Conference on Detection of Intrusions and Malware, and Vulnerability Assessment.Springer,3–24. </a:t>
+            </a:r>
+          </a:p>
+          <a:p>
+            <a:pPr marL="171450" indent="-171450">
+              <a:buFont typeface="Arial" panose="020B0604020202020204" pitchFamily="34" charset="0"/>
+              <a:buChar char="•"/>
+            </a:pPr>
+            <a:r>
+              <a:rPr lang="en-US" sz="1600" dirty="0"/>
+              <a:t>Ferdinand </a:t>
+            </a:r>
+            <a:r>
+              <a:rPr lang="en-US" sz="1600" dirty="0" err="1"/>
               <a:t>Brasser</a:t>
             </a:r>
             <a:r>
-              <a:rPr lang="en-US" sz="1100" dirty="0"/>
+              <a:rPr lang="en-US" sz="1600" dirty="0"/>
               <a:t>, </a:t>
             </a:r>
             <a:r>
-              <a:rPr lang="en-US" sz="1100" dirty="0" err="1"/>
+              <a:rPr lang="en-US" sz="1600" dirty="0" err="1"/>
+              <a:t>Urs</a:t>
+            </a:r>
+            <a:r>
+              <a:rPr lang="en-US" sz="1600" dirty="0"/>
+              <a:t> </a:t>
+            </a:r>
+            <a:r>
+              <a:rPr lang="en-US" sz="1600" dirty="0" err="1"/>
+              <a:t>Mu¨ller</a:t>
+            </a:r>
+            <a:r>
+              <a:rPr lang="en-US" sz="1600" dirty="0"/>
+              <a:t>, Alexandra </a:t>
+            </a:r>
+            <a:r>
+              <a:rPr lang="en-US" sz="1600" dirty="0" err="1"/>
+              <a:t>Dmitrienko</a:t>
+            </a:r>
+            <a:r>
+              <a:rPr lang="en-US" sz="1600" dirty="0"/>
+              <a:t>, Kari </a:t>
+            </a:r>
+            <a:r>
+              <a:rPr lang="en-US" sz="1600" dirty="0" err="1"/>
+              <a:t>Kostiainen</a:t>
+            </a:r>
+            <a:r>
+              <a:rPr lang="en-US" sz="1600" dirty="0"/>
+              <a:t>, </a:t>
+            </a:r>
+            <a:r>
+              <a:rPr lang="en-US" sz="1600" dirty="0" err="1"/>
               <a:t>Srdjan</a:t>
             </a:r>
             <a:r>
-              <a:rPr lang="en-US" sz="1100" dirty="0"/>
+              <a:rPr lang="en-US" sz="1600" dirty="0"/>
               <a:t> </a:t>
             </a:r>
             <a:r>
-              <a:rPr lang="en-US" sz="1100" dirty="0" err="1"/>
+              <a:rPr lang="en-US" sz="1600" dirty="0" err="1"/>
               <a:t>Capkun</a:t>
             </a:r>
             <a:r>
-              <a:rPr lang="en-US" sz="1100" dirty="0"/>
-              <a:t>, Alexandra </a:t>
-            </a:r>
-            <a:r>
-              <a:rPr lang="en-US" sz="1100" dirty="0" err="1"/>
-              <a:t>Dmitrienko</a:t>
-            </a:r>
-            <a:r>
-              <a:rPr lang="en-US" sz="1100" dirty="0"/>
-              <a:t>, Tommaso </a:t>
-            </a:r>
-            <a:r>
-              <a:rPr lang="en-US" sz="1100" dirty="0" err="1"/>
-              <a:t>Frassetto</a:t>
-            </a:r>
-            <a:r>
-              <a:rPr lang="en-US" sz="1100" dirty="0"/>
-              <a:t>, Kari </a:t>
-            </a:r>
-            <a:r>
-              <a:rPr lang="en-US" sz="1100" dirty="0" err="1"/>
-              <a:t>Kostiainen</a:t>
-            </a:r>
-            <a:r>
-              <a:rPr lang="en-US" sz="1100" dirty="0"/>
+              <a:rPr lang="en-US" sz="1600" dirty="0"/>
+              <a:t>, and </a:t>
+            </a:r>
+            <a:r>
+              <a:rPr lang="en-US" sz="1600" dirty="0" err="1"/>
+              <a:t>AhmadReza</a:t>
+            </a:r>
+            <a:r>
+              <a:rPr lang="en-US" sz="1600" dirty="0"/>
+              <a:t> Sadeghi. 2017. Software grand exposure: SGX cache attacks are practical. </a:t>
+            </a:r>
+            <a:r>
+              <a:rPr lang="en-US" sz="1600" dirty="0" err="1"/>
+              <a:t>arXiv</a:t>
+            </a:r>
+            <a:r>
+              <a:rPr lang="en-US" sz="1600" dirty="0"/>
+              <a:t> preprint arXiv:1702.07521 (2017), 33.</a:t>
+            </a:r>
+          </a:p>
+          <a:p>
+            <a:pPr marL="171450" indent="-171450">
+              <a:buFont typeface="Arial" panose="020B0604020202020204" pitchFamily="34" charset="0"/>
+              <a:buChar char="•"/>
+            </a:pPr>
+            <a:r>
+              <a:rPr lang="en-US" sz="1600" dirty="0"/>
+              <a:t>Daniel </a:t>
+            </a:r>
+            <a:r>
+              <a:rPr lang="en-US" sz="1600" dirty="0" err="1"/>
+              <a:t>Gruss</a:t>
+            </a:r>
+            <a:r>
+              <a:rPr lang="en-US" sz="1600" dirty="0"/>
+              <a:t>, Julian </a:t>
+            </a:r>
+            <a:r>
+              <a:rPr lang="en-US" sz="1600" dirty="0" err="1"/>
+              <a:t>Lettner</a:t>
+            </a:r>
+            <a:r>
+              <a:rPr lang="en-US" sz="1600" dirty="0"/>
+              <a:t>, Felix Schuster, </a:t>
+            </a:r>
+            <a:r>
+              <a:rPr lang="en-US" sz="1600" dirty="0" err="1"/>
+              <a:t>Olya</a:t>
+            </a:r>
+            <a:r>
+              <a:rPr lang="en-US" sz="1600" dirty="0"/>
+              <a:t> </a:t>
+            </a:r>
+            <a:r>
+              <a:rPr lang="en-US" sz="1600" dirty="0" err="1"/>
+              <a:t>Ohrimenko</a:t>
+            </a:r>
+            <a:r>
+              <a:rPr lang="en-US" sz="1600" dirty="0"/>
+              <a:t>, Istvan Haller, and Manuel Costa. 2017. Strong and efficient cache side-channel protection using hardware transactional memory. In USENIX Security Symposium.</a:t>
+            </a:r>
+          </a:p>
+          <a:p>
+            <a:pPr marL="171450" indent="-171450">
+              <a:buFont typeface="Arial" panose="020B0604020202020204" pitchFamily="34" charset="0"/>
+              <a:buChar char="•"/>
+            </a:pPr>
+            <a:r>
+              <a:rPr lang="en-US" sz="1600" dirty="0"/>
+              <a:t>Ming-Wei Shih, </a:t>
+            </a:r>
+            <a:r>
+              <a:rPr lang="en-US" sz="1600" dirty="0" err="1"/>
+              <a:t>Sangho</a:t>
+            </a:r>
+            <a:r>
+              <a:rPr lang="en-US" sz="1600" dirty="0"/>
+              <a:t> Lee, </a:t>
+            </a:r>
+            <a:r>
+              <a:rPr lang="en-US" sz="1600" dirty="0" err="1"/>
+              <a:t>Taesoo</a:t>
+            </a:r>
+            <a:r>
+              <a:rPr lang="en-US" sz="1600" dirty="0"/>
+              <a:t> Kim, and Marcus </a:t>
+            </a:r>
+            <a:r>
+              <a:rPr lang="en-US" sz="1600" dirty="0" err="1"/>
+              <a:t>Peinado</a:t>
+            </a:r>
+            <a:r>
+              <a:rPr lang="en-US" sz="1600" dirty="0"/>
+              <a:t>. 2017. T-SGX: Eradicating controlled channel attacks against enclave programs. In Proceedings of the 2017 Annual Network and Distributed System Security Symposium (NDSS), San Diego, CA.</a:t>
+            </a:r>
+          </a:p>
+          <a:p>
+            <a:pPr marL="171450" indent="-171450">
+              <a:buFont typeface="Arial" panose="020B0604020202020204" pitchFamily="34" charset="0"/>
+              <a:buChar char="•"/>
+            </a:pPr>
+            <a:r>
+              <a:rPr lang="en-US" sz="1600" dirty="0"/>
+              <a:t>Jo Van </a:t>
+            </a:r>
+            <a:r>
+              <a:rPr lang="en-US" sz="1600" dirty="0" err="1"/>
+              <a:t>Bulck</a:t>
+            </a:r>
+            <a:r>
+              <a:rPr lang="en-US" sz="1600" dirty="0"/>
+              <a:t>, Nico </a:t>
+            </a:r>
+            <a:r>
+              <a:rPr lang="en-US" sz="1600" dirty="0" err="1"/>
+              <a:t>Weichbrodt</a:t>
+            </a:r>
+            <a:r>
+              <a:rPr lang="en-US" sz="1600" dirty="0"/>
               <a:t>, </a:t>
             </a:r>
             <a:r>
-              <a:rPr lang="en-US" sz="1100" dirty="0" err="1"/>
-              <a:t>Urs</a:t>
-            </a:r>
-            <a:r>
-              <a:rPr lang="en-US" sz="1100" dirty="0"/>
+              <a:rPr lang="en-US" sz="1600" dirty="0" err="1"/>
+              <a:t>Ru¨diger</a:t>
+            </a:r>
+            <a:r>
+              <a:rPr lang="en-US" sz="1600" dirty="0"/>
               <a:t> </a:t>
             </a:r>
             <a:r>
-              <a:rPr lang="en-US" sz="1100" dirty="0" err="1"/>
-              <a:t>Mu¨ller</a:t>
-            </a:r>
-            <a:r>
-              <a:rPr lang="en-US" sz="1100" dirty="0"/>
-              <a:t>, and Ahmad-Reza Sadeghi. 2017. DR. SGX: Hardening SGX Enclaves against Cache Attacks with Data Location Randomization. </a:t>
-            </a:r>
-            <a:r>
-              <a:rPr lang="en-US" sz="1100" dirty="0" err="1"/>
-              <a:t>arXiv</a:t>
-            </a:r>
-            <a:r>
-              <a:rPr lang="en-US" sz="1100" dirty="0"/>
-              <a:t> preprint arXiv:1709.09917 (2017). </a:t>
-            </a:r>
-            <a:br>
-              <a:rPr lang="en-US" sz="1100" dirty="0"/>
-            </a:br>
-            <a:r>
-              <a:rPr lang="en-US" sz="1100" dirty="0"/>
-              <a:t>[2] Ferdinand </a:t>
-            </a:r>
-            <a:r>
-              <a:rPr lang="en-US" sz="1100" dirty="0" err="1"/>
-              <a:t>Brasser</a:t>
-            </a:r>
-            <a:r>
-              <a:rPr lang="en-US" sz="1100" dirty="0"/>
+              <a:rPr lang="en-US" sz="1600" dirty="0" err="1"/>
+              <a:t>Kapitza</a:t>
+            </a:r>
+            <a:r>
+              <a:rPr lang="en-US" sz="1600" dirty="0"/>
+              <a:t>, Frank </a:t>
+            </a:r>
+            <a:r>
+              <a:rPr lang="en-US" sz="1600" dirty="0" err="1"/>
+              <a:t>Piessens</a:t>
+            </a:r>
+            <a:r>
+              <a:rPr lang="en-US" sz="1600" dirty="0"/>
+              <a:t>, and Raoul </a:t>
+            </a:r>
+            <a:r>
+              <a:rPr lang="en-US" sz="1600" dirty="0" err="1"/>
+              <a:t>Strackx</a:t>
+            </a:r>
+            <a:r>
+              <a:rPr lang="en-US" sz="1600" dirty="0"/>
+              <a:t>. 2017. Telling your secrets without page faults: Stealthy page table-based attacks on enclaved execution. In Proceedings of the 26th USENIX Security Symposium. USENIX Association.</a:t>
+            </a:r>
+          </a:p>
+          <a:p>
+            <a:pPr marL="171450" indent="-171450">
+              <a:buFont typeface="Arial" panose="020B0604020202020204" pitchFamily="34" charset="0"/>
+              <a:buChar char="•"/>
+            </a:pPr>
+            <a:r>
+              <a:rPr lang="en-US" sz="1600" dirty="0" err="1"/>
+              <a:t>Wenhao</a:t>
+            </a:r>
+            <a:r>
+              <a:rPr lang="en-US" sz="1600" dirty="0"/>
+              <a:t> Wang, </a:t>
+            </a:r>
+            <a:r>
+              <a:rPr lang="en-US" sz="1600" dirty="0" err="1"/>
+              <a:t>Guoxing</a:t>
+            </a:r>
+            <a:r>
+              <a:rPr lang="en-US" sz="1600" dirty="0"/>
+              <a:t> Chen, </a:t>
+            </a:r>
+            <a:r>
+              <a:rPr lang="en-US" sz="1600" dirty="0" err="1"/>
+              <a:t>Xiaorui</a:t>
+            </a:r>
+            <a:r>
+              <a:rPr lang="en-US" sz="1600" dirty="0"/>
+              <a:t> Pan, </a:t>
+            </a:r>
+            <a:r>
+              <a:rPr lang="en-US" sz="1600" dirty="0" err="1"/>
+              <a:t>Yinqian</a:t>
+            </a:r>
+            <a:r>
+              <a:rPr lang="en-US" sz="1600" dirty="0"/>
+              <a:t> Zhang, </a:t>
+            </a:r>
+            <a:r>
+              <a:rPr lang="en-US" sz="1600" dirty="0" err="1"/>
+              <a:t>Xiaofeng</a:t>
+            </a:r>
+            <a:r>
+              <a:rPr lang="en-US" sz="1600" dirty="0"/>
+              <a:t> Wang, Vincent </a:t>
+            </a:r>
+            <a:r>
+              <a:rPr lang="en-US" sz="1600" dirty="0" err="1"/>
+              <a:t>Bindschaedler</a:t>
+            </a:r>
+            <a:r>
+              <a:rPr lang="en-US" sz="1600" dirty="0"/>
               <a:t>, </a:t>
             </a:r>
             <a:r>
-              <a:rPr lang="en-US" sz="1100" dirty="0" err="1"/>
-              <a:t>Urs</a:t>
-            </a:r>
-            <a:r>
-              <a:rPr lang="en-US" sz="1100" dirty="0"/>
-              <a:t> </a:t>
-            </a:r>
-            <a:r>
-              <a:rPr lang="en-US" sz="1100" dirty="0" err="1"/>
-              <a:t>Mu¨ller</a:t>
-            </a:r>
-            <a:r>
-              <a:rPr lang="en-US" sz="1100" dirty="0"/>
-              <a:t>, Alexandra </a:t>
-            </a:r>
-            <a:r>
-              <a:rPr lang="en-US" sz="1100" dirty="0" err="1"/>
-              <a:t>Dmitrienko</a:t>
-            </a:r>
-            <a:r>
-              <a:rPr lang="en-US" sz="1100" dirty="0"/>
-              <a:t>, Kari </a:t>
-            </a:r>
-            <a:r>
-              <a:rPr lang="en-US" sz="1100" dirty="0" err="1"/>
-              <a:t>Kostiainen</a:t>
-            </a:r>
-            <a:r>
-              <a:rPr lang="en-US" sz="1100" dirty="0"/>
-              <a:t>, </a:t>
-            </a:r>
-            <a:r>
-              <a:rPr lang="en-US" sz="1100" dirty="0" err="1"/>
-              <a:t>Srdjan</a:t>
-            </a:r>
-            <a:r>
-              <a:rPr lang="en-US" sz="1100" dirty="0"/>
-              <a:t> </a:t>
-            </a:r>
-            <a:r>
-              <a:rPr lang="en-US" sz="1100" dirty="0" err="1"/>
-              <a:t>Capkun</a:t>
-            </a:r>
-            <a:r>
-              <a:rPr lang="en-US" sz="1100" dirty="0"/>
-              <a:t>, and </a:t>
-            </a:r>
-            <a:r>
-              <a:rPr lang="en-US" sz="1100" dirty="0" err="1"/>
-              <a:t>AhmadReza</a:t>
-            </a:r>
-            <a:r>
-              <a:rPr lang="en-US" sz="1100" dirty="0"/>
-              <a:t> Sadeghi. 2017. Software grand exposure: SGX cache attacks are practical. </a:t>
-            </a:r>
-            <a:r>
-              <a:rPr lang="en-US" sz="1100" dirty="0" err="1"/>
-              <a:t>arXiv</a:t>
-            </a:r>
-            <a:r>
-              <a:rPr lang="en-US" sz="1100" dirty="0"/>
-              <a:t> preprint arXiv:1702.07521 (2017), 33.</a:t>
-            </a:r>
-            <a:br>
-              <a:rPr lang="en-US" sz="1100" dirty="0"/>
-            </a:br>
-            <a:r>
-              <a:rPr lang="en-US" sz="1100" dirty="0"/>
-              <a:t>[3] </a:t>
-            </a:r>
-            <a:r>
-              <a:rPr lang="en-US" sz="1100" dirty="0" err="1"/>
-              <a:t>Sanchuan</a:t>
-            </a:r>
-            <a:r>
-              <a:rPr lang="en-US" sz="1100" dirty="0"/>
-              <a:t> Chen, </a:t>
-            </a:r>
-            <a:r>
-              <a:rPr lang="en-US" sz="1100" dirty="0" err="1"/>
-              <a:t>Xiaokuan</a:t>
-            </a:r>
-            <a:r>
-              <a:rPr lang="en-US" sz="1100" dirty="0"/>
-              <a:t> Zhang, Michael K Reiter, and </a:t>
-            </a:r>
-            <a:r>
-              <a:rPr lang="en-US" sz="1100" dirty="0" err="1"/>
-              <a:t>Yinqian</a:t>
-            </a:r>
-            <a:r>
-              <a:rPr lang="en-US" sz="1100" dirty="0"/>
-              <a:t> Zhang. 2017. Detecting privileged side-channel attacks in shielded execution with </a:t>
-            </a:r>
-            <a:r>
-              <a:rPr lang="en-US" sz="1100" dirty="0" err="1"/>
-              <a:t>D´ej´a</a:t>
-            </a:r>
-            <a:r>
-              <a:rPr lang="en-US" sz="1100" dirty="0"/>
-              <a:t> Vu. In Proceedings of the 2017 ACM on Asia Conference on Computer and Communications Security. ACM, 7–18.</a:t>
-            </a:r>
-            <a:br>
-              <a:rPr lang="en-US" sz="1100" dirty="0"/>
-            </a:br>
-            <a:r>
-              <a:rPr lang="en-US" sz="1100" dirty="0"/>
-              <a:t>[4] Oded </a:t>
-            </a:r>
-            <a:r>
-              <a:rPr lang="en-US" sz="1100" dirty="0" err="1"/>
-              <a:t>Goldreich</a:t>
-            </a:r>
-            <a:r>
-              <a:rPr lang="en-US" sz="1100" dirty="0"/>
-              <a:t>. 1987. Towards a theory of software protection and simulation by oblivious RAMs. In Proceedings of the nineteenth annual ACM symposium on Theory of computing. ACM, 182–194.</a:t>
-            </a:r>
-            <a:br>
-              <a:rPr lang="en-US" sz="1100" dirty="0"/>
-            </a:br>
-            <a:r>
-              <a:rPr lang="en-US" sz="1100" dirty="0"/>
-              <a:t>[5] Oded </a:t>
-            </a:r>
-            <a:r>
-              <a:rPr lang="en-US" sz="1100" dirty="0" err="1"/>
-              <a:t>Goldreich</a:t>
-            </a:r>
-            <a:r>
-              <a:rPr lang="en-US" sz="1100" dirty="0"/>
-              <a:t> and </a:t>
-            </a:r>
-            <a:r>
-              <a:rPr lang="en-US" sz="1100" dirty="0" err="1"/>
-              <a:t>Rafail</a:t>
-            </a:r>
-            <a:r>
-              <a:rPr lang="en-US" sz="1100" dirty="0"/>
-              <a:t> </a:t>
-            </a:r>
-            <a:r>
-              <a:rPr lang="en-US" sz="1100" dirty="0" err="1"/>
-              <a:t>Ostrovsky</a:t>
-            </a:r>
-            <a:r>
-              <a:rPr lang="en-US" sz="1100" dirty="0"/>
-              <a:t>. 1996. Software protection and simulation on oblivious RAMs. Journal of the ACM (JACM) 43, 3 (1996), 431–473.</a:t>
-            </a:r>
-            <a:br>
-              <a:rPr lang="en-US" sz="1100" dirty="0"/>
-            </a:br>
-            <a:r>
-              <a:rPr lang="en-US" sz="1100" dirty="0"/>
-              <a:t>[6] Daniel </a:t>
-            </a:r>
-            <a:r>
-              <a:rPr lang="en-US" sz="1100" dirty="0" err="1"/>
-              <a:t>Gruss</a:t>
-            </a:r>
-            <a:r>
-              <a:rPr lang="en-US" sz="1100" dirty="0"/>
-              <a:t>, Julian </a:t>
-            </a:r>
-            <a:r>
-              <a:rPr lang="en-US" sz="1100" dirty="0" err="1"/>
-              <a:t>Lettner</a:t>
-            </a:r>
-            <a:r>
-              <a:rPr lang="en-US" sz="1100" dirty="0"/>
-              <a:t>, Felix Schuster, </a:t>
-            </a:r>
-            <a:r>
-              <a:rPr lang="en-US" sz="1100" dirty="0" err="1"/>
-              <a:t>Olya</a:t>
-            </a:r>
-            <a:r>
-              <a:rPr lang="en-US" sz="1100" dirty="0"/>
-              <a:t> </a:t>
-            </a:r>
-            <a:r>
-              <a:rPr lang="en-US" sz="1100" dirty="0" err="1"/>
-              <a:t>Ohrimenko</a:t>
-            </a:r>
-            <a:r>
-              <a:rPr lang="en-US" sz="1100" dirty="0"/>
-              <a:t>, Istvan Haller, and Manuel Costa. 2017. Strong and efficient cache side-channel protection using hardware transactional memory. In USENIX Security Symposium.</a:t>
-            </a:r>
-            <a:br>
-              <a:rPr lang="en-US" sz="1100" dirty="0"/>
-            </a:br>
-            <a:r>
-              <a:rPr lang="en-US" sz="1100" dirty="0"/>
-              <a:t>[7] Daniel </a:t>
-            </a:r>
-            <a:r>
-              <a:rPr lang="en-US" sz="1100" dirty="0" err="1"/>
-              <a:t>Gruss</a:t>
-            </a:r>
-            <a:r>
-              <a:rPr lang="en-US" sz="1100" dirty="0"/>
-              <a:t>, </a:t>
-            </a:r>
-            <a:r>
-              <a:rPr lang="en-US" sz="1100" dirty="0" err="1"/>
-              <a:t>Cl´ementine</a:t>
-            </a:r>
-            <a:r>
-              <a:rPr lang="en-US" sz="1100" dirty="0"/>
-              <a:t> Maurice, Klaus Wagner, and Stefan </a:t>
-            </a:r>
-            <a:r>
-              <a:rPr lang="en-US" sz="1100" dirty="0" err="1"/>
-              <a:t>Mangard</a:t>
-            </a:r>
-            <a:r>
-              <a:rPr lang="en-US" sz="1100" dirty="0"/>
-              <a:t>. 2016. Flush+ Flush: a fast and stealthy cache attack. In International Conference on Detection of Intrusions and Malware, and Vulnerability Assessment. Springer, 279–299.</a:t>
-            </a:r>
-            <a:br>
-              <a:rPr lang="en-US" sz="1100" dirty="0"/>
-            </a:br>
-            <a:r>
-              <a:rPr lang="en-US" sz="1100" dirty="0"/>
-              <a:t>[8] Mehmet </a:t>
-            </a:r>
-            <a:r>
-              <a:rPr lang="en-US" sz="1100" dirty="0" err="1"/>
-              <a:t>Kayaalp</a:t>
-            </a:r>
-            <a:r>
-              <a:rPr lang="en-US" sz="1100" dirty="0"/>
-              <a:t>, </a:t>
-            </a:r>
-            <a:r>
-              <a:rPr lang="en-US" sz="1100" dirty="0" err="1"/>
-              <a:t>Nael</a:t>
-            </a:r>
-            <a:r>
-              <a:rPr lang="en-US" sz="1100" dirty="0"/>
-              <a:t> Abu-</a:t>
-            </a:r>
-            <a:r>
-              <a:rPr lang="en-US" sz="1100" dirty="0" err="1"/>
-              <a:t>Ghazaleh</a:t>
-            </a:r>
-            <a:r>
-              <a:rPr lang="en-US" sz="1100" dirty="0"/>
-              <a:t>, Dmitry </a:t>
-            </a:r>
-            <a:r>
-              <a:rPr lang="en-US" sz="1100" dirty="0" err="1"/>
-              <a:t>Ponomarev</a:t>
-            </a:r>
-            <a:r>
-              <a:rPr lang="en-US" sz="1100" dirty="0"/>
-              <a:t>, and </a:t>
-            </a:r>
-            <a:r>
-              <a:rPr lang="en-US" sz="1100" dirty="0" err="1"/>
-              <a:t>Aamer</a:t>
-            </a:r>
-            <a:r>
-              <a:rPr lang="en-US" sz="1100" dirty="0"/>
-              <a:t> Jaleel. 2016. A high-resolution side-channel attack on last-level cache. In Proceedings of the 53rd Annual Design Automation Conference. ACM, 72.</a:t>
-            </a:r>
-            <a:br>
-              <a:rPr lang="en-US" sz="1100" dirty="0"/>
-            </a:br>
-            <a:r>
-              <a:rPr lang="en-US" sz="1100" dirty="0"/>
-              <a:t>[9] </a:t>
-            </a:r>
-            <a:r>
-              <a:rPr lang="en-US" sz="1100" dirty="0" err="1"/>
-              <a:t>Rafail</a:t>
-            </a:r>
-            <a:r>
-              <a:rPr lang="en-US" sz="1100" dirty="0"/>
-              <a:t> </a:t>
-            </a:r>
-            <a:r>
-              <a:rPr lang="en-US" sz="1100" dirty="0" err="1"/>
-              <a:t>Ostrovsky</a:t>
-            </a:r>
-            <a:r>
-              <a:rPr lang="en-US" sz="1100" dirty="0"/>
-              <a:t>. 1990. Efficient computation on oblivious RAMs. In Proceedings of the twenty-second annual ACM symposium on Theory of computing. ACM, 514–523.</a:t>
-            </a:r>
-            <a:br>
-              <a:rPr lang="en-US" sz="1100" dirty="0"/>
-            </a:br>
-            <a:r>
-              <a:rPr lang="en-US" sz="1100" dirty="0"/>
-              <a:t>[10] Dag Arne </a:t>
-            </a:r>
-            <a:r>
-              <a:rPr lang="en-US" sz="1100" dirty="0" err="1"/>
-              <a:t>Osvik</a:t>
-            </a:r>
-            <a:r>
-              <a:rPr lang="en-US" sz="1100" dirty="0"/>
-              <a:t>, Adi Shamir, and Eran </a:t>
-            </a:r>
-            <a:r>
-              <a:rPr lang="en-US" sz="1100" dirty="0" err="1"/>
-              <a:t>Tromer</a:t>
-            </a:r>
-            <a:r>
-              <a:rPr lang="en-US" sz="1100" dirty="0"/>
-              <a:t>. 2006. Cache attacks and countermeasures: the case of AES. In Cryptographers’ Track at the RSA Conference. Springer, 1–20.</a:t>
-            </a:r>
-            <a:br>
-              <a:rPr lang="en-US" sz="1100" dirty="0"/>
-            </a:br>
-            <a:r>
-              <a:rPr lang="en-US" sz="1100" dirty="0"/>
-              <a:t>[11] Peter </a:t>
-            </a:r>
-            <a:r>
-              <a:rPr lang="en-US" sz="1100" dirty="0" err="1"/>
-              <a:t>Pessl</a:t>
-            </a:r>
-            <a:r>
-              <a:rPr lang="en-US" sz="1100" dirty="0"/>
-              <a:t>, Daniel </a:t>
-            </a:r>
-            <a:r>
-              <a:rPr lang="en-US" sz="1100" dirty="0" err="1"/>
-              <a:t>Gruss</a:t>
-            </a:r>
-            <a:r>
-              <a:rPr lang="en-US" sz="1100" dirty="0"/>
-              <a:t>, </a:t>
-            </a:r>
-            <a:r>
-              <a:rPr lang="en-US" sz="1100" dirty="0" err="1"/>
-              <a:t>Cl´ementine</a:t>
-            </a:r>
-            <a:r>
-              <a:rPr lang="en-US" sz="1100" dirty="0"/>
-              <a:t> Maurice, Michael Schwarz, and Stefan </a:t>
-            </a:r>
-            <a:r>
-              <a:rPr lang="en-US" sz="1100" dirty="0" err="1"/>
-              <a:t>Mangard</a:t>
-            </a:r>
-            <a:r>
-              <a:rPr lang="en-US" sz="1100" dirty="0"/>
-              <a:t>. 2016. DRAMA: Exploiting DRAM Addressing for Cross-CPU Attacks.. In USENIX Security Symposium. 565–581.</a:t>
-            </a:r>
-            <a:br>
-              <a:rPr lang="en-US" sz="1100" dirty="0"/>
-            </a:br>
-            <a:r>
-              <a:rPr lang="en-US" sz="1100" dirty="0"/>
-              <a:t>[12] Sajin </a:t>
-            </a:r>
-            <a:r>
-              <a:rPr lang="en-US" sz="1100" dirty="0" err="1"/>
-              <a:t>Sasy</a:t>
-            </a:r>
-            <a:r>
-              <a:rPr lang="en-US" sz="1100" dirty="0"/>
-              <a:t>, Sergey </a:t>
-            </a:r>
-            <a:r>
-              <a:rPr lang="en-US" sz="1100" dirty="0" err="1"/>
-              <a:t>Gorbunov</a:t>
-            </a:r>
-            <a:r>
-              <a:rPr lang="en-US" sz="1100" dirty="0"/>
-              <a:t>, and Christopher Fletcher. 2017. </a:t>
-            </a:r>
-            <a:r>
-              <a:rPr lang="en-US" sz="1100" dirty="0" err="1"/>
-              <a:t>ZeroTrace</a:t>
-            </a:r>
-            <a:r>
-              <a:rPr lang="en-US" sz="1100" dirty="0"/>
-              <a:t>: Oblivious memory primitives from Intel SGX. In Symposium on Network and Distributed System Security (NDSS).</a:t>
-            </a:r>
-            <a:br>
-              <a:rPr lang="en-US" sz="1100" dirty="0"/>
-            </a:br>
-            <a:r>
-              <a:rPr lang="en-US" sz="1100" dirty="0"/>
-              <a:t>[13] </a:t>
-            </a:r>
-            <a:r>
-              <a:rPr lang="en-US" sz="1100" dirty="0" err="1"/>
-              <a:t>Jaebaek</a:t>
-            </a:r>
-            <a:r>
-              <a:rPr lang="en-US" sz="1100" dirty="0"/>
-              <a:t> </a:t>
-            </a:r>
-            <a:r>
-              <a:rPr lang="en-US" sz="1100" dirty="0" err="1"/>
-              <a:t>Seo</a:t>
-            </a:r>
-            <a:r>
-              <a:rPr lang="en-US" sz="1100" dirty="0"/>
-              <a:t>, </a:t>
-            </a:r>
-            <a:r>
-              <a:rPr lang="en-US" sz="1100" dirty="0" err="1"/>
-              <a:t>Byounyoung</a:t>
-            </a:r>
-            <a:r>
-              <a:rPr lang="en-US" sz="1100" dirty="0"/>
-              <a:t> Lee, </a:t>
-            </a:r>
-            <a:r>
-              <a:rPr lang="en-US" sz="1100" dirty="0" err="1"/>
-              <a:t>Seongmin</a:t>
-            </a:r>
-            <a:r>
-              <a:rPr lang="en-US" sz="1100" dirty="0"/>
-              <a:t> Kim, Ming-Wei Shih, </a:t>
-            </a:r>
-            <a:r>
-              <a:rPr lang="en-US" sz="1100" dirty="0" err="1"/>
-              <a:t>Insik</a:t>
-            </a:r>
-            <a:r>
-              <a:rPr lang="en-US" sz="1100" dirty="0"/>
-              <a:t> Shin, </a:t>
-            </a:r>
-            <a:r>
-              <a:rPr lang="en-US" sz="1100" dirty="0" err="1"/>
-              <a:t>Dongsu</a:t>
-            </a:r>
-            <a:r>
-              <a:rPr lang="en-US" sz="1100" dirty="0"/>
-              <a:t> Han, and </a:t>
-            </a:r>
-            <a:r>
-              <a:rPr lang="en-US" sz="1100" dirty="0" err="1"/>
-              <a:t>Taesoo</a:t>
-            </a:r>
-            <a:r>
-              <a:rPr lang="en-US" sz="1100" dirty="0"/>
-              <a:t> Kim. 2017. SGX-Shield: Enabling address space layout randomization for SGX programs. In Proceedings of the 2017 Annual Network and Distributed System Security Symposium (NDSS), San Diego, CA.</a:t>
-            </a:r>
-            <a:br>
-              <a:rPr lang="en-US" sz="1100" dirty="0"/>
-            </a:br>
-            <a:r>
-              <a:rPr lang="en-US" sz="1100" dirty="0"/>
-              <a:t>[14] Ming-Wei Shih, </a:t>
-            </a:r>
-            <a:r>
-              <a:rPr lang="en-US" sz="1100" dirty="0" err="1"/>
-              <a:t>Sangho</a:t>
-            </a:r>
-            <a:r>
-              <a:rPr lang="en-US" sz="1100" dirty="0"/>
-              <a:t> Lee, </a:t>
-            </a:r>
-            <a:r>
-              <a:rPr lang="en-US" sz="1100" dirty="0" err="1"/>
-              <a:t>Taesoo</a:t>
-            </a:r>
-            <a:r>
-              <a:rPr lang="en-US" sz="1100" dirty="0"/>
-              <a:t> Kim, and Marcus </a:t>
-            </a:r>
-            <a:r>
-              <a:rPr lang="en-US" sz="1100" dirty="0" err="1"/>
-              <a:t>Peinado</a:t>
-            </a:r>
-            <a:r>
-              <a:rPr lang="en-US" sz="1100" dirty="0"/>
-              <a:t>. 2017. T-SGX: Eradicating </a:t>
-            </a:r>
-            <a:r>
-              <a:rPr lang="en-US" sz="1100" dirty="0" err="1"/>
-              <a:t>controlledchannel</a:t>
-            </a:r>
-            <a:r>
-              <a:rPr lang="en-US" sz="1100" dirty="0"/>
-              <a:t> attacks against enclave programs. In Proceedings of the 2017 Annual Network and Distributed System Security Symposium (NDSS), San Diego, CA.</a:t>
-            </a:r>
-            <a:br>
-              <a:rPr lang="en-US" sz="1100" dirty="0"/>
-            </a:br>
-            <a:r>
-              <a:rPr lang="en-US" sz="1100" dirty="0"/>
-              <a:t>[15] Shweta Shinde, Zheng Leong Chua, </a:t>
-            </a:r>
-            <a:r>
-              <a:rPr lang="en-US" sz="1100" dirty="0" err="1"/>
-              <a:t>Viswesh</a:t>
-            </a:r>
-            <a:r>
-              <a:rPr lang="en-US" sz="1100" dirty="0"/>
-              <a:t> Narayanan, and Prateek Saxena. 2015. Preventing your faults from telling your secrets: Defenses against pigeonhole attacks. </a:t>
-            </a:r>
-            <a:r>
-              <a:rPr lang="en-US" sz="1100" dirty="0" err="1"/>
-              <a:t>arXiv</a:t>
-            </a:r>
-            <a:r>
-              <a:rPr lang="en-US" sz="1100" dirty="0"/>
-              <a:t> preprint arXiv:1506.04832 (2015).</a:t>
-            </a:r>
-            <a:br>
-              <a:rPr lang="en-US" sz="1100" dirty="0"/>
-            </a:br>
-            <a:r>
-              <a:rPr lang="en-US" sz="1100" dirty="0"/>
-              <a:t>[16] Eran </a:t>
-            </a:r>
-            <a:r>
-              <a:rPr lang="en-US" sz="1100" dirty="0" err="1"/>
-              <a:t>Tromer</a:t>
-            </a:r>
-            <a:r>
-              <a:rPr lang="en-US" sz="1100" dirty="0"/>
-              <a:t>, Dag Arne </a:t>
-            </a:r>
-            <a:r>
-              <a:rPr lang="en-US" sz="1100" dirty="0" err="1"/>
-              <a:t>Osvik</a:t>
-            </a:r>
-            <a:r>
-              <a:rPr lang="en-US" sz="1100" dirty="0"/>
-              <a:t>, and Adi Shamir. 2010. Efficient cache attacks on AES, and countermeasures. Journal of Cryptology 23, 1 (2010), 37–71.</a:t>
-            </a:r>
-            <a:br>
-              <a:rPr lang="en-US" sz="1100" dirty="0"/>
-            </a:br>
-            <a:r>
-              <a:rPr lang="en-US" sz="1100" dirty="0"/>
-              <a:t>[17] Jo Van </a:t>
-            </a:r>
-            <a:r>
-              <a:rPr lang="en-US" sz="1100" dirty="0" err="1"/>
-              <a:t>Bulck</a:t>
-            </a:r>
-            <a:r>
-              <a:rPr lang="en-US" sz="1100" dirty="0"/>
-              <a:t>, Nico </a:t>
-            </a:r>
-            <a:r>
-              <a:rPr lang="en-US" sz="1100" dirty="0" err="1"/>
-              <a:t>Weichbrodt</a:t>
-            </a:r>
-            <a:r>
-              <a:rPr lang="en-US" sz="1100" dirty="0"/>
-              <a:t>, </a:t>
-            </a:r>
-            <a:r>
-              <a:rPr lang="en-US" sz="1100" dirty="0" err="1"/>
-              <a:t>Ru¨diger</a:t>
-            </a:r>
-            <a:r>
-              <a:rPr lang="en-US" sz="1100" dirty="0"/>
-              <a:t> </a:t>
-            </a:r>
-            <a:r>
-              <a:rPr lang="en-US" sz="1100" dirty="0" err="1"/>
-              <a:t>Kapitza</a:t>
-            </a:r>
-            <a:r>
-              <a:rPr lang="en-US" sz="1100" dirty="0"/>
-              <a:t>, Frank </a:t>
-            </a:r>
-            <a:r>
-              <a:rPr lang="en-US" sz="1100" dirty="0" err="1"/>
-              <a:t>Piessens</a:t>
-            </a:r>
-            <a:r>
-              <a:rPr lang="en-US" sz="1100" dirty="0"/>
-              <a:t>, and Raoul </a:t>
-            </a:r>
-            <a:r>
-              <a:rPr lang="en-US" sz="1100" dirty="0" err="1"/>
-              <a:t>Strackx</a:t>
-            </a:r>
-            <a:r>
-              <a:rPr lang="en-US" sz="1100" dirty="0"/>
-              <a:t>. 2017. Telling your secrets without page faults: Stealthy page table-based attacks on enclaved execution. In Proceedings of the 26th USENIX Security Symposium. USENIX Association.</a:t>
-            </a:r>
-            <a:br>
-              <a:rPr lang="en-US" sz="1100" dirty="0"/>
-            </a:br>
-            <a:r>
-              <a:rPr lang="en-US" sz="1100" dirty="0"/>
-              <a:t>[18] </a:t>
-            </a:r>
-            <a:r>
-              <a:rPr lang="en-US" sz="1100" dirty="0" err="1"/>
-              <a:t>Wenhao</a:t>
-            </a:r>
-            <a:r>
-              <a:rPr lang="en-US" sz="1100" dirty="0"/>
-              <a:t> Wang, </a:t>
-            </a:r>
-            <a:r>
-              <a:rPr lang="en-US" sz="1100" dirty="0" err="1"/>
-              <a:t>Guoxing</a:t>
-            </a:r>
-            <a:r>
-              <a:rPr lang="en-US" sz="1100" dirty="0"/>
-              <a:t> Chen, </a:t>
-            </a:r>
-            <a:r>
-              <a:rPr lang="en-US" sz="1100" dirty="0" err="1"/>
-              <a:t>Xiaorui</a:t>
-            </a:r>
-            <a:r>
-              <a:rPr lang="en-US" sz="1100" dirty="0"/>
-              <a:t> Pan, </a:t>
-            </a:r>
-            <a:r>
-              <a:rPr lang="en-US" sz="1100" dirty="0" err="1"/>
-              <a:t>Yinqian</a:t>
-            </a:r>
-            <a:r>
-              <a:rPr lang="en-US" sz="1100" dirty="0"/>
-              <a:t> Zhang, </a:t>
-            </a:r>
-            <a:r>
-              <a:rPr lang="en-US" sz="1100" dirty="0" err="1"/>
-              <a:t>Xiaofeng</a:t>
-            </a:r>
-            <a:r>
-              <a:rPr lang="en-US" sz="1100" dirty="0"/>
-              <a:t> Wang, Vincent </a:t>
-            </a:r>
-            <a:r>
-              <a:rPr lang="en-US" sz="1100" dirty="0" err="1"/>
-              <a:t>Bindschaedler</a:t>
-            </a:r>
-            <a:r>
-              <a:rPr lang="en-US" sz="1100" dirty="0"/>
-              <a:t>, </a:t>
-            </a:r>
-            <a:r>
-              <a:rPr lang="en-US" sz="1100" dirty="0" err="1"/>
+              <a:rPr lang="en-US" sz="1600" dirty="0" err="1"/>
               <a:t>Haixu</a:t>
             </a:r>
             <a:r>
-              <a:rPr lang="en-US" sz="1100" dirty="0"/>
+              <a:rPr lang="en-US" sz="1600" dirty="0"/>
               <a:t> Tang, and Carl A. Gunter. 2017. Leaky Cauldron on the Dark Land: Understanding Memory Side-Channel Hazards in SGX. 2421–2434.</a:t>
-            </a:r>
-            <a:br>
-              <a:rPr lang="en-US" sz="1100" dirty="0"/>
-            </a:br>
-            <a:r>
-              <a:rPr lang="en-US" sz="1100" dirty="0"/>
-              <a:t>[19] Yuval </a:t>
-            </a:r>
-            <a:r>
-              <a:rPr lang="en-US" sz="1100" dirty="0" err="1"/>
-              <a:t>Yarom</a:t>
-            </a:r>
-            <a:r>
-              <a:rPr lang="en-US" sz="1100" dirty="0"/>
-              <a:t> and Katrina Falkner. 2014. FLUSH+ RELOAD: A High Resolution, Low Noise, L3 Cache Side-Channel Attack.. In USENIX Security Symposium</a:t>
             </a:r>
           </a:p>
         </p:txBody>
@@ -8493,7 +8011,7 @@
           <p:cNvPr id="2" name="Slide Number Placeholder 1">
             <a:extLst>
               <a:ext uri="{FF2B5EF4-FFF2-40B4-BE49-F238E27FC236}">
-                <a16:creationId xmlns:a16="http://schemas.microsoft.com/office/drawing/2014/main" id="{C1BBB3E0-B4E5-4201-9293-3247552B6DB0}"/>
+                <a16:creationId xmlns:a16="http://schemas.microsoft.com/office/drawing/2014/main" id="{728F9554-2836-461D-9001-19B6225563C6}"/>
               </a:ext>
             </a:extLst>
           </p:cNvPr>
@@ -8523,7 +8041,7 @@
           <p:cNvPr id="3" name="Title 2">
             <a:extLst>
               <a:ext uri="{FF2B5EF4-FFF2-40B4-BE49-F238E27FC236}">
-                <a16:creationId xmlns:a16="http://schemas.microsoft.com/office/drawing/2014/main" id="{1DF4DEC2-CEC8-41EF-AA3E-10626498D574}"/>
+                <a16:creationId xmlns:a16="http://schemas.microsoft.com/office/drawing/2014/main" id="{77D0E184-2738-4E67-AE04-13DC769470C1}"/>
               </a:ext>
             </a:extLst>
           </p:cNvPr>
@@ -8541,7 +8059,790 @@
           <a:p>
             <a:r>
               <a:rPr lang="en-US" dirty="0"/>
-              <a:t>Introduction</a:t>
+              <a:t>References</a:t>
+            </a:r>
+          </a:p>
+        </p:txBody>
+      </p:sp>
+      <p:sp>
+        <p:nvSpPr>
+          <p:cNvPr id="4" name="Text Placeholder 3">
+            <a:extLst>
+              <a:ext uri="{FF2B5EF4-FFF2-40B4-BE49-F238E27FC236}">
+                <a16:creationId xmlns:a16="http://schemas.microsoft.com/office/drawing/2014/main" id="{0D7AD22C-7A69-453C-849F-E9EB6615AB67}"/>
+              </a:ext>
+            </a:extLst>
+          </p:cNvPr>
+          <p:cNvSpPr>
+            <a:spLocks noGrp="1"/>
+          </p:cNvSpPr>
+          <p:nvPr>
+            <p:ph type="body" sz="quarter" idx="20"/>
+          </p:nvPr>
+        </p:nvSpPr>
+        <p:spPr>
+          <a:xfrm>
+            <a:off x="1066802" y="944966"/>
+            <a:ext cx="10667998" cy="3646487"/>
+          </a:xfrm>
+        </p:spPr>
+        <p:txBody>
+          <a:bodyPr/>
+          <a:lstStyle/>
+          <a:p>
+            <a:r>
+              <a:rPr lang="en-US" sz="1100" dirty="0"/>
+              <a:t>[1] Ferdinand </a:t>
+            </a:r>
+            <a:r>
+              <a:rPr lang="en-US" sz="1100" dirty="0" err="1"/>
+              <a:t>Brasser</a:t>
+            </a:r>
+            <a:r>
+              <a:rPr lang="en-US" sz="1100" dirty="0"/>
+              <a:t>, </a:t>
+            </a:r>
+            <a:r>
+              <a:rPr lang="en-US" sz="1100" dirty="0" err="1"/>
+              <a:t>Srdjan</a:t>
+            </a:r>
+            <a:r>
+              <a:rPr lang="en-US" sz="1100" dirty="0"/>
+              <a:t> </a:t>
+            </a:r>
+            <a:r>
+              <a:rPr lang="en-US" sz="1100" dirty="0" err="1"/>
+              <a:t>Capkun</a:t>
+            </a:r>
+            <a:r>
+              <a:rPr lang="en-US" sz="1100" dirty="0"/>
+              <a:t>, Alexandra </a:t>
+            </a:r>
+            <a:r>
+              <a:rPr lang="en-US" sz="1100" dirty="0" err="1"/>
+              <a:t>Dmitrienko</a:t>
+            </a:r>
+            <a:r>
+              <a:rPr lang="en-US" sz="1100" dirty="0"/>
+              <a:t>, Tommaso </a:t>
+            </a:r>
+            <a:r>
+              <a:rPr lang="en-US" sz="1100" dirty="0" err="1"/>
+              <a:t>Frassetto</a:t>
+            </a:r>
+            <a:r>
+              <a:rPr lang="en-US" sz="1100" dirty="0"/>
+              <a:t>, Kari </a:t>
+            </a:r>
+            <a:r>
+              <a:rPr lang="en-US" sz="1100" dirty="0" err="1"/>
+              <a:t>Kostiainen</a:t>
+            </a:r>
+            <a:r>
+              <a:rPr lang="en-US" sz="1100" dirty="0"/>
+              <a:t>, </a:t>
+            </a:r>
+            <a:r>
+              <a:rPr lang="en-US" sz="1100" dirty="0" err="1"/>
+              <a:t>Urs</a:t>
+            </a:r>
+            <a:r>
+              <a:rPr lang="en-US" sz="1100" dirty="0"/>
+              <a:t> </a:t>
+            </a:r>
+            <a:r>
+              <a:rPr lang="en-US" sz="1100" dirty="0" err="1"/>
+              <a:t>Mu¨ller</a:t>
+            </a:r>
+            <a:r>
+              <a:rPr lang="en-US" sz="1100" dirty="0"/>
+              <a:t>, and Ahmad-Reza Sadeghi. 2017. DR. SGX: Hardening SGX Enclaves against Cache Attacks with Data Location Randomization. </a:t>
+            </a:r>
+            <a:r>
+              <a:rPr lang="en-US" sz="1100" dirty="0" err="1"/>
+              <a:t>arXiv</a:t>
+            </a:r>
+            <a:r>
+              <a:rPr lang="en-US" sz="1100" dirty="0"/>
+              <a:t> preprint arXiv:1709.09917 (2017). </a:t>
+            </a:r>
+            <a:br>
+              <a:rPr lang="en-US" sz="1100" dirty="0"/>
+            </a:br>
+            <a:r>
+              <a:rPr lang="en-US" sz="1100" dirty="0"/>
+              <a:t>[2] Ferdinand </a:t>
+            </a:r>
+            <a:r>
+              <a:rPr lang="en-US" sz="1100" dirty="0" err="1"/>
+              <a:t>Brasser</a:t>
+            </a:r>
+            <a:r>
+              <a:rPr lang="en-US" sz="1100" dirty="0"/>
+              <a:t>, </a:t>
+            </a:r>
+            <a:r>
+              <a:rPr lang="en-US" sz="1100" dirty="0" err="1"/>
+              <a:t>Urs</a:t>
+            </a:r>
+            <a:r>
+              <a:rPr lang="en-US" sz="1100" dirty="0"/>
+              <a:t> </a:t>
+            </a:r>
+            <a:r>
+              <a:rPr lang="en-US" sz="1100" dirty="0" err="1"/>
+              <a:t>Mu¨ller</a:t>
+            </a:r>
+            <a:r>
+              <a:rPr lang="en-US" sz="1100" dirty="0"/>
+              <a:t>, Alexandra </a:t>
+            </a:r>
+            <a:r>
+              <a:rPr lang="en-US" sz="1100" dirty="0" err="1"/>
+              <a:t>Dmitrienko</a:t>
+            </a:r>
+            <a:r>
+              <a:rPr lang="en-US" sz="1100" dirty="0"/>
+              <a:t>, Kari </a:t>
+            </a:r>
+            <a:r>
+              <a:rPr lang="en-US" sz="1100" dirty="0" err="1"/>
+              <a:t>Kostiainen</a:t>
+            </a:r>
+            <a:r>
+              <a:rPr lang="en-US" sz="1100" dirty="0"/>
+              <a:t>, </a:t>
+            </a:r>
+            <a:r>
+              <a:rPr lang="en-US" sz="1100" dirty="0" err="1"/>
+              <a:t>Srdjan</a:t>
+            </a:r>
+            <a:r>
+              <a:rPr lang="en-US" sz="1100" dirty="0"/>
+              <a:t> </a:t>
+            </a:r>
+            <a:r>
+              <a:rPr lang="en-US" sz="1100" dirty="0" err="1"/>
+              <a:t>Capkun</a:t>
+            </a:r>
+            <a:r>
+              <a:rPr lang="en-US" sz="1100" dirty="0"/>
+              <a:t>, and </a:t>
+            </a:r>
+            <a:r>
+              <a:rPr lang="en-US" sz="1100" dirty="0" err="1"/>
+              <a:t>AhmadReza</a:t>
+            </a:r>
+            <a:r>
+              <a:rPr lang="en-US" sz="1100" dirty="0"/>
+              <a:t> Sadeghi. 2017. Software grand exposure: SGX cache attacks are practical. </a:t>
+            </a:r>
+            <a:r>
+              <a:rPr lang="en-US" sz="1100" dirty="0" err="1"/>
+              <a:t>arXiv</a:t>
+            </a:r>
+            <a:r>
+              <a:rPr lang="en-US" sz="1100" dirty="0"/>
+              <a:t> preprint arXiv:1702.07521 (2017), 33.</a:t>
+            </a:r>
+            <a:br>
+              <a:rPr lang="en-US" sz="1100" dirty="0"/>
+            </a:br>
+            <a:r>
+              <a:rPr lang="en-US" sz="1100" dirty="0"/>
+              <a:t>[3] </a:t>
+            </a:r>
+            <a:r>
+              <a:rPr lang="en-US" sz="1100" dirty="0" err="1"/>
+              <a:t>Sanchuan</a:t>
+            </a:r>
+            <a:r>
+              <a:rPr lang="en-US" sz="1100" dirty="0"/>
+              <a:t> Chen, </a:t>
+            </a:r>
+            <a:r>
+              <a:rPr lang="en-US" sz="1100" dirty="0" err="1"/>
+              <a:t>Xiaokuan</a:t>
+            </a:r>
+            <a:r>
+              <a:rPr lang="en-US" sz="1100" dirty="0"/>
+              <a:t> Zhang, Michael K Reiter, and </a:t>
+            </a:r>
+            <a:r>
+              <a:rPr lang="en-US" sz="1100" dirty="0" err="1"/>
+              <a:t>Yinqian</a:t>
+            </a:r>
+            <a:r>
+              <a:rPr lang="en-US" sz="1100" dirty="0"/>
+              <a:t> Zhang. 2017. Detecting privileged side-channel attacks in shielded execution with </a:t>
+            </a:r>
+            <a:r>
+              <a:rPr lang="en-US" sz="1100" dirty="0" err="1"/>
+              <a:t>D´ej´a</a:t>
+            </a:r>
+            <a:r>
+              <a:rPr lang="en-US" sz="1100" dirty="0"/>
+              <a:t> Vu. In Proceedings of the 2017 ACM on Asia Conference on Computer and Communications Security. ACM, 7–18.</a:t>
+            </a:r>
+            <a:br>
+              <a:rPr lang="en-US" sz="1100" dirty="0"/>
+            </a:br>
+            <a:r>
+              <a:rPr lang="en-US" sz="1100" dirty="0"/>
+              <a:t>[4] Oded </a:t>
+            </a:r>
+            <a:r>
+              <a:rPr lang="en-US" sz="1100" dirty="0" err="1"/>
+              <a:t>Goldreich</a:t>
+            </a:r>
+            <a:r>
+              <a:rPr lang="en-US" sz="1100" dirty="0"/>
+              <a:t>. 1987. Towards a theory of software protection and simulation by oblivious RAMs. In Proceedings of the nineteenth annual ACM symposium on Theory of computing. ACM, 182–194.</a:t>
+            </a:r>
+            <a:br>
+              <a:rPr lang="en-US" sz="1100" dirty="0"/>
+            </a:br>
+            <a:r>
+              <a:rPr lang="en-US" sz="1100" dirty="0"/>
+              <a:t>[5] Oded </a:t>
+            </a:r>
+            <a:r>
+              <a:rPr lang="en-US" sz="1100" dirty="0" err="1"/>
+              <a:t>Goldreich</a:t>
+            </a:r>
+            <a:r>
+              <a:rPr lang="en-US" sz="1100" dirty="0"/>
+              <a:t> and </a:t>
+            </a:r>
+            <a:r>
+              <a:rPr lang="en-US" sz="1100" dirty="0" err="1"/>
+              <a:t>Rafail</a:t>
+            </a:r>
+            <a:r>
+              <a:rPr lang="en-US" sz="1100" dirty="0"/>
+              <a:t> </a:t>
+            </a:r>
+            <a:r>
+              <a:rPr lang="en-US" sz="1100" dirty="0" err="1"/>
+              <a:t>Ostrovsky</a:t>
+            </a:r>
+            <a:r>
+              <a:rPr lang="en-US" sz="1100" dirty="0"/>
+              <a:t>. 1996. Software protection and simulation on oblivious RAMs. Journal of the ACM (JACM) 43, 3 (1996), 431–473.</a:t>
+            </a:r>
+            <a:br>
+              <a:rPr lang="en-US" sz="1100" dirty="0"/>
+            </a:br>
+            <a:r>
+              <a:rPr lang="en-US" sz="1100" dirty="0"/>
+              <a:t>[6] Daniel </a:t>
+            </a:r>
+            <a:r>
+              <a:rPr lang="en-US" sz="1100" dirty="0" err="1"/>
+              <a:t>Gruss</a:t>
+            </a:r>
+            <a:r>
+              <a:rPr lang="en-US" sz="1100" dirty="0"/>
+              <a:t>, Julian </a:t>
+            </a:r>
+            <a:r>
+              <a:rPr lang="en-US" sz="1100" dirty="0" err="1"/>
+              <a:t>Lettner</a:t>
+            </a:r>
+            <a:r>
+              <a:rPr lang="en-US" sz="1100" dirty="0"/>
+              <a:t>, Felix Schuster, </a:t>
+            </a:r>
+            <a:r>
+              <a:rPr lang="en-US" sz="1100" dirty="0" err="1"/>
+              <a:t>Olya</a:t>
+            </a:r>
+            <a:r>
+              <a:rPr lang="en-US" sz="1100" dirty="0"/>
+              <a:t> </a:t>
+            </a:r>
+            <a:r>
+              <a:rPr lang="en-US" sz="1100" dirty="0" err="1"/>
+              <a:t>Ohrimenko</a:t>
+            </a:r>
+            <a:r>
+              <a:rPr lang="en-US" sz="1100" dirty="0"/>
+              <a:t>, Istvan Haller, and Manuel Costa. 2017. Strong and efficient cache side-channel protection using hardware transactional memory. In USENIX Security Symposium.</a:t>
+            </a:r>
+            <a:br>
+              <a:rPr lang="en-US" sz="1100" dirty="0"/>
+            </a:br>
+            <a:r>
+              <a:rPr lang="en-US" sz="1100" dirty="0"/>
+              <a:t>[7] Daniel </a:t>
+            </a:r>
+            <a:r>
+              <a:rPr lang="en-US" sz="1100" dirty="0" err="1"/>
+              <a:t>Gruss</a:t>
+            </a:r>
+            <a:r>
+              <a:rPr lang="en-US" sz="1100" dirty="0"/>
+              <a:t>, </a:t>
+            </a:r>
+            <a:r>
+              <a:rPr lang="en-US" sz="1100" dirty="0" err="1"/>
+              <a:t>Cl´ementine</a:t>
+            </a:r>
+            <a:r>
+              <a:rPr lang="en-US" sz="1100" dirty="0"/>
+              <a:t> Maurice, Klaus Wagner, and Stefan </a:t>
+            </a:r>
+            <a:r>
+              <a:rPr lang="en-US" sz="1100" dirty="0" err="1"/>
+              <a:t>Mangard</a:t>
+            </a:r>
+            <a:r>
+              <a:rPr lang="en-US" sz="1100" dirty="0"/>
+              <a:t>. 2016. Flush+ Flush: a fast and stealthy cache attack. In International Conference on Detection of Intrusions and Malware, and Vulnerability Assessment. Springer, 279–299.</a:t>
+            </a:r>
+            <a:br>
+              <a:rPr lang="en-US" sz="1100" dirty="0"/>
+            </a:br>
+            <a:r>
+              <a:rPr lang="en-US" sz="1100" dirty="0"/>
+              <a:t>[8] Mehmet </a:t>
+            </a:r>
+            <a:r>
+              <a:rPr lang="en-US" sz="1100" dirty="0" err="1"/>
+              <a:t>Kayaalp</a:t>
+            </a:r>
+            <a:r>
+              <a:rPr lang="en-US" sz="1100" dirty="0"/>
+              <a:t>, </a:t>
+            </a:r>
+            <a:r>
+              <a:rPr lang="en-US" sz="1100" dirty="0" err="1"/>
+              <a:t>Nael</a:t>
+            </a:r>
+            <a:r>
+              <a:rPr lang="en-US" sz="1100" dirty="0"/>
+              <a:t> Abu-</a:t>
+            </a:r>
+            <a:r>
+              <a:rPr lang="en-US" sz="1100" dirty="0" err="1"/>
+              <a:t>Ghazaleh</a:t>
+            </a:r>
+            <a:r>
+              <a:rPr lang="en-US" sz="1100" dirty="0"/>
+              <a:t>, Dmitry </a:t>
+            </a:r>
+            <a:r>
+              <a:rPr lang="en-US" sz="1100" dirty="0" err="1"/>
+              <a:t>Ponomarev</a:t>
+            </a:r>
+            <a:r>
+              <a:rPr lang="en-US" sz="1100" dirty="0"/>
+              <a:t>, and </a:t>
+            </a:r>
+            <a:r>
+              <a:rPr lang="en-US" sz="1100" dirty="0" err="1"/>
+              <a:t>Aamer</a:t>
+            </a:r>
+            <a:r>
+              <a:rPr lang="en-US" sz="1100" dirty="0"/>
+              <a:t> Jaleel. 2016. A high-resolution side-channel attack on last-level cache. In Proceedings of the 53rd Annual Design Automation Conference. ACM, 72.</a:t>
+            </a:r>
+            <a:br>
+              <a:rPr lang="en-US" sz="1100" dirty="0"/>
+            </a:br>
+            <a:r>
+              <a:rPr lang="en-US" sz="1100" dirty="0"/>
+              <a:t>[9] </a:t>
+            </a:r>
+            <a:r>
+              <a:rPr lang="en-US" sz="1100" dirty="0" err="1"/>
+              <a:t>Rafail</a:t>
+            </a:r>
+            <a:r>
+              <a:rPr lang="en-US" sz="1100" dirty="0"/>
+              <a:t> </a:t>
+            </a:r>
+            <a:r>
+              <a:rPr lang="en-US" sz="1100" dirty="0" err="1"/>
+              <a:t>Ostrovsky</a:t>
+            </a:r>
+            <a:r>
+              <a:rPr lang="en-US" sz="1100" dirty="0"/>
+              <a:t>. 1990. Efficient computation on oblivious RAMs. In Proceedings of the twenty-second annual ACM symposium on Theory of computing. ACM, 514–523.</a:t>
+            </a:r>
+            <a:br>
+              <a:rPr lang="en-US" sz="1100" dirty="0"/>
+            </a:br>
+            <a:r>
+              <a:rPr lang="en-US" sz="1100" dirty="0"/>
+              <a:t>[10] Dag Arne </a:t>
+            </a:r>
+            <a:r>
+              <a:rPr lang="en-US" sz="1100" dirty="0" err="1"/>
+              <a:t>Osvik</a:t>
+            </a:r>
+            <a:r>
+              <a:rPr lang="en-US" sz="1100" dirty="0"/>
+              <a:t>, Adi Shamir, and Eran </a:t>
+            </a:r>
+            <a:r>
+              <a:rPr lang="en-US" sz="1100" dirty="0" err="1"/>
+              <a:t>Tromer</a:t>
+            </a:r>
+            <a:r>
+              <a:rPr lang="en-US" sz="1100" dirty="0"/>
+              <a:t>. 2006. Cache attacks and countermeasures: the case of AES. In Cryptographers’ Track at the RSA Conference. Springer, 1–20.</a:t>
+            </a:r>
+            <a:br>
+              <a:rPr lang="en-US" sz="1100" dirty="0"/>
+            </a:br>
+            <a:r>
+              <a:rPr lang="en-US" sz="1100" dirty="0"/>
+              <a:t>[11] Peter </a:t>
+            </a:r>
+            <a:r>
+              <a:rPr lang="en-US" sz="1100" dirty="0" err="1"/>
+              <a:t>Pessl</a:t>
+            </a:r>
+            <a:r>
+              <a:rPr lang="en-US" sz="1100" dirty="0"/>
+              <a:t>, Daniel </a:t>
+            </a:r>
+            <a:r>
+              <a:rPr lang="en-US" sz="1100" dirty="0" err="1"/>
+              <a:t>Gruss</a:t>
+            </a:r>
+            <a:r>
+              <a:rPr lang="en-US" sz="1100" dirty="0"/>
+              <a:t>, </a:t>
+            </a:r>
+            <a:r>
+              <a:rPr lang="en-US" sz="1100" dirty="0" err="1"/>
+              <a:t>Cl´ementine</a:t>
+            </a:r>
+            <a:r>
+              <a:rPr lang="en-US" sz="1100" dirty="0"/>
+              <a:t> Maurice, Michael Schwarz, and Stefan </a:t>
+            </a:r>
+            <a:r>
+              <a:rPr lang="en-US" sz="1100" dirty="0" err="1"/>
+              <a:t>Mangard</a:t>
+            </a:r>
+            <a:r>
+              <a:rPr lang="en-US" sz="1100" dirty="0"/>
+              <a:t>. 2016. DRAMA: Exploiting DRAM Addressing for Cross-CPU Attacks.. In USENIX Security Symposium. 565–581.</a:t>
+            </a:r>
+            <a:br>
+              <a:rPr lang="en-US" sz="1100" dirty="0"/>
+            </a:br>
+            <a:r>
+              <a:rPr lang="en-US" sz="1100" dirty="0"/>
+              <a:t>[12] Sajin </a:t>
+            </a:r>
+            <a:r>
+              <a:rPr lang="en-US" sz="1100" dirty="0" err="1"/>
+              <a:t>Sasy</a:t>
+            </a:r>
+            <a:r>
+              <a:rPr lang="en-US" sz="1100" dirty="0"/>
+              <a:t>, Sergey </a:t>
+            </a:r>
+            <a:r>
+              <a:rPr lang="en-US" sz="1100" dirty="0" err="1"/>
+              <a:t>Gorbunov</a:t>
+            </a:r>
+            <a:r>
+              <a:rPr lang="en-US" sz="1100" dirty="0"/>
+              <a:t>, and Christopher Fletcher. 2017. </a:t>
+            </a:r>
+            <a:r>
+              <a:rPr lang="en-US" sz="1100" dirty="0" err="1"/>
+              <a:t>ZeroTrace</a:t>
+            </a:r>
+            <a:r>
+              <a:rPr lang="en-US" sz="1100" dirty="0"/>
+              <a:t>: Oblivious memory primitives from Intel SGX. In Symposium on Network and Distributed System Security (NDSS).</a:t>
+            </a:r>
+            <a:br>
+              <a:rPr lang="en-US" sz="1100" dirty="0"/>
+            </a:br>
+            <a:r>
+              <a:rPr lang="en-US" sz="1100" dirty="0"/>
+              <a:t>[13] </a:t>
+            </a:r>
+            <a:r>
+              <a:rPr lang="en-US" sz="1100" dirty="0" err="1"/>
+              <a:t>Jaebaek</a:t>
+            </a:r>
+            <a:r>
+              <a:rPr lang="en-US" sz="1100" dirty="0"/>
+              <a:t> </a:t>
+            </a:r>
+            <a:r>
+              <a:rPr lang="en-US" sz="1100" dirty="0" err="1"/>
+              <a:t>Seo</a:t>
+            </a:r>
+            <a:r>
+              <a:rPr lang="en-US" sz="1100" dirty="0"/>
+              <a:t>, </a:t>
+            </a:r>
+            <a:r>
+              <a:rPr lang="en-US" sz="1100" dirty="0" err="1"/>
+              <a:t>Byounyoung</a:t>
+            </a:r>
+            <a:r>
+              <a:rPr lang="en-US" sz="1100" dirty="0"/>
+              <a:t> Lee, </a:t>
+            </a:r>
+            <a:r>
+              <a:rPr lang="en-US" sz="1100" dirty="0" err="1"/>
+              <a:t>Seongmin</a:t>
+            </a:r>
+            <a:r>
+              <a:rPr lang="en-US" sz="1100" dirty="0"/>
+              <a:t> Kim, Ming-Wei Shih, </a:t>
+            </a:r>
+            <a:r>
+              <a:rPr lang="en-US" sz="1100" dirty="0" err="1"/>
+              <a:t>Insik</a:t>
+            </a:r>
+            <a:r>
+              <a:rPr lang="en-US" sz="1100" dirty="0"/>
+              <a:t> Shin, </a:t>
+            </a:r>
+            <a:r>
+              <a:rPr lang="en-US" sz="1100" dirty="0" err="1"/>
+              <a:t>Dongsu</a:t>
+            </a:r>
+            <a:r>
+              <a:rPr lang="en-US" sz="1100" dirty="0"/>
+              <a:t> Han, and </a:t>
+            </a:r>
+            <a:r>
+              <a:rPr lang="en-US" sz="1100" dirty="0" err="1"/>
+              <a:t>Taesoo</a:t>
+            </a:r>
+            <a:r>
+              <a:rPr lang="en-US" sz="1100" dirty="0"/>
+              <a:t> Kim. 2017. SGX-Shield: Enabling address space layout randomization for SGX programs. In Proceedings of the 2017 Annual Network and Distributed System Security Symposium (NDSS), San Diego, CA.</a:t>
+            </a:r>
+            <a:br>
+              <a:rPr lang="en-US" sz="1100" dirty="0"/>
+            </a:br>
+            <a:r>
+              <a:rPr lang="en-US" sz="1100" dirty="0"/>
+              <a:t>[14] Ming-Wei Shih, </a:t>
+            </a:r>
+            <a:r>
+              <a:rPr lang="en-US" sz="1100" dirty="0" err="1"/>
+              <a:t>Sangho</a:t>
+            </a:r>
+            <a:r>
+              <a:rPr lang="en-US" sz="1100" dirty="0"/>
+              <a:t> Lee, </a:t>
+            </a:r>
+            <a:r>
+              <a:rPr lang="en-US" sz="1100" dirty="0" err="1"/>
+              <a:t>Taesoo</a:t>
+            </a:r>
+            <a:r>
+              <a:rPr lang="en-US" sz="1100" dirty="0"/>
+              <a:t> Kim, and Marcus </a:t>
+            </a:r>
+            <a:r>
+              <a:rPr lang="en-US" sz="1100" dirty="0" err="1"/>
+              <a:t>Peinado</a:t>
+            </a:r>
+            <a:r>
+              <a:rPr lang="en-US" sz="1100" dirty="0"/>
+              <a:t>. 2017. T-SGX: Eradicating </a:t>
+            </a:r>
+            <a:r>
+              <a:rPr lang="en-US" sz="1100" dirty="0" err="1"/>
+              <a:t>controlledchannel</a:t>
+            </a:r>
+            <a:r>
+              <a:rPr lang="en-US" sz="1100" dirty="0"/>
+              <a:t> attacks against enclave programs. In Proceedings of the 2017 Annual Network and Distributed System Security Symposium (NDSS), San Diego, CA.</a:t>
+            </a:r>
+            <a:br>
+              <a:rPr lang="en-US" sz="1100" dirty="0"/>
+            </a:br>
+            <a:r>
+              <a:rPr lang="en-US" sz="1100" dirty="0"/>
+              <a:t>[15] Shweta Shinde, Zheng Leong Chua, </a:t>
+            </a:r>
+            <a:r>
+              <a:rPr lang="en-US" sz="1100" dirty="0" err="1"/>
+              <a:t>Viswesh</a:t>
+            </a:r>
+            <a:r>
+              <a:rPr lang="en-US" sz="1100" dirty="0"/>
+              <a:t> Narayanan, and Prateek Saxena. 2015. Preventing your faults from telling your secrets: Defenses against pigeonhole attacks. </a:t>
+            </a:r>
+            <a:r>
+              <a:rPr lang="en-US" sz="1100" dirty="0" err="1"/>
+              <a:t>arXiv</a:t>
+            </a:r>
+            <a:r>
+              <a:rPr lang="en-US" sz="1100" dirty="0"/>
+              <a:t> preprint arXiv:1506.04832 (2015).</a:t>
+            </a:r>
+            <a:br>
+              <a:rPr lang="en-US" sz="1100" dirty="0"/>
+            </a:br>
+            <a:r>
+              <a:rPr lang="en-US" sz="1100" dirty="0"/>
+              <a:t>[16] Eran </a:t>
+            </a:r>
+            <a:r>
+              <a:rPr lang="en-US" sz="1100" dirty="0" err="1"/>
+              <a:t>Tromer</a:t>
+            </a:r>
+            <a:r>
+              <a:rPr lang="en-US" sz="1100" dirty="0"/>
+              <a:t>, Dag Arne </a:t>
+            </a:r>
+            <a:r>
+              <a:rPr lang="en-US" sz="1100" dirty="0" err="1"/>
+              <a:t>Osvik</a:t>
+            </a:r>
+            <a:r>
+              <a:rPr lang="en-US" sz="1100" dirty="0"/>
+              <a:t>, and Adi Shamir. 2010. Efficient cache attacks on AES, and countermeasures. Journal of Cryptology 23, 1 (2010), 37–71.</a:t>
+            </a:r>
+            <a:br>
+              <a:rPr lang="en-US" sz="1100" dirty="0"/>
+            </a:br>
+            <a:r>
+              <a:rPr lang="en-US" sz="1100" dirty="0"/>
+              <a:t>[17] Jo Van </a:t>
+            </a:r>
+            <a:r>
+              <a:rPr lang="en-US" sz="1100" dirty="0" err="1"/>
+              <a:t>Bulck</a:t>
+            </a:r>
+            <a:r>
+              <a:rPr lang="en-US" sz="1100" dirty="0"/>
+              <a:t>, Nico </a:t>
+            </a:r>
+            <a:r>
+              <a:rPr lang="en-US" sz="1100" dirty="0" err="1"/>
+              <a:t>Weichbrodt</a:t>
+            </a:r>
+            <a:r>
+              <a:rPr lang="en-US" sz="1100" dirty="0"/>
+              <a:t>, </a:t>
+            </a:r>
+            <a:r>
+              <a:rPr lang="en-US" sz="1100" dirty="0" err="1"/>
+              <a:t>Ru¨diger</a:t>
+            </a:r>
+            <a:r>
+              <a:rPr lang="en-US" sz="1100" dirty="0"/>
+              <a:t> </a:t>
+            </a:r>
+            <a:r>
+              <a:rPr lang="en-US" sz="1100" dirty="0" err="1"/>
+              <a:t>Kapitza</a:t>
+            </a:r>
+            <a:r>
+              <a:rPr lang="en-US" sz="1100" dirty="0"/>
+              <a:t>, Frank </a:t>
+            </a:r>
+            <a:r>
+              <a:rPr lang="en-US" sz="1100" dirty="0" err="1"/>
+              <a:t>Piessens</a:t>
+            </a:r>
+            <a:r>
+              <a:rPr lang="en-US" sz="1100" dirty="0"/>
+              <a:t>, and Raoul </a:t>
+            </a:r>
+            <a:r>
+              <a:rPr lang="en-US" sz="1100" dirty="0" err="1"/>
+              <a:t>Strackx</a:t>
+            </a:r>
+            <a:r>
+              <a:rPr lang="en-US" sz="1100" dirty="0"/>
+              <a:t>. 2017. Telling your secrets without page faults: Stealthy page table-based attacks on enclaved execution. In Proceedings of the 26th USENIX Security Symposium. USENIX Association.</a:t>
+            </a:r>
+            <a:br>
+              <a:rPr lang="en-US" sz="1100" dirty="0"/>
+            </a:br>
+            <a:r>
+              <a:rPr lang="en-US" sz="1100" dirty="0"/>
+              <a:t>[18] </a:t>
+            </a:r>
+            <a:r>
+              <a:rPr lang="en-US" sz="1100" dirty="0" err="1"/>
+              <a:t>Wenhao</a:t>
+            </a:r>
+            <a:r>
+              <a:rPr lang="en-US" sz="1100" dirty="0"/>
+              <a:t> Wang, </a:t>
+            </a:r>
+            <a:r>
+              <a:rPr lang="en-US" sz="1100" dirty="0" err="1"/>
+              <a:t>Guoxing</a:t>
+            </a:r>
+            <a:r>
+              <a:rPr lang="en-US" sz="1100" dirty="0"/>
+              <a:t> Chen, </a:t>
+            </a:r>
+            <a:r>
+              <a:rPr lang="en-US" sz="1100" dirty="0" err="1"/>
+              <a:t>Xiaorui</a:t>
+            </a:r>
+            <a:r>
+              <a:rPr lang="en-US" sz="1100" dirty="0"/>
+              <a:t> Pan, </a:t>
+            </a:r>
+            <a:r>
+              <a:rPr lang="en-US" sz="1100" dirty="0" err="1"/>
+              <a:t>Yinqian</a:t>
+            </a:r>
+            <a:r>
+              <a:rPr lang="en-US" sz="1100" dirty="0"/>
+              <a:t> Zhang, </a:t>
+            </a:r>
+            <a:r>
+              <a:rPr lang="en-US" sz="1100" dirty="0" err="1"/>
+              <a:t>Xiaofeng</a:t>
+            </a:r>
+            <a:r>
+              <a:rPr lang="en-US" sz="1100" dirty="0"/>
+              <a:t> Wang, Vincent </a:t>
+            </a:r>
+            <a:r>
+              <a:rPr lang="en-US" sz="1100" dirty="0" err="1"/>
+              <a:t>Bindschaedler</a:t>
+            </a:r>
+            <a:r>
+              <a:rPr lang="en-US" sz="1100" dirty="0"/>
+              <a:t>, </a:t>
+            </a:r>
+            <a:r>
+              <a:rPr lang="en-US" sz="1100" dirty="0" err="1"/>
+              <a:t>Haixu</a:t>
+            </a:r>
+            <a:r>
+              <a:rPr lang="en-US" sz="1100" dirty="0"/>
+              <a:t> Tang, and Carl A. Gunter. 2017. Leaky Cauldron on the Dark Land: Understanding Memory Side-Channel Hazards in SGX. 2421–2434.</a:t>
+            </a:r>
+            <a:br>
+              <a:rPr lang="en-US" sz="1100" dirty="0"/>
+            </a:br>
+            <a:r>
+              <a:rPr lang="en-US" sz="1100" dirty="0"/>
+              <a:t>[19] Yuval </a:t>
+            </a:r>
+            <a:r>
+              <a:rPr lang="en-US" sz="1100" dirty="0" err="1"/>
+              <a:t>Yarom</a:t>
+            </a:r>
+            <a:r>
+              <a:rPr lang="en-US" sz="1100" dirty="0"/>
+              <a:t> and Katrina Falkner. 2014. FLUSH+ RELOAD: A High Resolution, Low Noise, L3 Cache Side-Channel Attack.. In USENIX Security Symposium</a:t>
             </a:r>
           </a:p>
         </p:txBody>
@@ -8551,7 +8852,7 @@
           <p:cNvPr id="6" name="Text Placeholder 5">
             <a:extLst>
               <a:ext uri="{FF2B5EF4-FFF2-40B4-BE49-F238E27FC236}">
-                <a16:creationId xmlns:a16="http://schemas.microsoft.com/office/drawing/2014/main" id="{6E543DA8-55BF-470D-841A-1EF3B4E31B32}"/>
+                <a16:creationId xmlns:a16="http://schemas.microsoft.com/office/drawing/2014/main" id="{93FABC2F-B2D6-4AC5-8FA6-89C2C7DF954B}"/>
               </a:ext>
             </a:extLst>
           </p:cNvPr>
@@ -8567,259 +8868,17 @@
           <a:bodyPr/>
           <a:lstStyle/>
           <a:p>
-            <a:endParaRPr lang="en-US"/>
-          </a:p>
-        </p:txBody>
-      </p:sp>
-      <p:pic>
-        <p:nvPicPr>
-          <p:cNvPr id="8" name="Picture 7">
-            <a:extLst>
-              <a:ext uri="{FF2B5EF4-FFF2-40B4-BE49-F238E27FC236}">
-                <a16:creationId xmlns:a16="http://schemas.microsoft.com/office/drawing/2014/main" id="{FEB56FCA-1AE8-42A2-B786-7B199FA284AB}"/>
-              </a:ext>
-            </a:extLst>
-          </p:cNvPr>
-          <p:cNvPicPr>
-            <a:picLocks noChangeAspect="1"/>
-          </p:cNvPicPr>
-          <p:nvPr/>
-        </p:nvPicPr>
-        <p:blipFill>
-          <a:blip r:embed="rId2"/>
-          <a:stretch>
-            <a:fillRect/>
-          </a:stretch>
-        </p:blipFill>
-        <p:spPr>
-          <a:xfrm>
-            <a:off x="3377682" y="1451116"/>
-            <a:ext cx="5567485" cy="4453988"/>
-          </a:xfrm>
-          <a:prstGeom prst="rect">
-            <a:avLst/>
-          </a:prstGeom>
-        </p:spPr>
-      </p:pic>
+            <a:r>
+              <a:rPr lang="en-US" dirty="0"/>
+              <a:t>Department of Electrical Engineering and Computer Science</a:t>
+            </a:r>
+          </a:p>
+        </p:txBody>
+      </p:sp>
     </p:spTree>
     <p:extLst>
       <p:ext uri="{BB962C8B-B14F-4D97-AF65-F5344CB8AC3E}">
-        <p14:creationId xmlns:p14="http://schemas.microsoft.com/office/powerpoint/2010/main" val="4014332487"/>
-      </p:ext>
-    </p:extLst>
-  </p:cSld>
-  <p:clrMapOvr>
-    <a:masterClrMapping/>
-  </p:clrMapOvr>
-  <p:transition>
-    <p:fade/>
-  </p:transition>
-</p:sld>
-</file>
-
-<file path=ppt/slides/slide19.xml><?xml version="1.0" encoding="utf-8"?>
-<p:sld xmlns:a="http://schemas.openxmlformats.org/drawingml/2006/main" xmlns:r="http://schemas.openxmlformats.org/officeDocument/2006/relationships" xmlns:p="http://schemas.openxmlformats.org/presentationml/2006/main">
-  <p:cSld>
-    <p:spTree>
-      <p:nvGrpSpPr>
-        <p:cNvPr id="1" name=""/>
-        <p:cNvGrpSpPr/>
-        <p:nvPr/>
-      </p:nvGrpSpPr>
-      <p:grpSpPr>
-        <a:xfrm>
-          <a:off x="0" y="0"/>
-          <a:ext cx="0" cy="0"/>
-          <a:chOff x="0" y="0"/>
-          <a:chExt cx="0" cy="0"/>
-        </a:xfrm>
-      </p:grpSpPr>
-      <p:sp>
-        <p:nvSpPr>
-          <p:cNvPr id="2" name="Slide Number Placeholder 1">
-            <a:extLst>
-              <a:ext uri="{FF2B5EF4-FFF2-40B4-BE49-F238E27FC236}">
-                <a16:creationId xmlns:a16="http://schemas.microsoft.com/office/drawing/2014/main" id="{8C7DB3C3-33F8-4CB6-923D-4D0B3FE8B30D}"/>
-              </a:ext>
-            </a:extLst>
-          </p:cNvPr>
-          <p:cNvSpPr>
-            <a:spLocks noGrp="1"/>
-          </p:cNvSpPr>
-          <p:nvPr>
-            <p:ph type="sldNum" sz="quarter" idx="10"/>
-          </p:nvPr>
-        </p:nvSpPr>
-        <p:spPr/>
-        <p:txBody>
-          <a:bodyPr/>
-          <a:lstStyle/>
-          <a:p>
-            <a:fld id="{F343A32A-436A-8143-8894-653E98457856}" type="slidenum">
-              <a:rPr lang="en-US" smtClean="0"/>
-              <a:pPr/>
-              <a:t>19</a:t>
-            </a:fld>
-            <a:endParaRPr lang="en-US" dirty="0"/>
-          </a:p>
-        </p:txBody>
-      </p:sp>
-      <p:sp>
-        <p:nvSpPr>
-          <p:cNvPr id="3" name="Title 2">
-            <a:extLst>
-              <a:ext uri="{FF2B5EF4-FFF2-40B4-BE49-F238E27FC236}">
-                <a16:creationId xmlns:a16="http://schemas.microsoft.com/office/drawing/2014/main" id="{0A0CEB37-8653-4A50-8935-DA0065775957}"/>
-              </a:ext>
-            </a:extLst>
-          </p:cNvPr>
-          <p:cNvSpPr>
-            <a:spLocks noGrp="1"/>
-          </p:cNvSpPr>
-          <p:nvPr>
-            <p:ph type="title"/>
-          </p:nvPr>
-        </p:nvSpPr>
-        <p:spPr/>
-        <p:txBody>
-          <a:bodyPr/>
-          <a:lstStyle/>
-          <a:p>
-            <a:r>
-              <a:rPr lang="en-US" dirty="0"/>
-              <a:t>Defenses</a:t>
-            </a:r>
-          </a:p>
-        </p:txBody>
-      </p:sp>
-      <p:sp>
-        <p:nvSpPr>
-          <p:cNvPr id="4" name="Text Placeholder 3">
-            <a:extLst>
-              <a:ext uri="{FF2B5EF4-FFF2-40B4-BE49-F238E27FC236}">
-                <a16:creationId xmlns:a16="http://schemas.microsoft.com/office/drawing/2014/main" id="{DC9B5E46-0A0C-41BA-A254-3CB945BFC03F}"/>
-              </a:ext>
-            </a:extLst>
-          </p:cNvPr>
-          <p:cNvSpPr>
-            <a:spLocks noGrp="1"/>
-          </p:cNvSpPr>
-          <p:nvPr>
-            <p:ph type="body" sz="quarter" idx="20"/>
-          </p:nvPr>
-        </p:nvSpPr>
-        <p:spPr/>
-        <p:txBody>
-          <a:bodyPr/>
-          <a:lstStyle/>
-          <a:p>
-            <a:pPr marL="571500" indent="-571500">
-              <a:lnSpc>
-                <a:spcPct val="150000"/>
-              </a:lnSpc>
-              <a:buFont typeface="Arial" panose="020B0604020202020204" pitchFamily="34" charset="0"/>
-              <a:buChar char="•"/>
-            </a:pPr>
-            <a:r>
-              <a:rPr lang="en-US" sz="3200" dirty="0"/>
-              <a:t>SGX-Shield</a:t>
-            </a:r>
-          </a:p>
-          <a:p>
-            <a:pPr marL="1028700" lvl="1" indent="-571500">
-              <a:lnSpc>
-                <a:spcPct val="150000"/>
-              </a:lnSpc>
-              <a:buFont typeface="Arial" panose="020B0604020202020204" pitchFamily="34" charset="0"/>
-              <a:buChar char="•"/>
-            </a:pPr>
-            <a:r>
-              <a:rPr lang="en-US" sz="2800" dirty="0"/>
-              <a:t>Address space layout randomization</a:t>
-            </a:r>
-          </a:p>
-          <a:p>
-            <a:pPr marL="571500" indent="-571500">
-              <a:lnSpc>
-                <a:spcPct val="150000"/>
-              </a:lnSpc>
-              <a:buFont typeface="Arial" panose="020B0604020202020204" pitchFamily="34" charset="0"/>
-              <a:buChar char="•"/>
-            </a:pPr>
-            <a:r>
-              <a:rPr lang="en-US" sz="3200" dirty="0"/>
-              <a:t>ORAM+SGX</a:t>
-            </a:r>
-          </a:p>
-          <a:p>
-            <a:pPr marL="571500" indent="-571500">
-              <a:lnSpc>
-                <a:spcPct val="150000"/>
-              </a:lnSpc>
-              <a:buFont typeface="Arial" panose="020B0604020202020204" pitchFamily="34" charset="0"/>
-              <a:buChar char="•"/>
-            </a:pPr>
-            <a:r>
-              <a:rPr lang="en-US" sz="3200" dirty="0"/>
-              <a:t>Data shuffling</a:t>
-            </a:r>
-          </a:p>
-        </p:txBody>
-      </p:sp>
-      <p:sp>
-        <p:nvSpPr>
-          <p:cNvPr id="5" name="Content Placeholder 4">
-            <a:extLst>
-              <a:ext uri="{FF2B5EF4-FFF2-40B4-BE49-F238E27FC236}">
-                <a16:creationId xmlns:a16="http://schemas.microsoft.com/office/drawing/2014/main" id="{794012FC-4A21-4E9F-903C-7601C614F268}"/>
-              </a:ext>
-            </a:extLst>
-          </p:cNvPr>
-          <p:cNvSpPr>
-            <a:spLocks noGrp="1"/>
-          </p:cNvSpPr>
-          <p:nvPr>
-            <p:ph sz="quarter" idx="19"/>
-          </p:nvPr>
-        </p:nvSpPr>
-        <p:spPr/>
-        <p:txBody>
-          <a:bodyPr/>
-          <a:lstStyle/>
-          <a:p>
-            <a:endParaRPr lang="en-US"/>
-          </a:p>
-        </p:txBody>
-      </p:sp>
-      <p:sp>
-        <p:nvSpPr>
-          <p:cNvPr id="6" name="Text Placeholder 5">
-            <a:extLst>
-              <a:ext uri="{FF2B5EF4-FFF2-40B4-BE49-F238E27FC236}">
-                <a16:creationId xmlns:a16="http://schemas.microsoft.com/office/drawing/2014/main" id="{2A019565-77D7-40C1-9FD9-E69D9EADF7CC}"/>
-              </a:ext>
-            </a:extLst>
-          </p:cNvPr>
-          <p:cNvSpPr>
-            <a:spLocks noGrp="1"/>
-          </p:cNvSpPr>
-          <p:nvPr>
-            <p:ph type="body" sz="quarter" idx="22"/>
-          </p:nvPr>
-        </p:nvSpPr>
-        <p:spPr/>
-        <p:txBody>
-          <a:bodyPr/>
-          <a:lstStyle/>
-          <a:p>
-            <a:endParaRPr lang="en-US"/>
-          </a:p>
-        </p:txBody>
-      </p:sp>
-    </p:spTree>
-    <p:extLst>
-      <p:ext uri="{BB962C8B-B14F-4D97-AF65-F5344CB8AC3E}">
-        <p14:creationId xmlns:p14="http://schemas.microsoft.com/office/powerpoint/2010/main" val="3244262888"/>
+        <p14:creationId xmlns:p14="http://schemas.microsoft.com/office/powerpoint/2010/main" val="3932913416"/>
       </p:ext>
     </p:extLst>
   </p:cSld>
@@ -9015,750 +9074,6 @@
     <p:extLst>
       <p:ext uri="{BB962C8B-B14F-4D97-AF65-F5344CB8AC3E}">
         <p14:creationId xmlns:p14="http://schemas.microsoft.com/office/powerpoint/2010/main" val="2390773171"/>
-      </p:ext>
-    </p:extLst>
-  </p:cSld>
-  <p:clrMapOvr>
-    <a:masterClrMapping/>
-  </p:clrMapOvr>
-  <p:transition>
-    <p:fade/>
-  </p:transition>
-</p:sld>
-</file>
-
-<file path=ppt/slides/slide20.xml><?xml version="1.0" encoding="utf-8"?>
-<p:sld xmlns:a="http://schemas.openxmlformats.org/drawingml/2006/main" xmlns:r="http://schemas.openxmlformats.org/officeDocument/2006/relationships" xmlns:p="http://schemas.openxmlformats.org/presentationml/2006/main">
-  <p:cSld>
-    <p:spTree>
-      <p:nvGrpSpPr>
-        <p:cNvPr id="1" name=""/>
-        <p:cNvGrpSpPr/>
-        <p:nvPr/>
-      </p:nvGrpSpPr>
-      <p:grpSpPr>
-        <a:xfrm>
-          <a:off x="0" y="0"/>
-          <a:ext cx="0" cy="0"/>
-          <a:chOff x="0" y="0"/>
-          <a:chExt cx="0" cy="0"/>
-        </a:xfrm>
-      </p:grpSpPr>
-      <p:sp>
-        <p:nvSpPr>
-          <p:cNvPr id="2" name="Slide Number Placeholder 1">
-            <a:extLst>
-              <a:ext uri="{FF2B5EF4-FFF2-40B4-BE49-F238E27FC236}">
-                <a16:creationId xmlns:a16="http://schemas.microsoft.com/office/drawing/2014/main" id="{E39FCD6D-9BD6-4C11-8BD4-AEBB6C8CDEF0}"/>
-              </a:ext>
-            </a:extLst>
-          </p:cNvPr>
-          <p:cNvSpPr>
-            <a:spLocks noGrp="1"/>
-          </p:cNvSpPr>
-          <p:nvPr>
-            <p:ph type="sldNum" sz="quarter" idx="10"/>
-          </p:nvPr>
-        </p:nvSpPr>
-        <p:spPr/>
-        <p:txBody>
-          <a:bodyPr/>
-          <a:lstStyle/>
-          <a:p>
-            <a:fld id="{F343A32A-436A-8143-8894-653E98457856}" type="slidenum">
-              <a:rPr lang="en-US" smtClean="0"/>
-              <a:pPr/>
-              <a:t>20</a:t>
-            </a:fld>
-            <a:endParaRPr lang="en-US" dirty="0"/>
-          </a:p>
-        </p:txBody>
-      </p:sp>
-      <p:sp>
-        <p:nvSpPr>
-          <p:cNvPr id="3" name="Title 2">
-            <a:extLst>
-              <a:ext uri="{FF2B5EF4-FFF2-40B4-BE49-F238E27FC236}">
-                <a16:creationId xmlns:a16="http://schemas.microsoft.com/office/drawing/2014/main" id="{3DD4055F-D293-4AE8-9667-979BC20DCCC1}"/>
-              </a:ext>
-            </a:extLst>
-          </p:cNvPr>
-          <p:cNvSpPr>
-            <a:spLocks noGrp="1"/>
-          </p:cNvSpPr>
-          <p:nvPr>
-            <p:ph type="title"/>
-          </p:nvPr>
-        </p:nvSpPr>
-        <p:spPr/>
-        <p:txBody>
-          <a:bodyPr/>
-          <a:lstStyle/>
-          <a:p>
-            <a:r>
-              <a:rPr lang="en-US" dirty="0"/>
-              <a:t>Introduction</a:t>
-            </a:r>
-          </a:p>
-        </p:txBody>
-      </p:sp>
-      <p:sp>
-        <p:nvSpPr>
-          <p:cNvPr id="4" name="Text Placeholder 3">
-            <a:extLst>
-              <a:ext uri="{FF2B5EF4-FFF2-40B4-BE49-F238E27FC236}">
-                <a16:creationId xmlns:a16="http://schemas.microsoft.com/office/drawing/2014/main" id="{B4039574-E86D-4D7E-8D62-FCFC126CEE52}"/>
-              </a:ext>
-            </a:extLst>
-          </p:cNvPr>
-          <p:cNvSpPr>
-            <a:spLocks noGrp="1"/>
-          </p:cNvSpPr>
-          <p:nvPr>
-            <p:ph type="body" sz="quarter" idx="20"/>
-          </p:nvPr>
-        </p:nvSpPr>
-        <p:spPr>
-          <a:xfrm>
-            <a:off x="1066800" y="1876680"/>
-            <a:ext cx="5865845" cy="3646487"/>
-          </a:xfrm>
-        </p:spPr>
-        <p:txBody>
-          <a:bodyPr/>
-          <a:lstStyle/>
-          <a:p>
-            <a:pPr marL="571500" indent="-571500">
-              <a:lnSpc>
-                <a:spcPct val="150000"/>
-              </a:lnSpc>
-              <a:spcBef>
-                <a:spcPts val="600"/>
-              </a:spcBef>
-              <a:buFont typeface="Arial" panose="020B0604020202020204" pitchFamily="34" charset="0"/>
-              <a:buChar char="•"/>
-            </a:pPr>
-            <a:r>
-              <a:rPr lang="en-US" sz="2800" dirty="0">
-                <a:latin typeface="Sherman Sans Book"/>
-              </a:rPr>
-              <a:t>Introduced with Haswell</a:t>
-            </a:r>
-          </a:p>
-          <a:p>
-            <a:pPr marL="571500" indent="-571500">
-              <a:lnSpc>
-                <a:spcPct val="150000"/>
-              </a:lnSpc>
-              <a:spcBef>
-                <a:spcPts val="600"/>
-              </a:spcBef>
-              <a:buFont typeface="Arial" panose="020B0604020202020204" pitchFamily="34" charset="0"/>
-              <a:buChar char="•"/>
-            </a:pPr>
-            <a:r>
-              <a:rPr lang="en-US" sz="2800" dirty="0">
-                <a:latin typeface="Sherman Sans Book"/>
-              </a:rPr>
-              <a:t>Critical sections management</a:t>
-            </a:r>
-          </a:p>
-          <a:p>
-            <a:pPr marL="571500" indent="-571500">
-              <a:lnSpc>
-                <a:spcPct val="150000"/>
-              </a:lnSpc>
-              <a:spcBef>
-                <a:spcPts val="600"/>
-              </a:spcBef>
-              <a:buFont typeface="Arial" panose="020B0604020202020204" pitchFamily="34" charset="0"/>
-              <a:buChar char="•"/>
-            </a:pPr>
-            <a:r>
-              <a:rPr lang="en-US" sz="2800" dirty="0">
-                <a:latin typeface="Sherman Sans Book"/>
-              </a:rPr>
-              <a:t>Monitoring serialization</a:t>
-            </a:r>
-          </a:p>
-          <a:p>
-            <a:pPr marL="571500" indent="-571500">
-              <a:lnSpc>
-                <a:spcPct val="150000"/>
-              </a:lnSpc>
-              <a:spcBef>
-                <a:spcPts val="600"/>
-              </a:spcBef>
-              <a:buFont typeface="Arial" panose="020B0604020202020204" pitchFamily="34" charset="0"/>
-              <a:buChar char="•"/>
-            </a:pPr>
-            <a:r>
-              <a:rPr lang="en-US" sz="2800" dirty="0">
-                <a:latin typeface="Sherman Sans Book"/>
-              </a:rPr>
-              <a:t>Restricted Transactional Memory</a:t>
-            </a:r>
-          </a:p>
-          <a:p>
-            <a:pPr marL="1028700" lvl="1" indent="-571500">
-              <a:lnSpc>
-                <a:spcPct val="150000"/>
-              </a:lnSpc>
-              <a:spcBef>
-                <a:spcPts val="600"/>
-              </a:spcBef>
-              <a:buFont typeface="Arial" panose="020B0604020202020204" pitchFamily="34" charset="0"/>
-              <a:buChar char="•"/>
-            </a:pPr>
-            <a:r>
-              <a:rPr lang="en-US" sz="2800" dirty="0">
-                <a:solidFill>
-                  <a:srgbClr val="3E3D3C"/>
-                </a:solidFill>
-                <a:latin typeface="Sherman Sans Book"/>
-              </a:rPr>
-              <a:t>New Instruction set interface</a:t>
-            </a:r>
-          </a:p>
-        </p:txBody>
-      </p:sp>
-      <p:sp>
-        <p:nvSpPr>
-          <p:cNvPr id="5" name="Content Placeholder 4">
-            <a:extLst>
-              <a:ext uri="{FF2B5EF4-FFF2-40B4-BE49-F238E27FC236}">
-                <a16:creationId xmlns:a16="http://schemas.microsoft.com/office/drawing/2014/main" id="{B06BC180-DC1E-473C-A462-EDD7F1941AFB}"/>
-              </a:ext>
-            </a:extLst>
-          </p:cNvPr>
-          <p:cNvSpPr>
-            <a:spLocks noGrp="1"/>
-          </p:cNvSpPr>
-          <p:nvPr>
-            <p:ph sz="quarter" idx="19"/>
-          </p:nvPr>
-        </p:nvSpPr>
-        <p:spPr/>
-        <p:txBody>
-          <a:bodyPr/>
-          <a:lstStyle/>
-          <a:p>
-            <a:r>
-              <a:rPr lang="en-US" dirty="0"/>
-              <a:t>Intel TSX</a:t>
-            </a:r>
-          </a:p>
-        </p:txBody>
-      </p:sp>
-      <p:sp>
-        <p:nvSpPr>
-          <p:cNvPr id="6" name="Text Placeholder 5">
-            <a:extLst>
-              <a:ext uri="{FF2B5EF4-FFF2-40B4-BE49-F238E27FC236}">
-                <a16:creationId xmlns:a16="http://schemas.microsoft.com/office/drawing/2014/main" id="{82076DB4-6948-40E6-A2F5-7A1BD2806D89}"/>
-              </a:ext>
-            </a:extLst>
-          </p:cNvPr>
-          <p:cNvSpPr>
-            <a:spLocks noGrp="1"/>
-          </p:cNvSpPr>
-          <p:nvPr>
-            <p:ph type="body" sz="quarter" idx="22"/>
-          </p:nvPr>
-        </p:nvSpPr>
-        <p:spPr/>
-        <p:txBody>
-          <a:bodyPr/>
-          <a:lstStyle/>
-          <a:p>
-            <a:r>
-              <a:rPr lang="en-US" dirty="0"/>
-              <a:t>Department of Electrical Engineering and Computer Science</a:t>
-            </a:r>
-          </a:p>
-        </p:txBody>
-      </p:sp>
-    </p:spTree>
-    <p:extLst>
-      <p:ext uri="{BB962C8B-B14F-4D97-AF65-F5344CB8AC3E}">
-        <p14:creationId xmlns:p14="http://schemas.microsoft.com/office/powerpoint/2010/main" val="831115965"/>
-      </p:ext>
-    </p:extLst>
-  </p:cSld>
-  <p:clrMapOvr>
-    <a:masterClrMapping/>
-  </p:clrMapOvr>
-  <p:transition>
-    <p:fade/>
-  </p:transition>
-</p:sld>
-</file>
-
-<file path=ppt/slides/slide21.xml><?xml version="1.0" encoding="utf-8"?>
-<p:sld xmlns:a="http://schemas.openxmlformats.org/drawingml/2006/main" xmlns:r="http://schemas.openxmlformats.org/officeDocument/2006/relationships" xmlns:p="http://schemas.openxmlformats.org/presentationml/2006/main">
-  <p:cSld>
-    <p:spTree>
-      <p:nvGrpSpPr>
-        <p:cNvPr id="1" name=""/>
-        <p:cNvGrpSpPr/>
-        <p:nvPr/>
-      </p:nvGrpSpPr>
-      <p:grpSpPr>
-        <a:xfrm>
-          <a:off x="0" y="0"/>
-          <a:ext cx="0" cy="0"/>
-          <a:chOff x="0" y="0"/>
-          <a:chExt cx="0" cy="0"/>
-        </a:xfrm>
-      </p:grpSpPr>
-      <p:sp>
-        <p:nvSpPr>
-          <p:cNvPr id="2" name="Slide Number Placeholder 1">
-            <a:extLst>
-              <a:ext uri="{FF2B5EF4-FFF2-40B4-BE49-F238E27FC236}">
-                <a16:creationId xmlns:a16="http://schemas.microsoft.com/office/drawing/2014/main" id="{A5224E1A-EF22-4EC7-83A8-057B0B43110A}"/>
-              </a:ext>
-            </a:extLst>
-          </p:cNvPr>
-          <p:cNvSpPr>
-            <a:spLocks noGrp="1"/>
-          </p:cNvSpPr>
-          <p:nvPr>
-            <p:ph type="sldNum" sz="quarter" idx="10"/>
-          </p:nvPr>
-        </p:nvSpPr>
-        <p:spPr/>
-        <p:txBody>
-          <a:bodyPr/>
-          <a:lstStyle/>
-          <a:p>
-            <a:fld id="{F343A32A-436A-8143-8894-653E98457856}" type="slidenum">
-              <a:rPr lang="en-US" smtClean="0"/>
-              <a:pPr/>
-              <a:t>21</a:t>
-            </a:fld>
-            <a:endParaRPr lang="en-US" dirty="0"/>
-          </a:p>
-        </p:txBody>
-      </p:sp>
-      <p:sp>
-        <p:nvSpPr>
-          <p:cNvPr id="3" name="Title 2">
-            <a:extLst>
-              <a:ext uri="{FF2B5EF4-FFF2-40B4-BE49-F238E27FC236}">
-                <a16:creationId xmlns:a16="http://schemas.microsoft.com/office/drawing/2014/main" id="{AD1FFD4C-DEEC-4293-AD26-82E6976637F8}"/>
-              </a:ext>
-            </a:extLst>
-          </p:cNvPr>
-          <p:cNvSpPr>
-            <a:spLocks noGrp="1"/>
-          </p:cNvSpPr>
-          <p:nvPr>
-            <p:ph type="title"/>
-          </p:nvPr>
-        </p:nvSpPr>
-        <p:spPr/>
-        <p:txBody>
-          <a:bodyPr/>
-          <a:lstStyle/>
-          <a:p>
-            <a:r>
-              <a:rPr lang="en-US" dirty="0"/>
-              <a:t>Attacks</a:t>
-            </a:r>
-          </a:p>
-        </p:txBody>
-      </p:sp>
-      <p:sp>
-        <p:nvSpPr>
-          <p:cNvPr id="4" name="Text Placeholder 3">
-            <a:extLst>
-              <a:ext uri="{FF2B5EF4-FFF2-40B4-BE49-F238E27FC236}">
-                <a16:creationId xmlns:a16="http://schemas.microsoft.com/office/drawing/2014/main" id="{67326969-9422-4E13-87F0-8ABCF8DAF426}"/>
-              </a:ext>
-            </a:extLst>
-          </p:cNvPr>
-          <p:cNvSpPr>
-            <a:spLocks noGrp="1"/>
-          </p:cNvSpPr>
-          <p:nvPr>
-            <p:ph type="body" sz="quarter" idx="20"/>
-          </p:nvPr>
-        </p:nvSpPr>
-        <p:spPr/>
-        <p:txBody>
-          <a:bodyPr/>
-          <a:lstStyle/>
-          <a:p>
-            <a:pPr marL="571500" indent="-571500">
-              <a:lnSpc>
-                <a:spcPct val="100000"/>
-              </a:lnSpc>
-              <a:spcBef>
-                <a:spcPts val="1200"/>
-              </a:spcBef>
-              <a:buFont typeface="Arial" panose="020B0604020202020204" pitchFamily="34" charset="0"/>
-              <a:buChar char="•"/>
-            </a:pPr>
-            <a:r>
-              <a:rPr lang="en-US" sz="2800" dirty="0"/>
-              <a:t>TLB: shared between enclave and non-enclave programs ⇨ with hyperthreading enabled it creates side-channels</a:t>
-            </a:r>
-          </a:p>
-          <a:p>
-            <a:pPr marL="571500" indent="-571500">
-              <a:lnSpc>
-                <a:spcPct val="100000"/>
-              </a:lnSpc>
-              <a:spcBef>
-                <a:spcPts val="1200"/>
-              </a:spcBef>
-              <a:buFont typeface="Arial" panose="020B0604020202020204" pitchFamily="34" charset="0"/>
-              <a:buChar char="•"/>
-            </a:pPr>
-            <a:r>
-              <a:rPr lang="en-US" sz="2800" dirty="0"/>
-              <a:t>Page faults: visible to OS</a:t>
-            </a:r>
-          </a:p>
-          <a:p>
-            <a:pPr marL="571500" indent="-571500">
-              <a:lnSpc>
-                <a:spcPct val="100000"/>
-              </a:lnSpc>
-              <a:spcBef>
-                <a:spcPts val="1200"/>
-              </a:spcBef>
-              <a:buFont typeface="Arial" panose="020B0604020202020204" pitchFamily="34" charset="0"/>
-              <a:buChar char="•"/>
-            </a:pPr>
-            <a:r>
-              <a:rPr lang="en-US" sz="2800" dirty="0"/>
-              <a:t>TLB flushes: on context switch</a:t>
-            </a:r>
-          </a:p>
-          <a:p>
-            <a:pPr marL="571500" indent="-571500">
-              <a:lnSpc>
-                <a:spcPct val="100000"/>
-              </a:lnSpc>
-              <a:spcBef>
-                <a:spcPts val="1200"/>
-              </a:spcBef>
-              <a:buFont typeface="Arial" panose="020B0604020202020204" pitchFamily="34" charset="0"/>
-              <a:buChar char="•"/>
-            </a:pPr>
-            <a:r>
-              <a:rPr lang="en-US" sz="2800" dirty="0"/>
-              <a:t>Page table entry flags</a:t>
-            </a:r>
-          </a:p>
-          <a:p>
-            <a:pPr marL="571500" indent="-571500">
-              <a:lnSpc>
-                <a:spcPct val="100000"/>
-              </a:lnSpc>
-              <a:spcBef>
-                <a:spcPts val="1200"/>
-              </a:spcBef>
-              <a:buFont typeface="Arial" panose="020B0604020202020204" pitchFamily="34" charset="0"/>
-              <a:buChar char="•"/>
-            </a:pPr>
-            <a:r>
-              <a:rPr lang="en-US" sz="2800" dirty="0"/>
-              <a:t>Enclave memory address beginning and offset are known</a:t>
-            </a:r>
-          </a:p>
-          <a:p>
-            <a:pPr marL="571500" indent="-571500">
-              <a:lnSpc>
-                <a:spcPct val="100000"/>
-              </a:lnSpc>
-              <a:spcBef>
-                <a:spcPts val="1200"/>
-              </a:spcBef>
-              <a:buFont typeface="Arial" panose="020B0604020202020204" pitchFamily="34" charset="0"/>
-              <a:buChar char="•"/>
-            </a:pPr>
-            <a:r>
-              <a:rPr lang="en-US" sz="2800" dirty="0"/>
-              <a:t>Enclave exits (AEX)</a:t>
-            </a:r>
-          </a:p>
-        </p:txBody>
-      </p:sp>
-      <p:sp>
-        <p:nvSpPr>
-          <p:cNvPr id="5" name="Content Placeholder 4">
-            <a:extLst>
-              <a:ext uri="{FF2B5EF4-FFF2-40B4-BE49-F238E27FC236}">
-                <a16:creationId xmlns:a16="http://schemas.microsoft.com/office/drawing/2014/main" id="{8C362253-12EB-4E8F-915B-7AEE74DFF4EE}"/>
-              </a:ext>
-            </a:extLst>
-          </p:cNvPr>
-          <p:cNvSpPr>
-            <a:spLocks noGrp="1"/>
-          </p:cNvSpPr>
-          <p:nvPr>
-            <p:ph sz="quarter" idx="19"/>
-          </p:nvPr>
-        </p:nvSpPr>
-        <p:spPr/>
-        <p:txBody>
-          <a:bodyPr/>
-          <a:lstStyle/>
-          <a:p>
-            <a:r>
-              <a:rPr lang="en-US" dirty="0"/>
-              <a:t>Points of attack</a:t>
-            </a:r>
-          </a:p>
-        </p:txBody>
-      </p:sp>
-      <p:sp>
-        <p:nvSpPr>
-          <p:cNvPr id="6" name="Text Placeholder 5">
-            <a:extLst>
-              <a:ext uri="{FF2B5EF4-FFF2-40B4-BE49-F238E27FC236}">
-                <a16:creationId xmlns:a16="http://schemas.microsoft.com/office/drawing/2014/main" id="{942F482C-3A6E-4D79-9EBF-6CDCAD7C2DC9}"/>
-              </a:ext>
-            </a:extLst>
-          </p:cNvPr>
-          <p:cNvSpPr>
-            <a:spLocks noGrp="1"/>
-          </p:cNvSpPr>
-          <p:nvPr>
-            <p:ph type="body" sz="quarter" idx="22"/>
-          </p:nvPr>
-        </p:nvSpPr>
-        <p:spPr/>
-        <p:txBody>
-          <a:bodyPr/>
-          <a:lstStyle/>
-          <a:p>
-            <a:r>
-              <a:rPr lang="en-US" dirty="0"/>
-              <a:t>Department of Electrical Engineering and Computer Science</a:t>
-            </a:r>
-          </a:p>
-        </p:txBody>
-      </p:sp>
-    </p:spTree>
-    <p:extLst>
-      <p:ext uri="{BB962C8B-B14F-4D97-AF65-F5344CB8AC3E}">
-        <p14:creationId xmlns:p14="http://schemas.microsoft.com/office/powerpoint/2010/main" val="1524703182"/>
-      </p:ext>
-    </p:extLst>
-  </p:cSld>
-  <p:clrMapOvr>
-    <a:masterClrMapping/>
-  </p:clrMapOvr>
-  <p:transition>
-    <p:fade/>
-  </p:transition>
-</p:sld>
-</file>
-
-<file path=ppt/slides/slide22.xml><?xml version="1.0" encoding="utf-8"?>
-<p:sld xmlns:a="http://schemas.openxmlformats.org/drawingml/2006/main" xmlns:r="http://schemas.openxmlformats.org/officeDocument/2006/relationships" xmlns:p="http://schemas.openxmlformats.org/presentationml/2006/main">
-  <p:cSld>
-    <p:spTree>
-      <p:nvGrpSpPr>
-        <p:cNvPr id="1" name=""/>
-        <p:cNvGrpSpPr/>
-        <p:nvPr/>
-      </p:nvGrpSpPr>
-      <p:grpSpPr>
-        <a:xfrm>
-          <a:off x="0" y="0"/>
-          <a:ext cx="0" cy="0"/>
-          <a:chOff x="0" y="0"/>
-          <a:chExt cx="0" cy="0"/>
-        </a:xfrm>
-      </p:grpSpPr>
-      <p:sp>
-        <p:nvSpPr>
-          <p:cNvPr id="2" name="Slide Number Placeholder 1">
-            <a:extLst>
-              <a:ext uri="{FF2B5EF4-FFF2-40B4-BE49-F238E27FC236}">
-                <a16:creationId xmlns:a16="http://schemas.microsoft.com/office/drawing/2014/main" id="{C33349BC-DBC7-4A09-A78E-42B1D8A741F4}"/>
-              </a:ext>
-            </a:extLst>
-          </p:cNvPr>
-          <p:cNvSpPr>
-            <a:spLocks noGrp="1"/>
-          </p:cNvSpPr>
-          <p:nvPr>
-            <p:ph type="sldNum" sz="quarter" idx="10"/>
-          </p:nvPr>
-        </p:nvSpPr>
-        <p:spPr/>
-        <p:txBody>
-          <a:bodyPr/>
-          <a:lstStyle/>
-          <a:p>
-            <a:fld id="{F343A32A-436A-8143-8894-653E98457856}" type="slidenum">
-              <a:rPr lang="en-US" smtClean="0"/>
-              <a:pPr/>
-              <a:t>22</a:t>
-            </a:fld>
-            <a:endParaRPr lang="en-US" dirty="0"/>
-          </a:p>
-        </p:txBody>
-      </p:sp>
-      <p:sp>
-        <p:nvSpPr>
-          <p:cNvPr id="3" name="Title 2">
-            <a:extLst>
-              <a:ext uri="{FF2B5EF4-FFF2-40B4-BE49-F238E27FC236}">
-                <a16:creationId xmlns:a16="http://schemas.microsoft.com/office/drawing/2014/main" id="{FF796C11-BC43-4C18-9F54-79F3BD5690A1}"/>
-              </a:ext>
-            </a:extLst>
-          </p:cNvPr>
-          <p:cNvSpPr>
-            <a:spLocks noGrp="1"/>
-          </p:cNvSpPr>
-          <p:nvPr>
-            <p:ph type="title"/>
-          </p:nvPr>
-        </p:nvSpPr>
-        <p:spPr/>
-        <p:txBody>
-          <a:bodyPr/>
-          <a:lstStyle/>
-          <a:p>
-            <a:r>
-              <a:rPr lang="en-US" dirty="0"/>
-              <a:t>Analysis</a:t>
-            </a:r>
-          </a:p>
-        </p:txBody>
-      </p:sp>
-      <p:sp>
-        <p:nvSpPr>
-          <p:cNvPr id="4" name="Text Placeholder 3">
-            <a:extLst>
-              <a:ext uri="{FF2B5EF4-FFF2-40B4-BE49-F238E27FC236}">
-                <a16:creationId xmlns:a16="http://schemas.microsoft.com/office/drawing/2014/main" id="{488A68C6-3992-45DC-94A3-3DB6E85F6D16}"/>
-              </a:ext>
-            </a:extLst>
-          </p:cNvPr>
-          <p:cNvSpPr>
-            <a:spLocks noGrp="1"/>
-          </p:cNvSpPr>
-          <p:nvPr>
-            <p:ph type="body" sz="quarter" idx="20"/>
-          </p:nvPr>
-        </p:nvSpPr>
-        <p:spPr>
-          <a:xfrm>
-            <a:off x="1066802" y="1246760"/>
-            <a:ext cx="10667998" cy="3646487"/>
-          </a:xfrm>
-        </p:spPr>
-        <p:txBody>
-          <a:bodyPr/>
-          <a:lstStyle/>
-          <a:p>
-            <a:pPr marL="571500" indent="-571500">
-              <a:lnSpc>
-                <a:spcPct val="150000"/>
-              </a:lnSpc>
-              <a:buFont typeface="Arial" panose="020B0604020202020204" pitchFamily="34" charset="0"/>
-              <a:buChar char="•"/>
-            </a:pPr>
-            <a:r>
-              <a:rPr lang="en-US" sz="3200" dirty="0">
-                <a:latin typeface="Sherman Sans Book"/>
-              </a:rPr>
-              <a:t>SGX-Shield</a:t>
-            </a:r>
-          </a:p>
-          <a:p>
-            <a:pPr marL="1028700" lvl="1" indent="-571500">
-              <a:lnSpc>
-                <a:spcPct val="150000"/>
-              </a:lnSpc>
-              <a:buFont typeface="Arial" panose="020B0604020202020204" pitchFamily="34" charset="0"/>
-              <a:buChar char="•"/>
-            </a:pPr>
-            <a:r>
-              <a:rPr lang="en-US" dirty="0">
-                <a:solidFill>
-                  <a:srgbClr val="3E3D3C"/>
-                </a:solidFill>
-                <a:latin typeface="Sherman Sans Book"/>
-              </a:rPr>
-              <a:t>No live randomization ⇨ observe and monitor random patterns</a:t>
-            </a:r>
-          </a:p>
-          <a:p>
-            <a:pPr marL="571500" indent="-571500">
-              <a:lnSpc>
-                <a:spcPct val="150000"/>
-              </a:lnSpc>
-              <a:buFont typeface="Arial" panose="020B0604020202020204" pitchFamily="34" charset="0"/>
-              <a:buChar char="•"/>
-            </a:pPr>
-            <a:r>
-              <a:rPr lang="en-US" sz="3200" dirty="0">
-                <a:latin typeface="Sherman Sans Book"/>
-              </a:rPr>
-              <a:t>Shinde et al.</a:t>
-            </a:r>
-          </a:p>
-          <a:p>
-            <a:pPr marL="1028700" lvl="1" indent="-571500">
-              <a:lnSpc>
-                <a:spcPct val="150000"/>
-              </a:lnSpc>
-              <a:buFont typeface="Arial" panose="020B0604020202020204" pitchFamily="34" charset="0"/>
-              <a:buChar char="•"/>
-            </a:pPr>
-            <a:r>
-              <a:rPr lang="en-US" dirty="0">
-                <a:solidFill>
-                  <a:srgbClr val="3E3D3C"/>
-                </a:solidFill>
-                <a:latin typeface="Sherman Sans Book"/>
-              </a:rPr>
-              <a:t>Cache and TLB based attacks possible</a:t>
-            </a:r>
-          </a:p>
-        </p:txBody>
-      </p:sp>
-      <p:sp>
-        <p:nvSpPr>
-          <p:cNvPr id="6" name="Text Placeholder 5">
-            <a:extLst>
-              <a:ext uri="{FF2B5EF4-FFF2-40B4-BE49-F238E27FC236}">
-                <a16:creationId xmlns:a16="http://schemas.microsoft.com/office/drawing/2014/main" id="{F2B04F09-9DE7-4B50-831A-17E37A1AD2A3}"/>
-              </a:ext>
-            </a:extLst>
-          </p:cNvPr>
-          <p:cNvSpPr>
-            <a:spLocks noGrp="1"/>
-          </p:cNvSpPr>
-          <p:nvPr>
-            <p:ph type="body" sz="quarter" idx="22"/>
-          </p:nvPr>
-        </p:nvSpPr>
-        <p:spPr/>
-        <p:txBody>
-          <a:bodyPr/>
-          <a:lstStyle/>
-          <a:p>
-            <a:r>
-              <a:rPr lang="en-US" dirty="0"/>
-              <a:t>Department of Electrical Engineering and Computer Science</a:t>
-            </a:r>
-          </a:p>
-        </p:txBody>
-      </p:sp>
-    </p:spTree>
-    <p:extLst>
-      <p:ext uri="{BB962C8B-B14F-4D97-AF65-F5344CB8AC3E}">
-        <p14:creationId xmlns:p14="http://schemas.microsoft.com/office/powerpoint/2010/main" val="1204389075"/>
       </p:ext>
     </p:extLst>
   </p:cSld>
@@ -10568,7 +9883,7 @@
             </a:r>
           </a:p>
           <a:p>
-            <a:pPr marL="1714500" lvl="2" indent="-571500">
+            <a:pPr marL="1257300" lvl="1" indent="-571500">
               <a:lnSpc>
                 <a:spcPct val="100000"/>
               </a:lnSpc>
@@ -10579,7 +9894,7 @@
               <a:buChar char="•"/>
             </a:pPr>
             <a:r>
-              <a:rPr lang="en-US" sz="1800" dirty="0"/>
+              <a:rPr lang="en-US" sz="2000" dirty="0"/>
               <a:t>Program pinned to one core, no excessive interrupts, isolated</a:t>
             </a:r>
           </a:p>
@@ -11416,7 +10731,7 @@
         </p:blipFill>
         <p:spPr>
           <a:xfrm>
-            <a:off x="6096000" y="4354043"/>
+            <a:off x="6102158" y="4299799"/>
             <a:ext cx="5779133" cy="1762793"/>
           </a:xfrm>
           <a:prstGeom prst="rect">
@@ -11446,7 +10761,7 @@
         </p:blipFill>
         <p:spPr>
           <a:xfrm>
-            <a:off x="8335108" y="950662"/>
+            <a:off x="12473760" y="1334877"/>
             <a:ext cx="3540025" cy="1609103"/>
           </a:xfrm>
           <a:prstGeom prst="rect">
@@ -11476,7 +10791,7 @@
         </p:blipFill>
         <p:spPr>
           <a:xfrm>
-            <a:off x="7558330" y="2559765"/>
+            <a:off x="1175114" y="4448473"/>
             <a:ext cx="4316804" cy="1573931"/>
           </a:xfrm>
           <a:prstGeom prst="rect">
@@ -12009,7 +11324,7 @@
               <a:rPr lang="en-US" sz="2000" dirty="0">
                 <a:latin typeface="Sherman Sans Book"/>
               </a:rPr>
-              <a:t>Solution: Time difference between two repeatedly accessed pages ⇨ one interrupt</a:t>
+              <a:t>Solution: Time difference between two repeatedly accessed pages ⇨ different input dependent paths between pages ⇨ no interrupts between two pages</a:t>
             </a:r>
           </a:p>
           <a:p>

--- a/Presentation/qe2.pptx
+++ b/Presentation/qe2.pptx
@@ -9430,7 +9430,7 @@
         </p:nvSpPr>
         <p:spPr>
           <a:xfrm>
-            <a:off x="1066799" y="1450222"/>
+            <a:off x="1066799" y="1782829"/>
             <a:ext cx="10667998" cy="3646487"/>
           </a:xfrm>
         </p:spPr>
